--- a/figs/makeFigs.pptx
+++ b/figs/makeFigs.pptx
@@ -7,6 +7,11 @@
   <p:sldIdLst>
     <p:sldId id="256" r:id="rId2"/>
     <p:sldId id="257" r:id="rId3"/>
+    <p:sldId id="258" r:id="rId4"/>
+    <p:sldId id="259" r:id="rId5"/>
+    <p:sldId id="260" r:id="rId6"/>
+    <p:sldId id="261" r:id="rId7"/>
+    <p:sldId id="262" r:id="rId8"/>
   </p:sldIdLst>
   <p:sldSz cx="12192000" cy="6858000"/>
   <p:notesSz cx="6858000" cy="9144000"/>
@@ -105,6 +110,11 @@
       </a:defRPr>
     </a:lvl9pPr>
   </p:defaultTextStyle>
+  <p:extLst>
+    <p:ext uri="{EFAFB233-063F-42B5-8137-9DF3F51BA10A}">
+      <p15:sldGuideLst xmlns:p15="http://schemas.microsoft.com/office/powerpoint/2012/main"/>
+    </p:ext>
+  </p:extLst>
 </p:presentation>
 </file>
 
@@ -255,7 +265,7 @@
           <a:p>
             <a:fld id="{87D531F3-03F6-4B31-A86E-E14E0694404D}" type="datetimeFigureOut">
               <a:rPr kumimoji="1" lang="ja-JP" altLang="en-US" smtClean="0"/>
-              <a:t>2019/3/30</a:t>
+              <a:t>2019/4/23</a:t>
             </a:fld>
             <a:endParaRPr kumimoji="1" lang="ja-JP" altLang="en-US"/>
           </a:p>
@@ -485,7 +495,7 @@
           <a:p>
             <a:fld id="{87D531F3-03F6-4B31-A86E-E14E0694404D}" type="datetimeFigureOut">
               <a:rPr kumimoji="1" lang="ja-JP" altLang="en-US" smtClean="0"/>
-              <a:t>2019/3/30</a:t>
+              <a:t>2019/4/23</a:t>
             </a:fld>
             <a:endParaRPr kumimoji="1" lang="ja-JP" altLang="en-US"/>
           </a:p>
@@ -725,7 +735,7 @@
           <a:p>
             <a:fld id="{87D531F3-03F6-4B31-A86E-E14E0694404D}" type="datetimeFigureOut">
               <a:rPr kumimoji="1" lang="ja-JP" altLang="en-US" smtClean="0"/>
-              <a:t>2019/3/30</a:t>
+              <a:t>2019/4/23</a:t>
             </a:fld>
             <a:endParaRPr kumimoji="1" lang="ja-JP" altLang="en-US"/>
           </a:p>
@@ -955,7 +965,7 @@
           <a:p>
             <a:fld id="{87D531F3-03F6-4B31-A86E-E14E0694404D}" type="datetimeFigureOut">
               <a:rPr kumimoji="1" lang="ja-JP" altLang="en-US" smtClean="0"/>
-              <a:t>2019/3/30</a:t>
+              <a:t>2019/4/23</a:t>
             </a:fld>
             <a:endParaRPr kumimoji="1" lang="ja-JP" altLang="en-US"/>
           </a:p>
@@ -1230,7 +1240,7 @@
           <a:p>
             <a:fld id="{87D531F3-03F6-4B31-A86E-E14E0694404D}" type="datetimeFigureOut">
               <a:rPr kumimoji="1" lang="ja-JP" altLang="en-US" smtClean="0"/>
-              <a:t>2019/3/30</a:t>
+              <a:t>2019/4/23</a:t>
             </a:fld>
             <a:endParaRPr kumimoji="1" lang="ja-JP" altLang="en-US"/>
           </a:p>
@@ -1559,7 +1569,7 @@
           <a:p>
             <a:fld id="{87D531F3-03F6-4B31-A86E-E14E0694404D}" type="datetimeFigureOut">
               <a:rPr kumimoji="1" lang="ja-JP" altLang="en-US" smtClean="0"/>
-              <a:t>2019/3/30</a:t>
+              <a:t>2019/4/23</a:t>
             </a:fld>
             <a:endParaRPr kumimoji="1" lang="ja-JP" altLang="en-US"/>
           </a:p>
@@ -2035,7 +2045,7 @@
           <a:p>
             <a:fld id="{87D531F3-03F6-4B31-A86E-E14E0694404D}" type="datetimeFigureOut">
               <a:rPr kumimoji="1" lang="ja-JP" altLang="en-US" smtClean="0"/>
-              <a:t>2019/3/30</a:t>
+              <a:t>2019/4/23</a:t>
             </a:fld>
             <a:endParaRPr kumimoji="1" lang="ja-JP" altLang="en-US"/>
           </a:p>
@@ -2176,7 +2186,7 @@
           <a:p>
             <a:fld id="{87D531F3-03F6-4B31-A86E-E14E0694404D}" type="datetimeFigureOut">
               <a:rPr kumimoji="1" lang="ja-JP" altLang="en-US" smtClean="0"/>
-              <a:t>2019/3/30</a:t>
+              <a:t>2019/4/23</a:t>
             </a:fld>
             <a:endParaRPr kumimoji="1" lang="ja-JP" altLang="en-US"/>
           </a:p>
@@ -2289,7 +2299,7 @@
           <a:p>
             <a:fld id="{87D531F3-03F6-4B31-A86E-E14E0694404D}" type="datetimeFigureOut">
               <a:rPr kumimoji="1" lang="ja-JP" altLang="en-US" smtClean="0"/>
-              <a:t>2019/3/30</a:t>
+              <a:t>2019/4/23</a:t>
             </a:fld>
             <a:endParaRPr kumimoji="1" lang="ja-JP" altLang="en-US"/>
           </a:p>
@@ -2632,7 +2642,7 @@
           <a:p>
             <a:fld id="{87D531F3-03F6-4B31-A86E-E14E0694404D}" type="datetimeFigureOut">
               <a:rPr kumimoji="1" lang="ja-JP" altLang="en-US" smtClean="0"/>
-              <a:t>2019/3/30</a:t>
+              <a:t>2019/4/23</a:t>
             </a:fld>
             <a:endParaRPr kumimoji="1" lang="ja-JP" altLang="en-US"/>
           </a:p>
@@ -2920,7 +2930,7 @@
           <a:p>
             <a:fld id="{87D531F3-03F6-4B31-A86E-E14E0694404D}" type="datetimeFigureOut">
               <a:rPr kumimoji="1" lang="ja-JP" altLang="en-US" smtClean="0"/>
-              <a:t>2019/3/30</a:t>
+              <a:t>2019/4/23</a:t>
             </a:fld>
             <a:endParaRPr kumimoji="1" lang="ja-JP" altLang="en-US"/>
           </a:p>
@@ -3193,7 +3203,7 @@
           <a:p>
             <a:fld id="{87D531F3-03F6-4B31-A86E-E14E0694404D}" type="datetimeFigureOut">
               <a:rPr kumimoji="1" lang="ja-JP" altLang="en-US" smtClean="0"/>
-              <a:t>2019/3/30</a:t>
+              <a:t>2019/4/23</a:t>
             </a:fld>
             <a:endParaRPr kumimoji="1" lang="ja-JP" altLang="en-US"/>
           </a:p>
@@ -5884,6 +5894,6919 @@
 </p:sld>
 </file>
 
+<file path=ppt/slides/slide3.xml><?xml version="1.0" encoding="utf-8"?>
+<p:sld xmlns:a="http://schemas.openxmlformats.org/drawingml/2006/main" xmlns:r="http://schemas.openxmlformats.org/officeDocument/2006/relationships" xmlns:p="http://schemas.openxmlformats.org/presentationml/2006/main">
+  <p:cSld>
+    <p:spTree>
+      <p:nvGrpSpPr>
+        <p:cNvPr id="1" name=""/>
+        <p:cNvGrpSpPr/>
+        <p:nvPr/>
+      </p:nvGrpSpPr>
+      <p:grpSpPr>
+        <a:xfrm>
+          <a:off x="0" y="0"/>
+          <a:ext cx="0" cy="0"/>
+          <a:chOff x="0" y="0"/>
+          <a:chExt cx="0" cy="0"/>
+        </a:xfrm>
+      </p:grpSpPr>
+      <p:grpSp>
+        <p:nvGrpSpPr>
+          <p:cNvPr id="50" name="グループ化 49">
+            <a:extLst>
+              <a:ext uri="{FF2B5EF4-FFF2-40B4-BE49-F238E27FC236}">
+                <a16:creationId xmlns:a16="http://schemas.microsoft.com/office/drawing/2014/main" id="{62CAB282-68B2-4E47-A58B-D52F1E0DE54D}"/>
+              </a:ext>
+            </a:extLst>
+          </p:cNvPr>
+          <p:cNvGrpSpPr/>
+          <p:nvPr/>
+        </p:nvGrpSpPr>
+        <p:grpSpPr>
+          <a:xfrm>
+            <a:off x="932651" y="507400"/>
+            <a:ext cx="8998077" cy="6274556"/>
+            <a:chOff x="932651" y="507400"/>
+            <a:chExt cx="8998077" cy="6274556"/>
+          </a:xfrm>
+        </p:grpSpPr>
+        <p:grpSp>
+          <p:nvGrpSpPr>
+            <p:cNvPr id="43" name="グループ化 42">
+              <a:extLst>
+                <a:ext uri="{FF2B5EF4-FFF2-40B4-BE49-F238E27FC236}">
+                  <a16:creationId xmlns:a16="http://schemas.microsoft.com/office/drawing/2014/main" id="{42B06CDE-D843-481B-86E3-57F509375FA2}"/>
+                </a:ext>
+              </a:extLst>
+            </p:cNvPr>
+            <p:cNvGrpSpPr/>
+            <p:nvPr/>
+          </p:nvGrpSpPr>
+          <p:grpSpPr>
+            <a:xfrm>
+              <a:off x="932651" y="507400"/>
+              <a:ext cx="8998077" cy="6274556"/>
+              <a:chOff x="932651" y="507400"/>
+              <a:chExt cx="8998077" cy="6274556"/>
+            </a:xfrm>
+          </p:grpSpPr>
+          <p:grpSp>
+            <p:nvGrpSpPr>
+              <p:cNvPr id="22" name="Group 25">
+                <a:extLst>
+                  <a:ext uri="{FF2B5EF4-FFF2-40B4-BE49-F238E27FC236}">
+                    <a16:creationId xmlns:a16="http://schemas.microsoft.com/office/drawing/2014/main" id="{56D614F3-9342-4C48-B869-0DE9DC9B09CC}"/>
+                  </a:ext>
+                </a:extLst>
+              </p:cNvPr>
+              <p:cNvGrpSpPr/>
+              <p:nvPr/>
+            </p:nvGrpSpPr>
+            <p:grpSpPr>
+              <a:xfrm>
+                <a:off x="1229138" y="507400"/>
+                <a:ext cx="8701590" cy="6002977"/>
+                <a:chOff x="632968" y="233281"/>
+                <a:chExt cx="8701590" cy="6002977"/>
+              </a:xfrm>
+            </p:grpSpPr>
+            <p:grpSp>
+              <p:nvGrpSpPr>
+                <p:cNvPr id="25" name="Group 18">
+                  <a:extLst>
+                    <a:ext uri="{FF2B5EF4-FFF2-40B4-BE49-F238E27FC236}">
+                      <a16:creationId xmlns:a16="http://schemas.microsoft.com/office/drawing/2014/main" id="{22F5F5C5-65AD-48D7-B0A2-1FB3A3B3F089}"/>
+                    </a:ext>
+                  </a:extLst>
+                </p:cNvPr>
+                <p:cNvGrpSpPr/>
+                <p:nvPr/>
+              </p:nvGrpSpPr>
+              <p:grpSpPr>
+                <a:xfrm>
+                  <a:off x="632968" y="233281"/>
+                  <a:ext cx="8701590" cy="6002977"/>
+                  <a:chOff x="632968" y="233281"/>
+                  <a:chExt cx="8701590" cy="6002977"/>
+                </a:xfrm>
+              </p:grpSpPr>
+              <p:sp>
+                <p:nvSpPr>
+                  <p:cNvPr id="27" name="Can 17">
+                    <a:extLst>
+                      <a:ext uri="{FF2B5EF4-FFF2-40B4-BE49-F238E27FC236}">
+                        <a16:creationId xmlns:a16="http://schemas.microsoft.com/office/drawing/2014/main" id="{C126B4D7-E770-46C3-A0E7-DA4554C4CC85}"/>
+                      </a:ext>
+                    </a:extLst>
+                  </p:cNvPr>
+                  <p:cNvSpPr/>
+                  <p:nvPr/>
+                </p:nvSpPr>
+                <p:spPr>
+                  <a:xfrm rot="14470585">
+                    <a:off x="3455155" y="1926609"/>
+                    <a:ext cx="627800" cy="1023582"/>
+                  </a:xfrm>
+                  <a:prstGeom prst="can">
+                    <a:avLst/>
+                  </a:prstGeom>
+                  <a:solidFill>
+                    <a:srgbClr val="9BBB59"/>
+                  </a:solidFill>
+                  <a:ln w="25400" cap="flat" cmpd="sng" algn="ctr">
+                    <a:solidFill>
+                      <a:srgbClr val="9BBB59">
+                        <a:shade val="50000"/>
+                      </a:srgbClr>
+                    </a:solidFill>
+                    <a:prstDash val="solid"/>
+                  </a:ln>
+                  <a:effectLst/>
+                </p:spPr>
+                <p:txBody>
+                  <a:bodyPr rtlCol="0" anchor="ctr"/>
+                  <a:lstStyle/>
+                  <a:p>
+                    <a:pPr marL="0" marR="0" lvl="0" indent="0" algn="ctr" defTabSz="914400" eaLnBrk="1" fontAlgn="auto" latinLnBrk="0" hangingPunct="1">
+                      <a:lnSpc>
+                        <a:spcPct val="100000"/>
+                      </a:lnSpc>
+                      <a:spcBef>
+                        <a:spcPts val="0"/>
+                      </a:spcBef>
+                      <a:spcAft>
+                        <a:spcPts val="0"/>
+                      </a:spcAft>
+                      <a:buClrTx/>
+                      <a:buSzTx/>
+                      <a:buFontTx/>
+                      <a:buNone/>
+                      <a:tabLst/>
+                      <a:defRPr/>
+                    </a:pPr>
+                    <a:endParaRPr kumimoji="0" lang="ja-JP" altLang="en-US" sz="1800" b="0" i="0" u="none" strike="noStrike" kern="0" cap="none" spc="0" normalizeH="0" baseline="0" noProof="0">
+                      <a:ln>
+                        <a:noFill/>
+                      </a:ln>
+                      <a:solidFill>
+                        <a:prstClr val="white"/>
+                      </a:solidFill>
+                      <a:effectLst/>
+                      <a:uLnTx/>
+                      <a:uFillTx/>
+                      <a:latin typeface="Arial"/>
+                      <a:cs typeface="DejaVu Sans"/>
+                    </a:endParaRPr>
+                  </a:p>
+                </p:txBody>
+              </p:sp>
+              <p:grpSp>
+                <p:nvGrpSpPr>
+                  <p:cNvPr id="28" name="Group 16">
+                    <a:extLst>
+                      <a:ext uri="{FF2B5EF4-FFF2-40B4-BE49-F238E27FC236}">
+                        <a16:creationId xmlns:a16="http://schemas.microsoft.com/office/drawing/2014/main" id="{3BFD416F-094D-49BE-A61A-FA4EBE88624A}"/>
+                      </a:ext>
+                    </a:extLst>
+                  </p:cNvPr>
+                  <p:cNvGrpSpPr/>
+                  <p:nvPr/>
+                </p:nvGrpSpPr>
+                <p:grpSpPr>
+                  <a:xfrm>
+                    <a:off x="632968" y="233281"/>
+                    <a:ext cx="8701590" cy="6002977"/>
+                    <a:chOff x="632968" y="233281"/>
+                    <a:chExt cx="8701590" cy="6002977"/>
+                  </a:xfrm>
+                </p:grpSpPr>
+                <p:sp>
+                  <p:nvSpPr>
+                    <p:cNvPr id="29" name="Can 15">
+                      <a:extLst>
+                        <a:ext uri="{FF2B5EF4-FFF2-40B4-BE49-F238E27FC236}">
+                          <a16:creationId xmlns:a16="http://schemas.microsoft.com/office/drawing/2014/main" id="{7CAD09EB-B7E7-46B2-84E5-11F664953A1B}"/>
+                        </a:ext>
+                      </a:extLst>
+                    </p:cNvPr>
+                    <p:cNvSpPr/>
+                    <p:nvPr/>
+                  </p:nvSpPr>
+                  <p:spPr>
+                    <a:xfrm rot="14470585">
+                      <a:off x="5725746" y="4182532"/>
+                      <a:ext cx="640416" cy="983643"/>
+                    </a:xfrm>
+                    <a:prstGeom prst="can">
+                      <a:avLst/>
+                    </a:prstGeom>
+                    <a:solidFill>
+                      <a:srgbClr val="9BBB59"/>
+                    </a:solidFill>
+                    <a:ln w="25400" cap="flat" cmpd="sng" algn="ctr">
+                      <a:solidFill>
+                        <a:srgbClr val="9BBB59">
+                          <a:shade val="50000"/>
+                        </a:srgbClr>
+                      </a:solidFill>
+                      <a:prstDash val="solid"/>
+                    </a:ln>
+                    <a:effectLst/>
+                  </p:spPr>
+                  <p:txBody>
+                    <a:bodyPr rtlCol="0" anchor="ctr"/>
+                    <a:lstStyle/>
+                    <a:p>
+                      <a:pPr marL="0" marR="0" lvl="0" indent="0" algn="ctr" defTabSz="914400" eaLnBrk="1" fontAlgn="auto" latinLnBrk="0" hangingPunct="1">
+                        <a:lnSpc>
+                          <a:spcPct val="100000"/>
+                        </a:lnSpc>
+                        <a:spcBef>
+                          <a:spcPts val="0"/>
+                        </a:spcBef>
+                        <a:spcAft>
+                          <a:spcPts val="0"/>
+                        </a:spcAft>
+                        <a:buClrTx/>
+                        <a:buSzTx/>
+                        <a:buFontTx/>
+                        <a:buNone/>
+                        <a:tabLst/>
+                        <a:defRPr/>
+                      </a:pPr>
+                      <a:endParaRPr kumimoji="0" lang="ja-JP" altLang="en-US" sz="1800" b="0" i="0" u="none" strike="noStrike" kern="0" cap="none" spc="0" normalizeH="0" baseline="0" noProof="0">
+                        <a:ln>
+                          <a:noFill/>
+                        </a:ln>
+                        <a:solidFill>
+                          <a:prstClr val="white"/>
+                        </a:solidFill>
+                        <a:effectLst/>
+                        <a:uLnTx/>
+                        <a:uFillTx/>
+                        <a:latin typeface="Arial"/>
+                        <a:cs typeface="DejaVu Sans"/>
+                      </a:endParaRPr>
+                    </a:p>
+                  </p:txBody>
+                </p:sp>
+                <p:grpSp>
+                  <p:nvGrpSpPr>
+                    <p:cNvPr id="30" name="Group 8">
+                      <a:extLst>
+                        <a:ext uri="{FF2B5EF4-FFF2-40B4-BE49-F238E27FC236}">
+                          <a16:creationId xmlns:a16="http://schemas.microsoft.com/office/drawing/2014/main" id="{844FD9E4-94DD-43DD-BA30-DEE6220A7E0F}"/>
+                        </a:ext>
+                      </a:extLst>
+                    </p:cNvPr>
+                    <p:cNvGrpSpPr/>
+                    <p:nvPr/>
+                  </p:nvGrpSpPr>
+                  <p:grpSpPr>
+                    <a:xfrm>
+                      <a:off x="1091342" y="233281"/>
+                      <a:ext cx="8243216" cy="6002977"/>
+                      <a:chOff x="627319" y="588126"/>
+                      <a:chExt cx="8243216" cy="6002977"/>
+                    </a:xfrm>
+                  </p:grpSpPr>
+                  <p:sp>
+                    <p:nvSpPr>
+                      <p:cNvPr id="32" name="Rectangle 3">
+                        <a:extLst>
+                          <a:ext uri="{FF2B5EF4-FFF2-40B4-BE49-F238E27FC236}">
+                            <a16:creationId xmlns:a16="http://schemas.microsoft.com/office/drawing/2014/main" id="{9BD5A4D5-3A0E-4BB2-906F-E6E33D5FBC14}"/>
+                          </a:ext>
+                        </a:extLst>
+                      </p:cNvPr>
+                      <p:cNvSpPr/>
+                      <p:nvPr/>
+                    </p:nvSpPr>
+                    <p:spPr>
+                      <a:xfrm>
+                        <a:off x="3358935" y="588126"/>
+                        <a:ext cx="1505062" cy="3632684"/>
+                      </a:xfrm>
+                      <a:custGeom>
+                        <a:avLst/>
+                        <a:gdLst>
+                          <a:gd name="connsiteX0" fmla="*/ 0 w 946298"/>
+                          <a:gd name="connsiteY0" fmla="*/ 0 h 2998381"/>
+                          <a:gd name="connsiteX1" fmla="*/ 946298 w 946298"/>
+                          <a:gd name="connsiteY1" fmla="*/ 0 h 2998381"/>
+                          <a:gd name="connsiteX2" fmla="*/ 946298 w 946298"/>
+                          <a:gd name="connsiteY2" fmla="*/ 2998381 h 2998381"/>
+                          <a:gd name="connsiteX3" fmla="*/ 0 w 946298"/>
+                          <a:gd name="connsiteY3" fmla="*/ 2998381 h 2998381"/>
+                          <a:gd name="connsiteX4" fmla="*/ 0 w 946298"/>
+                          <a:gd name="connsiteY4" fmla="*/ 0 h 2998381"/>
+                          <a:gd name="connsiteX0" fmla="*/ 0 w 1190847"/>
+                          <a:gd name="connsiteY0" fmla="*/ 0 h 2998381"/>
+                          <a:gd name="connsiteX1" fmla="*/ 946298 w 1190847"/>
+                          <a:gd name="connsiteY1" fmla="*/ 0 h 2998381"/>
+                          <a:gd name="connsiteX2" fmla="*/ 1190847 w 1190847"/>
+                          <a:gd name="connsiteY2" fmla="*/ 2604977 h 2998381"/>
+                          <a:gd name="connsiteX3" fmla="*/ 0 w 1190847"/>
+                          <a:gd name="connsiteY3" fmla="*/ 2998381 h 2998381"/>
+                          <a:gd name="connsiteX4" fmla="*/ 0 w 1190847"/>
+                          <a:gd name="connsiteY4" fmla="*/ 0 h 2998381"/>
+                          <a:gd name="connsiteX0" fmla="*/ 191386 w 1382233"/>
+                          <a:gd name="connsiteY0" fmla="*/ 0 h 3125972"/>
+                          <a:gd name="connsiteX1" fmla="*/ 1137684 w 1382233"/>
+                          <a:gd name="connsiteY1" fmla="*/ 0 h 3125972"/>
+                          <a:gd name="connsiteX2" fmla="*/ 1382233 w 1382233"/>
+                          <a:gd name="connsiteY2" fmla="*/ 2604977 h 3125972"/>
+                          <a:gd name="connsiteX3" fmla="*/ 0 w 1382233"/>
+                          <a:gd name="connsiteY3" fmla="*/ 3125972 h 3125972"/>
+                          <a:gd name="connsiteX4" fmla="*/ 191386 w 1382233"/>
+                          <a:gd name="connsiteY4" fmla="*/ 0 h 3125972"/>
+                          <a:gd name="connsiteX0" fmla="*/ 191386 w 1382233"/>
+                          <a:gd name="connsiteY0" fmla="*/ 0 h 3264195"/>
+                          <a:gd name="connsiteX1" fmla="*/ 1137684 w 1382233"/>
+                          <a:gd name="connsiteY1" fmla="*/ 0 h 3264195"/>
+                          <a:gd name="connsiteX2" fmla="*/ 1382233 w 1382233"/>
+                          <a:gd name="connsiteY2" fmla="*/ 2604977 h 3264195"/>
+                          <a:gd name="connsiteX3" fmla="*/ 0 w 1382233"/>
+                          <a:gd name="connsiteY3" fmla="*/ 3264195 h 3264195"/>
+                          <a:gd name="connsiteX4" fmla="*/ 191386 w 1382233"/>
+                          <a:gd name="connsiteY4" fmla="*/ 0 h 3264195"/>
+                          <a:gd name="connsiteX0" fmla="*/ 0 w 1499191"/>
+                          <a:gd name="connsiteY0" fmla="*/ 0 h 3306725"/>
+                          <a:gd name="connsiteX1" fmla="*/ 1254642 w 1499191"/>
+                          <a:gd name="connsiteY1" fmla="*/ 42530 h 3306725"/>
+                          <a:gd name="connsiteX2" fmla="*/ 1499191 w 1499191"/>
+                          <a:gd name="connsiteY2" fmla="*/ 2647507 h 3306725"/>
+                          <a:gd name="connsiteX3" fmla="*/ 116958 w 1499191"/>
+                          <a:gd name="connsiteY3" fmla="*/ 3306725 h 3306725"/>
+                          <a:gd name="connsiteX4" fmla="*/ 0 w 1499191"/>
+                          <a:gd name="connsiteY4" fmla="*/ 0 h 3306725"/>
+                          <a:gd name="connsiteX0" fmla="*/ 0 w 1963215"/>
+                          <a:gd name="connsiteY0" fmla="*/ 0 h 3306725"/>
+                          <a:gd name="connsiteX1" fmla="*/ 1254642 w 1963215"/>
+                          <a:gd name="connsiteY1" fmla="*/ 42530 h 3306725"/>
+                          <a:gd name="connsiteX2" fmla="*/ 1963215 w 1963215"/>
+                          <a:gd name="connsiteY2" fmla="*/ 2442791 h 3306725"/>
+                          <a:gd name="connsiteX3" fmla="*/ 116958 w 1963215"/>
+                          <a:gd name="connsiteY3" fmla="*/ 3306725 h 3306725"/>
+                          <a:gd name="connsiteX4" fmla="*/ 0 w 1963215"/>
+                          <a:gd name="connsiteY4" fmla="*/ 0 h 3306725"/>
+                          <a:gd name="connsiteX0" fmla="*/ 0 w 1963215"/>
+                          <a:gd name="connsiteY0" fmla="*/ 162187 h 3468912"/>
+                          <a:gd name="connsiteX1" fmla="*/ 708731 w 1963215"/>
+                          <a:gd name="connsiteY1" fmla="*/ 0 h 3468912"/>
+                          <a:gd name="connsiteX2" fmla="*/ 1963215 w 1963215"/>
+                          <a:gd name="connsiteY2" fmla="*/ 2604978 h 3468912"/>
+                          <a:gd name="connsiteX3" fmla="*/ 116958 w 1963215"/>
+                          <a:gd name="connsiteY3" fmla="*/ 3468912 h 3468912"/>
+                          <a:gd name="connsiteX4" fmla="*/ 0 w 1963215"/>
+                          <a:gd name="connsiteY4" fmla="*/ 162187 h 3468912"/>
+                          <a:gd name="connsiteX0" fmla="*/ 0 w 1963215"/>
+                          <a:gd name="connsiteY0" fmla="*/ 339607 h 3646332"/>
+                          <a:gd name="connsiteX1" fmla="*/ 531310 w 1963215"/>
+                          <a:gd name="connsiteY1" fmla="*/ 0 h 3646332"/>
+                          <a:gd name="connsiteX2" fmla="*/ 1963215 w 1963215"/>
+                          <a:gd name="connsiteY2" fmla="*/ 2782398 h 3646332"/>
+                          <a:gd name="connsiteX3" fmla="*/ 116958 w 1963215"/>
+                          <a:gd name="connsiteY3" fmla="*/ 3646332 h 3646332"/>
+                          <a:gd name="connsiteX4" fmla="*/ 0 w 1963215"/>
+                          <a:gd name="connsiteY4" fmla="*/ 339607 h 3646332"/>
+                          <a:gd name="connsiteX0" fmla="*/ 0 w 1963215"/>
+                          <a:gd name="connsiteY0" fmla="*/ 244072 h 3646332"/>
+                          <a:gd name="connsiteX1" fmla="*/ 531310 w 1963215"/>
+                          <a:gd name="connsiteY1" fmla="*/ 0 h 3646332"/>
+                          <a:gd name="connsiteX2" fmla="*/ 1963215 w 1963215"/>
+                          <a:gd name="connsiteY2" fmla="*/ 2782398 h 3646332"/>
+                          <a:gd name="connsiteX3" fmla="*/ 116958 w 1963215"/>
+                          <a:gd name="connsiteY3" fmla="*/ 3646332 h 3646332"/>
+                          <a:gd name="connsiteX4" fmla="*/ 0 w 1963215"/>
+                          <a:gd name="connsiteY4" fmla="*/ 244072 h 3646332"/>
+                          <a:gd name="connsiteX0" fmla="*/ 0 w 1758498"/>
+                          <a:gd name="connsiteY0" fmla="*/ 244072 h 3646332"/>
+                          <a:gd name="connsiteX1" fmla="*/ 531310 w 1758498"/>
+                          <a:gd name="connsiteY1" fmla="*/ 0 h 3646332"/>
+                          <a:gd name="connsiteX2" fmla="*/ 1758498 w 1758498"/>
+                          <a:gd name="connsiteY2" fmla="*/ 3014410 h 3646332"/>
+                          <a:gd name="connsiteX3" fmla="*/ 116958 w 1758498"/>
+                          <a:gd name="connsiteY3" fmla="*/ 3646332 h 3646332"/>
+                          <a:gd name="connsiteX4" fmla="*/ 0 w 1758498"/>
+                          <a:gd name="connsiteY4" fmla="*/ 244072 h 3646332"/>
+                          <a:gd name="connsiteX0" fmla="*/ 74111 w 1832609"/>
+                          <a:gd name="connsiteY0" fmla="*/ 244072 h 3769162"/>
+                          <a:gd name="connsiteX1" fmla="*/ 605421 w 1832609"/>
+                          <a:gd name="connsiteY1" fmla="*/ 0 h 3769162"/>
+                          <a:gd name="connsiteX2" fmla="*/ 1832609 w 1832609"/>
+                          <a:gd name="connsiteY2" fmla="*/ 3014410 h 3769162"/>
+                          <a:gd name="connsiteX3" fmla="*/ 0 w 1832609"/>
+                          <a:gd name="connsiteY3" fmla="*/ 3769162 h 3769162"/>
+                          <a:gd name="connsiteX4" fmla="*/ 74111 w 1832609"/>
+                          <a:gd name="connsiteY4" fmla="*/ 244072 h 3769162"/>
+                          <a:gd name="connsiteX0" fmla="*/ 74111 w 1505062"/>
+                          <a:gd name="connsiteY0" fmla="*/ 244072 h 3769162"/>
+                          <a:gd name="connsiteX1" fmla="*/ 605421 w 1505062"/>
+                          <a:gd name="connsiteY1" fmla="*/ 0 h 3769162"/>
+                          <a:gd name="connsiteX2" fmla="*/ 1505062 w 1505062"/>
+                          <a:gd name="connsiteY2" fmla="*/ 2946171 h 3769162"/>
+                          <a:gd name="connsiteX3" fmla="*/ 0 w 1505062"/>
+                          <a:gd name="connsiteY3" fmla="*/ 3769162 h 3769162"/>
+                          <a:gd name="connsiteX4" fmla="*/ 74111 w 1505062"/>
+                          <a:gd name="connsiteY4" fmla="*/ 244072 h 3769162"/>
+                          <a:gd name="connsiteX0" fmla="*/ 74111 w 1505062"/>
+                          <a:gd name="connsiteY0" fmla="*/ 148538 h 3673628"/>
+                          <a:gd name="connsiteX1" fmla="*/ 605421 w 1505062"/>
+                          <a:gd name="connsiteY1" fmla="*/ 0 h 3673628"/>
+                          <a:gd name="connsiteX2" fmla="*/ 1505062 w 1505062"/>
+                          <a:gd name="connsiteY2" fmla="*/ 2850637 h 3673628"/>
+                          <a:gd name="connsiteX3" fmla="*/ 0 w 1505062"/>
+                          <a:gd name="connsiteY3" fmla="*/ 3673628 h 3673628"/>
+                          <a:gd name="connsiteX4" fmla="*/ 74111 w 1505062"/>
+                          <a:gd name="connsiteY4" fmla="*/ 148538 h 3673628"/>
+                          <a:gd name="connsiteX0" fmla="*/ 74111 w 1505062"/>
+                          <a:gd name="connsiteY0" fmla="*/ 107594 h 3632684"/>
+                          <a:gd name="connsiteX1" fmla="*/ 605421 w 1505062"/>
+                          <a:gd name="connsiteY1" fmla="*/ 0 h 3632684"/>
+                          <a:gd name="connsiteX2" fmla="*/ 1505062 w 1505062"/>
+                          <a:gd name="connsiteY2" fmla="*/ 2809693 h 3632684"/>
+                          <a:gd name="connsiteX3" fmla="*/ 0 w 1505062"/>
+                          <a:gd name="connsiteY3" fmla="*/ 3632684 h 3632684"/>
+                          <a:gd name="connsiteX4" fmla="*/ 74111 w 1505062"/>
+                          <a:gd name="connsiteY4" fmla="*/ 107594 h 3632684"/>
+                        </a:gdLst>
+                        <a:ahLst/>
+                        <a:cxnLst>
+                          <a:cxn ang="0">
+                            <a:pos x="connsiteX0" y="connsiteY0"/>
+                          </a:cxn>
+                          <a:cxn ang="0">
+                            <a:pos x="connsiteX1" y="connsiteY1"/>
+                          </a:cxn>
+                          <a:cxn ang="0">
+                            <a:pos x="connsiteX2" y="connsiteY2"/>
+                          </a:cxn>
+                          <a:cxn ang="0">
+                            <a:pos x="connsiteX3" y="connsiteY3"/>
+                          </a:cxn>
+                          <a:cxn ang="0">
+                            <a:pos x="connsiteX4" y="connsiteY4"/>
+                          </a:cxn>
+                        </a:cxnLst>
+                        <a:rect l="l" t="t" r="r" b="b"/>
+                        <a:pathLst>
+                          <a:path w="1505062" h="3632684">
+                            <a:moveTo>
+                              <a:pt x="74111" y="107594"/>
+                            </a:moveTo>
+                            <a:lnTo>
+                              <a:pt x="605421" y="0"/>
+                            </a:lnTo>
+                            <a:lnTo>
+                              <a:pt x="1505062" y="2809693"/>
+                            </a:lnTo>
+                            <a:lnTo>
+                              <a:pt x="0" y="3632684"/>
+                            </a:lnTo>
+                            <a:lnTo>
+                              <a:pt x="74111" y="107594"/>
+                            </a:lnTo>
+                            <a:close/>
+                          </a:path>
+                        </a:pathLst>
+                      </a:custGeom>
+                      <a:solidFill>
+                        <a:schemeClr val="accent5">
+                          <a:lumMod val="60000"/>
+                          <a:lumOff val="40000"/>
+                        </a:schemeClr>
+                      </a:solidFill>
+                      <a:ln w="25400" cap="flat" cmpd="sng" algn="ctr">
+                        <a:solidFill>
+                          <a:sysClr val="windowText" lastClr="000000"/>
+                        </a:solidFill>
+                        <a:prstDash val="solid"/>
+                      </a:ln>
+                      <a:effectLst/>
+                    </p:spPr>
+                    <p:txBody>
+                      <a:bodyPr rtlCol="0" anchor="ctr"/>
+                      <a:lstStyle/>
+                      <a:p>
+                        <a:pPr marL="0" marR="0" lvl="0" indent="0" algn="ctr" defTabSz="914400" eaLnBrk="1" fontAlgn="auto" latinLnBrk="0" hangingPunct="1">
+                          <a:lnSpc>
+                            <a:spcPct val="100000"/>
+                          </a:lnSpc>
+                          <a:spcBef>
+                            <a:spcPts val="0"/>
+                          </a:spcBef>
+                          <a:spcAft>
+                            <a:spcPts val="0"/>
+                          </a:spcAft>
+                          <a:buClrTx/>
+                          <a:buSzTx/>
+                          <a:buFontTx/>
+                          <a:buNone/>
+                          <a:tabLst/>
+                          <a:defRPr/>
+                        </a:pPr>
+                        <a:endParaRPr kumimoji="0" lang="ja-JP" altLang="en-US" sz="1800" b="0" i="0" u="none" strike="noStrike" kern="0" cap="none" spc="0" normalizeH="0" baseline="0" noProof="0">
+                          <a:ln>
+                            <a:noFill/>
+                          </a:ln>
+                          <a:solidFill>
+                            <a:prstClr val="black"/>
+                          </a:solidFill>
+                          <a:effectLst/>
+                          <a:uLnTx/>
+                          <a:uFillTx/>
+                          <a:latin typeface="Arial"/>
+                          <a:cs typeface="DejaVu Sans"/>
+                        </a:endParaRPr>
+                      </a:p>
+                    </p:txBody>
+                  </p:sp>
+                  <p:sp>
+                    <p:nvSpPr>
+                      <p:cNvPr id="33" name="Rectangle 3">
+                        <a:extLst>
+                          <a:ext uri="{FF2B5EF4-FFF2-40B4-BE49-F238E27FC236}">
+                            <a16:creationId xmlns:a16="http://schemas.microsoft.com/office/drawing/2014/main" id="{B4B0ECBB-AFC2-4E65-BEA3-5571EC8D0988}"/>
+                          </a:ext>
+                        </a:extLst>
+                      </p:cNvPr>
+                      <p:cNvSpPr/>
+                      <p:nvPr/>
+                    </p:nvSpPr>
+                    <p:spPr>
+                      <a:xfrm>
+                        <a:off x="6871608" y="1446488"/>
+                        <a:ext cx="871419" cy="1019761"/>
+                      </a:xfrm>
+                      <a:custGeom>
+                        <a:avLst/>
+                        <a:gdLst>
+                          <a:gd name="connsiteX0" fmla="*/ 0 w 946298"/>
+                          <a:gd name="connsiteY0" fmla="*/ 0 h 2998381"/>
+                          <a:gd name="connsiteX1" fmla="*/ 946298 w 946298"/>
+                          <a:gd name="connsiteY1" fmla="*/ 0 h 2998381"/>
+                          <a:gd name="connsiteX2" fmla="*/ 946298 w 946298"/>
+                          <a:gd name="connsiteY2" fmla="*/ 2998381 h 2998381"/>
+                          <a:gd name="connsiteX3" fmla="*/ 0 w 946298"/>
+                          <a:gd name="connsiteY3" fmla="*/ 2998381 h 2998381"/>
+                          <a:gd name="connsiteX4" fmla="*/ 0 w 946298"/>
+                          <a:gd name="connsiteY4" fmla="*/ 0 h 2998381"/>
+                          <a:gd name="connsiteX0" fmla="*/ 0 w 1190847"/>
+                          <a:gd name="connsiteY0" fmla="*/ 0 h 2998381"/>
+                          <a:gd name="connsiteX1" fmla="*/ 946298 w 1190847"/>
+                          <a:gd name="connsiteY1" fmla="*/ 0 h 2998381"/>
+                          <a:gd name="connsiteX2" fmla="*/ 1190847 w 1190847"/>
+                          <a:gd name="connsiteY2" fmla="*/ 2604977 h 2998381"/>
+                          <a:gd name="connsiteX3" fmla="*/ 0 w 1190847"/>
+                          <a:gd name="connsiteY3" fmla="*/ 2998381 h 2998381"/>
+                          <a:gd name="connsiteX4" fmla="*/ 0 w 1190847"/>
+                          <a:gd name="connsiteY4" fmla="*/ 0 h 2998381"/>
+                          <a:gd name="connsiteX0" fmla="*/ 191386 w 1382233"/>
+                          <a:gd name="connsiteY0" fmla="*/ 0 h 3125972"/>
+                          <a:gd name="connsiteX1" fmla="*/ 1137684 w 1382233"/>
+                          <a:gd name="connsiteY1" fmla="*/ 0 h 3125972"/>
+                          <a:gd name="connsiteX2" fmla="*/ 1382233 w 1382233"/>
+                          <a:gd name="connsiteY2" fmla="*/ 2604977 h 3125972"/>
+                          <a:gd name="connsiteX3" fmla="*/ 0 w 1382233"/>
+                          <a:gd name="connsiteY3" fmla="*/ 3125972 h 3125972"/>
+                          <a:gd name="connsiteX4" fmla="*/ 191386 w 1382233"/>
+                          <a:gd name="connsiteY4" fmla="*/ 0 h 3125972"/>
+                          <a:gd name="connsiteX0" fmla="*/ 191386 w 1382233"/>
+                          <a:gd name="connsiteY0" fmla="*/ 0 h 3264195"/>
+                          <a:gd name="connsiteX1" fmla="*/ 1137684 w 1382233"/>
+                          <a:gd name="connsiteY1" fmla="*/ 0 h 3264195"/>
+                          <a:gd name="connsiteX2" fmla="*/ 1382233 w 1382233"/>
+                          <a:gd name="connsiteY2" fmla="*/ 2604977 h 3264195"/>
+                          <a:gd name="connsiteX3" fmla="*/ 0 w 1382233"/>
+                          <a:gd name="connsiteY3" fmla="*/ 3264195 h 3264195"/>
+                          <a:gd name="connsiteX4" fmla="*/ 191386 w 1382233"/>
+                          <a:gd name="connsiteY4" fmla="*/ 0 h 3264195"/>
+                          <a:gd name="connsiteX0" fmla="*/ 0 w 1499191"/>
+                          <a:gd name="connsiteY0" fmla="*/ 0 h 3306725"/>
+                          <a:gd name="connsiteX1" fmla="*/ 1254642 w 1499191"/>
+                          <a:gd name="connsiteY1" fmla="*/ 42530 h 3306725"/>
+                          <a:gd name="connsiteX2" fmla="*/ 1499191 w 1499191"/>
+                          <a:gd name="connsiteY2" fmla="*/ 2647507 h 3306725"/>
+                          <a:gd name="connsiteX3" fmla="*/ 116958 w 1499191"/>
+                          <a:gd name="connsiteY3" fmla="*/ 3306725 h 3306725"/>
+                          <a:gd name="connsiteX4" fmla="*/ 0 w 1499191"/>
+                          <a:gd name="connsiteY4" fmla="*/ 0 h 3306725"/>
+                          <a:gd name="connsiteX0" fmla="*/ 0 w 1963215"/>
+                          <a:gd name="connsiteY0" fmla="*/ 0 h 3306725"/>
+                          <a:gd name="connsiteX1" fmla="*/ 1254642 w 1963215"/>
+                          <a:gd name="connsiteY1" fmla="*/ 42530 h 3306725"/>
+                          <a:gd name="connsiteX2" fmla="*/ 1963215 w 1963215"/>
+                          <a:gd name="connsiteY2" fmla="*/ 2442791 h 3306725"/>
+                          <a:gd name="connsiteX3" fmla="*/ 116958 w 1963215"/>
+                          <a:gd name="connsiteY3" fmla="*/ 3306725 h 3306725"/>
+                          <a:gd name="connsiteX4" fmla="*/ 0 w 1963215"/>
+                          <a:gd name="connsiteY4" fmla="*/ 0 h 3306725"/>
+                          <a:gd name="connsiteX0" fmla="*/ 0 w 1963215"/>
+                          <a:gd name="connsiteY0" fmla="*/ 162187 h 3468912"/>
+                          <a:gd name="connsiteX1" fmla="*/ 708731 w 1963215"/>
+                          <a:gd name="connsiteY1" fmla="*/ 0 h 3468912"/>
+                          <a:gd name="connsiteX2" fmla="*/ 1963215 w 1963215"/>
+                          <a:gd name="connsiteY2" fmla="*/ 2604978 h 3468912"/>
+                          <a:gd name="connsiteX3" fmla="*/ 116958 w 1963215"/>
+                          <a:gd name="connsiteY3" fmla="*/ 3468912 h 3468912"/>
+                          <a:gd name="connsiteX4" fmla="*/ 0 w 1963215"/>
+                          <a:gd name="connsiteY4" fmla="*/ 162187 h 3468912"/>
+                          <a:gd name="connsiteX0" fmla="*/ 0 w 1963215"/>
+                          <a:gd name="connsiteY0" fmla="*/ 339607 h 3646332"/>
+                          <a:gd name="connsiteX1" fmla="*/ 531310 w 1963215"/>
+                          <a:gd name="connsiteY1" fmla="*/ 0 h 3646332"/>
+                          <a:gd name="connsiteX2" fmla="*/ 1963215 w 1963215"/>
+                          <a:gd name="connsiteY2" fmla="*/ 2782398 h 3646332"/>
+                          <a:gd name="connsiteX3" fmla="*/ 116958 w 1963215"/>
+                          <a:gd name="connsiteY3" fmla="*/ 3646332 h 3646332"/>
+                          <a:gd name="connsiteX4" fmla="*/ 0 w 1963215"/>
+                          <a:gd name="connsiteY4" fmla="*/ 339607 h 3646332"/>
+                          <a:gd name="connsiteX0" fmla="*/ 0 w 1963215"/>
+                          <a:gd name="connsiteY0" fmla="*/ 244072 h 3646332"/>
+                          <a:gd name="connsiteX1" fmla="*/ 531310 w 1963215"/>
+                          <a:gd name="connsiteY1" fmla="*/ 0 h 3646332"/>
+                          <a:gd name="connsiteX2" fmla="*/ 1963215 w 1963215"/>
+                          <a:gd name="connsiteY2" fmla="*/ 2782398 h 3646332"/>
+                          <a:gd name="connsiteX3" fmla="*/ 116958 w 1963215"/>
+                          <a:gd name="connsiteY3" fmla="*/ 3646332 h 3646332"/>
+                          <a:gd name="connsiteX4" fmla="*/ 0 w 1963215"/>
+                          <a:gd name="connsiteY4" fmla="*/ 244072 h 3646332"/>
+                          <a:gd name="connsiteX0" fmla="*/ 0 w 1758498"/>
+                          <a:gd name="connsiteY0" fmla="*/ 244072 h 3646332"/>
+                          <a:gd name="connsiteX1" fmla="*/ 531310 w 1758498"/>
+                          <a:gd name="connsiteY1" fmla="*/ 0 h 3646332"/>
+                          <a:gd name="connsiteX2" fmla="*/ 1758498 w 1758498"/>
+                          <a:gd name="connsiteY2" fmla="*/ 3014410 h 3646332"/>
+                          <a:gd name="connsiteX3" fmla="*/ 116958 w 1758498"/>
+                          <a:gd name="connsiteY3" fmla="*/ 3646332 h 3646332"/>
+                          <a:gd name="connsiteX4" fmla="*/ 0 w 1758498"/>
+                          <a:gd name="connsiteY4" fmla="*/ 244072 h 3646332"/>
+                          <a:gd name="connsiteX0" fmla="*/ 74111 w 1832609"/>
+                          <a:gd name="connsiteY0" fmla="*/ 244072 h 3769162"/>
+                          <a:gd name="connsiteX1" fmla="*/ 605421 w 1832609"/>
+                          <a:gd name="connsiteY1" fmla="*/ 0 h 3769162"/>
+                          <a:gd name="connsiteX2" fmla="*/ 1832609 w 1832609"/>
+                          <a:gd name="connsiteY2" fmla="*/ 3014410 h 3769162"/>
+                          <a:gd name="connsiteX3" fmla="*/ 0 w 1832609"/>
+                          <a:gd name="connsiteY3" fmla="*/ 3769162 h 3769162"/>
+                          <a:gd name="connsiteX4" fmla="*/ 74111 w 1832609"/>
+                          <a:gd name="connsiteY4" fmla="*/ 244072 h 3769162"/>
+                          <a:gd name="connsiteX0" fmla="*/ 74111 w 1505062"/>
+                          <a:gd name="connsiteY0" fmla="*/ 244072 h 3769162"/>
+                          <a:gd name="connsiteX1" fmla="*/ 605421 w 1505062"/>
+                          <a:gd name="connsiteY1" fmla="*/ 0 h 3769162"/>
+                          <a:gd name="connsiteX2" fmla="*/ 1505062 w 1505062"/>
+                          <a:gd name="connsiteY2" fmla="*/ 2946171 h 3769162"/>
+                          <a:gd name="connsiteX3" fmla="*/ 0 w 1505062"/>
+                          <a:gd name="connsiteY3" fmla="*/ 3769162 h 3769162"/>
+                          <a:gd name="connsiteX4" fmla="*/ 74111 w 1505062"/>
+                          <a:gd name="connsiteY4" fmla="*/ 244072 h 3769162"/>
+                          <a:gd name="connsiteX0" fmla="*/ 74111 w 1505062"/>
+                          <a:gd name="connsiteY0" fmla="*/ 148538 h 3673628"/>
+                          <a:gd name="connsiteX1" fmla="*/ 605421 w 1505062"/>
+                          <a:gd name="connsiteY1" fmla="*/ 0 h 3673628"/>
+                          <a:gd name="connsiteX2" fmla="*/ 1505062 w 1505062"/>
+                          <a:gd name="connsiteY2" fmla="*/ 2850637 h 3673628"/>
+                          <a:gd name="connsiteX3" fmla="*/ 0 w 1505062"/>
+                          <a:gd name="connsiteY3" fmla="*/ 3673628 h 3673628"/>
+                          <a:gd name="connsiteX4" fmla="*/ 74111 w 1505062"/>
+                          <a:gd name="connsiteY4" fmla="*/ 148538 h 3673628"/>
+                          <a:gd name="connsiteX0" fmla="*/ 74111 w 1505062"/>
+                          <a:gd name="connsiteY0" fmla="*/ 107594 h 3632684"/>
+                          <a:gd name="connsiteX1" fmla="*/ 605421 w 1505062"/>
+                          <a:gd name="connsiteY1" fmla="*/ 0 h 3632684"/>
+                          <a:gd name="connsiteX2" fmla="*/ 1505062 w 1505062"/>
+                          <a:gd name="connsiteY2" fmla="*/ 2809693 h 3632684"/>
+                          <a:gd name="connsiteX3" fmla="*/ 0 w 1505062"/>
+                          <a:gd name="connsiteY3" fmla="*/ 3632684 h 3632684"/>
+                          <a:gd name="connsiteX4" fmla="*/ 74111 w 1505062"/>
+                          <a:gd name="connsiteY4" fmla="*/ 107594 h 3632684"/>
+                          <a:gd name="connsiteX0" fmla="*/ 74111 w 1505062"/>
+                          <a:gd name="connsiteY0" fmla="*/ 734707 h 4259797"/>
+                          <a:gd name="connsiteX1" fmla="*/ 895045 w 1505062"/>
+                          <a:gd name="connsiteY1" fmla="*/ 0 h 4259797"/>
+                          <a:gd name="connsiteX2" fmla="*/ 1505062 w 1505062"/>
+                          <a:gd name="connsiteY2" fmla="*/ 3436806 h 4259797"/>
+                          <a:gd name="connsiteX3" fmla="*/ 0 w 1505062"/>
+                          <a:gd name="connsiteY3" fmla="*/ 4259797 h 4259797"/>
+                          <a:gd name="connsiteX4" fmla="*/ 74111 w 1505062"/>
+                          <a:gd name="connsiteY4" fmla="*/ 734707 h 4259797"/>
+                          <a:gd name="connsiteX0" fmla="*/ 74111 w 1698147"/>
+                          <a:gd name="connsiteY0" fmla="*/ 734707 h 4259797"/>
+                          <a:gd name="connsiteX1" fmla="*/ 895045 w 1698147"/>
+                          <a:gd name="connsiteY1" fmla="*/ 0 h 4259797"/>
+                          <a:gd name="connsiteX2" fmla="*/ 1698147 w 1698147"/>
+                          <a:gd name="connsiteY2" fmla="*/ 3311380 h 4259797"/>
+                          <a:gd name="connsiteX3" fmla="*/ 0 w 1698147"/>
+                          <a:gd name="connsiteY3" fmla="*/ 4259797 h 4259797"/>
+                          <a:gd name="connsiteX4" fmla="*/ 74111 w 1698147"/>
+                          <a:gd name="connsiteY4" fmla="*/ 734707 h 4259797"/>
+                          <a:gd name="connsiteX0" fmla="*/ 74110 w 1698147"/>
+                          <a:gd name="connsiteY0" fmla="*/ 421148 h 4259797"/>
+                          <a:gd name="connsiteX1" fmla="*/ 895045 w 1698147"/>
+                          <a:gd name="connsiteY1" fmla="*/ 0 h 4259797"/>
+                          <a:gd name="connsiteX2" fmla="*/ 1698147 w 1698147"/>
+                          <a:gd name="connsiteY2" fmla="*/ 3311380 h 4259797"/>
+                          <a:gd name="connsiteX3" fmla="*/ 0 w 1698147"/>
+                          <a:gd name="connsiteY3" fmla="*/ 4259797 h 4259797"/>
+                          <a:gd name="connsiteX4" fmla="*/ 74110 w 1698147"/>
+                          <a:gd name="connsiteY4" fmla="*/ 421148 h 4259797"/>
+                        </a:gdLst>
+                        <a:ahLst/>
+                        <a:cxnLst>
+                          <a:cxn ang="0">
+                            <a:pos x="connsiteX0" y="connsiteY0"/>
+                          </a:cxn>
+                          <a:cxn ang="0">
+                            <a:pos x="connsiteX1" y="connsiteY1"/>
+                          </a:cxn>
+                          <a:cxn ang="0">
+                            <a:pos x="connsiteX2" y="connsiteY2"/>
+                          </a:cxn>
+                          <a:cxn ang="0">
+                            <a:pos x="connsiteX3" y="connsiteY3"/>
+                          </a:cxn>
+                          <a:cxn ang="0">
+                            <a:pos x="connsiteX4" y="connsiteY4"/>
+                          </a:cxn>
+                        </a:cxnLst>
+                        <a:rect l="l" t="t" r="r" b="b"/>
+                        <a:pathLst>
+                          <a:path w="1698147" h="4259797">
+                            <a:moveTo>
+                              <a:pt x="74110" y="421148"/>
+                            </a:moveTo>
+                            <a:lnTo>
+                              <a:pt x="895045" y="0"/>
+                            </a:lnTo>
+                            <a:lnTo>
+                              <a:pt x="1698147" y="3311380"/>
+                            </a:lnTo>
+                            <a:lnTo>
+                              <a:pt x="0" y="4259797"/>
+                            </a:lnTo>
+                            <a:lnTo>
+                              <a:pt x="74110" y="421148"/>
+                            </a:lnTo>
+                            <a:close/>
+                          </a:path>
+                        </a:pathLst>
+                      </a:custGeom>
+                      <a:solidFill>
+                        <a:schemeClr val="accent5">
+                          <a:lumMod val="60000"/>
+                          <a:lumOff val="40000"/>
+                        </a:schemeClr>
+                      </a:solidFill>
+                      <a:ln w="25400" cap="flat" cmpd="sng" algn="ctr">
+                        <a:solidFill>
+                          <a:sysClr val="windowText" lastClr="000000"/>
+                        </a:solidFill>
+                        <a:prstDash val="solid"/>
+                      </a:ln>
+                      <a:effectLst/>
+                    </p:spPr>
+                    <p:txBody>
+                      <a:bodyPr rtlCol="0" anchor="ctr"/>
+                      <a:lstStyle/>
+                      <a:p>
+                        <a:pPr marL="0" marR="0" lvl="0" indent="0" algn="ctr" defTabSz="914400" eaLnBrk="1" fontAlgn="auto" latinLnBrk="0" hangingPunct="1">
+                          <a:lnSpc>
+                            <a:spcPct val="100000"/>
+                          </a:lnSpc>
+                          <a:spcBef>
+                            <a:spcPts val="0"/>
+                          </a:spcBef>
+                          <a:spcAft>
+                            <a:spcPts val="0"/>
+                          </a:spcAft>
+                          <a:buClrTx/>
+                          <a:buSzTx/>
+                          <a:buFontTx/>
+                          <a:buNone/>
+                          <a:tabLst/>
+                          <a:defRPr/>
+                        </a:pPr>
+                        <a:endParaRPr kumimoji="0" lang="ja-JP" altLang="en-US" sz="1800" b="0" i="0" u="none" strike="noStrike" kern="0" cap="none" spc="0" normalizeH="0" baseline="0" noProof="0">
+                          <a:ln>
+                            <a:noFill/>
+                          </a:ln>
+                          <a:solidFill>
+                            <a:prstClr val="black"/>
+                          </a:solidFill>
+                          <a:effectLst/>
+                          <a:uLnTx/>
+                          <a:uFillTx/>
+                          <a:latin typeface="Arial"/>
+                          <a:cs typeface="DejaVu Sans"/>
+                        </a:endParaRPr>
+                      </a:p>
+                    </p:txBody>
+                  </p:sp>
+                  <p:sp>
+                    <p:nvSpPr>
+                      <p:cNvPr id="34" name="Oval 1">
+                        <a:extLst>
+                          <a:ext uri="{FF2B5EF4-FFF2-40B4-BE49-F238E27FC236}">
+                            <a16:creationId xmlns:a16="http://schemas.microsoft.com/office/drawing/2014/main" id="{332DBD08-18C9-4A98-9075-E9559531320C}"/>
+                          </a:ext>
+                        </a:extLst>
+                      </p:cNvPr>
+                      <p:cNvSpPr/>
+                      <p:nvPr/>
+                    </p:nvSpPr>
+                    <p:spPr>
+                      <a:xfrm rot="20088640">
+                        <a:off x="627319" y="3413535"/>
+                        <a:ext cx="7963786" cy="860272"/>
+                      </a:xfrm>
+                      <a:prstGeom prst="ellipse">
+                        <a:avLst/>
+                      </a:prstGeom>
+                      <a:solidFill>
+                        <a:schemeClr val="accent6">
+                          <a:lumMod val="60000"/>
+                          <a:lumOff val="40000"/>
+                        </a:schemeClr>
+                      </a:solidFill>
+                      <a:ln w="25400" cap="flat" cmpd="sng" algn="ctr">
+                        <a:solidFill>
+                          <a:sysClr val="windowText" lastClr="000000"/>
+                        </a:solidFill>
+                        <a:prstDash val="solid"/>
+                      </a:ln>
+                      <a:effectLst/>
+                    </p:spPr>
+                    <p:txBody>
+                      <a:bodyPr rtlCol="0" anchor="ctr"/>
+                      <a:lstStyle/>
+                      <a:p>
+                        <a:pPr marL="0" marR="0" lvl="0" indent="0" algn="ctr" defTabSz="914400" eaLnBrk="1" fontAlgn="auto" latinLnBrk="0" hangingPunct="1">
+                          <a:lnSpc>
+                            <a:spcPct val="100000"/>
+                          </a:lnSpc>
+                          <a:spcBef>
+                            <a:spcPts val="0"/>
+                          </a:spcBef>
+                          <a:spcAft>
+                            <a:spcPts val="0"/>
+                          </a:spcAft>
+                          <a:buClrTx/>
+                          <a:buSzTx/>
+                          <a:buFontTx/>
+                          <a:buNone/>
+                          <a:tabLst/>
+                          <a:defRPr/>
+                        </a:pPr>
+                        <a:endParaRPr kumimoji="0" lang="ja-JP" altLang="en-US" sz="1800" b="0" i="0" u="none" strike="noStrike" kern="0" cap="none" spc="0" normalizeH="0" baseline="0" noProof="0">
+                          <a:ln>
+                            <a:noFill/>
+                          </a:ln>
+                          <a:solidFill>
+                            <a:prstClr val="black"/>
+                          </a:solidFill>
+                          <a:effectLst/>
+                          <a:uLnTx/>
+                          <a:uFillTx/>
+                          <a:latin typeface="Arial"/>
+                          <a:cs typeface="DejaVu Sans"/>
+                        </a:endParaRPr>
+                      </a:p>
+                    </p:txBody>
+                  </p:sp>
+                  <p:sp>
+                    <p:nvSpPr>
+                      <p:cNvPr id="35" name="Rectangle 2">
+                        <a:extLst>
+                          <a:ext uri="{FF2B5EF4-FFF2-40B4-BE49-F238E27FC236}">
+                            <a16:creationId xmlns:a16="http://schemas.microsoft.com/office/drawing/2014/main" id="{F8EA366E-4AB1-4D33-BA41-883CC1063D7F}"/>
+                          </a:ext>
+                        </a:extLst>
+                      </p:cNvPr>
+                      <p:cNvSpPr/>
+                      <p:nvPr/>
+                    </p:nvSpPr>
+                    <p:spPr>
+                      <a:xfrm>
+                        <a:off x="7099526" y="1149690"/>
+                        <a:ext cx="1127052" cy="1393166"/>
+                      </a:xfrm>
+                      <a:custGeom>
+                        <a:avLst/>
+                        <a:gdLst>
+                          <a:gd name="connsiteX0" fmla="*/ 0 w 1052624"/>
+                          <a:gd name="connsiteY0" fmla="*/ 0 h 1244008"/>
+                          <a:gd name="connsiteX1" fmla="*/ 1052624 w 1052624"/>
+                          <a:gd name="connsiteY1" fmla="*/ 0 h 1244008"/>
+                          <a:gd name="connsiteX2" fmla="*/ 1052624 w 1052624"/>
+                          <a:gd name="connsiteY2" fmla="*/ 1244008 h 1244008"/>
+                          <a:gd name="connsiteX3" fmla="*/ 0 w 1052624"/>
+                          <a:gd name="connsiteY3" fmla="*/ 1244008 h 1244008"/>
+                          <a:gd name="connsiteX4" fmla="*/ 0 w 1052624"/>
+                          <a:gd name="connsiteY4" fmla="*/ 0 h 1244008"/>
+                          <a:gd name="connsiteX0" fmla="*/ 0 w 1520456"/>
+                          <a:gd name="connsiteY0" fmla="*/ 233917 h 1477925"/>
+                          <a:gd name="connsiteX1" fmla="*/ 1520456 w 1520456"/>
+                          <a:gd name="connsiteY1" fmla="*/ 0 h 1477925"/>
+                          <a:gd name="connsiteX2" fmla="*/ 1052624 w 1520456"/>
+                          <a:gd name="connsiteY2" fmla="*/ 1477925 h 1477925"/>
+                          <a:gd name="connsiteX3" fmla="*/ 0 w 1520456"/>
+                          <a:gd name="connsiteY3" fmla="*/ 1477925 h 1477925"/>
+                          <a:gd name="connsiteX4" fmla="*/ 0 w 1520456"/>
+                          <a:gd name="connsiteY4" fmla="*/ 233917 h 1477925"/>
+                          <a:gd name="connsiteX0" fmla="*/ 808074 w 1520456"/>
+                          <a:gd name="connsiteY0" fmla="*/ 0 h 1488556"/>
+                          <a:gd name="connsiteX1" fmla="*/ 1520456 w 1520456"/>
+                          <a:gd name="connsiteY1" fmla="*/ 10631 h 1488556"/>
+                          <a:gd name="connsiteX2" fmla="*/ 1052624 w 1520456"/>
+                          <a:gd name="connsiteY2" fmla="*/ 1488556 h 1488556"/>
+                          <a:gd name="connsiteX3" fmla="*/ 0 w 1520456"/>
+                          <a:gd name="connsiteY3" fmla="*/ 1488556 h 1488556"/>
+                          <a:gd name="connsiteX4" fmla="*/ 808074 w 1520456"/>
+                          <a:gd name="connsiteY4" fmla="*/ 0 h 1488556"/>
+                          <a:gd name="connsiteX0" fmla="*/ 808074 w 1520456"/>
+                          <a:gd name="connsiteY0" fmla="*/ 0 h 1509821"/>
+                          <a:gd name="connsiteX1" fmla="*/ 1520456 w 1520456"/>
+                          <a:gd name="connsiteY1" fmla="*/ 10631 h 1509821"/>
+                          <a:gd name="connsiteX2" fmla="*/ 1158950 w 1520456"/>
+                          <a:gd name="connsiteY2" fmla="*/ 1509821 h 1509821"/>
+                          <a:gd name="connsiteX3" fmla="*/ 0 w 1520456"/>
+                          <a:gd name="connsiteY3" fmla="*/ 1488556 h 1509821"/>
+                          <a:gd name="connsiteX4" fmla="*/ 808074 w 1520456"/>
+                          <a:gd name="connsiteY4" fmla="*/ 0 h 1509821"/>
+                          <a:gd name="connsiteX0" fmla="*/ 1254641 w 1967023"/>
+                          <a:gd name="connsiteY0" fmla="*/ 0 h 1509821"/>
+                          <a:gd name="connsiteX1" fmla="*/ 1967023 w 1967023"/>
+                          <a:gd name="connsiteY1" fmla="*/ 10631 h 1509821"/>
+                          <a:gd name="connsiteX2" fmla="*/ 1605517 w 1967023"/>
+                          <a:gd name="connsiteY2" fmla="*/ 1509821 h 1509821"/>
+                          <a:gd name="connsiteX3" fmla="*/ 0 w 1967023"/>
+                          <a:gd name="connsiteY3" fmla="*/ 1392863 h 1509821"/>
+                          <a:gd name="connsiteX4" fmla="*/ 1254641 w 1967023"/>
+                          <a:gd name="connsiteY4" fmla="*/ 0 h 1509821"/>
+                          <a:gd name="connsiteX0" fmla="*/ 829339 w 1541721"/>
+                          <a:gd name="connsiteY0" fmla="*/ 0 h 1879077"/>
+                          <a:gd name="connsiteX1" fmla="*/ 1541721 w 1541721"/>
+                          <a:gd name="connsiteY1" fmla="*/ 10631 h 1879077"/>
+                          <a:gd name="connsiteX2" fmla="*/ 1180215 w 1541721"/>
+                          <a:gd name="connsiteY2" fmla="*/ 1509821 h 1879077"/>
+                          <a:gd name="connsiteX3" fmla="*/ 0 w 1541721"/>
+                          <a:gd name="connsiteY3" fmla="*/ 1879077 h 1879077"/>
+                          <a:gd name="connsiteX4" fmla="*/ 829339 w 1541721"/>
+                          <a:gd name="connsiteY4" fmla="*/ 0 h 1879077"/>
+                          <a:gd name="connsiteX0" fmla="*/ 935664 w 1541721"/>
+                          <a:gd name="connsiteY0" fmla="*/ 386017 h 1868446"/>
+                          <a:gd name="connsiteX1" fmla="*/ 1541721 w 1541721"/>
+                          <a:gd name="connsiteY1" fmla="*/ 0 h 1868446"/>
+                          <a:gd name="connsiteX2" fmla="*/ 1180215 w 1541721"/>
+                          <a:gd name="connsiteY2" fmla="*/ 1499190 h 1868446"/>
+                          <a:gd name="connsiteX3" fmla="*/ 0 w 1541721"/>
+                          <a:gd name="connsiteY3" fmla="*/ 1868446 h 1868446"/>
+                          <a:gd name="connsiteX4" fmla="*/ 935664 w 1541721"/>
+                          <a:gd name="connsiteY4" fmla="*/ 386017 h 1868446"/>
+                          <a:gd name="connsiteX0" fmla="*/ 935664 w 1424763"/>
+                          <a:gd name="connsiteY0" fmla="*/ 232477 h 1714906"/>
+                          <a:gd name="connsiteX1" fmla="*/ 1424763 w 1424763"/>
+                          <a:gd name="connsiteY1" fmla="*/ 0 h 1714906"/>
+                          <a:gd name="connsiteX2" fmla="*/ 1180215 w 1424763"/>
+                          <a:gd name="connsiteY2" fmla="*/ 1345650 h 1714906"/>
+                          <a:gd name="connsiteX3" fmla="*/ 0 w 1424763"/>
+                          <a:gd name="connsiteY3" fmla="*/ 1714906 h 1714906"/>
+                          <a:gd name="connsiteX4" fmla="*/ 935664 w 1424763"/>
+                          <a:gd name="connsiteY4" fmla="*/ 232477 h 1714906"/>
+                          <a:gd name="connsiteX0" fmla="*/ 935664 w 1424763"/>
+                          <a:gd name="connsiteY0" fmla="*/ 322043 h 1804472"/>
+                          <a:gd name="connsiteX1" fmla="*/ 1424763 w 1424763"/>
+                          <a:gd name="connsiteY1" fmla="*/ 0 h 1804472"/>
+                          <a:gd name="connsiteX2" fmla="*/ 1180215 w 1424763"/>
+                          <a:gd name="connsiteY2" fmla="*/ 1435216 h 1804472"/>
+                          <a:gd name="connsiteX3" fmla="*/ 0 w 1424763"/>
+                          <a:gd name="connsiteY3" fmla="*/ 1804472 h 1804472"/>
+                          <a:gd name="connsiteX4" fmla="*/ 935664 w 1424763"/>
+                          <a:gd name="connsiteY4" fmla="*/ 322043 h 1804472"/>
+                          <a:gd name="connsiteX0" fmla="*/ 935664 w 1424763"/>
+                          <a:gd name="connsiteY0" fmla="*/ 322043 h 1804472"/>
+                          <a:gd name="connsiteX1" fmla="*/ 1424763 w 1424763"/>
+                          <a:gd name="connsiteY1" fmla="*/ 0 h 1804472"/>
+                          <a:gd name="connsiteX2" fmla="*/ 1180215 w 1424763"/>
+                          <a:gd name="connsiteY2" fmla="*/ 1153724 h 1804472"/>
+                          <a:gd name="connsiteX3" fmla="*/ 0 w 1424763"/>
+                          <a:gd name="connsiteY3" fmla="*/ 1804472 h 1804472"/>
+                          <a:gd name="connsiteX4" fmla="*/ 935664 w 1424763"/>
+                          <a:gd name="connsiteY4" fmla="*/ 322043 h 1804472"/>
+                          <a:gd name="connsiteX0" fmla="*/ 797441 w 1424763"/>
+                          <a:gd name="connsiteY0" fmla="*/ 347634 h 1804472"/>
+                          <a:gd name="connsiteX1" fmla="*/ 1424763 w 1424763"/>
+                          <a:gd name="connsiteY1" fmla="*/ 0 h 1804472"/>
+                          <a:gd name="connsiteX2" fmla="*/ 1180215 w 1424763"/>
+                          <a:gd name="connsiteY2" fmla="*/ 1153724 h 1804472"/>
+                          <a:gd name="connsiteX3" fmla="*/ 0 w 1424763"/>
+                          <a:gd name="connsiteY3" fmla="*/ 1804472 h 1804472"/>
+                          <a:gd name="connsiteX4" fmla="*/ 797441 w 1424763"/>
+                          <a:gd name="connsiteY4" fmla="*/ 347634 h 1804472"/>
+                          <a:gd name="connsiteX0" fmla="*/ 797441 w 1286540"/>
+                          <a:gd name="connsiteY0" fmla="*/ 245273 h 1702111"/>
+                          <a:gd name="connsiteX1" fmla="*/ 1286540 w 1286540"/>
+                          <a:gd name="connsiteY1" fmla="*/ 0 h 1702111"/>
+                          <a:gd name="connsiteX2" fmla="*/ 1180215 w 1286540"/>
+                          <a:gd name="connsiteY2" fmla="*/ 1051363 h 1702111"/>
+                          <a:gd name="connsiteX3" fmla="*/ 0 w 1286540"/>
+                          <a:gd name="connsiteY3" fmla="*/ 1702111 h 1702111"/>
+                          <a:gd name="connsiteX4" fmla="*/ 797441 w 1286540"/>
+                          <a:gd name="connsiteY4" fmla="*/ 245273 h 1702111"/>
+                          <a:gd name="connsiteX0" fmla="*/ 637953 w 1286540"/>
+                          <a:gd name="connsiteY0" fmla="*/ 283659 h 1702111"/>
+                          <a:gd name="connsiteX1" fmla="*/ 1286540 w 1286540"/>
+                          <a:gd name="connsiteY1" fmla="*/ 0 h 1702111"/>
+                          <a:gd name="connsiteX2" fmla="*/ 1180215 w 1286540"/>
+                          <a:gd name="connsiteY2" fmla="*/ 1051363 h 1702111"/>
+                          <a:gd name="connsiteX3" fmla="*/ 0 w 1286540"/>
+                          <a:gd name="connsiteY3" fmla="*/ 1702111 h 1702111"/>
+                          <a:gd name="connsiteX4" fmla="*/ 637953 w 1286540"/>
+                          <a:gd name="connsiteY4" fmla="*/ 283659 h 1702111"/>
+                          <a:gd name="connsiteX0" fmla="*/ 637953 w 1180215"/>
+                          <a:gd name="connsiteY0" fmla="*/ 258069 h 1676521"/>
+                          <a:gd name="connsiteX1" fmla="*/ 1127052 w 1180215"/>
+                          <a:gd name="connsiteY1" fmla="*/ 0 h 1676521"/>
+                          <a:gd name="connsiteX2" fmla="*/ 1180215 w 1180215"/>
+                          <a:gd name="connsiteY2" fmla="*/ 1025773 h 1676521"/>
+                          <a:gd name="connsiteX3" fmla="*/ 0 w 1180215"/>
+                          <a:gd name="connsiteY3" fmla="*/ 1676521 h 1676521"/>
+                          <a:gd name="connsiteX4" fmla="*/ 637953 w 1180215"/>
+                          <a:gd name="connsiteY4" fmla="*/ 258069 h 1676521"/>
+                          <a:gd name="connsiteX0" fmla="*/ 637953 w 1127052"/>
+                          <a:gd name="connsiteY0" fmla="*/ 258069 h 1676521"/>
+                          <a:gd name="connsiteX1" fmla="*/ 1127052 w 1127052"/>
+                          <a:gd name="connsiteY1" fmla="*/ 0 h 1676521"/>
+                          <a:gd name="connsiteX2" fmla="*/ 988829 w 1127052"/>
+                          <a:gd name="connsiteY2" fmla="*/ 1128134 h 1676521"/>
+                          <a:gd name="connsiteX3" fmla="*/ 0 w 1127052"/>
+                          <a:gd name="connsiteY3" fmla="*/ 1676521 h 1676521"/>
+                          <a:gd name="connsiteX4" fmla="*/ 637953 w 1127052"/>
+                          <a:gd name="connsiteY4" fmla="*/ 258069 h 1676521"/>
+                        </a:gdLst>
+                        <a:ahLst/>
+                        <a:cxnLst>
+                          <a:cxn ang="0">
+                            <a:pos x="connsiteX0" y="connsiteY0"/>
+                          </a:cxn>
+                          <a:cxn ang="0">
+                            <a:pos x="connsiteX1" y="connsiteY1"/>
+                          </a:cxn>
+                          <a:cxn ang="0">
+                            <a:pos x="connsiteX2" y="connsiteY2"/>
+                          </a:cxn>
+                          <a:cxn ang="0">
+                            <a:pos x="connsiteX3" y="connsiteY3"/>
+                          </a:cxn>
+                          <a:cxn ang="0">
+                            <a:pos x="connsiteX4" y="connsiteY4"/>
+                          </a:cxn>
+                        </a:cxnLst>
+                        <a:rect l="l" t="t" r="r" b="b"/>
+                        <a:pathLst>
+                          <a:path w="1127052" h="1676521">
+                            <a:moveTo>
+                              <a:pt x="637953" y="258069"/>
+                            </a:moveTo>
+                            <a:lnTo>
+                              <a:pt x="1127052" y="0"/>
+                            </a:lnTo>
+                            <a:lnTo>
+                              <a:pt x="988829" y="1128134"/>
+                            </a:lnTo>
+                            <a:lnTo>
+                              <a:pt x="0" y="1676521"/>
+                            </a:lnTo>
+                            <a:lnTo>
+                              <a:pt x="637953" y="258069"/>
+                            </a:lnTo>
+                            <a:close/>
+                          </a:path>
+                        </a:pathLst>
+                      </a:custGeom>
+                      <a:solidFill>
+                        <a:schemeClr val="accent5">
+                          <a:lumMod val="60000"/>
+                          <a:lumOff val="40000"/>
+                        </a:schemeClr>
+                      </a:solidFill>
+                      <a:ln w="25400" cap="flat" cmpd="sng" algn="ctr">
+                        <a:solidFill>
+                          <a:sysClr val="windowText" lastClr="000000"/>
+                        </a:solidFill>
+                        <a:prstDash val="solid"/>
+                      </a:ln>
+                      <a:effectLst/>
+                    </p:spPr>
+                    <p:txBody>
+                      <a:bodyPr rtlCol="0" anchor="ctr"/>
+                      <a:lstStyle/>
+                      <a:p>
+                        <a:pPr marL="0" marR="0" lvl="0" indent="0" algn="ctr" defTabSz="914400" eaLnBrk="1" fontAlgn="auto" latinLnBrk="0" hangingPunct="1">
+                          <a:lnSpc>
+                            <a:spcPct val="100000"/>
+                          </a:lnSpc>
+                          <a:spcBef>
+                            <a:spcPts val="0"/>
+                          </a:spcBef>
+                          <a:spcAft>
+                            <a:spcPts val="0"/>
+                          </a:spcAft>
+                          <a:buClrTx/>
+                          <a:buSzTx/>
+                          <a:buFontTx/>
+                          <a:buNone/>
+                          <a:tabLst/>
+                          <a:defRPr/>
+                        </a:pPr>
+                        <a:endParaRPr kumimoji="0" lang="ja-JP" altLang="en-US" sz="1800" b="0" i="0" u="none" strike="noStrike" kern="0" cap="none" spc="0" normalizeH="0" baseline="0" noProof="0" dirty="0">
+                          <a:ln>
+                            <a:noFill/>
+                          </a:ln>
+                          <a:solidFill>
+                            <a:prstClr val="black"/>
+                          </a:solidFill>
+                          <a:effectLst/>
+                          <a:uLnTx/>
+                          <a:uFillTx/>
+                          <a:latin typeface="Arial"/>
+                          <a:cs typeface="DejaVu Sans"/>
+                        </a:endParaRPr>
+                      </a:p>
+                    </p:txBody>
+                  </p:sp>
+                  <p:sp>
+                    <p:nvSpPr>
+                      <p:cNvPr id="36" name="Rectangle 4">
+                        <a:extLst>
+                          <a:ext uri="{FF2B5EF4-FFF2-40B4-BE49-F238E27FC236}">
+                            <a16:creationId xmlns:a16="http://schemas.microsoft.com/office/drawing/2014/main" id="{D8332F41-C542-40BF-A8DD-DB7166C4C0E3}"/>
+                          </a:ext>
+                        </a:extLst>
+                      </p:cNvPr>
+                      <p:cNvSpPr/>
+                      <p:nvPr/>
+                    </p:nvSpPr>
+                    <p:spPr>
+                      <a:xfrm rot="3151040">
+                        <a:off x="4533244" y="3058560"/>
+                        <a:ext cx="3391543" cy="3673544"/>
+                      </a:xfrm>
+                      <a:custGeom>
+                        <a:avLst/>
+                        <a:gdLst>
+                          <a:gd name="connsiteX0" fmla="*/ 0 w 4067033"/>
+                          <a:gd name="connsiteY0" fmla="*/ 0 h 2006221"/>
+                          <a:gd name="connsiteX1" fmla="*/ 4067033 w 4067033"/>
+                          <a:gd name="connsiteY1" fmla="*/ 0 h 2006221"/>
+                          <a:gd name="connsiteX2" fmla="*/ 4067033 w 4067033"/>
+                          <a:gd name="connsiteY2" fmla="*/ 2006221 h 2006221"/>
+                          <a:gd name="connsiteX3" fmla="*/ 0 w 4067033"/>
+                          <a:gd name="connsiteY3" fmla="*/ 2006221 h 2006221"/>
+                          <a:gd name="connsiteX4" fmla="*/ 0 w 4067033"/>
+                          <a:gd name="connsiteY4" fmla="*/ 0 h 2006221"/>
+                          <a:gd name="connsiteX0" fmla="*/ 0 w 4067033"/>
+                          <a:gd name="connsiteY0" fmla="*/ 794750 h 2800971"/>
+                          <a:gd name="connsiteX1" fmla="*/ 3008217 w 4067033"/>
+                          <a:gd name="connsiteY1" fmla="*/ 0 h 2800971"/>
+                          <a:gd name="connsiteX2" fmla="*/ 4067033 w 4067033"/>
+                          <a:gd name="connsiteY2" fmla="*/ 2800971 h 2800971"/>
+                          <a:gd name="connsiteX3" fmla="*/ 0 w 4067033"/>
+                          <a:gd name="connsiteY3" fmla="*/ 2800971 h 2800971"/>
+                          <a:gd name="connsiteX4" fmla="*/ 0 w 4067033"/>
+                          <a:gd name="connsiteY4" fmla="*/ 794750 h 2800971"/>
+                          <a:gd name="connsiteX0" fmla="*/ 0 w 3270108"/>
+                          <a:gd name="connsiteY0" fmla="*/ 794750 h 2800971"/>
+                          <a:gd name="connsiteX1" fmla="*/ 3008217 w 3270108"/>
+                          <a:gd name="connsiteY1" fmla="*/ 0 h 2800971"/>
+                          <a:gd name="connsiteX2" fmla="*/ 3270108 w 3270108"/>
+                          <a:gd name="connsiteY2" fmla="*/ 745167 h 2800971"/>
+                          <a:gd name="connsiteX3" fmla="*/ 0 w 3270108"/>
+                          <a:gd name="connsiteY3" fmla="*/ 2800971 h 2800971"/>
+                          <a:gd name="connsiteX4" fmla="*/ 0 w 3270108"/>
+                          <a:gd name="connsiteY4" fmla="*/ 794750 h 2800971"/>
+                          <a:gd name="connsiteX0" fmla="*/ 0 w 3270108"/>
+                          <a:gd name="connsiteY0" fmla="*/ 1094399 h 3100620"/>
+                          <a:gd name="connsiteX1" fmla="*/ 3066016 w 3270108"/>
+                          <a:gd name="connsiteY1" fmla="*/ 0 h 3100620"/>
+                          <a:gd name="connsiteX2" fmla="*/ 3270108 w 3270108"/>
+                          <a:gd name="connsiteY2" fmla="*/ 1044816 h 3100620"/>
+                          <a:gd name="connsiteX3" fmla="*/ 0 w 3270108"/>
+                          <a:gd name="connsiteY3" fmla="*/ 3100620 h 3100620"/>
+                          <a:gd name="connsiteX4" fmla="*/ 0 w 3270108"/>
+                          <a:gd name="connsiteY4" fmla="*/ 1094399 h 3100620"/>
+                          <a:gd name="connsiteX0" fmla="*/ 0 w 3417466"/>
+                          <a:gd name="connsiteY0" fmla="*/ 1094399 h 3100620"/>
+                          <a:gd name="connsiteX1" fmla="*/ 3066016 w 3417466"/>
+                          <a:gd name="connsiteY1" fmla="*/ 0 h 3100620"/>
+                          <a:gd name="connsiteX2" fmla="*/ 3417466 w 3417466"/>
+                          <a:gd name="connsiteY2" fmla="*/ 538666 h 3100620"/>
+                          <a:gd name="connsiteX3" fmla="*/ 0 w 3417466"/>
+                          <a:gd name="connsiteY3" fmla="*/ 3100620 h 3100620"/>
+                          <a:gd name="connsiteX4" fmla="*/ 0 w 3417466"/>
+                          <a:gd name="connsiteY4" fmla="*/ 1094399 h 3100620"/>
+                          <a:gd name="connsiteX0" fmla="*/ 229562 w 3417466"/>
+                          <a:gd name="connsiteY0" fmla="*/ 1580014 h 3100620"/>
+                          <a:gd name="connsiteX1" fmla="*/ 3066016 w 3417466"/>
+                          <a:gd name="connsiteY1" fmla="*/ 0 h 3100620"/>
+                          <a:gd name="connsiteX2" fmla="*/ 3417466 w 3417466"/>
+                          <a:gd name="connsiteY2" fmla="*/ 538666 h 3100620"/>
+                          <a:gd name="connsiteX3" fmla="*/ 0 w 3417466"/>
+                          <a:gd name="connsiteY3" fmla="*/ 3100620 h 3100620"/>
+                          <a:gd name="connsiteX4" fmla="*/ 229562 w 3417466"/>
+                          <a:gd name="connsiteY4" fmla="*/ 1580014 h 3100620"/>
+                          <a:gd name="connsiteX0" fmla="*/ 266766 w 3417466"/>
+                          <a:gd name="connsiteY0" fmla="*/ 1419360 h 3100620"/>
+                          <a:gd name="connsiteX1" fmla="*/ 3066016 w 3417466"/>
+                          <a:gd name="connsiteY1" fmla="*/ 0 h 3100620"/>
+                          <a:gd name="connsiteX2" fmla="*/ 3417466 w 3417466"/>
+                          <a:gd name="connsiteY2" fmla="*/ 538666 h 3100620"/>
+                          <a:gd name="connsiteX3" fmla="*/ 0 w 3417466"/>
+                          <a:gd name="connsiteY3" fmla="*/ 3100620 h 3100620"/>
+                          <a:gd name="connsiteX4" fmla="*/ 266766 w 3417466"/>
+                          <a:gd name="connsiteY4" fmla="*/ 1419360 h 3100620"/>
+                          <a:gd name="connsiteX0" fmla="*/ 266766 w 3417466"/>
+                          <a:gd name="connsiteY0" fmla="*/ 1616825 h 3298085"/>
+                          <a:gd name="connsiteX1" fmla="*/ 3234640 w 3417466"/>
+                          <a:gd name="connsiteY1" fmla="*/ 0 h 3298085"/>
+                          <a:gd name="connsiteX2" fmla="*/ 3417466 w 3417466"/>
+                          <a:gd name="connsiteY2" fmla="*/ 736131 h 3298085"/>
+                          <a:gd name="connsiteX3" fmla="*/ 0 w 3417466"/>
+                          <a:gd name="connsiteY3" fmla="*/ 3298085 h 3298085"/>
+                          <a:gd name="connsiteX4" fmla="*/ 266766 w 3417466"/>
+                          <a:gd name="connsiteY4" fmla="*/ 1616825 h 3298085"/>
+                          <a:gd name="connsiteX0" fmla="*/ 266766 w 3417466"/>
+                          <a:gd name="connsiteY0" fmla="*/ 1780735 h 3461995"/>
+                          <a:gd name="connsiteX1" fmla="*/ 3222744 w 3417466"/>
+                          <a:gd name="connsiteY1" fmla="*/ 0 h 3461995"/>
+                          <a:gd name="connsiteX2" fmla="*/ 3417466 w 3417466"/>
+                          <a:gd name="connsiteY2" fmla="*/ 900041 h 3461995"/>
+                          <a:gd name="connsiteX3" fmla="*/ 0 w 3417466"/>
+                          <a:gd name="connsiteY3" fmla="*/ 3461995 h 3461995"/>
+                          <a:gd name="connsiteX4" fmla="*/ 266766 w 3417466"/>
+                          <a:gd name="connsiteY4" fmla="*/ 1780735 h 3461995"/>
+                          <a:gd name="connsiteX0" fmla="*/ 266766 w 3445299"/>
+                          <a:gd name="connsiteY0" fmla="*/ 1780735 h 3461995"/>
+                          <a:gd name="connsiteX1" fmla="*/ 3222744 w 3445299"/>
+                          <a:gd name="connsiteY1" fmla="*/ 0 h 3461995"/>
+                          <a:gd name="connsiteX2" fmla="*/ 3445299 w 3445299"/>
+                          <a:gd name="connsiteY2" fmla="*/ 594611 h 3461995"/>
+                          <a:gd name="connsiteX3" fmla="*/ 0 w 3445299"/>
+                          <a:gd name="connsiteY3" fmla="*/ 3461995 h 3461995"/>
+                          <a:gd name="connsiteX4" fmla="*/ 266766 w 3445299"/>
+                          <a:gd name="connsiteY4" fmla="*/ 1780735 h 3461995"/>
+                          <a:gd name="connsiteX0" fmla="*/ 345831 w 3445299"/>
+                          <a:gd name="connsiteY0" fmla="*/ 1789770 h 3461995"/>
+                          <a:gd name="connsiteX1" fmla="*/ 3222744 w 3445299"/>
+                          <a:gd name="connsiteY1" fmla="*/ 0 h 3461995"/>
+                          <a:gd name="connsiteX2" fmla="*/ 3445299 w 3445299"/>
+                          <a:gd name="connsiteY2" fmla="*/ 594611 h 3461995"/>
+                          <a:gd name="connsiteX3" fmla="*/ 0 w 3445299"/>
+                          <a:gd name="connsiteY3" fmla="*/ 3461995 h 3461995"/>
+                          <a:gd name="connsiteX4" fmla="*/ 345831 w 3445299"/>
+                          <a:gd name="connsiteY4" fmla="*/ 1789770 h 3461995"/>
+                          <a:gd name="connsiteX0" fmla="*/ 345831 w 3445299"/>
+                          <a:gd name="connsiteY0" fmla="*/ 1760140 h 3432365"/>
+                          <a:gd name="connsiteX1" fmla="*/ 3440804 w 3445299"/>
+                          <a:gd name="connsiteY1" fmla="*/ 0 h 3432365"/>
+                          <a:gd name="connsiteX2" fmla="*/ 3445299 w 3445299"/>
+                          <a:gd name="connsiteY2" fmla="*/ 564981 h 3432365"/>
+                          <a:gd name="connsiteX3" fmla="*/ 0 w 3445299"/>
+                          <a:gd name="connsiteY3" fmla="*/ 3432365 h 3432365"/>
+                          <a:gd name="connsiteX4" fmla="*/ 345831 w 3445299"/>
+                          <a:gd name="connsiteY4" fmla="*/ 1760140 h 3432365"/>
+                          <a:gd name="connsiteX0" fmla="*/ 345831 w 3440824"/>
+                          <a:gd name="connsiteY0" fmla="*/ 1760140 h 3432365"/>
+                          <a:gd name="connsiteX1" fmla="*/ 3440804 w 3440824"/>
+                          <a:gd name="connsiteY1" fmla="*/ 0 h 3432365"/>
+                          <a:gd name="connsiteX2" fmla="*/ 3361914 w 3440824"/>
+                          <a:gd name="connsiteY2" fmla="*/ 449442 h 3432365"/>
+                          <a:gd name="connsiteX3" fmla="*/ 0 w 3440824"/>
+                          <a:gd name="connsiteY3" fmla="*/ 3432365 h 3432365"/>
+                          <a:gd name="connsiteX4" fmla="*/ 345831 w 3440824"/>
+                          <a:gd name="connsiteY4" fmla="*/ 1760140 h 3432365"/>
+                          <a:gd name="connsiteX0" fmla="*/ 345831 w 3361914"/>
+                          <a:gd name="connsiteY0" fmla="*/ 2001319 h 3673544"/>
+                          <a:gd name="connsiteX1" fmla="*/ 3350573 w 3361914"/>
+                          <a:gd name="connsiteY1" fmla="*/ 0 h 3673544"/>
+                          <a:gd name="connsiteX2" fmla="*/ 3361914 w 3361914"/>
+                          <a:gd name="connsiteY2" fmla="*/ 690621 h 3673544"/>
+                          <a:gd name="connsiteX3" fmla="*/ 0 w 3361914"/>
+                          <a:gd name="connsiteY3" fmla="*/ 3673544 h 3673544"/>
+                          <a:gd name="connsiteX4" fmla="*/ 345831 w 3361914"/>
+                          <a:gd name="connsiteY4" fmla="*/ 2001319 h 3673544"/>
+                          <a:gd name="connsiteX0" fmla="*/ 345831 w 3391543"/>
+                          <a:gd name="connsiteY0" fmla="*/ 2001319 h 3673544"/>
+                          <a:gd name="connsiteX1" fmla="*/ 3350573 w 3391543"/>
+                          <a:gd name="connsiteY1" fmla="*/ 0 h 3673544"/>
+                          <a:gd name="connsiteX2" fmla="*/ 3391543 w 3391543"/>
+                          <a:gd name="connsiteY2" fmla="*/ 472562 h 3673544"/>
+                          <a:gd name="connsiteX3" fmla="*/ 0 w 3391543"/>
+                          <a:gd name="connsiteY3" fmla="*/ 3673544 h 3673544"/>
+                          <a:gd name="connsiteX4" fmla="*/ 345831 w 3391543"/>
+                          <a:gd name="connsiteY4" fmla="*/ 2001319 h 3673544"/>
+                        </a:gdLst>
+                        <a:ahLst/>
+                        <a:cxnLst>
+                          <a:cxn ang="0">
+                            <a:pos x="connsiteX0" y="connsiteY0"/>
+                          </a:cxn>
+                          <a:cxn ang="0">
+                            <a:pos x="connsiteX1" y="connsiteY1"/>
+                          </a:cxn>
+                          <a:cxn ang="0">
+                            <a:pos x="connsiteX2" y="connsiteY2"/>
+                          </a:cxn>
+                          <a:cxn ang="0">
+                            <a:pos x="connsiteX3" y="connsiteY3"/>
+                          </a:cxn>
+                          <a:cxn ang="0">
+                            <a:pos x="connsiteX4" y="connsiteY4"/>
+                          </a:cxn>
+                        </a:cxnLst>
+                        <a:rect l="l" t="t" r="r" b="b"/>
+                        <a:pathLst>
+                          <a:path w="3391543" h="3673544">
+                            <a:moveTo>
+                              <a:pt x="345831" y="2001319"/>
+                            </a:moveTo>
+                            <a:lnTo>
+                              <a:pt x="3350573" y="0"/>
+                            </a:lnTo>
+                            <a:cubicBezTo>
+                              <a:pt x="3352071" y="188327"/>
+                              <a:pt x="3390045" y="284235"/>
+                              <a:pt x="3391543" y="472562"/>
+                            </a:cubicBezTo>
+                            <a:lnTo>
+                              <a:pt x="0" y="3673544"/>
+                            </a:lnTo>
+                            <a:lnTo>
+                              <a:pt x="345831" y="2001319"/>
+                            </a:lnTo>
+                            <a:close/>
+                          </a:path>
+                        </a:pathLst>
+                      </a:custGeom>
+                      <a:solidFill>
+                        <a:schemeClr val="accent5">
+                          <a:lumMod val="60000"/>
+                          <a:lumOff val="40000"/>
+                        </a:schemeClr>
+                      </a:solidFill>
+                      <a:ln w="25400" cap="flat" cmpd="sng" algn="ctr">
+                        <a:solidFill>
+                          <a:sysClr val="windowText" lastClr="000000"/>
+                        </a:solidFill>
+                        <a:prstDash val="solid"/>
+                      </a:ln>
+                      <a:effectLst/>
+                    </p:spPr>
+                    <p:txBody>
+                      <a:bodyPr rtlCol="0" anchor="ctr"/>
+                      <a:lstStyle/>
+                      <a:p>
+                        <a:pPr marL="0" marR="0" lvl="0" indent="0" algn="ctr" defTabSz="914400" eaLnBrk="1" fontAlgn="auto" latinLnBrk="0" hangingPunct="1">
+                          <a:lnSpc>
+                            <a:spcPct val="100000"/>
+                          </a:lnSpc>
+                          <a:spcBef>
+                            <a:spcPts val="0"/>
+                          </a:spcBef>
+                          <a:spcAft>
+                            <a:spcPts val="0"/>
+                          </a:spcAft>
+                          <a:buClrTx/>
+                          <a:buSzTx/>
+                          <a:buFontTx/>
+                          <a:buNone/>
+                          <a:tabLst/>
+                          <a:defRPr/>
+                        </a:pPr>
+                        <a:endParaRPr kumimoji="0" lang="ja-JP" altLang="en-US" sz="1800" b="0" i="0" u="none" strike="noStrike" kern="0" cap="none" spc="0" normalizeH="0" baseline="0" noProof="0">
+                          <a:ln>
+                            <a:noFill/>
+                          </a:ln>
+                          <a:solidFill>
+                            <a:prstClr val="black"/>
+                          </a:solidFill>
+                          <a:effectLst/>
+                          <a:uLnTx/>
+                          <a:uFillTx/>
+                          <a:latin typeface="Arial"/>
+                          <a:cs typeface="DejaVu Sans"/>
+                        </a:endParaRPr>
+                      </a:p>
+                    </p:txBody>
+                  </p:sp>
+                  <p:sp>
+                    <p:nvSpPr>
+                      <p:cNvPr id="37" name="Rectangle 4">
+                        <a:extLst>
+                          <a:ext uri="{FF2B5EF4-FFF2-40B4-BE49-F238E27FC236}">
+                            <a16:creationId xmlns:a16="http://schemas.microsoft.com/office/drawing/2014/main" id="{66BA1C86-5FAD-4030-B386-FBC1EADBC207}"/>
+                          </a:ext>
+                        </a:extLst>
+                      </p:cNvPr>
+                      <p:cNvSpPr/>
+                      <p:nvPr/>
+                    </p:nvSpPr>
+                    <p:spPr>
+                      <a:xfrm rot="3151040">
+                        <a:off x="7641220" y="1961099"/>
+                        <a:ext cx="1061986" cy="1396645"/>
+                      </a:xfrm>
+                      <a:custGeom>
+                        <a:avLst/>
+                        <a:gdLst>
+                          <a:gd name="connsiteX0" fmla="*/ 0 w 4067033"/>
+                          <a:gd name="connsiteY0" fmla="*/ 0 h 2006221"/>
+                          <a:gd name="connsiteX1" fmla="*/ 4067033 w 4067033"/>
+                          <a:gd name="connsiteY1" fmla="*/ 0 h 2006221"/>
+                          <a:gd name="connsiteX2" fmla="*/ 4067033 w 4067033"/>
+                          <a:gd name="connsiteY2" fmla="*/ 2006221 h 2006221"/>
+                          <a:gd name="connsiteX3" fmla="*/ 0 w 4067033"/>
+                          <a:gd name="connsiteY3" fmla="*/ 2006221 h 2006221"/>
+                          <a:gd name="connsiteX4" fmla="*/ 0 w 4067033"/>
+                          <a:gd name="connsiteY4" fmla="*/ 0 h 2006221"/>
+                          <a:gd name="connsiteX0" fmla="*/ 0 w 4067033"/>
+                          <a:gd name="connsiteY0" fmla="*/ 794750 h 2800971"/>
+                          <a:gd name="connsiteX1" fmla="*/ 3008217 w 4067033"/>
+                          <a:gd name="connsiteY1" fmla="*/ 0 h 2800971"/>
+                          <a:gd name="connsiteX2" fmla="*/ 4067033 w 4067033"/>
+                          <a:gd name="connsiteY2" fmla="*/ 2800971 h 2800971"/>
+                          <a:gd name="connsiteX3" fmla="*/ 0 w 4067033"/>
+                          <a:gd name="connsiteY3" fmla="*/ 2800971 h 2800971"/>
+                          <a:gd name="connsiteX4" fmla="*/ 0 w 4067033"/>
+                          <a:gd name="connsiteY4" fmla="*/ 794750 h 2800971"/>
+                          <a:gd name="connsiteX0" fmla="*/ 0 w 3270108"/>
+                          <a:gd name="connsiteY0" fmla="*/ 794750 h 2800971"/>
+                          <a:gd name="connsiteX1" fmla="*/ 3008217 w 3270108"/>
+                          <a:gd name="connsiteY1" fmla="*/ 0 h 2800971"/>
+                          <a:gd name="connsiteX2" fmla="*/ 3270108 w 3270108"/>
+                          <a:gd name="connsiteY2" fmla="*/ 745167 h 2800971"/>
+                          <a:gd name="connsiteX3" fmla="*/ 0 w 3270108"/>
+                          <a:gd name="connsiteY3" fmla="*/ 2800971 h 2800971"/>
+                          <a:gd name="connsiteX4" fmla="*/ 0 w 3270108"/>
+                          <a:gd name="connsiteY4" fmla="*/ 794750 h 2800971"/>
+                          <a:gd name="connsiteX0" fmla="*/ 0 w 3270108"/>
+                          <a:gd name="connsiteY0" fmla="*/ 1094399 h 3100620"/>
+                          <a:gd name="connsiteX1" fmla="*/ 3066016 w 3270108"/>
+                          <a:gd name="connsiteY1" fmla="*/ 0 h 3100620"/>
+                          <a:gd name="connsiteX2" fmla="*/ 3270108 w 3270108"/>
+                          <a:gd name="connsiteY2" fmla="*/ 1044816 h 3100620"/>
+                          <a:gd name="connsiteX3" fmla="*/ 0 w 3270108"/>
+                          <a:gd name="connsiteY3" fmla="*/ 3100620 h 3100620"/>
+                          <a:gd name="connsiteX4" fmla="*/ 0 w 3270108"/>
+                          <a:gd name="connsiteY4" fmla="*/ 1094399 h 3100620"/>
+                          <a:gd name="connsiteX0" fmla="*/ 0 w 3417466"/>
+                          <a:gd name="connsiteY0" fmla="*/ 1094399 h 3100620"/>
+                          <a:gd name="connsiteX1" fmla="*/ 3066016 w 3417466"/>
+                          <a:gd name="connsiteY1" fmla="*/ 0 h 3100620"/>
+                          <a:gd name="connsiteX2" fmla="*/ 3417466 w 3417466"/>
+                          <a:gd name="connsiteY2" fmla="*/ 538666 h 3100620"/>
+                          <a:gd name="connsiteX3" fmla="*/ 0 w 3417466"/>
+                          <a:gd name="connsiteY3" fmla="*/ 3100620 h 3100620"/>
+                          <a:gd name="connsiteX4" fmla="*/ 0 w 3417466"/>
+                          <a:gd name="connsiteY4" fmla="*/ 1094399 h 3100620"/>
+                          <a:gd name="connsiteX0" fmla="*/ 229562 w 3417466"/>
+                          <a:gd name="connsiteY0" fmla="*/ 1580014 h 3100620"/>
+                          <a:gd name="connsiteX1" fmla="*/ 3066016 w 3417466"/>
+                          <a:gd name="connsiteY1" fmla="*/ 0 h 3100620"/>
+                          <a:gd name="connsiteX2" fmla="*/ 3417466 w 3417466"/>
+                          <a:gd name="connsiteY2" fmla="*/ 538666 h 3100620"/>
+                          <a:gd name="connsiteX3" fmla="*/ 0 w 3417466"/>
+                          <a:gd name="connsiteY3" fmla="*/ 3100620 h 3100620"/>
+                          <a:gd name="connsiteX4" fmla="*/ 229562 w 3417466"/>
+                          <a:gd name="connsiteY4" fmla="*/ 1580014 h 3100620"/>
+                          <a:gd name="connsiteX0" fmla="*/ 266766 w 3417466"/>
+                          <a:gd name="connsiteY0" fmla="*/ 1419360 h 3100620"/>
+                          <a:gd name="connsiteX1" fmla="*/ 3066016 w 3417466"/>
+                          <a:gd name="connsiteY1" fmla="*/ 0 h 3100620"/>
+                          <a:gd name="connsiteX2" fmla="*/ 3417466 w 3417466"/>
+                          <a:gd name="connsiteY2" fmla="*/ 538666 h 3100620"/>
+                          <a:gd name="connsiteX3" fmla="*/ 0 w 3417466"/>
+                          <a:gd name="connsiteY3" fmla="*/ 3100620 h 3100620"/>
+                          <a:gd name="connsiteX4" fmla="*/ 266766 w 3417466"/>
+                          <a:gd name="connsiteY4" fmla="*/ 1419360 h 3100620"/>
+                          <a:gd name="connsiteX0" fmla="*/ 266766 w 3417466"/>
+                          <a:gd name="connsiteY0" fmla="*/ 1616825 h 3298085"/>
+                          <a:gd name="connsiteX1" fmla="*/ 3234640 w 3417466"/>
+                          <a:gd name="connsiteY1" fmla="*/ 0 h 3298085"/>
+                          <a:gd name="connsiteX2" fmla="*/ 3417466 w 3417466"/>
+                          <a:gd name="connsiteY2" fmla="*/ 736131 h 3298085"/>
+                          <a:gd name="connsiteX3" fmla="*/ 0 w 3417466"/>
+                          <a:gd name="connsiteY3" fmla="*/ 3298085 h 3298085"/>
+                          <a:gd name="connsiteX4" fmla="*/ 266766 w 3417466"/>
+                          <a:gd name="connsiteY4" fmla="*/ 1616825 h 3298085"/>
+                          <a:gd name="connsiteX0" fmla="*/ 266766 w 3417466"/>
+                          <a:gd name="connsiteY0" fmla="*/ 1780735 h 3461995"/>
+                          <a:gd name="connsiteX1" fmla="*/ 3222744 w 3417466"/>
+                          <a:gd name="connsiteY1" fmla="*/ 0 h 3461995"/>
+                          <a:gd name="connsiteX2" fmla="*/ 3417466 w 3417466"/>
+                          <a:gd name="connsiteY2" fmla="*/ 900041 h 3461995"/>
+                          <a:gd name="connsiteX3" fmla="*/ 0 w 3417466"/>
+                          <a:gd name="connsiteY3" fmla="*/ 3461995 h 3461995"/>
+                          <a:gd name="connsiteX4" fmla="*/ 266766 w 3417466"/>
+                          <a:gd name="connsiteY4" fmla="*/ 1780735 h 3461995"/>
+                          <a:gd name="connsiteX0" fmla="*/ 266766 w 3445299"/>
+                          <a:gd name="connsiteY0" fmla="*/ 1780735 h 3461995"/>
+                          <a:gd name="connsiteX1" fmla="*/ 3222744 w 3445299"/>
+                          <a:gd name="connsiteY1" fmla="*/ 0 h 3461995"/>
+                          <a:gd name="connsiteX2" fmla="*/ 3445299 w 3445299"/>
+                          <a:gd name="connsiteY2" fmla="*/ 594611 h 3461995"/>
+                          <a:gd name="connsiteX3" fmla="*/ 0 w 3445299"/>
+                          <a:gd name="connsiteY3" fmla="*/ 3461995 h 3461995"/>
+                          <a:gd name="connsiteX4" fmla="*/ 266766 w 3445299"/>
+                          <a:gd name="connsiteY4" fmla="*/ 1780735 h 3461995"/>
+                          <a:gd name="connsiteX0" fmla="*/ 345831 w 3445299"/>
+                          <a:gd name="connsiteY0" fmla="*/ 1789770 h 3461995"/>
+                          <a:gd name="connsiteX1" fmla="*/ 3222744 w 3445299"/>
+                          <a:gd name="connsiteY1" fmla="*/ 0 h 3461995"/>
+                          <a:gd name="connsiteX2" fmla="*/ 3445299 w 3445299"/>
+                          <a:gd name="connsiteY2" fmla="*/ 594611 h 3461995"/>
+                          <a:gd name="connsiteX3" fmla="*/ 0 w 3445299"/>
+                          <a:gd name="connsiteY3" fmla="*/ 3461995 h 3461995"/>
+                          <a:gd name="connsiteX4" fmla="*/ 345831 w 3445299"/>
+                          <a:gd name="connsiteY4" fmla="*/ 1789770 h 3461995"/>
+                          <a:gd name="connsiteX0" fmla="*/ 345831 w 3445299"/>
+                          <a:gd name="connsiteY0" fmla="*/ 1760140 h 3432365"/>
+                          <a:gd name="connsiteX1" fmla="*/ 3440804 w 3445299"/>
+                          <a:gd name="connsiteY1" fmla="*/ 0 h 3432365"/>
+                          <a:gd name="connsiteX2" fmla="*/ 3445299 w 3445299"/>
+                          <a:gd name="connsiteY2" fmla="*/ 564981 h 3432365"/>
+                          <a:gd name="connsiteX3" fmla="*/ 0 w 3445299"/>
+                          <a:gd name="connsiteY3" fmla="*/ 3432365 h 3432365"/>
+                          <a:gd name="connsiteX4" fmla="*/ 345831 w 3445299"/>
+                          <a:gd name="connsiteY4" fmla="*/ 1760140 h 3432365"/>
+                          <a:gd name="connsiteX0" fmla="*/ 345831 w 3440824"/>
+                          <a:gd name="connsiteY0" fmla="*/ 1760140 h 3432365"/>
+                          <a:gd name="connsiteX1" fmla="*/ 3440804 w 3440824"/>
+                          <a:gd name="connsiteY1" fmla="*/ 0 h 3432365"/>
+                          <a:gd name="connsiteX2" fmla="*/ 3361914 w 3440824"/>
+                          <a:gd name="connsiteY2" fmla="*/ 449442 h 3432365"/>
+                          <a:gd name="connsiteX3" fmla="*/ 0 w 3440824"/>
+                          <a:gd name="connsiteY3" fmla="*/ 3432365 h 3432365"/>
+                          <a:gd name="connsiteX4" fmla="*/ 345831 w 3440824"/>
+                          <a:gd name="connsiteY4" fmla="*/ 1760140 h 3432365"/>
+                          <a:gd name="connsiteX0" fmla="*/ 345831 w 3361914"/>
+                          <a:gd name="connsiteY0" fmla="*/ 2001319 h 3673544"/>
+                          <a:gd name="connsiteX1" fmla="*/ 3350573 w 3361914"/>
+                          <a:gd name="connsiteY1" fmla="*/ 0 h 3673544"/>
+                          <a:gd name="connsiteX2" fmla="*/ 3361914 w 3361914"/>
+                          <a:gd name="connsiteY2" fmla="*/ 690621 h 3673544"/>
+                          <a:gd name="connsiteX3" fmla="*/ 0 w 3361914"/>
+                          <a:gd name="connsiteY3" fmla="*/ 3673544 h 3673544"/>
+                          <a:gd name="connsiteX4" fmla="*/ 345831 w 3361914"/>
+                          <a:gd name="connsiteY4" fmla="*/ 2001319 h 3673544"/>
+                          <a:gd name="connsiteX0" fmla="*/ 345831 w 3391543"/>
+                          <a:gd name="connsiteY0" fmla="*/ 2001319 h 3673544"/>
+                          <a:gd name="connsiteX1" fmla="*/ 3350573 w 3391543"/>
+                          <a:gd name="connsiteY1" fmla="*/ 0 h 3673544"/>
+                          <a:gd name="connsiteX2" fmla="*/ 3391543 w 3391543"/>
+                          <a:gd name="connsiteY2" fmla="*/ 472562 h 3673544"/>
+                          <a:gd name="connsiteX3" fmla="*/ 0 w 3391543"/>
+                          <a:gd name="connsiteY3" fmla="*/ 3673544 h 3673544"/>
+                          <a:gd name="connsiteX4" fmla="*/ 345831 w 3391543"/>
+                          <a:gd name="connsiteY4" fmla="*/ 2001319 h 3673544"/>
+                          <a:gd name="connsiteX0" fmla="*/ 345831 w 3350575"/>
+                          <a:gd name="connsiteY0" fmla="*/ 2001319 h 3673544"/>
+                          <a:gd name="connsiteX1" fmla="*/ 3350573 w 3350575"/>
+                          <a:gd name="connsiteY1" fmla="*/ 0 h 3673544"/>
+                          <a:gd name="connsiteX2" fmla="*/ 1994537 w 3350575"/>
+                          <a:gd name="connsiteY2" fmla="*/ 1745509 h 3673544"/>
+                          <a:gd name="connsiteX3" fmla="*/ 0 w 3350575"/>
+                          <a:gd name="connsiteY3" fmla="*/ 3673544 h 3673544"/>
+                          <a:gd name="connsiteX4" fmla="*/ 345831 w 3350575"/>
+                          <a:gd name="connsiteY4" fmla="*/ 2001319 h 3673544"/>
+                          <a:gd name="connsiteX0" fmla="*/ 345831 w 2419560"/>
+                          <a:gd name="connsiteY0" fmla="*/ 1921118 h 3593343"/>
+                          <a:gd name="connsiteX1" fmla="*/ 2419558 w 2419560"/>
+                          <a:gd name="connsiteY1" fmla="*/ 0 h 3593343"/>
+                          <a:gd name="connsiteX2" fmla="*/ 1994537 w 2419560"/>
+                          <a:gd name="connsiteY2" fmla="*/ 1665308 h 3593343"/>
+                          <a:gd name="connsiteX3" fmla="*/ 0 w 2419560"/>
+                          <a:gd name="connsiteY3" fmla="*/ 3593343 h 3593343"/>
+                          <a:gd name="connsiteX4" fmla="*/ 345831 w 2419560"/>
+                          <a:gd name="connsiteY4" fmla="*/ 1921118 h 3593343"/>
+                          <a:gd name="connsiteX0" fmla="*/ 345831 w 2276422"/>
+                          <a:gd name="connsiteY0" fmla="*/ 2312566 h 3984791"/>
+                          <a:gd name="connsiteX1" fmla="*/ 2276417 w 2276422"/>
+                          <a:gd name="connsiteY1" fmla="*/ 1 h 3984791"/>
+                          <a:gd name="connsiteX2" fmla="*/ 1994537 w 2276422"/>
+                          <a:gd name="connsiteY2" fmla="*/ 2056756 h 3984791"/>
+                          <a:gd name="connsiteX3" fmla="*/ 0 w 2276422"/>
+                          <a:gd name="connsiteY3" fmla="*/ 3984791 h 3984791"/>
+                          <a:gd name="connsiteX4" fmla="*/ 345831 w 2276422"/>
+                          <a:gd name="connsiteY4" fmla="*/ 2312566 h 3984791"/>
+                          <a:gd name="connsiteX0" fmla="*/ 366762 w 2276422"/>
+                          <a:gd name="connsiteY0" fmla="*/ 1892302 h 3984791"/>
+                          <a:gd name="connsiteX1" fmla="*/ 2276417 w 2276422"/>
+                          <a:gd name="connsiteY1" fmla="*/ 1 h 3984791"/>
+                          <a:gd name="connsiteX2" fmla="*/ 1994537 w 2276422"/>
+                          <a:gd name="connsiteY2" fmla="*/ 2056756 h 3984791"/>
+                          <a:gd name="connsiteX3" fmla="*/ 0 w 2276422"/>
+                          <a:gd name="connsiteY3" fmla="*/ 3984791 h 3984791"/>
+                          <a:gd name="connsiteX4" fmla="*/ 366762 w 2276422"/>
+                          <a:gd name="connsiteY4" fmla="*/ 1892302 h 3984791"/>
+                          <a:gd name="connsiteX0" fmla="*/ 366762 w 2276422"/>
+                          <a:gd name="connsiteY0" fmla="*/ 1892302 h 3984791"/>
+                          <a:gd name="connsiteX1" fmla="*/ 2276417 w 2276422"/>
+                          <a:gd name="connsiteY1" fmla="*/ 1 h 3984791"/>
+                          <a:gd name="connsiteX2" fmla="*/ 1913347 w 2276422"/>
+                          <a:gd name="connsiteY2" fmla="*/ 1237841 h 3984791"/>
+                          <a:gd name="connsiteX3" fmla="*/ 0 w 2276422"/>
+                          <a:gd name="connsiteY3" fmla="*/ 3984791 h 3984791"/>
+                          <a:gd name="connsiteX4" fmla="*/ 366762 w 2276422"/>
+                          <a:gd name="connsiteY4" fmla="*/ 1892302 h 3984791"/>
+                          <a:gd name="connsiteX0" fmla="*/ 366762 w 2276463"/>
+                          <a:gd name="connsiteY0" fmla="*/ 1892302 h 3984791"/>
+                          <a:gd name="connsiteX1" fmla="*/ 2276417 w 2276463"/>
+                          <a:gd name="connsiteY1" fmla="*/ 1 h 3984791"/>
+                          <a:gd name="connsiteX2" fmla="*/ 2243053 w 2276463"/>
+                          <a:gd name="connsiteY2" fmla="*/ 985523 h 3984791"/>
+                          <a:gd name="connsiteX3" fmla="*/ 0 w 2276463"/>
+                          <a:gd name="connsiteY3" fmla="*/ 3984791 h 3984791"/>
+                          <a:gd name="connsiteX4" fmla="*/ 366762 w 2276463"/>
+                          <a:gd name="connsiteY4" fmla="*/ 1892302 h 3984791"/>
+                        </a:gdLst>
+                        <a:ahLst/>
+                        <a:cxnLst>
+                          <a:cxn ang="0">
+                            <a:pos x="connsiteX0" y="connsiteY0"/>
+                          </a:cxn>
+                          <a:cxn ang="0">
+                            <a:pos x="connsiteX1" y="connsiteY1"/>
+                          </a:cxn>
+                          <a:cxn ang="0">
+                            <a:pos x="connsiteX2" y="connsiteY2"/>
+                          </a:cxn>
+                          <a:cxn ang="0">
+                            <a:pos x="connsiteX3" y="connsiteY3"/>
+                          </a:cxn>
+                          <a:cxn ang="0">
+                            <a:pos x="connsiteX4" y="connsiteY4"/>
+                          </a:cxn>
+                        </a:cxnLst>
+                        <a:rect l="l" t="t" r="r" b="b"/>
+                        <a:pathLst>
+                          <a:path w="2276463" h="3984791">
+                            <a:moveTo>
+                              <a:pt x="366762" y="1892302"/>
+                            </a:moveTo>
+                            <a:lnTo>
+                              <a:pt x="2276417" y="1"/>
+                            </a:lnTo>
+                            <a:cubicBezTo>
+                              <a:pt x="2277915" y="188328"/>
+                              <a:pt x="2241555" y="797196"/>
+                              <a:pt x="2243053" y="985523"/>
+                            </a:cubicBezTo>
+                            <a:lnTo>
+                              <a:pt x="0" y="3984791"/>
+                            </a:lnTo>
+                            <a:lnTo>
+                              <a:pt x="366762" y="1892302"/>
+                            </a:lnTo>
+                            <a:close/>
+                          </a:path>
+                        </a:pathLst>
+                      </a:custGeom>
+                      <a:solidFill>
+                        <a:schemeClr val="accent5">
+                          <a:lumMod val="60000"/>
+                          <a:lumOff val="40000"/>
+                        </a:schemeClr>
+                      </a:solidFill>
+                      <a:ln w="25400" cap="flat" cmpd="sng" algn="ctr">
+                        <a:solidFill>
+                          <a:sysClr val="windowText" lastClr="000000"/>
+                        </a:solidFill>
+                        <a:prstDash val="solid"/>
+                      </a:ln>
+                      <a:effectLst/>
+                    </p:spPr>
+                    <p:txBody>
+                      <a:bodyPr rtlCol="0" anchor="ctr"/>
+                      <a:lstStyle/>
+                      <a:p>
+                        <a:pPr marL="0" marR="0" lvl="0" indent="0" algn="ctr" defTabSz="914400" eaLnBrk="1" fontAlgn="auto" latinLnBrk="0" hangingPunct="1">
+                          <a:lnSpc>
+                            <a:spcPct val="100000"/>
+                          </a:lnSpc>
+                          <a:spcBef>
+                            <a:spcPts val="0"/>
+                          </a:spcBef>
+                          <a:spcAft>
+                            <a:spcPts val="0"/>
+                          </a:spcAft>
+                          <a:buClrTx/>
+                          <a:buSzTx/>
+                          <a:buFontTx/>
+                          <a:buNone/>
+                          <a:tabLst/>
+                          <a:defRPr/>
+                        </a:pPr>
+                        <a:endParaRPr kumimoji="0" lang="ja-JP" altLang="en-US" sz="1800" b="0" i="0" u="none" strike="noStrike" kern="0" cap="none" spc="0" normalizeH="0" baseline="0" noProof="0">
+                          <a:ln>
+                            <a:noFill/>
+                          </a:ln>
+                          <a:solidFill>
+                            <a:prstClr val="black"/>
+                          </a:solidFill>
+                          <a:effectLst/>
+                          <a:uLnTx/>
+                          <a:uFillTx/>
+                          <a:latin typeface="Arial"/>
+                          <a:cs typeface="DejaVu Sans"/>
+                        </a:endParaRPr>
+                      </a:p>
+                    </p:txBody>
+                  </p:sp>
+                </p:grpSp>
+                <p:cxnSp>
+                  <p:nvCxnSpPr>
+                    <p:cNvPr id="31" name="Straight Connector 10">
+                      <a:extLst>
+                        <a:ext uri="{FF2B5EF4-FFF2-40B4-BE49-F238E27FC236}">
+                          <a16:creationId xmlns:a16="http://schemas.microsoft.com/office/drawing/2014/main" id="{D664EDFE-2F32-4FAC-9481-6655667D3C73}"/>
+                        </a:ext>
+                      </a:extLst>
+                    </p:cNvPr>
+                    <p:cNvCxnSpPr>
+                      <a:cxnSpLocks/>
+                    </p:cNvCxnSpPr>
+                    <p:nvPr/>
+                  </p:nvCxnSpPr>
+                  <p:spPr>
+                    <a:xfrm flipV="1">
+                      <a:off x="632968" y="3950635"/>
+                      <a:ext cx="3330226" cy="1598671"/>
+                    </a:xfrm>
+                    <a:prstGeom prst="line">
+                      <a:avLst/>
+                    </a:prstGeom>
+                    <a:noFill/>
+                    <a:ln w="57150" cap="flat" cmpd="sng" algn="ctr">
+                      <a:solidFill>
+                        <a:sysClr val="windowText" lastClr="000000"/>
+                      </a:solidFill>
+                      <a:prstDash val="dash"/>
+                    </a:ln>
+                    <a:effectLst>
+                      <a:outerShdw blurRad="40000" dist="20000" dir="5400000" rotWithShape="0">
+                        <a:srgbClr val="000000">
+                          <a:alpha val="38000"/>
+                        </a:srgbClr>
+                      </a:outerShdw>
+                    </a:effectLst>
+                  </p:spPr>
+                </p:cxnSp>
+              </p:grpSp>
+            </p:grpSp>
+            <p:cxnSp>
+              <p:nvCxnSpPr>
+                <p:cNvPr id="26" name="Straight Arrow Connector 20">
+                  <a:extLst>
+                    <a:ext uri="{FF2B5EF4-FFF2-40B4-BE49-F238E27FC236}">
+                      <a16:creationId xmlns:a16="http://schemas.microsoft.com/office/drawing/2014/main" id="{7F57BD9B-FC0A-4238-94F6-9B4692F9E364}"/>
+                    </a:ext>
+                  </a:extLst>
+                </p:cNvPr>
+                <p:cNvCxnSpPr>
+                  <a:cxnSpLocks/>
+                </p:cNvCxnSpPr>
+                <p:nvPr/>
+              </p:nvCxnSpPr>
+              <p:spPr>
+                <a:xfrm flipV="1">
+                  <a:off x="871746" y="5017046"/>
+                  <a:ext cx="1148976" cy="948895"/>
+                </a:xfrm>
+                <a:prstGeom prst="straightConnector1">
+                  <a:avLst/>
+                </a:prstGeom>
+                <a:noFill/>
+                <a:ln w="76200" cap="flat" cmpd="sng" algn="ctr">
+                  <a:solidFill>
+                    <a:sysClr val="windowText" lastClr="000000"/>
+                  </a:solidFill>
+                  <a:prstDash val="solid"/>
+                  <a:tailEnd type="triangle" w="lg" len="lg"/>
+                </a:ln>
+                <a:effectLst>
+                  <a:outerShdw blurRad="40000" dist="20000" dir="5400000" rotWithShape="0">
+                    <a:srgbClr val="000000">
+                      <a:alpha val="38000"/>
+                    </a:srgbClr>
+                  </a:outerShdw>
+                </a:effectLst>
+              </p:spPr>
+            </p:cxnSp>
+          </p:grpSp>
+          <p:sp>
+            <p:nvSpPr>
+              <p:cNvPr id="38" name="テキスト ボックス 37">
+                <a:extLst>
+                  <a:ext uri="{FF2B5EF4-FFF2-40B4-BE49-F238E27FC236}">
+                    <a16:creationId xmlns:a16="http://schemas.microsoft.com/office/drawing/2014/main" id="{F72F3978-1D69-40D8-8ACB-D59B0CDE17E3}"/>
+                  </a:ext>
+                </a:extLst>
+              </p:cNvPr>
+              <p:cNvSpPr txBox="1"/>
+              <p:nvPr/>
+            </p:nvSpPr>
+            <p:spPr>
+              <a:xfrm>
+                <a:off x="932651" y="5870728"/>
+                <a:ext cx="823510" cy="369332"/>
+              </a:xfrm>
+              <a:prstGeom prst="rect">
+                <a:avLst/>
+              </a:prstGeom>
+              <a:noFill/>
+            </p:spPr>
+            <p:txBody>
+              <a:bodyPr wrap="square" rtlCol="0">
+                <a:spAutoFit/>
+              </a:bodyPr>
+              <a:lstStyle/>
+              <a:p>
+                <a:r>
+                  <a:rPr kumimoji="1" lang="en-US" altLang="ja-JP" dirty="0" err="1"/>
+                  <a:t>AoA</a:t>
+                </a:r>
+                <a:endParaRPr kumimoji="1" lang="ja-JP" altLang="en-US" dirty="0"/>
+              </a:p>
+            </p:txBody>
+          </p:sp>
+          <p:sp>
+            <p:nvSpPr>
+              <p:cNvPr id="39" name="フリーフォーム: 図形 38">
+                <a:extLst>
+                  <a:ext uri="{FF2B5EF4-FFF2-40B4-BE49-F238E27FC236}">
+                    <a16:creationId xmlns:a16="http://schemas.microsoft.com/office/drawing/2014/main" id="{4EBF0164-01B6-44E1-9E9E-EB218B528749}"/>
+                  </a:ext>
+                </a:extLst>
+              </p:cNvPr>
+              <p:cNvSpPr/>
+              <p:nvPr/>
+            </p:nvSpPr>
+            <p:spPr>
+              <a:xfrm rot="19888531">
+                <a:off x="1642728" y="5703707"/>
+                <a:ext cx="51810" cy="271257"/>
+              </a:xfrm>
+              <a:custGeom>
+                <a:avLst/>
+                <a:gdLst>
+                  <a:gd name="connsiteX0" fmla="*/ 59334 w 68959"/>
+                  <a:gd name="connsiteY0" fmla="*/ 0 h 298383"/>
+                  <a:gd name="connsiteX1" fmla="*/ 1582 w 68959"/>
+                  <a:gd name="connsiteY1" fmla="*/ 96252 h 298383"/>
+                  <a:gd name="connsiteX2" fmla="*/ 20833 w 68959"/>
+                  <a:gd name="connsiteY2" fmla="*/ 221381 h 298383"/>
+                  <a:gd name="connsiteX3" fmla="*/ 68959 w 68959"/>
+                  <a:gd name="connsiteY3" fmla="*/ 298383 h 298383"/>
+                </a:gdLst>
+                <a:ahLst/>
+                <a:cxnLst>
+                  <a:cxn ang="0">
+                    <a:pos x="connsiteX0" y="connsiteY0"/>
+                  </a:cxn>
+                  <a:cxn ang="0">
+                    <a:pos x="connsiteX1" y="connsiteY1"/>
+                  </a:cxn>
+                  <a:cxn ang="0">
+                    <a:pos x="connsiteX2" y="connsiteY2"/>
+                  </a:cxn>
+                  <a:cxn ang="0">
+                    <a:pos x="connsiteX3" y="connsiteY3"/>
+                  </a:cxn>
+                </a:cxnLst>
+                <a:rect l="l" t="t" r="r" b="b"/>
+                <a:pathLst>
+                  <a:path w="68959" h="298383">
+                    <a:moveTo>
+                      <a:pt x="59334" y="0"/>
+                    </a:moveTo>
+                    <a:cubicBezTo>
+                      <a:pt x="33666" y="29677"/>
+                      <a:pt x="7999" y="59355"/>
+                      <a:pt x="1582" y="96252"/>
+                    </a:cubicBezTo>
+                    <a:cubicBezTo>
+                      <a:pt x="-4835" y="133149"/>
+                      <a:pt x="9604" y="187693"/>
+                      <a:pt x="20833" y="221381"/>
+                    </a:cubicBezTo>
+                    <a:cubicBezTo>
+                      <a:pt x="32062" y="255069"/>
+                      <a:pt x="50510" y="276726"/>
+                      <a:pt x="68959" y="298383"/>
+                    </a:cubicBezTo>
+                  </a:path>
+                </a:pathLst>
+              </a:custGeom>
+              <a:noFill/>
+              <a:ln w="28575"/>
+            </p:spPr>
+            <p:style>
+              <a:lnRef idx="2">
+                <a:schemeClr val="accent1">
+                  <a:shade val="50000"/>
+                </a:schemeClr>
+              </a:lnRef>
+              <a:fillRef idx="1">
+                <a:schemeClr val="accent1"/>
+              </a:fillRef>
+              <a:effectRef idx="0">
+                <a:schemeClr val="accent1"/>
+              </a:effectRef>
+              <a:fontRef idx="minor">
+                <a:schemeClr val="lt1"/>
+              </a:fontRef>
+            </p:style>
+            <p:txBody>
+              <a:bodyPr rtlCol="0" anchor="ctr"/>
+              <a:lstStyle/>
+              <a:p>
+                <a:pPr algn="ctr"/>
+                <a:endParaRPr kumimoji="1" lang="ja-JP" altLang="en-US"/>
+              </a:p>
+            </p:txBody>
+          </p:sp>
+          <p:sp>
+            <p:nvSpPr>
+              <p:cNvPr id="40" name="TextBox 28">
+                <a:extLst>
+                  <a:ext uri="{FF2B5EF4-FFF2-40B4-BE49-F238E27FC236}">
+                    <a16:creationId xmlns:a16="http://schemas.microsoft.com/office/drawing/2014/main" id="{E4289C59-1EF6-4B44-961A-40C230A957D5}"/>
+                  </a:ext>
+                </a:extLst>
+              </p:cNvPr>
+              <p:cNvSpPr txBox="1"/>
+              <p:nvPr/>
+            </p:nvSpPr>
+            <p:spPr>
+              <a:xfrm>
+                <a:off x="2109490" y="5719778"/>
+                <a:ext cx="843886" cy="461665"/>
+              </a:xfrm>
+              <a:prstGeom prst="rect">
+                <a:avLst/>
+              </a:prstGeom>
+              <a:noFill/>
+            </p:spPr>
+            <p:txBody>
+              <a:bodyPr wrap="square" rtlCol="0">
+                <a:spAutoFit/>
+              </a:bodyPr>
+              <a:lstStyle/>
+              <a:p>
+                <a:r>
+                  <a:rPr kumimoji="1" lang="en-US" altLang="ja-JP" sz="2400" dirty="0"/>
+                  <a:t>MN</a:t>
+                </a:r>
+                <a:endParaRPr kumimoji="1" lang="ja-JP" altLang="en-US" sz="2400" dirty="0"/>
+              </a:p>
+            </p:txBody>
+          </p:sp>
+          <p:sp>
+            <p:nvSpPr>
+              <p:cNvPr id="41" name="Right Arrow 30">
+                <a:extLst>
+                  <a:ext uri="{FF2B5EF4-FFF2-40B4-BE49-F238E27FC236}">
+                    <a16:creationId xmlns:a16="http://schemas.microsoft.com/office/drawing/2014/main" id="{C112ECB3-2C01-465B-9247-D2371B96C74B}"/>
+                  </a:ext>
+                </a:extLst>
+              </p:cNvPr>
+              <p:cNvSpPr/>
+              <p:nvPr/>
+            </p:nvSpPr>
+            <p:spPr>
+              <a:xfrm rot="16200000">
+                <a:off x="3666681" y="5562293"/>
+                <a:ext cx="2049701" cy="389625"/>
+              </a:xfrm>
+              <a:prstGeom prst="rightArrow">
+                <a:avLst>
+                  <a:gd name="adj1" fmla="val 50000"/>
+                  <a:gd name="adj2" fmla="val 190442"/>
+                </a:avLst>
+              </a:prstGeom>
+            </p:spPr>
+            <p:style>
+              <a:lnRef idx="2">
+                <a:schemeClr val="dk1">
+                  <a:shade val="50000"/>
+                </a:schemeClr>
+              </a:lnRef>
+              <a:fillRef idx="1">
+                <a:schemeClr val="dk1"/>
+              </a:fillRef>
+              <a:effectRef idx="0">
+                <a:schemeClr val="dk1"/>
+              </a:effectRef>
+              <a:fontRef idx="minor">
+                <a:schemeClr val="lt1"/>
+              </a:fontRef>
+            </p:style>
+            <p:txBody>
+              <a:bodyPr rtlCol="0" anchor="ctr"/>
+              <a:lstStyle/>
+              <a:p>
+                <a:pPr algn="ctr"/>
+                <a:endParaRPr kumimoji="1" lang="ja-JP" altLang="en-US"/>
+              </a:p>
+            </p:txBody>
+          </p:sp>
+          <p:sp>
+            <p:nvSpPr>
+              <p:cNvPr id="42" name="TextBox 32">
+                <a:extLst>
+                  <a:ext uri="{FF2B5EF4-FFF2-40B4-BE49-F238E27FC236}">
+                    <a16:creationId xmlns:a16="http://schemas.microsoft.com/office/drawing/2014/main" id="{80A5AAB5-9B4A-4EF8-A3B2-8C130049DC30}"/>
+                  </a:ext>
+                </a:extLst>
+              </p:cNvPr>
+              <p:cNvSpPr txBox="1"/>
+              <p:nvPr/>
+            </p:nvSpPr>
+            <p:spPr>
+              <a:xfrm>
+                <a:off x="4042456" y="5592593"/>
+                <a:ext cx="843886" cy="461665"/>
+              </a:xfrm>
+              <a:prstGeom prst="rect">
+                <a:avLst/>
+              </a:prstGeom>
+              <a:noFill/>
+            </p:spPr>
+            <p:txBody>
+              <a:bodyPr wrap="square" rtlCol="0">
+                <a:spAutoFit/>
+              </a:bodyPr>
+              <a:lstStyle/>
+              <a:p>
+                <a:r>
+                  <a:rPr kumimoji="1" lang="en-US" altLang="ja-JP" sz="2400" dirty="0"/>
+                  <a:t>Alt</a:t>
+                </a:r>
+                <a:endParaRPr kumimoji="1" lang="ja-JP" altLang="en-US" sz="2400" dirty="0"/>
+              </a:p>
+            </p:txBody>
+          </p:sp>
+        </p:grpSp>
+        <p:sp>
+          <p:nvSpPr>
+            <p:cNvPr id="44" name="TextBox 28">
+              <a:extLst>
+                <a:ext uri="{FF2B5EF4-FFF2-40B4-BE49-F238E27FC236}">
+                  <a16:creationId xmlns:a16="http://schemas.microsoft.com/office/drawing/2014/main" id="{603D4296-1B60-40B4-83C1-90B35E71DF10}"/>
+                </a:ext>
+              </a:extLst>
+            </p:cNvPr>
+            <p:cNvSpPr txBox="1"/>
+            <p:nvPr/>
+          </p:nvSpPr>
+          <p:spPr>
+            <a:xfrm>
+              <a:off x="1254876" y="3225143"/>
+              <a:ext cx="1664459" cy="1077218"/>
+            </a:xfrm>
+            <a:prstGeom prst="rect">
+              <a:avLst/>
+            </a:prstGeom>
+            <a:noFill/>
+          </p:spPr>
+          <p:txBody>
+            <a:bodyPr wrap="square" rtlCol="0">
+              <a:spAutoFit/>
+            </a:bodyPr>
+            <a:lstStyle/>
+            <a:p>
+              <a:r>
+                <a:rPr kumimoji="1" lang="en-US" altLang="ja-JP" sz="3200" b="1" dirty="0" err="1"/>
+                <a:t>Pamb</a:t>
+              </a:r>
+              <a:endParaRPr kumimoji="1" lang="en-US" altLang="ja-JP" sz="3200" b="1" dirty="0"/>
+            </a:p>
+            <a:p>
+              <a:r>
+                <a:rPr lang="en-US" altLang="ja-JP" sz="3200" b="1" dirty="0" err="1"/>
+                <a:t>Tamb</a:t>
+              </a:r>
+              <a:endParaRPr kumimoji="1" lang="ja-JP" altLang="en-US" sz="3200" b="1" dirty="0"/>
+            </a:p>
+          </p:txBody>
+        </p:sp>
+      </p:grpSp>
+    </p:spTree>
+    <p:extLst>
+      <p:ext uri="{BB962C8B-B14F-4D97-AF65-F5344CB8AC3E}">
+        <p14:creationId xmlns:p14="http://schemas.microsoft.com/office/powerpoint/2010/main" val="1409536616"/>
+      </p:ext>
+    </p:extLst>
+  </p:cSld>
+  <p:clrMapOvr>
+    <a:masterClrMapping/>
+  </p:clrMapOvr>
+</p:sld>
+</file>
+
+<file path=ppt/slides/slide4.xml><?xml version="1.0" encoding="utf-8"?>
+<p:sld xmlns:a="http://schemas.openxmlformats.org/drawingml/2006/main" xmlns:r="http://schemas.openxmlformats.org/officeDocument/2006/relationships" xmlns:p="http://schemas.openxmlformats.org/presentationml/2006/main">
+  <p:cSld>
+    <p:spTree>
+      <p:nvGrpSpPr>
+        <p:cNvPr id="1" name=""/>
+        <p:cNvGrpSpPr/>
+        <p:nvPr/>
+      </p:nvGrpSpPr>
+      <p:grpSpPr>
+        <a:xfrm>
+          <a:off x="0" y="0"/>
+          <a:ext cx="0" cy="0"/>
+          <a:chOff x="0" y="0"/>
+          <a:chExt cx="0" cy="0"/>
+        </a:xfrm>
+      </p:grpSpPr>
+      <p:grpSp>
+        <p:nvGrpSpPr>
+          <p:cNvPr id="30" name="グループ化 29">
+            <a:extLst>
+              <a:ext uri="{FF2B5EF4-FFF2-40B4-BE49-F238E27FC236}">
+                <a16:creationId xmlns:a16="http://schemas.microsoft.com/office/drawing/2014/main" id="{78A837A5-930D-4FAA-9655-A5AB37007A7A}"/>
+              </a:ext>
+            </a:extLst>
+          </p:cNvPr>
+          <p:cNvGrpSpPr/>
+          <p:nvPr/>
+        </p:nvGrpSpPr>
+        <p:grpSpPr>
+          <a:xfrm>
+            <a:off x="3244221" y="448257"/>
+            <a:ext cx="5881760" cy="6062120"/>
+            <a:chOff x="3244221" y="448257"/>
+            <a:chExt cx="5881760" cy="6062120"/>
+          </a:xfrm>
+        </p:grpSpPr>
+        <p:sp>
+          <p:nvSpPr>
+            <p:cNvPr id="4" name="Rectangle 3">
+              <a:extLst>
+                <a:ext uri="{FF2B5EF4-FFF2-40B4-BE49-F238E27FC236}">
+                  <a16:creationId xmlns:a16="http://schemas.microsoft.com/office/drawing/2014/main" id="{AF71D038-1C2E-469A-A8CF-F00D28CDA060}"/>
+                </a:ext>
+              </a:extLst>
+            </p:cNvPr>
+            <p:cNvSpPr/>
+            <p:nvPr/>
+          </p:nvSpPr>
+          <p:spPr>
+            <a:xfrm>
+              <a:off x="4380051" y="448257"/>
+              <a:ext cx="1505062" cy="3632684"/>
+            </a:xfrm>
+            <a:custGeom>
+              <a:avLst/>
+              <a:gdLst>
+                <a:gd name="connsiteX0" fmla="*/ 0 w 946298"/>
+                <a:gd name="connsiteY0" fmla="*/ 0 h 2998381"/>
+                <a:gd name="connsiteX1" fmla="*/ 946298 w 946298"/>
+                <a:gd name="connsiteY1" fmla="*/ 0 h 2998381"/>
+                <a:gd name="connsiteX2" fmla="*/ 946298 w 946298"/>
+                <a:gd name="connsiteY2" fmla="*/ 2998381 h 2998381"/>
+                <a:gd name="connsiteX3" fmla="*/ 0 w 946298"/>
+                <a:gd name="connsiteY3" fmla="*/ 2998381 h 2998381"/>
+                <a:gd name="connsiteX4" fmla="*/ 0 w 946298"/>
+                <a:gd name="connsiteY4" fmla="*/ 0 h 2998381"/>
+                <a:gd name="connsiteX0" fmla="*/ 0 w 1190847"/>
+                <a:gd name="connsiteY0" fmla="*/ 0 h 2998381"/>
+                <a:gd name="connsiteX1" fmla="*/ 946298 w 1190847"/>
+                <a:gd name="connsiteY1" fmla="*/ 0 h 2998381"/>
+                <a:gd name="connsiteX2" fmla="*/ 1190847 w 1190847"/>
+                <a:gd name="connsiteY2" fmla="*/ 2604977 h 2998381"/>
+                <a:gd name="connsiteX3" fmla="*/ 0 w 1190847"/>
+                <a:gd name="connsiteY3" fmla="*/ 2998381 h 2998381"/>
+                <a:gd name="connsiteX4" fmla="*/ 0 w 1190847"/>
+                <a:gd name="connsiteY4" fmla="*/ 0 h 2998381"/>
+                <a:gd name="connsiteX0" fmla="*/ 191386 w 1382233"/>
+                <a:gd name="connsiteY0" fmla="*/ 0 h 3125972"/>
+                <a:gd name="connsiteX1" fmla="*/ 1137684 w 1382233"/>
+                <a:gd name="connsiteY1" fmla="*/ 0 h 3125972"/>
+                <a:gd name="connsiteX2" fmla="*/ 1382233 w 1382233"/>
+                <a:gd name="connsiteY2" fmla="*/ 2604977 h 3125972"/>
+                <a:gd name="connsiteX3" fmla="*/ 0 w 1382233"/>
+                <a:gd name="connsiteY3" fmla="*/ 3125972 h 3125972"/>
+                <a:gd name="connsiteX4" fmla="*/ 191386 w 1382233"/>
+                <a:gd name="connsiteY4" fmla="*/ 0 h 3125972"/>
+                <a:gd name="connsiteX0" fmla="*/ 191386 w 1382233"/>
+                <a:gd name="connsiteY0" fmla="*/ 0 h 3264195"/>
+                <a:gd name="connsiteX1" fmla="*/ 1137684 w 1382233"/>
+                <a:gd name="connsiteY1" fmla="*/ 0 h 3264195"/>
+                <a:gd name="connsiteX2" fmla="*/ 1382233 w 1382233"/>
+                <a:gd name="connsiteY2" fmla="*/ 2604977 h 3264195"/>
+                <a:gd name="connsiteX3" fmla="*/ 0 w 1382233"/>
+                <a:gd name="connsiteY3" fmla="*/ 3264195 h 3264195"/>
+                <a:gd name="connsiteX4" fmla="*/ 191386 w 1382233"/>
+                <a:gd name="connsiteY4" fmla="*/ 0 h 3264195"/>
+                <a:gd name="connsiteX0" fmla="*/ 0 w 1499191"/>
+                <a:gd name="connsiteY0" fmla="*/ 0 h 3306725"/>
+                <a:gd name="connsiteX1" fmla="*/ 1254642 w 1499191"/>
+                <a:gd name="connsiteY1" fmla="*/ 42530 h 3306725"/>
+                <a:gd name="connsiteX2" fmla="*/ 1499191 w 1499191"/>
+                <a:gd name="connsiteY2" fmla="*/ 2647507 h 3306725"/>
+                <a:gd name="connsiteX3" fmla="*/ 116958 w 1499191"/>
+                <a:gd name="connsiteY3" fmla="*/ 3306725 h 3306725"/>
+                <a:gd name="connsiteX4" fmla="*/ 0 w 1499191"/>
+                <a:gd name="connsiteY4" fmla="*/ 0 h 3306725"/>
+                <a:gd name="connsiteX0" fmla="*/ 0 w 1963215"/>
+                <a:gd name="connsiteY0" fmla="*/ 0 h 3306725"/>
+                <a:gd name="connsiteX1" fmla="*/ 1254642 w 1963215"/>
+                <a:gd name="connsiteY1" fmla="*/ 42530 h 3306725"/>
+                <a:gd name="connsiteX2" fmla="*/ 1963215 w 1963215"/>
+                <a:gd name="connsiteY2" fmla="*/ 2442791 h 3306725"/>
+                <a:gd name="connsiteX3" fmla="*/ 116958 w 1963215"/>
+                <a:gd name="connsiteY3" fmla="*/ 3306725 h 3306725"/>
+                <a:gd name="connsiteX4" fmla="*/ 0 w 1963215"/>
+                <a:gd name="connsiteY4" fmla="*/ 0 h 3306725"/>
+                <a:gd name="connsiteX0" fmla="*/ 0 w 1963215"/>
+                <a:gd name="connsiteY0" fmla="*/ 162187 h 3468912"/>
+                <a:gd name="connsiteX1" fmla="*/ 708731 w 1963215"/>
+                <a:gd name="connsiteY1" fmla="*/ 0 h 3468912"/>
+                <a:gd name="connsiteX2" fmla="*/ 1963215 w 1963215"/>
+                <a:gd name="connsiteY2" fmla="*/ 2604978 h 3468912"/>
+                <a:gd name="connsiteX3" fmla="*/ 116958 w 1963215"/>
+                <a:gd name="connsiteY3" fmla="*/ 3468912 h 3468912"/>
+                <a:gd name="connsiteX4" fmla="*/ 0 w 1963215"/>
+                <a:gd name="connsiteY4" fmla="*/ 162187 h 3468912"/>
+                <a:gd name="connsiteX0" fmla="*/ 0 w 1963215"/>
+                <a:gd name="connsiteY0" fmla="*/ 339607 h 3646332"/>
+                <a:gd name="connsiteX1" fmla="*/ 531310 w 1963215"/>
+                <a:gd name="connsiteY1" fmla="*/ 0 h 3646332"/>
+                <a:gd name="connsiteX2" fmla="*/ 1963215 w 1963215"/>
+                <a:gd name="connsiteY2" fmla="*/ 2782398 h 3646332"/>
+                <a:gd name="connsiteX3" fmla="*/ 116958 w 1963215"/>
+                <a:gd name="connsiteY3" fmla="*/ 3646332 h 3646332"/>
+                <a:gd name="connsiteX4" fmla="*/ 0 w 1963215"/>
+                <a:gd name="connsiteY4" fmla="*/ 339607 h 3646332"/>
+                <a:gd name="connsiteX0" fmla="*/ 0 w 1963215"/>
+                <a:gd name="connsiteY0" fmla="*/ 244072 h 3646332"/>
+                <a:gd name="connsiteX1" fmla="*/ 531310 w 1963215"/>
+                <a:gd name="connsiteY1" fmla="*/ 0 h 3646332"/>
+                <a:gd name="connsiteX2" fmla="*/ 1963215 w 1963215"/>
+                <a:gd name="connsiteY2" fmla="*/ 2782398 h 3646332"/>
+                <a:gd name="connsiteX3" fmla="*/ 116958 w 1963215"/>
+                <a:gd name="connsiteY3" fmla="*/ 3646332 h 3646332"/>
+                <a:gd name="connsiteX4" fmla="*/ 0 w 1963215"/>
+                <a:gd name="connsiteY4" fmla="*/ 244072 h 3646332"/>
+                <a:gd name="connsiteX0" fmla="*/ 0 w 1758498"/>
+                <a:gd name="connsiteY0" fmla="*/ 244072 h 3646332"/>
+                <a:gd name="connsiteX1" fmla="*/ 531310 w 1758498"/>
+                <a:gd name="connsiteY1" fmla="*/ 0 h 3646332"/>
+                <a:gd name="connsiteX2" fmla="*/ 1758498 w 1758498"/>
+                <a:gd name="connsiteY2" fmla="*/ 3014410 h 3646332"/>
+                <a:gd name="connsiteX3" fmla="*/ 116958 w 1758498"/>
+                <a:gd name="connsiteY3" fmla="*/ 3646332 h 3646332"/>
+                <a:gd name="connsiteX4" fmla="*/ 0 w 1758498"/>
+                <a:gd name="connsiteY4" fmla="*/ 244072 h 3646332"/>
+                <a:gd name="connsiteX0" fmla="*/ 74111 w 1832609"/>
+                <a:gd name="connsiteY0" fmla="*/ 244072 h 3769162"/>
+                <a:gd name="connsiteX1" fmla="*/ 605421 w 1832609"/>
+                <a:gd name="connsiteY1" fmla="*/ 0 h 3769162"/>
+                <a:gd name="connsiteX2" fmla="*/ 1832609 w 1832609"/>
+                <a:gd name="connsiteY2" fmla="*/ 3014410 h 3769162"/>
+                <a:gd name="connsiteX3" fmla="*/ 0 w 1832609"/>
+                <a:gd name="connsiteY3" fmla="*/ 3769162 h 3769162"/>
+                <a:gd name="connsiteX4" fmla="*/ 74111 w 1832609"/>
+                <a:gd name="connsiteY4" fmla="*/ 244072 h 3769162"/>
+                <a:gd name="connsiteX0" fmla="*/ 74111 w 1505062"/>
+                <a:gd name="connsiteY0" fmla="*/ 244072 h 3769162"/>
+                <a:gd name="connsiteX1" fmla="*/ 605421 w 1505062"/>
+                <a:gd name="connsiteY1" fmla="*/ 0 h 3769162"/>
+                <a:gd name="connsiteX2" fmla="*/ 1505062 w 1505062"/>
+                <a:gd name="connsiteY2" fmla="*/ 2946171 h 3769162"/>
+                <a:gd name="connsiteX3" fmla="*/ 0 w 1505062"/>
+                <a:gd name="connsiteY3" fmla="*/ 3769162 h 3769162"/>
+                <a:gd name="connsiteX4" fmla="*/ 74111 w 1505062"/>
+                <a:gd name="connsiteY4" fmla="*/ 244072 h 3769162"/>
+                <a:gd name="connsiteX0" fmla="*/ 74111 w 1505062"/>
+                <a:gd name="connsiteY0" fmla="*/ 148538 h 3673628"/>
+                <a:gd name="connsiteX1" fmla="*/ 605421 w 1505062"/>
+                <a:gd name="connsiteY1" fmla="*/ 0 h 3673628"/>
+                <a:gd name="connsiteX2" fmla="*/ 1505062 w 1505062"/>
+                <a:gd name="connsiteY2" fmla="*/ 2850637 h 3673628"/>
+                <a:gd name="connsiteX3" fmla="*/ 0 w 1505062"/>
+                <a:gd name="connsiteY3" fmla="*/ 3673628 h 3673628"/>
+                <a:gd name="connsiteX4" fmla="*/ 74111 w 1505062"/>
+                <a:gd name="connsiteY4" fmla="*/ 148538 h 3673628"/>
+                <a:gd name="connsiteX0" fmla="*/ 74111 w 1505062"/>
+                <a:gd name="connsiteY0" fmla="*/ 107594 h 3632684"/>
+                <a:gd name="connsiteX1" fmla="*/ 605421 w 1505062"/>
+                <a:gd name="connsiteY1" fmla="*/ 0 h 3632684"/>
+                <a:gd name="connsiteX2" fmla="*/ 1505062 w 1505062"/>
+                <a:gd name="connsiteY2" fmla="*/ 2809693 h 3632684"/>
+                <a:gd name="connsiteX3" fmla="*/ 0 w 1505062"/>
+                <a:gd name="connsiteY3" fmla="*/ 3632684 h 3632684"/>
+                <a:gd name="connsiteX4" fmla="*/ 74111 w 1505062"/>
+                <a:gd name="connsiteY4" fmla="*/ 107594 h 3632684"/>
+              </a:gdLst>
+              <a:ahLst/>
+              <a:cxnLst>
+                <a:cxn ang="0">
+                  <a:pos x="connsiteX0" y="connsiteY0"/>
+                </a:cxn>
+                <a:cxn ang="0">
+                  <a:pos x="connsiteX1" y="connsiteY1"/>
+                </a:cxn>
+                <a:cxn ang="0">
+                  <a:pos x="connsiteX2" y="connsiteY2"/>
+                </a:cxn>
+                <a:cxn ang="0">
+                  <a:pos x="connsiteX3" y="connsiteY3"/>
+                </a:cxn>
+                <a:cxn ang="0">
+                  <a:pos x="connsiteX4" y="connsiteY4"/>
+                </a:cxn>
+              </a:cxnLst>
+              <a:rect l="l" t="t" r="r" b="b"/>
+              <a:pathLst>
+                <a:path w="1505062" h="3632684">
+                  <a:moveTo>
+                    <a:pt x="74111" y="107594"/>
+                  </a:moveTo>
+                  <a:lnTo>
+                    <a:pt x="605421" y="0"/>
+                  </a:lnTo>
+                  <a:lnTo>
+                    <a:pt x="1505062" y="2809693"/>
+                  </a:lnTo>
+                  <a:lnTo>
+                    <a:pt x="0" y="3632684"/>
+                  </a:lnTo>
+                  <a:lnTo>
+                    <a:pt x="74111" y="107594"/>
+                  </a:lnTo>
+                  <a:close/>
+                </a:path>
+              </a:pathLst>
+            </a:custGeom>
+            <a:solidFill>
+              <a:schemeClr val="accent5">
+                <a:lumMod val="60000"/>
+                <a:lumOff val="40000"/>
+              </a:schemeClr>
+            </a:solidFill>
+            <a:ln w="25400" cap="flat" cmpd="sng" algn="ctr">
+              <a:solidFill>
+                <a:sysClr val="windowText" lastClr="000000"/>
+              </a:solidFill>
+              <a:prstDash val="solid"/>
+            </a:ln>
+            <a:effectLst/>
+          </p:spPr>
+          <p:txBody>
+            <a:bodyPr rtlCol="0" anchor="ctr"/>
+            <a:lstStyle/>
+            <a:p>
+              <a:pPr marL="0" marR="0" lvl="0" indent="0" algn="ctr" defTabSz="914400" eaLnBrk="1" fontAlgn="auto" latinLnBrk="0" hangingPunct="1">
+                <a:lnSpc>
+                  <a:spcPct val="100000"/>
+                </a:lnSpc>
+                <a:spcBef>
+                  <a:spcPts val="0"/>
+                </a:spcBef>
+                <a:spcAft>
+                  <a:spcPts val="0"/>
+                </a:spcAft>
+                <a:buClrTx/>
+                <a:buSzTx/>
+                <a:buFontTx/>
+                <a:buNone/>
+                <a:tabLst/>
+                <a:defRPr/>
+              </a:pPr>
+              <a:endParaRPr kumimoji="0" lang="ja-JP" altLang="en-US" sz="1800" b="0" i="0" u="none" strike="noStrike" kern="0" cap="none" spc="0" normalizeH="0" baseline="0" noProof="0">
+                <a:ln>
+                  <a:noFill/>
+                </a:ln>
+                <a:solidFill>
+                  <a:prstClr val="black"/>
+                </a:solidFill>
+                <a:effectLst/>
+                <a:uLnTx/>
+                <a:uFillTx/>
+                <a:latin typeface="Arial"/>
+                <a:cs typeface="DejaVu Sans"/>
+              </a:endParaRPr>
+            </a:p>
+          </p:txBody>
+        </p:sp>
+        <p:sp>
+          <p:nvSpPr>
+            <p:cNvPr id="5" name="Rectangle 4">
+              <a:extLst>
+                <a:ext uri="{FF2B5EF4-FFF2-40B4-BE49-F238E27FC236}">
+                  <a16:creationId xmlns:a16="http://schemas.microsoft.com/office/drawing/2014/main" id="{4437F3C5-1881-49F5-AA1A-31D2D840D4DF}"/>
+                </a:ext>
+              </a:extLst>
+            </p:cNvPr>
+            <p:cNvSpPr/>
+            <p:nvPr/>
+          </p:nvSpPr>
+          <p:spPr>
+            <a:xfrm rot="3151040">
+              <a:off x="5593437" y="2977834"/>
+              <a:ext cx="3391543" cy="3673544"/>
+            </a:xfrm>
+            <a:custGeom>
+              <a:avLst/>
+              <a:gdLst>
+                <a:gd name="connsiteX0" fmla="*/ 0 w 4067033"/>
+                <a:gd name="connsiteY0" fmla="*/ 0 h 2006221"/>
+                <a:gd name="connsiteX1" fmla="*/ 4067033 w 4067033"/>
+                <a:gd name="connsiteY1" fmla="*/ 0 h 2006221"/>
+                <a:gd name="connsiteX2" fmla="*/ 4067033 w 4067033"/>
+                <a:gd name="connsiteY2" fmla="*/ 2006221 h 2006221"/>
+                <a:gd name="connsiteX3" fmla="*/ 0 w 4067033"/>
+                <a:gd name="connsiteY3" fmla="*/ 2006221 h 2006221"/>
+                <a:gd name="connsiteX4" fmla="*/ 0 w 4067033"/>
+                <a:gd name="connsiteY4" fmla="*/ 0 h 2006221"/>
+                <a:gd name="connsiteX0" fmla="*/ 0 w 4067033"/>
+                <a:gd name="connsiteY0" fmla="*/ 794750 h 2800971"/>
+                <a:gd name="connsiteX1" fmla="*/ 3008217 w 4067033"/>
+                <a:gd name="connsiteY1" fmla="*/ 0 h 2800971"/>
+                <a:gd name="connsiteX2" fmla="*/ 4067033 w 4067033"/>
+                <a:gd name="connsiteY2" fmla="*/ 2800971 h 2800971"/>
+                <a:gd name="connsiteX3" fmla="*/ 0 w 4067033"/>
+                <a:gd name="connsiteY3" fmla="*/ 2800971 h 2800971"/>
+                <a:gd name="connsiteX4" fmla="*/ 0 w 4067033"/>
+                <a:gd name="connsiteY4" fmla="*/ 794750 h 2800971"/>
+                <a:gd name="connsiteX0" fmla="*/ 0 w 3270108"/>
+                <a:gd name="connsiteY0" fmla="*/ 794750 h 2800971"/>
+                <a:gd name="connsiteX1" fmla="*/ 3008217 w 3270108"/>
+                <a:gd name="connsiteY1" fmla="*/ 0 h 2800971"/>
+                <a:gd name="connsiteX2" fmla="*/ 3270108 w 3270108"/>
+                <a:gd name="connsiteY2" fmla="*/ 745167 h 2800971"/>
+                <a:gd name="connsiteX3" fmla="*/ 0 w 3270108"/>
+                <a:gd name="connsiteY3" fmla="*/ 2800971 h 2800971"/>
+                <a:gd name="connsiteX4" fmla="*/ 0 w 3270108"/>
+                <a:gd name="connsiteY4" fmla="*/ 794750 h 2800971"/>
+                <a:gd name="connsiteX0" fmla="*/ 0 w 3270108"/>
+                <a:gd name="connsiteY0" fmla="*/ 1094399 h 3100620"/>
+                <a:gd name="connsiteX1" fmla="*/ 3066016 w 3270108"/>
+                <a:gd name="connsiteY1" fmla="*/ 0 h 3100620"/>
+                <a:gd name="connsiteX2" fmla="*/ 3270108 w 3270108"/>
+                <a:gd name="connsiteY2" fmla="*/ 1044816 h 3100620"/>
+                <a:gd name="connsiteX3" fmla="*/ 0 w 3270108"/>
+                <a:gd name="connsiteY3" fmla="*/ 3100620 h 3100620"/>
+                <a:gd name="connsiteX4" fmla="*/ 0 w 3270108"/>
+                <a:gd name="connsiteY4" fmla="*/ 1094399 h 3100620"/>
+                <a:gd name="connsiteX0" fmla="*/ 0 w 3417466"/>
+                <a:gd name="connsiteY0" fmla="*/ 1094399 h 3100620"/>
+                <a:gd name="connsiteX1" fmla="*/ 3066016 w 3417466"/>
+                <a:gd name="connsiteY1" fmla="*/ 0 h 3100620"/>
+                <a:gd name="connsiteX2" fmla="*/ 3417466 w 3417466"/>
+                <a:gd name="connsiteY2" fmla="*/ 538666 h 3100620"/>
+                <a:gd name="connsiteX3" fmla="*/ 0 w 3417466"/>
+                <a:gd name="connsiteY3" fmla="*/ 3100620 h 3100620"/>
+                <a:gd name="connsiteX4" fmla="*/ 0 w 3417466"/>
+                <a:gd name="connsiteY4" fmla="*/ 1094399 h 3100620"/>
+                <a:gd name="connsiteX0" fmla="*/ 229562 w 3417466"/>
+                <a:gd name="connsiteY0" fmla="*/ 1580014 h 3100620"/>
+                <a:gd name="connsiteX1" fmla="*/ 3066016 w 3417466"/>
+                <a:gd name="connsiteY1" fmla="*/ 0 h 3100620"/>
+                <a:gd name="connsiteX2" fmla="*/ 3417466 w 3417466"/>
+                <a:gd name="connsiteY2" fmla="*/ 538666 h 3100620"/>
+                <a:gd name="connsiteX3" fmla="*/ 0 w 3417466"/>
+                <a:gd name="connsiteY3" fmla="*/ 3100620 h 3100620"/>
+                <a:gd name="connsiteX4" fmla="*/ 229562 w 3417466"/>
+                <a:gd name="connsiteY4" fmla="*/ 1580014 h 3100620"/>
+                <a:gd name="connsiteX0" fmla="*/ 266766 w 3417466"/>
+                <a:gd name="connsiteY0" fmla="*/ 1419360 h 3100620"/>
+                <a:gd name="connsiteX1" fmla="*/ 3066016 w 3417466"/>
+                <a:gd name="connsiteY1" fmla="*/ 0 h 3100620"/>
+                <a:gd name="connsiteX2" fmla="*/ 3417466 w 3417466"/>
+                <a:gd name="connsiteY2" fmla="*/ 538666 h 3100620"/>
+                <a:gd name="connsiteX3" fmla="*/ 0 w 3417466"/>
+                <a:gd name="connsiteY3" fmla="*/ 3100620 h 3100620"/>
+                <a:gd name="connsiteX4" fmla="*/ 266766 w 3417466"/>
+                <a:gd name="connsiteY4" fmla="*/ 1419360 h 3100620"/>
+                <a:gd name="connsiteX0" fmla="*/ 266766 w 3417466"/>
+                <a:gd name="connsiteY0" fmla="*/ 1616825 h 3298085"/>
+                <a:gd name="connsiteX1" fmla="*/ 3234640 w 3417466"/>
+                <a:gd name="connsiteY1" fmla="*/ 0 h 3298085"/>
+                <a:gd name="connsiteX2" fmla="*/ 3417466 w 3417466"/>
+                <a:gd name="connsiteY2" fmla="*/ 736131 h 3298085"/>
+                <a:gd name="connsiteX3" fmla="*/ 0 w 3417466"/>
+                <a:gd name="connsiteY3" fmla="*/ 3298085 h 3298085"/>
+                <a:gd name="connsiteX4" fmla="*/ 266766 w 3417466"/>
+                <a:gd name="connsiteY4" fmla="*/ 1616825 h 3298085"/>
+                <a:gd name="connsiteX0" fmla="*/ 266766 w 3417466"/>
+                <a:gd name="connsiteY0" fmla="*/ 1780735 h 3461995"/>
+                <a:gd name="connsiteX1" fmla="*/ 3222744 w 3417466"/>
+                <a:gd name="connsiteY1" fmla="*/ 0 h 3461995"/>
+                <a:gd name="connsiteX2" fmla="*/ 3417466 w 3417466"/>
+                <a:gd name="connsiteY2" fmla="*/ 900041 h 3461995"/>
+                <a:gd name="connsiteX3" fmla="*/ 0 w 3417466"/>
+                <a:gd name="connsiteY3" fmla="*/ 3461995 h 3461995"/>
+                <a:gd name="connsiteX4" fmla="*/ 266766 w 3417466"/>
+                <a:gd name="connsiteY4" fmla="*/ 1780735 h 3461995"/>
+                <a:gd name="connsiteX0" fmla="*/ 266766 w 3445299"/>
+                <a:gd name="connsiteY0" fmla="*/ 1780735 h 3461995"/>
+                <a:gd name="connsiteX1" fmla="*/ 3222744 w 3445299"/>
+                <a:gd name="connsiteY1" fmla="*/ 0 h 3461995"/>
+                <a:gd name="connsiteX2" fmla="*/ 3445299 w 3445299"/>
+                <a:gd name="connsiteY2" fmla="*/ 594611 h 3461995"/>
+                <a:gd name="connsiteX3" fmla="*/ 0 w 3445299"/>
+                <a:gd name="connsiteY3" fmla="*/ 3461995 h 3461995"/>
+                <a:gd name="connsiteX4" fmla="*/ 266766 w 3445299"/>
+                <a:gd name="connsiteY4" fmla="*/ 1780735 h 3461995"/>
+                <a:gd name="connsiteX0" fmla="*/ 345831 w 3445299"/>
+                <a:gd name="connsiteY0" fmla="*/ 1789770 h 3461995"/>
+                <a:gd name="connsiteX1" fmla="*/ 3222744 w 3445299"/>
+                <a:gd name="connsiteY1" fmla="*/ 0 h 3461995"/>
+                <a:gd name="connsiteX2" fmla="*/ 3445299 w 3445299"/>
+                <a:gd name="connsiteY2" fmla="*/ 594611 h 3461995"/>
+                <a:gd name="connsiteX3" fmla="*/ 0 w 3445299"/>
+                <a:gd name="connsiteY3" fmla="*/ 3461995 h 3461995"/>
+                <a:gd name="connsiteX4" fmla="*/ 345831 w 3445299"/>
+                <a:gd name="connsiteY4" fmla="*/ 1789770 h 3461995"/>
+                <a:gd name="connsiteX0" fmla="*/ 345831 w 3445299"/>
+                <a:gd name="connsiteY0" fmla="*/ 1760140 h 3432365"/>
+                <a:gd name="connsiteX1" fmla="*/ 3440804 w 3445299"/>
+                <a:gd name="connsiteY1" fmla="*/ 0 h 3432365"/>
+                <a:gd name="connsiteX2" fmla="*/ 3445299 w 3445299"/>
+                <a:gd name="connsiteY2" fmla="*/ 564981 h 3432365"/>
+                <a:gd name="connsiteX3" fmla="*/ 0 w 3445299"/>
+                <a:gd name="connsiteY3" fmla="*/ 3432365 h 3432365"/>
+                <a:gd name="connsiteX4" fmla="*/ 345831 w 3445299"/>
+                <a:gd name="connsiteY4" fmla="*/ 1760140 h 3432365"/>
+                <a:gd name="connsiteX0" fmla="*/ 345831 w 3440824"/>
+                <a:gd name="connsiteY0" fmla="*/ 1760140 h 3432365"/>
+                <a:gd name="connsiteX1" fmla="*/ 3440804 w 3440824"/>
+                <a:gd name="connsiteY1" fmla="*/ 0 h 3432365"/>
+                <a:gd name="connsiteX2" fmla="*/ 3361914 w 3440824"/>
+                <a:gd name="connsiteY2" fmla="*/ 449442 h 3432365"/>
+                <a:gd name="connsiteX3" fmla="*/ 0 w 3440824"/>
+                <a:gd name="connsiteY3" fmla="*/ 3432365 h 3432365"/>
+                <a:gd name="connsiteX4" fmla="*/ 345831 w 3440824"/>
+                <a:gd name="connsiteY4" fmla="*/ 1760140 h 3432365"/>
+                <a:gd name="connsiteX0" fmla="*/ 345831 w 3361914"/>
+                <a:gd name="connsiteY0" fmla="*/ 2001319 h 3673544"/>
+                <a:gd name="connsiteX1" fmla="*/ 3350573 w 3361914"/>
+                <a:gd name="connsiteY1" fmla="*/ 0 h 3673544"/>
+                <a:gd name="connsiteX2" fmla="*/ 3361914 w 3361914"/>
+                <a:gd name="connsiteY2" fmla="*/ 690621 h 3673544"/>
+                <a:gd name="connsiteX3" fmla="*/ 0 w 3361914"/>
+                <a:gd name="connsiteY3" fmla="*/ 3673544 h 3673544"/>
+                <a:gd name="connsiteX4" fmla="*/ 345831 w 3361914"/>
+                <a:gd name="connsiteY4" fmla="*/ 2001319 h 3673544"/>
+                <a:gd name="connsiteX0" fmla="*/ 345831 w 3391543"/>
+                <a:gd name="connsiteY0" fmla="*/ 2001319 h 3673544"/>
+                <a:gd name="connsiteX1" fmla="*/ 3350573 w 3391543"/>
+                <a:gd name="connsiteY1" fmla="*/ 0 h 3673544"/>
+                <a:gd name="connsiteX2" fmla="*/ 3391543 w 3391543"/>
+                <a:gd name="connsiteY2" fmla="*/ 472562 h 3673544"/>
+                <a:gd name="connsiteX3" fmla="*/ 0 w 3391543"/>
+                <a:gd name="connsiteY3" fmla="*/ 3673544 h 3673544"/>
+                <a:gd name="connsiteX4" fmla="*/ 345831 w 3391543"/>
+                <a:gd name="connsiteY4" fmla="*/ 2001319 h 3673544"/>
+              </a:gdLst>
+              <a:ahLst/>
+              <a:cxnLst>
+                <a:cxn ang="0">
+                  <a:pos x="connsiteX0" y="connsiteY0"/>
+                </a:cxn>
+                <a:cxn ang="0">
+                  <a:pos x="connsiteX1" y="connsiteY1"/>
+                </a:cxn>
+                <a:cxn ang="0">
+                  <a:pos x="connsiteX2" y="connsiteY2"/>
+                </a:cxn>
+                <a:cxn ang="0">
+                  <a:pos x="connsiteX3" y="connsiteY3"/>
+                </a:cxn>
+                <a:cxn ang="0">
+                  <a:pos x="connsiteX4" y="connsiteY4"/>
+                </a:cxn>
+              </a:cxnLst>
+              <a:rect l="l" t="t" r="r" b="b"/>
+              <a:pathLst>
+                <a:path w="3391543" h="3673544">
+                  <a:moveTo>
+                    <a:pt x="345831" y="2001319"/>
+                  </a:moveTo>
+                  <a:lnTo>
+                    <a:pt x="3350573" y="0"/>
+                  </a:lnTo>
+                  <a:cubicBezTo>
+                    <a:pt x="3352071" y="188327"/>
+                    <a:pt x="3390045" y="284235"/>
+                    <a:pt x="3391543" y="472562"/>
+                  </a:cubicBezTo>
+                  <a:lnTo>
+                    <a:pt x="0" y="3673544"/>
+                  </a:lnTo>
+                  <a:lnTo>
+                    <a:pt x="345831" y="2001319"/>
+                  </a:lnTo>
+                  <a:close/>
+                </a:path>
+              </a:pathLst>
+            </a:custGeom>
+            <a:solidFill>
+              <a:schemeClr val="accent5">
+                <a:lumMod val="60000"/>
+                <a:lumOff val="40000"/>
+              </a:schemeClr>
+            </a:solidFill>
+            <a:ln w="25400" cap="flat" cmpd="sng" algn="ctr">
+              <a:solidFill>
+                <a:sysClr val="windowText" lastClr="000000"/>
+              </a:solidFill>
+              <a:prstDash val="solid"/>
+            </a:ln>
+            <a:effectLst/>
+          </p:spPr>
+          <p:txBody>
+            <a:bodyPr rtlCol="0" anchor="ctr"/>
+            <a:lstStyle/>
+            <a:p>
+              <a:pPr marL="0" marR="0" lvl="0" indent="0" algn="ctr" defTabSz="914400" eaLnBrk="1" fontAlgn="auto" latinLnBrk="0" hangingPunct="1">
+                <a:lnSpc>
+                  <a:spcPct val="100000"/>
+                </a:lnSpc>
+                <a:spcBef>
+                  <a:spcPts val="0"/>
+                </a:spcBef>
+                <a:spcAft>
+                  <a:spcPts val="0"/>
+                </a:spcAft>
+                <a:buClrTx/>
+                <a:buSzTx/>
+                <a:buFontTx/>
+                <a:buNone/>
+                <a:tabLst/>
+                <a:defRPr/>
+              </a:pPr>
+              <a:endParaRPr kumimoji="0" lang="ja-JP" altLang="en-US" sz="1800" b="0" i="0" u="none" strike="noStrike" kern="0" cap="none" spc="0" normalizeH="0" baseline="0" noProof="0">
+                <a:ln>
+                  <a:noFill/>
+                </a:ln>
+                <a:solidFill>
+                  <a:prstClr val="black"/>
+                </a:solidFill>
+                <a:effectLst/>
+                <a:uLnTx/>
+                <a:uFillTx/>
+                <a:latin typeface="Arial"/>
+                <a:cs typeface="DejaVu Sans"/>
+              </a:endParaRPr>
+            </a:p>
+          </p:txBody>
+        </p:sp>
+        <p:cxnSp>
+          <p:nvCxnSpPr>
+            <p:cNvPr id="7" name="Straight Arrow Connector 20">
+              <a:extLst>
+                <a:ext uri="{FF2B5EF4-FFF2-40B4-BE49-F238E27FC236}">
+                  <a16:creationId xmlns:a16="http://schemas.microsoft.com/office/drawing/2014/main" id="{F7BEEA03-26AD-47C9-88C8-D4B2D31F95A6}"/>
+                </a:ext>
+              </a:extLst>
+            </p:cNvPr>
+            <p:cNvCxnSpPr>
+              <a:cxnSpLocks/>
+            </p:cNvCxnSpPr>
+            <p:nvPr/>
+          </p:nvCxnSpPr>
+          <p:spPr>
+            <a:xfrm flipV="1">
+              <a:off x="3713847" y="4392891"/>
+              <a:ext cx="908947" cy="924679"/>
+            </a:xfrm>
+            <a:prstGeom prst="straightConnector1">
+              <a:avLst/>
+            </a:prstGeom>
+            <a:noFill/>
+            <a:ln w="25400" cap="flat" cmpd="sng" algn="ctr">
+              <a:solidFill>
+                <a:sysClr val="windowText" lastClr="000000"/>
+              </a:solidFill>
+              <a:prstDash val="solid"/>
+              <a:headEnd w="med" len="med"/>
+              <a:tailEnd type="triangle" w="lg" len="lg"/>
+            </a:ln>
+            <a:effectLst>
+              <a:outerShdw blurRad="40000" dist="20000" dir="5400000" rotWithShape="0">
+                <a:srgbClr val="000000">
+                  <a:alpha val="38000"/>
+                </a:srgbClr>
+              </a:outerShdw>
+            </a:effectLst>
+          </p:spPr>
+        </p:cxnSp>
+        <p:sp>
+          <p:nvSpPr>
+            <p:cNvPr id="9" name="Rectangle 3">
+              <a:extLst>
+                <a:ext uri="{FF2B5EF4-FFF2-40B4-BE49-F238E27FC236}">
+                  <a16:creationId xmlns:a16="http://schemas.microsoft.com/office/drawing/2014/main" id="{C0E18A86-84B6-4CB9-932D-EFE8CAA7BD4C}"/>
+                </a:ext>
+              </a:extLst>
+            </p:cNvPr>
+            <p:cNvSpPr/>
+            <p:nvPr/>
+          </p:nvSpPr>
+          <p:spPr>
+            <a:xfrm>
+              <a:off x="4381489" y="3257889"/>
+              <a:ext cx="1946766" cy="1311514"/>
+            </a:xfrm>
+            <a:custGeom>
+              <a:avLst/>
+              <a:gdLst>
+                <a:gd name="connsiteX0" fmla="*/ 0 w 946298"/>
+                <a:gd name="connsiteY0" fmla="*/ 0 h 2998381"/>
+                <a:gd name="connsiteX1" fmla="*/ 946298 w 946298"/>
+                <a:gd name="connsiteY1" fmla="*/ 0 h 2998381"/>
+                <a:gd name="connsiteX2" fmla="*/ 946298 w 946298"/>
+                <a:gd name="connsiteY2" fmla="*/ 2998381 h 2998381"/>
+                <a:gd name="connsiteX3" fmla="*/ 0 w 946298"/>
+                <a:gd name="connsiteY3" fmla="*/ 2998381 h 2998381"/>
+                <a:gd name="connsiteX4" fmla="*/ 0 w 946298"/>
+                <a:gd name="connsiteY4" fmla="*/ 0 h 2998381"/>
+                <a:gd name="connsiteX0" fmla="*/ 0 w 1190847"/>
+                <a:gd name="connsiteY0" fmla="*/ 0 h 2998381"/>
+                <a:gd name="connsiteX1" fmla="*/ 946298 w 1190847"/>
+                <a:gd name="connsiteY1" fmla="*/ 0 h 2998381"/>
+                <a:gd name="connsiteX2" fmla="*/ 1190847 w 1190847"/>
+                <a:gd name="connsiteY2" fmla="*/ 2604977 h 2998381"/>
+                <a:gd name="connsiteX3" fmla="*/ 0 w 1190847"/>
+                <a:gd name="connsiteY3" fmla="*/ 2998381 h 2998381"/>
+                <a:gd name="connsiteX4" fmla="*/ 0 w 1190847"/>
+                <a:gd name="connsiteY4" fmla="*/ 0 h 2998381"/>
+                <a:gd name="connsiteX0" fmla="*/ 191386 w 1382233"/>
+                <a:gd name="connsiteY0" fmla="*/ 0 h 3125972"/>
+                <a:gd name="connsiteX1" fmla="*/ 1137684 w 1382233"/>
+                <a:gd name="connsiteY1" fmla="*/ 0 h 3125972"/>
+                <a:gd name="connsiteX2" fmla="*/ 1382233 w 1382233"/>
+                <a:gd name="connsiteY2" fmla="*/ 2604977 h 3125972"/>
+                <a:gd name="connsiteX3" fmla="*/ 0 w 1382233"/>
+                <a:gd name="connsiteY3" fmla="*/ 3125972 h 3125972"/>
+                <a:gd name="connsiteX4" fmla="*/ 191386 w 1382233"/>
+                <a:gd name="connsiteY4" fmla="*/ 0 h 3125972"/>
+                <a:gd name="connsiteX0" fmla="*/ 191386 w 1382233"/>
+                <a:gd name="connsiteY0" fmla="*/ 0 h 3264195"/>
+                <a:gd name="connsiteX1" fmla="*/ 1137684 w 1382233"/>
+                <a:gd name="connsiteY1" fmla="*/ 0 h 3264195"/>
+                <a:gd name="connsiteX2" fmla="*/ 1382233 w 1382233"/>
+                <a:gd name="connsiteY2" fmla="*/ 2604977 h 3264195"/>
+                <a:gd name="connsiteX3" fmla="*/ 0 w 1382233"/>
+                <a:gd name="connsiteY3" fmla="*/ 3264195 h 3264195"/>
+                <a:gd name="connsiteX4" fmla="*/ 191386 w 1382233"/>
+                <a:gd name="connsiteY4" fmla="*/ 0 h 3264195"/>
+                <a:gd name="connsiteX0" fmla="*/ 0 w 1499191"/>
+                <a:gd name="connsiteY0" fmla="*/ 0 h 3306725"/>
+                <a:gd name="connsiteX1" fmla="*/ 1254642 w 1499191"/>
+                <a:gd name="connsiteY1" fmla="*/ 42530 h 3306725"/>
+                <a:gd name="connsiteX2" fmla="*/ 1499191 w 1499191"/>
+                <a:gd name="connsiteY2" fmla="*/ 2647507 h 3306725"/>
+                <a:gd name="connsiteX3" fmla="*/ 116958 w 1499191"/>
+                <a:gd name="connsiteY3" fmla="*/ 3306725 h 3306725"/>
+                <a:gd name="connsiteX4" fmla="*/ 0 w 1499191"/>
+                <a:gd name="connsiteY4" fmla="*/ 0 h 3306725"/>
+                <a:gd name="connsiteX0" fmla="*/ 0 w 1963215"/>
+                <a:gd name="connsiteY0" fmla="*/ 0 h 3306725"/>
+                <a:gd name="connsiteX1" fmla="*/ 1254642 w 1963215"/>
+                <a:gd name="connsiteY1" fmla="*/ 42530 h 3306725"/>
+                <a:gd name="connsiteX2" fmla="*/ 1963215 w 1963215"/>
+                <a:gd name="connsiteY2" fmla="*/ 2442791 h 3306725"/>
+                <a:gd name="connsiteX3" fmla="*/ 116958 w 1963215"/>
+                <a:gd name="connsiteY3" fmla="*/ 3306725 h 3306725"/>
+                <a:gd name="connsiteX4" fmla="*/ 0 w 1963215"/>
+                <a:gd name="connsiteY4" fmla="*/ 0 h 3306725"/>
+                <a:gd name="connsiteX0" fmla="*/ 0 w 1963215"/>
+                <a:gd name="connsiteY0" fmla="*/ 162187 h 3468912"/>
+                <a:gd name="connsiteX1" fmla="*/ 708731 w 1963215"/>
+                <a:gd name="connsiteY1" fmla="*/ 0 h 3468912"/>
+                <a:gd name="connsiteX2" fmla="*/ 1963215 w 1963215"/>
+                <a:gd name="connsiteY2" fmla="*/ 2604978 h 3468912"/>
+                <a:gd name="connsiteX3" fmla="*/ 116958 w 1963215"/>
+                <a:gd name="connsiteY3" fmla="*/ 3468912 h 3468912"/>
+                <a:gd name="connsiteX4" fmla="*/ 0 w 1963215"/>
+                <a:gd name="connsiteY4" fmla="*/ 162187 h 3468912"/>
+                <a:gd name="connsiteX0" fmla="*/ 0 w 1963215"/>
+                <a:gd name="connsiteY0" fmla="*/ 339607 h 3646332"/>
+                <a:gd name="connsiteX1" fmla="*/ 531310 w 1963215"/>
+                <a:gd name="connsiteY1" fmla="*/ 0 h 3646332"/>
+                <a:gd name="connsiteX2" fmla="*/ 1963215 w 1963215"/>
+                <a:gd name="connsiteY2" fmla="*/ 2782398 h 3646332"/>
+                <a:gd name="connsiteX3" fmla="*/ 116958 w 1963215"/>
+                <a:gd name="connsiteY3" fmla="*/ 3646332 h 3646332"/>
+                <a:gd name="connsiteX4" fmla="*/ 0 w 1963215"/>
+                <a:gd name="connsiteY4" fmla="*/ 339607 h 3646332"/>
+                <a:gd name="connsiteX0" fmla="*/ 0 w 1963215"/>
+                <a:gd name="connsiteY0" fmla="*/ 244072 h 3646332"/>
+                <a:gd name="connsiteX1" fmla="*/ 531310 w 1963215"/>
+                <a:gd name="connsiteY1" fmla="*/ 0 h 3646332"/>
+                <a:gd name="connsiteX2" fmla="*/ 1963215 w 1963215"/>
+                <a:gd name="connsiteY2" fmla="*/ 2782398 h 3646332"/>
+                <a:gd name="connsiteX3" fmla="*/ 116958 w 1963215"/>
+                <a:gd name="connsiteY3" fmla="*/ 3646332 h 3646332"/>
+                <a:gd name="connsiteX4" fmla="*/ 0 w 1963215"/>
+                <a:gd name="connsiteY4" fmla="*/ 244072 h 3646332"/>
+                <a:gd name="connsiteX0" fmla="*/ 0 w 1758498"/>
+                <a:gd name="connsiteY0" fmla="*/ 244072 h 3646332"/>
+                <a:gd name="connsiteX1" fmla="*/ 531310 w 1758498"/>
+                <a:gd name="connsiteY1" fmla="*/ 0 h 3646332"/>
+                <a:gd name="connsiteX2" fmla="*/ 1758498 w 1758498"/>
+                <a:gd name="connsiteY2" fmla="*/ 3014410 h 3646332"/>
+                <a:gd name="connsiteX3" fmla="*/ 116958 w 1758498"/>
+                <a:gd name="connsiteY3" fmla="*/ 3646332 h 3646332"/>
+                <a:gd name="connsiteX4" fmla="*/ 0 w 1758498"/>
+                <a:gd name="connsiteY4" fmla="*/ 244072 h 3646332"/>
+                <a:gd name="connsiteX0" fmla="*/ 74111 w 1832609"/>
+                <a:gd name="connsiteY0" fmla="*/ 244072 h 3769162"/>
+                <a:gd name="connsiteX1" fmla="*/ 605421 w 1832609"/>
+                <a:gd name="connsiteY1" fmla="*/ 0 h 3769162"/>
+                <a:gd name="connsiteX2" fmla="*/ 1832609 w 1832609"/>
+                <a:gd name="connsiteY2" fmla="*/ 3014410 h 3769162"/>
+                <a:gd name="connsiteX3" fmla="*/ 0 w 1832609"/>
+                <a:gd name="connsiteY3" fmla="*/ 3769162 h 3769162"/>
+                <a:gd name="connsiteX4" fmla="*/ 74111 w 1832609"/>
+                <a:gd name="connsiteY4" fmla="*/ 244072 h 3769162"/>
+                <a:gd name="connsiteX0" fmla="*/ 74111 w 1505062"/>
+                <a:gd name="connsiteY0" fmla="*/ 244072 h 3769162"/>
+                <a:gd name="connsiteX1" fmla="*/ 605421 w 1505062"/>
+                <a:gd name="connsiteY1" fmla="*/ 0 h 3769162"/>
+                <a:gd name="connsiteX2" fmla="*/ 1505062 w 1505062"/>
+                <a:gd name="connsiteY2" fmla="*/ 2946171 h 3769162"/>
+                <a:gd name="connsiteX3" fmla="*/ 0 w 1505062"/>
+                <a:gd name="connsiteY3" fmla="*/ 3769162 h 3769162"/>
+                <a:gd name="connsiteX4" fmla="*/ 74111 w 1505062"/>
+                <a:gd name="connsiteY4" fmla="*/ 244072 h 3769162"/>
+                <a:gd name="connsiteX0" fmla="*/ 74111 w 1505062"/>
+                <a:gd name="connsiteY0" fmla="*/ 148538 h 3673628"/>
+                <a:gd name="connsiteX1" fmla="*/ 605421 w 1505062"/>
+                <a:gd name="connsiteY1" fmla="*/ 0 h 3673628"/>
+                <a:gd name="connsiteX2" fmla="*/ 1505062 w 1505062"/>
+                <a:gd name="connsiteY2" fmla="*/ 2850637 h 3673628"/>
+                <a:gd name="connsiteX3" fmla="*/ 0 w 1505062"/>
+                <a:gd name="connsiteY3" fmla="*/ 3673628 h 3673628"/>
+                <a:gd name="connsiteX4" fmla="*/ 74111 w 1505062"/>
+                <a:gd name="connsiteY4" fmla="*/ 148538 h 3673628"/>
+                <a:gd name="connsiteX0" fmla="*/ 74111 w 1505062"/>
+                <a:gd name="connsiteY0" fmla="*/ 107594 h 3632684"/>
+                <a:gd name="connsiteX1" fmla="*/ 605421 w 1505062"/>
+                <a:gd name="connsiteY1" fmla="*/ 0 h 3632684"/>
+                <a:gd name="connsiteX2" fmla="*/ 1505062 w 1505062"/>
+                <a:gd name="connsiteY2" fmla="*/ 2809693 h 3632684"/>
+                <a:gd name="connsiteX3" fmla="*/ 0 w 1505062"/>
+                <a:gd name="connsiteY3" fmla="*/ 3632684 h 3632684"/>
+                <a:gd name="connsiteX4" fmla="*/ 74111 w 1505062"/>
+                <a:gd name="connsiteY4" fmla="*/ 107594 h 3632684"/>
+                <a:gd name="connsiteX0" fmla="*/ 74111 w 1528508"/>
+                <a:gd name="connsiteY0" fmla="*/ 107594 h 3632684"/>
+                <a:gd name="connsiteX1" fmla="*/ 605421 w 1528508"/>
+                <a:gd name="connsiteY1" fmla="*/ 0 h 3632684"/>
+                <a:gd name="connsiteX2" fmla="*/ 1528508 w 1528508"/>
+                <a:gd name="connsiteY2" fmla="*/ 2887847 h 3632684"/>
+                <a:gd name="connsiteX3" fmla="*/ 0 w 1528508"/>
+                <a:gd name="connsiteY3" fmla="*/ 3632684 h 3632684"/>
+                <a:gd name="connsiteX4" fmla="*/ 74111 w 1528508"/>
+                <a:gd name="connsiteY4" fmla="*/ 107594 h 3632684"/>
+                <a:gd name="connsiteX0" fmla="*/ 74111 w 1528508"/>
+                <a:gd name="connsiteY0" fmla="*/ 0 h 3525090"/>
+                <a:gd name="connsiteX1" fmla="*/ 746098 w 1528508"/>
+                <a:gd name="connsiteY1" fmla="*/ 2119791 h 3525090"/>
+                <a:gd name="connsiteX2" fmla="*/ 1528508 w 1528508"/>
+                <a:gd name="connsiteY2" fmla="*/ 2780253 h 3525090"/>
+                <a:gd name="connsiteX3" fmla="*/ 0 w 1528508"/>
+                <a:gd name="connsiteY3" fmla="*/ 3525090 h 3525090"/>
+                <a:gd name="connsiteX4" fmla="*/ 74111 w 1528508"/>
+                <a:gd name="connsiteY4" fmla="*/ 0 h 3525090"/>
+                <a:gd name="connsiteX0" fmla="*/ 0 w 1946766"/>
+                <a:gd name="connsiteY0" fmla="*/ 912578 h 1405299"/>
+                <a:gd name="connsiteX1" fmla="*/ 1164356 w 1946766"/>
+                <a:gd name="connsiteY1" fmla="*/ 0 h 1405299"/>
+                <a:gd name="connsiteX2" fmla="*/ 1946766 w 1946766"/>
+                <a:gd name="connsiteY2" fmla="*/ 660462 h 1405299"/>
+                <a:gd name="connsiteX3" fmla="*/ 418258 w 1946766"/>
+                <a:gd name="connsiteY3" fmla="*/ 1405299 h 1405299"/>
+                <a:gd name="connsiteX4" fmla="*/ 0 w 1946766"/>
+                <a:gd name="connsiteY4" fmla="*/ 912578 h 1405299"/>
+                <a:gd name="connsiteX0" fmla="*/ 0 w 1946766"/>
+                <a:gd name="connsiteY0" fmla="*/ 818793 h 1311514"/>
+                <a:gd name="connsiteX1" fmla="*/ 1492602 w 1946766"/>
+                <a:gd name="connsiteY1" fmla="*/ 0 h 1311514"/>
+                <a:gd name="connsiteX2" fmla="*/ 1946766 w 1946766"/>
+                <a:gd name="connsiteY2" fmla="*/ 566677 h 1311514"/>
+                <a:gd name="connsiteX3" fmla="*/ 418258 w 1946766"/>
+                <a:gd name="connsiteY3" fmla="*/ 1311514 h 1311514"/>
+                <a:gd name="connsiteX4" fmla="*/ 0 w 1946766"/>
+                <a:gd name="connsiteY4" fmla="*/ 818793 h 1311514"/>
+              </a:gdLst>
+              <a:ahLst/>
+              <a:cxnLst>
+                <a:cxn ang="0">
+                  <a:pos x="connsiteX0" y="connsiteY0"/>
+                </a:cxn>
+                <a:cxn ang="0">
+                  <a:pos x="connsiteX1" y="connsiteY1"/>
+                </a:cxn>
+                <a:cxn ang="0">
+                  <a:pos x="connsiteX2" y="connsiteY2"/>
+                </a:cxn>
+                <a:cxn ang="0">
+                  <a:pos x="connsiteX3" y="connsiteY3"/>
+                </a:cxn>
+                <a:cxn ang="0">
+                  <a:pos x="connsiteX4" y="connsiteY4"/>
+                </a:cxn>
+              </a:cxnLst>
+              <a:rect l="l" t="t" r="r" b="b"/>
+              <a:pathLst>
+                <a:path w="1946766" h="1311514">
+                  <a:moveTo>
+                    <a:pt x="0" y="818793"/>
+                  </a:moveTo>
+                  <a:lnTo>
+                    <a:pt x="1492602" y="0"/>
+                  </a:lnTo>
+                  <a:lnTo>
+                    <a:pt x="1946766" y="566677"/>
+                  </a:lnTo>
+                  <a:lnTo>
+                    <a:pt x="418258" y="1311514"/>
+                  </a:lnTo>
+                  <a:lnTo>
+                    <a:pt x="0" y="818793"/>
+                  </a:lnTo>
+                  <a:close/>
+                </a:path>
+              </a:pathLst>
+            </a:custGeom>
+            <a:solidFill>
+              <a:schemeClr val="accent5">
+                <a:lumMod val="60000"/>
+                <a:lumOff val="40000"/>
+              </a:schemeClr>
+            </a:solidFill>
+            <a:ln w="25400" cap="flat" cmpd="sng" algn="ctr">
+              <a:solidFill>
+                <a:sysClr val="windowText" lastClr="000000"/>
+              </a:solidFill>
+              <a:prstDash val="solid"/>
+            </a:ln>
+            <a:effectLst/>
+          </p:spPr>
+          <p:txBody>
+            <a:bodyPr rtlCol="0" anchor="ctr"/>
+            <a:lstStyle/>
+            <a:p>
+              <a:pPr marL="0" marR="0" lvl="0" indent="0" algn="ctr" defTabSz="914400" eaLnBrk="1" fontAlgn="auto" latinLnBrk="0" hangingPunct="1">
+                <a:lnSpc>
+                  <a:spcPct val="100000"/>
+                </a:lnSpc>
+                <a:spcBef>
+                  <a:spcPts val="0"/>
+                </a:spcBef>
+                <a:spcAft>
+                  <a:spcPts val="0"/>
+                </a:spcAft>
+                <a:buClrTx/>
+                <a:buSzTx/>
+                <a:buFontTx/>
+                <a:buNone/>
+                <a:tabLst/>
+                <a:defRPr/>
+              </a:pPr>
+              <a:endParaRPr kumimoji="0" lang="ja-JP" altLang="en-US" sz="1800" b="0" i="0" u="none" strike="noStrike" kern="0" cap="none" spc="0" normalizeH="0" baseline="0" noProof="0">
+                <a:ln>
+                  <a:noFill/>
+                </a:ln>
+                <a:solidFill>
+                  <a:prstClr val="black"/>
+                </a:solidFill>
+                <a:effectLst/>
+                <a:uLnTx/>
+                <a:uFillTx/>
+                <a:latin typeface="Arial"/>
+                <a:cs typeface="DejaVu Sans"/>
+              </a:endParaRPr>
+            </a:p>
+          </p:txBody>
+        </p:sp>
+        <p:cxnSp>
+          <p:nvCxnSpPr>
+            <p:cNvPr id="6" name="Straight Connector 10">
+              <a:extLst>
+                <a:ext uri="{FF2B5EF4-FFF2-40B4-BE49-F238E27FC236}">
+                  <a16:creationId xmlns:a16="http://schemas.microsoft.com/office/drawing/2014/main" id="{8ACA0A61-B585-47DE-BA2F-96E757025164}"/>
+                </a:ext>
+              </a:extLst>
+            </p:cNvPr>
+            <p:cNvCxnSpPr>
+              <a:cxnSpLocks/>
+            </p:cNvCxnSpPr>
+            <p:nvPr/>
+          </p:nvCxnSpPr>
+          <p:spPr>
+            <a:xfrm flipV="1">
+              <a:off x="3677796" y="3017184"/>
+              <a:ext cx="3311597" cy="1819908"/>
+            </a:xfrm>
+            <a:prstGeom prst="line">
+              <a:avLst/>
+            </a:prstGeom>
+            <a:noFill/>
+            <a:ln w="25400" cap="flat" cmpd="sng" algn="ctr">
+              <a:solidFill>
+                <a:sysClr val="windowText" lastClr="000000"/>
+              </a:solidFill>
+              <a:prstDash val="dash"/>
+            </a:ln>
+            <a:effectLst>
+              <a:outerShdw blurRad="40000" dist="20000" dir="5400000" rotWithShape="0">
+                <a:srgbClr val="000000">
+                  <a:alpha val="38000"/>
+                </a:srgbClr>
+              </a:outerShdw>
+            </a:effectLst>
+          </p:spPr>
+        </p:cxnSp>
+        <p:sp>
+          <p:nvSpPr>
+            <p:cNvPr id="13" name="テキスト ボックス 12">
+              <a:extLst>
+                <a:ext uri="{FF2B5EF4-FFF2-40B4-BE49-F238E27FC236}">
+                  <a16:creationId xmlns:a16="http://schemas.microsoft.com/office/drawing/2014/main" id="{66EEF83E-A799-407E-9AF1-325A8F54F1D8}"/>
+                </a:ext>
+              </a:extLst>
+            </p:cNvPr>
+            <p:cNvSpPr txBox="1"/>
+            <p:nvPr/>
+          </p:nvSpPr>
+          <p:spPr>
+            <a:xfrm>
+              <a:off x="3244221" y="4868154"/>
+              <a:ext cx="642079" cy="305233"/>
+            </a:xfrm>
+            <a:prstGeom prst="rect">
+              <a:avLst/>
+            </a:prstGeom>
+            <a:noFill/>
+          </p:spPr>
+          <p:txBody>
+            <a:bodyPr wrap="square" rtlCol="0">
+              <a:spAutoFit/>
+            </a:bodyPr>
+            <a:lstStyle/>
+            <a:p>
+              <a:r>
+                <a:rPr kumimoji="1" lang="en-US" altLang="ja-JP" dirty="0" err="1"/>
+                <a:t>AoA</a:t>
+              </a:r>
+              <a:endParaRPr kumimoji="1" lang="ja-JP" altLang="en-US" dirty="0"/>
+            </a:p>
+          </p:txBody>
+        </p:sp>
+        <p:sp>
+          <p:nvSpPr>
+            <p:cNvPr id="16" name="フリーフォーム: 図形 15">
+              <a:extLst>
+                <a:ext uri="{FF2B5EF4-FFF2-40B4-BE49-F238E27FC236}">
+                  <a16:creationId xmlns:a16="http://schemas.microsoft.com/office/drawing/2014/main" id="{E4916BA1-8852-4325-883E-EB4162076C96}"/>
+                </a:ext>
+              </a:extLst>
+            </p:cNvPr>
+            <p:cNvSpPr/>
+            <p:nvPr/>
+          </p:nvSpPr>
+          <p:spPr>
+            <a:xfrm rot="19888531">
+              <a:off x="3905888" y="4784943"/>
+              <a:ext cx="68959" cy="185272"/>
+            </a:xfrm>
+            <a:custGeom>
+              <a:avLst/>
+              <a:gdLst>
+                <a:gd name="connsiteX0" fmla="*/ 59334 w 68959"/>
+                <a:gd name="connsiteY0" fmla="*/ 0 h 298383"/>
+                <a:gd name="connsiteX1" fmla="*/ 1582 w 68959"/>
+                <a:gd name="connsiteY1" fmla="*/ 96252 h 298383"/>
+                <a:gd name="connsiteX2" fmla="*/ 20833 w 68959"/>
+                <a:gd name="connsiteY2" fmla="*/ 221381 h 298383"/>
+                <a:gd name="connsiteX3" fmla="*/ 68959 w 68959"/>
+                <a:gd name="connsiteY3" fmla="*/ 298383 h 298383"/>
+              </a:gdLst>
+              <a:ahLst/>
+              <a:cxnLst>
+                <a:cxn ang="0">
+                  <a:pos x="connsiteX0" y="connsiteY0"/>
+                </a:cxn>
+                <a:cxn ang="0">
+                  <a:pos x="connsiteX1" y="connsiteY1"/>
+                </a:cxn>
+                <a:cxn ang="0">
+                  <a:pos x="connsiteX2" y="connsiteY2"/>
+                </a:cxn>
+                <a:cxn ang="0">
+                  <a:pos x="connsiteX3" y="connsiteY3"/>
+                </a:cxn>
+              </a:cxnLst>
+              <a:rect l="l" t="t" r="r" b="b"/>
+              <a:pathLst>
+                <a:path w="68959" h="298383">
+                  <a:moveTo>
+                    <a:pt x="59334" y="0"/>
+                  </a:moveTo>
+                  <a:cubicBezTo>
+                    <a:pt x="33666" y="29677"/>
+                    <a:pt x="7999" y="59355"/>
+                    <a:pt x="1582" y="96252"/>
+                  </a:cubicBezTo>
+                  <a:cubicBezTo>
+                    <a:pt x="-4835" y="133149"/>
+                    <a:pt x="9604" y="187693"/>
+                    <a:pt x="20833" y="221381"/>
+                  </a:cubicBezTo>
+                  <a:cubicBezTo>
+                    <a:pt x="32062" y="255069"/>
+                    <a:pt x="50510" y="276726"/>
+                    <a:pt x="68959" y="298383"/>
+                  </a:cubicBezTo>
+                </a:path>
+              </a:pathLst>
+            </a:custGeom>
+            <a:noFill/>
+            <a:ln w="28575"/>
+          </p:spPr>
+          <p:style>
+            <a:lnRef idx="2">
+              <a:schemeClr val="accent1">
+                <a:shade val="50000"/>
+              </a:schemeClr>
+            </a:lnRef>
+            <a:fillRef idx="1">
+              <a:schemeClr val="accent1"/>
+            </a:fillRef>
+            <a:effectRef idx="0">
+              <a:schemeClr val="accent1"/>
+            </a:effectRef>
+            <a:fontRef idx="minor">
+              <a:schemeClr val="lt1"/>
+            </a:fontRef>
+          </p:style>
+          <p:txBody>
+            <a:bodyPr rtlCol="0" anchor="ctr"/>
+            <a:lstStyle/>
+            <a:p>
+              <a:pPr algn="ctr"/>
+              <a:endParaRPr kumimoji="1" lang="ja-JP" altLang="en-US"/>
+            </a:p>
+          </p:txBody>
+        </p:sp>
+        <p:cxnSp>
+          <p:nvCxnSpPr>
+            <p:cNvPr id="17" name="直線矢印コネクタ 16">
+              <a:extLst>
+                <a:ext uri="{FF2B5EF4-FFF2-40B4-BE49-F238E27FC236}">
+                  <a16:creationId xmlns:a16="http://schemas.microsoft.com/office/drawing/2014/main" id="{9CF2C302-4226-4BB2-8A6D-070CBCB0057F}"/>
+                </a:ext>
+              </a:extLst>
+            </p:cNvPr>
+            <p:cNvCxnSpPr>
+              <a:cxnSpLocks/>
+            </p:cNvCxnSpPr>
+            <p:nvPr/>
+          </p:nvCxnSpPr>
+          <p:spPr>
+            <a:xfrm flipV="1">
+              <a:off x="5075698" y="914400"/>
+              <a:ext cx="257896" cy="3152520"/>
+            </a:xfrm>
+            <a:prstGeom prst="straightConnector1">
+              <a:avLst/>
+            </a:prstGeom>
+            <a:ln w="76200">
+              <a:solidFill>
+                <a:srgbClr val="C00000"/>
+              </a:solidFill>
+              <a:tailEnd type="triangle" w="lg" len="lg"/>
+            </a:ln>
+          </p:spPr>
+          <p:style>
+            <a:lnRef idx="1">
+              <a:schemeClr val="accent1"/>
+            </a:lnRef>
+            <a:fillRef idx="0">
+              <a:schemeClr val="accent1"/>
+            </a:fillRef>
+            <a:effectRef idx="0">
+              <a:schemeClr val="accent1"/>
+            </a:effectRef>
+            <a:fontRef idx="minor">
+              <a:schemeClr val="tx1"/>
+            </a:fontRef>
+          </p:style>
+        </p:cxnSp>
+        <p:cxnSp>
+          <p:nvCxnSpPr>
+            <p:cNvPr id="18" name="直線矢印コネクタ 17">
+              <a:extLst>
+                <a:ext uri="{FF2B5EF4-FFF2-40B4-BE49-F238E27FC236}">
+                  <a16:creationId xmlns:a16="http://schemas.microsoft.com/office/drawing/2014/main" id="{C7D9A74C-B688-426F-91A3-517FFF9AFF3F}"/>
+                </a:ext>
+              </a:extLst>
+            </p:cNvPr>
+            <p:cNvCxnSpPr>
+              <a:cxnSpLocks/>
+            </p:cNvCxnSpPr>
+            <p:nvPr/>
+          </p:nvCxnSpPr>
+          <p:spPr>
+            <a:xfrm flipV="1">
+              <a:off x="5040564" y="3535052"/>
+              <a:ext cx="976040" cy="523235"/>
+            </a:xfrm>
+            <a:prstGeom prst="straightConnector1">
+              <a:avLst/>
+            </a:prstGeom>
+            <a:ln w="76200">
+              <a:solidFill>
+                <a:srgbClr val="C00000"/>
+              </a:solidFill>
+              <a:tailEnd type="triangle" w="lg" len="lg"/>
+            </a:ln>
+          </p:spPr>
+          <p:style>
+            <a:lnRef idx="1">
+              <a:schemeClr val="accent1"/>
+            </a:lnRef>
+            <a:fillRef idx="0">
+              <a:schemeClr val="accent1"/>
+            </a:fillRef>
+            <a:effectRef idx="0">
+              <a:schemeClr val="accent1"/>
+            </a:effectRef>
+            <a:fontRef idx="minor">
+              <a:schemeClr val="tx1"/>
+            </a:fontRef>
+          </p:style>
+        </p:cxnSp>
+        <p:sp>
+          <p:nvSpPr>
+            <p:cNvPr id="27" name="テキスト ボックス 26">
+              <a:extLst>
+                <a:ext uri="{FF2B5EF4-FFF2-40B4-BE49-F238E27FC236}">
+                  <a16:creationId xmlns:a16="http://schemas.microsoft.com/office/drawing/2014/main" id="{74896C25-D73D-4E7B-811A-4E2F9610085A}"/>
+                </a:ext>
+              </a:extLst>
+            </p:cNvPr>
+            <p:cNvSpPr txBox="1"/>
+            <p:nvPr/>
+          </p:nvSpPr>
+          <p:spPr>
+            <a:xfrm>
+              <a:off x="5467648" y="1078818"/>
+              <a:ext cx="561593" cy="369332"/>
+            </a:xfrm>
+            <a:prstGeom prst="rect">
+              <a:avLst/>
+            </a:prstGeom>
+            <a:noFill/>
+          </p:spPr>
+          <p:txBody>
+            <a:bodyPr wrap="square" rtlCol="0">
+              <a:spAutoFit/>
+            </a:bodyPr>
+            <a:lstStyle/>
+            <a:p>
+              <a:r>
+                <a:rPr lang="en-US" altLang="ja-JP" dirty="0"/>
+                <a:t>L</a:t>
+              </a:r>
+              <a:endParaRPr kumimoji="1" lang="ja-JP" altLang="en-US" dirty="0"/>
+            </a:p>
+          </p:txBody>
+        </p:sp>
+        <p:sp>
+          <p:nvSpPr>
+            <p:cNvPr id="28" name="テキスト ボックス 27">
+              <a:extLst>
+                <a:ext uri="{FF2B5EF4-FFF2-40B4-BE49-F238E27FC236}">
+                  <a16:creationId xmlns:a16="http://schemas.microsoft.com/office/drawing/2014/main" id="{06F51C1C-8E69-4128-B882-C31656B3EADD}"/>
+                </a:ext>
+              </a:extLst>
+            </p:cNvPr>
+            <p:cNvSpPr txBox="1"/>
+            <p:nvPr/>
+          </p:nvSpPr>
+          <p:spPr>
+            <a:xfrm>
+              <a:off x="6354954" y="3350386"/>
+              <a:ext cx="601581" cy="369332"/>
+            </a:xfrm>
+            <a:prstGeom prst="rect">
+              <a:avLst/>
+            </a:prstGeom>
+            <a:noFill/>
+          </p:spPr>
+          <p:txBody>
+            <a:bodyPr wrap="square" rtlCol="0">
+              <a:spAutoFit/>
+            </a:bodyPr>
+            <a:lstStyle/>
+            <a:p>
+              <a:r>
+                <a:rPr lang="en-US" altLang="ja-JP" dirty="0"/>
+                <a:t>D</a:t>
+              </a:r>
+              <a:endParaRPr kumimoji="1" lang="ja-JP" altLang="en-US" dirty="0"/>
+            </a:p>
+          </p:txBody>
+        </p:sp>
+      </p:grpSp>
+    </p:spTree>
+    <p:extLst>
+      <p:ext uri="{BB962C8B-B14F-4D97-AF65-F5344CB8AC3E}">
+        <p14:creationId xmlns:p14="http://schemas.microsoft.com/office/powerpoint/2010/main" val="3916135262"/>
+      </p:ext>
+    </p:extLst>
+  </p:cSld>
+  <p:clrMapOvr>
+    <a:masterClrMapping/>
+  </p:clrMapOvr>
+</p:sld>
+</file>
+
+<file path=ppt/slides/slide5.xml><?xml version="1.0" encoding="utf-8"?>
+<p:sld xmlns:a="http://schemas.openxmlformats.org/drawingml/2006/main" xmlns:r="http://schemas.openxmlformats.org/officeDocument/2006/relationships" xmlns:p="http://schemas.openxmlformats.org/presentationml/2006/main">
+  <p:cSld>
+    <p:spTree>
+      <p:nvGrpSpPr>
+        <p:cNvPr id="1" name=""/>
+        <p:cNvGrpSpPr/>
+        <p:nvPr/>
+      </p:nvGrpSpPr>
+      <p:grpSpPr>
+        <a:xfrm>
+          <a:off x="0" y="0"/>
+          <a:ext cx="0" cy="0"/>
+          <a:chOff x="0" y="0"/>
+          <a:chExt cx="0" cy="0"/>
+        </a:xfrm>
+      </p:grpSpPr>
+      <p:grpSp>
+        <p:nvGrpSpPr>
+          <p:cNvPr id="49" name="グループ化 48">
+            <a:extLst>
+              <a:ext uri="{FF2B5EF4-FFF2-40B4-BE49-F238E27FC236}">
+                <a16:creationId xmlns:a16="http://schemas.microsoft.com/office/drawing/2014/main" id="{B27DD807-637B-452C-8754-0EE477CE4FAA}"/>
+              </a:ext>
+            </a:extLst>
+          </p:cNvPr>
+          <p:cNvGrpSpPr/>
+          <p:nvPr/>
+        </p:nvGrpSpPr>
+        <p:grpSpPr>
+          <a:xfrm>
+            <a:off x="245395" y="1221650"/>
+            <a:ext cx="11372587" cy="5384771"/>
+            <a:chOff x="245395" y="1221650"/>
+            <a:chExt cx="11372587" cy="5384771"/>
+          </a:xfrm>
+        </p:grpSpPr>
+        <p:grpSp>
+          <p:nvGrpSpPr>
+            <p:cNvPr id="25" name="グループ化 24">
+              <a:extLst>
+                <a:ext uri="{FF2B5EF4-FFF2-40B4-BE49-F238E27FC236}">
+                  <a16:creationId xmlns:a16="http://schemas.microsoft.com/office/drawing/2014/main" id="{1FA7B355-F09D-46E3-BC11-C35B92BAC74C}"/>
+                </a:ext>
+              </a:extLst>
+            </p:cNvPr>
+            <p:cNvGrpSpPr/>
+            <p:nvPr/>
+          </p:nvGrpSpPr>
+          <p:grpSpPr>
+            <a:xfrm>
+              <a:off x="7143175" y="1221650"/>
+              <a:ext cx="4474807" cy="4340899"/>
+              <a:chOff x="5795143" y="1108527"/>
+              <a:chExt cx="4474807" cy="4340899"/>
+            </a:xfrm>
+          </p:grpSpPr>
+          <p:sp>
+            <p:nvSpPr>
+              <p:cNvPr id="4" name="Rectangle 3">
+                <a:extLst>
+                  <a:ext uri="{FF2B5EF4-FFF2-40B4-BE49-F238E27FC236}">
+                    <a16:creationId xmlns:a16="http://schemas.microsoft.com/office/drawing/2014/main" id="{ACC88832-1D06-48B7-BA1D-321FDB9DFB4E}"/>
+                  </a:ext>
+                </a:extLst>
+              </p:cNvPr>
+              <p:cNvSpPr/>
+              <p:nvPr/>
+            </p:nvSpPr>
+            <p:spPr>
+              <a:xfrm>
+                <a:off x="6917030" y="1108527"/>
+                <a:ext cx="1130775" cy="2481172"/>
+              </a:xfrm>
+              <a:custGeom>
+                <a:avLst/>
+                <a:gdLst>
+                  <a:gd name="connsiteX0" fmla="*/ 0 w 946298"/>
+                  <a:gd name="connsiteY0" fmla="*/ 0 h 2998381"/>
+                  <a:gd name="connsiteX1" fmla="*/ 946298 w 946298"/>
+                  <a:gd name="connsiteY1" fmla="*/ 0 h 2998381"/>
+                  <a:gd name="connsiteX2" fmla="*/ 946298 w 946298"/>
+                  <a:gd name="connsiteY2" fmla="*/ 2998381 h 2998381"/>
+                  <a:gd name="connsiteX3" fmla="*/ 0 w 946298"/>
+                  <a:gd name="connsiteY3" fmla="*/ 2998381 h 2998381"/>
+                  <a:gd name="connsiteX4" fmla="*/ 0 w 946298"/>
+                  <a:gd name="connsiteY4" fmla="*/ 0 h 2998381"/>
+                  <a:gd name="connsiteX0" fmla="*/ 0 w 1190847"/>
+                  <a:gd name="connsiteY0" fmla="*/ 0 h 2998381"/>
+                  <a:gd name="connsiteX1" fmla="*/ 946298 w 1190847"/>
+                  <a:gd name="connsiteY1" fmla="*/ 0 h 2998381"/>
+                  <a:gd name="connsiteX2" fmla="*/ 1190847 w 1190847"/>
+                  <a:gd name="connsiteY2" fmla="*/ 2604977 h 2998381"/>
+                  <a:gd name="connsiteX3" fmla="*/ 0 w 1190847"/>
+                  <a:gd name="connsiteY3" fmla="*/ 2998381 h 2998381"/>
+                  <a:gd name="connsiteX4" fmla="*/ 0 w 1190847"/>
+                  <a:gd name="connsiteY4" fmla="*/ 0 h 2998381"/>
+                  <a:gd name="connsiteX0" fmla="*/ 191386 w 1382233"/>
+                  <a:gd name="connsiteY0" fmla="*/ 0 h 3125972"/>
+                  <a:gd name="connsiteX1" fmla="*/ 1137684 w 1382233"/>
+                  <a:gd name="connsiteY1" fmla="*/ 0 h 3125972"/>
+                  <a:gd name="connsiteX2" fmla="*/ 1382233 w 1382233"/>
+                  <a:gd name="connsiteY2" fmla="*/ 2604977 h 3125972"/>
+                  <a:gd name="connsiteX3" fmla="*/ 0 w 1382233"/>
+                  <a:gd name="connsiteY3" fmla="*/ 3125972 h 3125972"/>
+                  <a:gd name="connsiteX4" fmla="*/ 191386 w 1382233"/>
+                  <a:gd name="connsiteY4" fmla="*/ 0 h 3125972"/>
+                  <a:gd name="connsiteX0" fmla="*/ 191386 w 1382233"/>
+                  <a:gd name="connsiteY0" fmla="*/ 0 h 3264195"/>
+                  <a:gd name="connsiteX1" fmla="*/ 1137684 w 1382233"/>
+                  <a:gd name="connsiteY1" fmla="*/ 0 h 3264195"/>
+                  <a:gd name="connsiteX2" fmla="*/ 1382233 w 1382233"/>
+                  <a:gd name="connsiteY2" fmla="*/ 2604977 h 3264195"/>
+                  <a:gd name="connsiteX3" fmla="*/ 0 w 1382233"/>
+                  <a:gd name="connsiteY3" fmla="*/ 3264195 h 3264195"/>
+                  <a:gd name="connsiteX4" fmla="*/ 191386 w 1382233"/>
+                  <a:gd name="connsiteY4" fmla="*/ 0 h 3264195"/>
+                  <a:gd name="connsiteX0" fmla="*/ 0 w 1499191"/>
+                  <a:gd name="connsiteY0" fmla="*/ 0 h 3306725"/>
+                  <a:gd name="connsiteX1" fmla="*/ 1254642 w 1499191"/>
+                  <a:gd name="connsiteY1" fmla="*/ 42530 h 3306725"/>
+                  <a:gd name="connsiteX2" fmla="*/ 1499191 w 1499191"/>
+                  <a:gd name="connsiteY2" fmla="*/ 2647507 h 3306725"/>
+                  <a:gd name="connsiteX3" fmla="*/ 116958 w 1499191"/>
+                  <a:gd name="connsiteY3" fmla="*/ 3306725 h 3306725"/>
+                  <a:gd name="connsiteX4" fmla="*/ 0 w 1499191"/>
+                  <a:gd name="connsiteY4" fmla="*/ 0 h 3306725"/>
+                  <a:gd name="connsiteX0" fmla="*/ 0 w 1963215"/>
+                  <a:gd name="connsiteY0" fmla="*/ 0 h 3306725"/>
+                  <a:gd name="connsiteX1" fmla="*/ 1254642 w 1963215"/>
+                  <a:gd name="connsiteY1" fmla="*/ 42530 h 3306725"/>
+                  <a:gd name="connsiteX2" fmla="*/ 1963215 w 1963215"/>
+                  <a:gd name="connsiteY2" fmla="*/ 2442791 h 3306725"/>
+                  <a:gd name="connsiteX3" fmla="*/ 116958 w 1963215"/>
+                  <a:gd name="connsiteY3" fmla="*/ 3306725 h 3306725"/>
+                  <a:gd name="connsiteX4" fmla="*/ 0 w 1963215"/>
+                  <a:gd name="connsiteY4" fmla="*/ 0 h 3306725"/>
+                  <a:gd name="connsiteX0" fmla="*/ 0 w 1963215"/>
+                  <a:gd name="connsiteY0" fmla="*/ 162187 h 3468912"/>
+                  <a:gd name="connsiteX1" fmla="*/ 708731 w 1963215"/>
+                  <a:gd name="connsiteY1" fmla="*/ 0 h 3468912"/>
+                  <a:gd name="connsiteX2" fmla="*/ 1963215 w 1963215"/>
+                  <a:gd name="connsiteY2" fmla="*/ 2604978 h 3468912"/>
+                  <a:gd name="connsiteX3" fmla="*/ 116958 w 1963215"/>
+                  <a:gd name="connsiteY3" fmla="*/ 3468912 h 3468912"/>
+                  <a:gd name="connsiteX4" fmla="*/ 0 w 1963215"/>
+                  <a:gd name="connsiteY4" fmla="*/ 162187 h 3468912"/>
+                  <a:gd name="connsiteX0" fmla="*/ 0 w 1963215"/>
+                  <a:gd name="connsiteY0" fmla="*/ 339607 h 3646332"/>
+                  <a:gd name="connsiteX1" fmla="*/ 531310 w 1963215"/>
+                  <a:gd name="connsiteY1" fmla="*/ 0 h 3646332"/>
+                  <a:gd name="connsiteX2" fmla="*/ 1963215 w 1963215"/>
+                  <a:gd name="connsiteY2" fmla="*/ 2782398 h 3646332"/>
+                  <a:gd name="connsiteX3" fmla="*/ 116958 w 1963215"/>
+                  <a:gd name="connsiteY3" fmla="*/ 3646332 h 3646332"/>
+                  <a:gd name="connsiteX4" fmla="*/ 0 w 1963215"/>
+                  <a:gd name="connsiteY4" fmla="*/ 339607 h 3646332"/>
+                  <a:gd name="connsiteX0" fmla="*/ 0 w 1963215"/>
+                  <a:gd name="connsiteY0" fmla="*/ 244072 h 3646332"/>
+                  <a:gd name="connsiteX1" fmla="*/ 531310 w 1963215"/>
+                  <a:gd name="connsiteY1" fmla="*/ 0 h 3646332"/>
+                  <a:gd name="connsiteX2" fmla="*/ 1963215 w 1963215"/>
+                  <a:gd name="connsiteY2" fmla="*/ 2782398 h 3646332"/>
+                  <a:gd name="connsiteX3" fmla="*/ 116958 w 1963215"/>
+                  <a:gd name="connsiteY3" fmla="*/ 3646332 h 3646332"/>
+                  <a:gd name="connsiteX4" fmla="*/ 0 w 1963215"/>
+                  <a:gd name="connsiteY4" fmla="*/ 244072 h 3646332"/>
+                  <a:gd name="connsiteX0" fmla="*/ 0 w 1758498"/>
+                  <a:gd name="connsiteY0" fmla="*/ 244072 h 3646332"/>
+                  <a:gd name="connsiteX1" fmla="*/ 531310 w 1758498"/>
+                  <a:gd name="connsiteY1" fmla="*/ 0 h 3646332"/>
+                  <a:gd name="connsiteX2" fmla="*/ 1758498 w 1758498"/>
+                  <a:gd name="connsiteY2" fmla="*/ 3014410 h 3646332"/>
+                  <a:gd name="connsiteX3" fmla="*/ 116958 w 1758498"/>
+                  <a:gd name="connsiteY3" fmla="*/ 3646332 h 3646332"/>
+                  <a:gd name="connsiteX4" fmla="*/ 0 w 1758498"/>
+                  <a:gd name="connsiteY4" fmla="*/ 244072 h 3646332"/>
+                  <a:gd name="connsiteX0" fmla="*/ 74111 w 1832609"/>
+                  <a:gd name="connsiteY0" fmla="*/ 244072 h 3769162"/>
+                  <a:gd name="connsiteX1" fmla="*/ 605421 w 1832609"/>
+                  <a:gd name="connsiteY1" fmla="*/ 0 h 3769162"/>
+                  <a:gd name="connsiteX2" fmla="*/ 1832609 w 1832609"/>
+                  <a:gd name="connsiteY2" fmla="*/ 3014410 h 3769162"/>
+                  <a:gd name="connsiteX3" fmla="*/ 0 w 1832609"/>
+                  <a:gd name="connsiteY3" fmla="*/ 3769162 h 3769162"/>
+                  <a:gd name="connsiteX4" fmla="*/ 74111 w 1832609"/>
+                  <a:gd name="connsiteY4" fmla="*/ 244072 h 3769162"/>
+                  <a:gd name="connsiteX0" fmla="*/ 74111 w 1505062"/>
+                  <a:gd name="connsiteY0" fmla="*/ 244072 h 3769162"/>
+                  <a:gd name="connsiteX1" fmla="*/ 605421 w 1505062"/>
+                  <a:gd name="connsiteY1" fmla="*/ 0 h 3769162"/>
+                  <a:gd name="connsiteX2" fmla="*/ 1505062 w 1505062"/>
+                  <a:gd name="connsiteY2" fmla="*/ 2946171 h 3769162"/>
+                  <a:gd name="connsiteX3" fmla="*/ 0 w 1505062"/>
+                  <a:gd name="connsiteY3" fmla="*/ 3769162 h 3769162"/>
+                  <a:gd name="connsiteX4" fmla="*/ 74111 w 1505062"/>
+                  <a:gd name="connsiteY4" fmla="*/ 244072 h 3769162"/>
+                  <a:gd name="connsiteX0" fmla="*/ 74111 w 1505062"/>
+                  <a:gd name="connsiteY0" fmla="*/ 148538 h 3673628"/>
+                  <a:gd name="connsiteX1" fmla="*/ 605421 w 1505062"/>
+                  <a:gd name="connsiteY1" fmla="*/ 0 h 3673628"/>
+                  <a:gd name="connsiteX2" fmla="*/ 1505062 w 1505062"/>
+                  <a:gd name="connsiteY2" fmla="*/ 2850637 h 3673628"/>
+                  <a:gd name="connsiteX3" fmla="*/ 0 w 1505062"/>
+                  <a:gd name="connsiteY3" fmla="*/ 3673628 h 3673628"/>
+                  <a:gd name="connsiteX4" fmla="*/ 74111 w 1505062"/>
+                  <a:gd name="connsiteY4" fmla="*/ 148538 h 3673628"/>
+                  <a:gd name="connsiteX0" fmla="*/ 74111 w 1505062"/>
+                  <a:gd name="connsiteY0" fmla="*/ 107594 h 3632684"/>
+                  <a:gd name="connsiteX1" fmla="*/ 605421 w 1505062"/>
+                  <a:gd name="connsiteY1" fmla="*/ 0 h 3632684"/>
+                  <a:gd name="connsiteX2" fmla="*/ 1505062 w 1505062"/>
+                  <a:gd name="connsiteY2" fmla="*/ 2809693 h 3632684"/>
+                  <a:gd name="connsiteX3" fmla="*/ 0 w 1505062"/>
+                  <a:gd name="connsiteY3" fmla="*/ 3632684 h 3632684"/>
+                  <a:gd name="connsiteX4" fmla="*/ 74111 w 1505062"/>
+                  <a:gd name="connsiteY4" fmla="*/ 107594 h 3632684"/>
+                </a:gdLst>
+                <a:ahLst/>
+                <a:cxnLst>
+                  <a:cxn ang="0">
+                    <a:pos x="connsiteX0" y="connsiteY0"/>
+                  </a:cxn>
+                  <a:cxn ang="0">
+                    <a:pos x="connsiteX1" y="connsiteY1"/>
+                  </a:cxn>
+                  <a:cxn ang="0">
+                    <a:pos x="connsiteX2" y="connsiteY2"/>
+                  </a:cxn>
+                  <a:cxn ang="0">
+                    <a:pos x="connsiteX3" y="connsiteY3"/>
+                  </a:cxn>
+                  <a:cxn ang="0">
+                    <a:pos x="connsiteX4" y="connsiteY4"/>
+                  </a:cxn>
+                </a:cxnLst>
+                <a:rect l="l" t="t" r="r" b="b"/>
+                <a:pathLst>
+                  <a:path w="1505062" h="3632684">
+                    <a:moveTo>
+                      <a:pt x="74111" y="107594"/>
+                    </a:moveTo>
+                    <a:lnTo>
+                      <a:pt x="605421" y="0"/>
+                    </a:lnTo>
+                    <a:lnTo>
+                      <a:pt x="1505062" y="2809693"/>
+                    </a:lnTo>
+                    <a:lnTo>
+                      <a:pt x="0" y="3632684"/>
+                    </a:lnTo>
+                    <a:lnTo>
+                      <a:pt x="74111" y="107594"/>
+                    </a:lnTo>
+                    <a:close/>
+                  </a:path>
+                </a:pathLst>
+              </a:custGeom>
+              <a:solidFill>
+                <a:schemeClr val="accent5">
+                  <a:lumMod val="60000"/>
+                  <a:lumOff val="40000"/>
+                </a:schemeClr>
+              </a:solidFill>
+              <a:ln w="25400" cap="flat" cmpd="sng" algn="ctr">
+                <a:solidFill>
+                  <a:sysClr val="windowText" lastClr="000000"/>
+                </a:solidFill>
+                <a:prstDash val="solid"/>
+              </a:ln>
+              <a:effectLst/>
+            </p:spPr>
+            <p:txBody>
+              <a:bodyPr rtlCol="0" anchor="ctr"/>
+              <a:lstStyle/>
+              <a:p>
+                <a:pPr marL="0" marR="0" lvl="0" indent="0" algn="ctr" defTabSz="914400" eaLnBrk="1" fontAlgn="auto" latinLnBrk="0" hangingPunct="1">
+                  <a:lnSpc>
+                    <a:spcPct val="100000"/>
+                  </a:lnSpc>
+                  <a:spcBef>
+                    <a:spcPts val="0"/>
+                  </a:spcBef>
+                  <a:spcAft>
+                    <a:spcPts val="0"/>
+                  </a:spcAft>
+                  <a:buClrTx/>
+                  <a:buSzTx/>
+                  <a:buFontTx/>
+                  <a:buNone/>
+                  <a:tabLst/>
+                  <a:defRPr/>
+                </a:pPr>
+                <a:endParaRPr kumimoji="0" lang="ja-JP" altLang="en-US" sz="1800" b="0" i="0" u="none" strike="noStrike" kern="0" cap="none" spc="0" normalizeH="0" baseline="0" noProof="0">
+                  <a:ln>
+                    <a:noFill/>
+                  </a:ln>
+                  <a:solidFill>
+                    <a:prstClr val="black"/>
+                  </a:solidFill>
+                  <a:effectLst/>
+                  <a:uLnTx/>
+                  <a:uFillTx/>
+                  <a:latin typeface="Arial"/>
+                  <a:cs typeface="DejaVu Sans"/>
+                </a:endParaRPr>
+              </a:p>
+            </p:txBody>
+          </p:sp>
+          <p:sp>
+            <p:nvSpPr>
+              <p:cNvPr id="5" name="Rectangle 4">
+                <a:extLst>
+                  <a:ext uri="{FF2B5EF4-FFF2-40B4-BE49-F238E27FC236}">
+                    <a16:creationId xmlns:a16="http://schemas.microsoft.com/office/drawing/2014/main" id="{F19CFE17-F59A-42CB-AC78-6FA5380BF122}"/>
+                  </a:ext>
+                </a:extLst>
+              </p:cNvPr>
+              <p:cNvSpPr/>
+              <p:nvPr/>
+            </p:nvSpPr>
+            <p:spPr>
+              <a:xfrm rot="3151040">
+                <a:off x="7741353" y="2920828"/>
+                <a:ext cx="2548116" cy="2509079"/>
+              </a:xfrm>
+              <a:custGeom>
+                <a:avLst/>
+                <a:gdLst>
+                  <a:gd name="connsiteX0" fmla="*/ 0 w 4067033"/>
+                  <a:gd name="connsiteY0" fmla="*/ 0 h 2006221"/>
+                  <a:gd name="connsiteX1" fmla="*/ 4067033 w 4067033"/>
+                  <a:gd name="connsiteY1" fmla="*/ 0 h 2006221"/>
+                  <a:gd name="connsiteX2" fmla="*/ 4067033 w 4067033"/>
+                  <a:gd name="connsiteY2" fmla="*/ 2006221 h 2006221"/>
+                  <a:gd name="connsiteX3" fmla="*/ 0 w 4067033"/>
+                  <a:gd name="connsiteY3" fmla="*/ 2006221 h 2006221"/>
+                  <a:gd name="connsiteX4" fmla="*/ 0 w 4067033"/>
+                  <a:gd name="connsiteY4" fmla="*/ 0 h 2006221"/>
+                  <a:gd name="connsiteX0" fmla="*/ 0 w 4067033"/>
+                  <a:gd name="connsiteY0" fmla="*/ 794750 h 2800971"/>
+                  <a:gd name="connsiteX1" fmla="*/ 3008217 w 4067033"/>
+                  <a:gd name="connsiteY1" fmla="*/ 0 h 2800971"/>
+                  <a:gd name="connsiteX2" fmla="*/ 4067033 w 4067033"/>
+                  <a:gd name="connsiteY2" fmla="*/ 2800971 h 2800971"/>
+                  <a:gd name="connsiteX3" fmla="*/ 0 w 4067033"/>
+                  <a:gd name="connsiteY3" fmla="*/ 2800971 h 2800971"/>
+                  <a:gd name="connsiteX4" fmla="*/ 0 w 4067033"/>
+                  <a:gd name="connsiteY4" fmla="*/ 794750 h 2800971"/>
+                  <a:gd name="connsiteX0" fmla="*/ 0 w 3270108"/>
+                  <a:gd name="connsiteY0" fmla="*/ 794750 h 2800971"/>
+                  <a:gd name="connsiteX1" fmla="*/ 3008217 w 3270108"/>
+                  <a:gd name="connsiteY1" fmla="*/ 0 h 2800971"/>
+                  <a:gd name="connsiteX2" fmla="*/ 3270108 w 3270108"/>
+                  <a:gd name="connsiteY2" fmla="*/ 745167 h 2800971"/>
+                  <a:gd name="connsiteX3" fmla="*/ 0 w 3270108"/>
+                  <a:gd name="connsiteY3" fmla="*/ 2800971 h 2800971"/>
+                  <a:gd name="connsiteX4" fmla="*/ 0 w 3270108"/>
+                  <a:gd name="connsiteY4" fmla="*/ 794750 h 2800971"/>
+                  <a:gd name="connsiteX0" fmla="*/ 0 w 3270108"/>
+                  <a:gd name="connsiteY0" fmla="*/ 1094399 h 3100620"/>
+                  <a:gd name="connsiteX1" fmla="*/ 3066016 w 3270108"/>
+                  <a:gd name="connsiteY1" fmla="*/ 0 h 3100620"/>
+                  <a:gd name="connsiteX2" fmla="*/ 3270108 w 3270108"/>
+                  <a:gd name="connsiteY2" fmla="*/ 1044816 h 3100620"/>
+                  <a:gd name="connsiteX3" fmla="*/ 0 w 3270108"/>
+                  <a:gd name="connsiteY3" fmla="*/ 3100620 h 3100620"/>
+                  <a:gd name="connsiteX4" fmla="*/ 0 w 3270108"/>
+                  <a:gd name="connsiteY4" fmla="*/ 1094399 h 3100620"/>
+                  <a:gd name="connsiteX0" fmla="*/ 0 w 3417466"/>
+                  <a:gd name="connsiteY0" fmla="*/ 1094399 h 3100620"/>
+                  <a:gd name="connsiteX1" fmla="*/ 3066016 w 3417466"/>
+                  <a:gd name="connsiteY1" fmla="*/ 0 h 3100620"/>
+                  <a:gd name="connsiteX2" fmla="*/ 3417466 w 3417466"/>
+                  <a:gd name="connsiteY2" fmla="*/ 538666 h 3100620"/>
+                  <a:gd name="connsiteX3" fmla="*/ 0 w 3417466"/>
+                  <a:gd name="connsiteY3" fmla="*/ 3100620 h 3100620"/>
+                  <a:gd name="connsiteX4" fmla="*/ 0 w 3417466"/>
+                  <a:gd name="connsiteY4" fmla="*/ 1094399 h 3100620"/>
+                  <a:gd name="connsiteX0" fmla="*/ 229562 w 3417466"/>
+                  <a:gd name="connsiteY0" fmla="*/ 1580014 h 3100620"/>
+                  <a:gd name="connsiteX1" fmla="*/ 3066016 w 3417466"/>
+                  <a:gd name="connsiteY1" fmla="*/ 0 h 3100620"/>
+                  <a:gd name="connsiteX2" fmla="*/ 3417466 w 3417466"/>
+                  <a:gd name="connsiteY2" fmla="*/ 538666 h 3100620"/>
+                  <a:gd name="connsiteX3" fmla="*/ 0 w 3417466"/>
+                  <a:gd name="connsiteY3" fmla="*/ 3100620 h 3100620"/>
+                  <a:gd name="connsiteX4" fmla="*/ 229562 w 3417466"/>
+                  <a:gd name="connsiteY4" fmla="*/ 1580014 h 3100620"/>
+                  <a:gd name="connsiteX0" fmla="*/ 266766 w 3417466"/>
+                  <a:gd name="connsiteY0" fmla="*/ 1419360 h 3100620"/>
+                  <a:gd name="connsiteX1" fmla="*/ 3066016 w 3417466"/>
+                  <a:gd name="connsiteY1" fmla="*/ 0 h 3100620"/>
+                  <a:gd name="connsiteX2" fmla="*/ 3417466 w 3417466"/>
+                  <a:gd name="connsiteY2" fmla="*/ 538666 h 3100620"/>
+                  <a:gd name="connsiteX3" fmla="*/ 0 w 3417466"/>
+                  <a:gd name="connsiteY3" fmla="*/ 3100620 h 3100620"/>
+                  <a:gd name="connsiteX4" fmla="*/ 266766 w 3417466"/>
+                  <a:gd name="connsiteY4" fmla="*/ 1419360 h 3100620"/>
+                  <a:gd name="connsiteX0" fmla="*/ 266766 w 3417466"/>
+                  <a:gd name="connsiteY0" fmla="*/ 1616825 h 3298085"/>
+                  <a:gd name="connsiteX1" fmla="*/ 3234640 w 3417466"/>
+                  <a:gd name="connsiteY1" fmla="*/ 0 h 3298085"/>
+                  <a:gd name="connsiteX2" fmla="*/ 3417466 w 3417466"/>
+                  <a:gd name="connsiteY2" fmla="*/ 736131 h 3298085"/>
+                  <a:gd name="connsiteX3" fmla="*/ 0 w 3417466"/>
+                  <a:gd name="connsiteY3" fmla="*/ 3298085 h 3298085"/>
+                  <a:gd name="connsiteX4" fmla="*/ 266766 w 3417466"/>
+                  <a:gd name="connsiteY4" fmla="*/ 1616825 h 3298085"/>
+                  <a:gd name="connsiteX0" fmla="*/ 266766 w 3417466"/>
+                  <a:gd name="connsiteY0" fmla="*/ 1780735 h 3461995"/>
+                  <a:gd name="connsiteX1" fmla="*/ 3222744 w 3417466"/>
+                  <a:gd name="connsiteY1" fmla="*/ 0 h 3461995"/>
+                  <a:gd name="connsiteX2" fmla="*/ 3417466 w 3417466"/>
+                  <a:gd name="connsiteY2" fmla="*/ 900041 h 3461995"/>
+                  <a:gd name="connsiteX3" fmla="*/ 0 w 3417466"/>
+                  <a:gd name="connsiteY3" fmla="*/ 3461995 h 3461995"/>
+                  <a:gd name="connsiteX4" fmla="*/ 266766 w 3417466"/>
+                  <a:gd name="connsiteY4" fmla="*/ 1780735 h 3461995"/>
+                  <a:gd name="connsiteX0" fmla="*/ 266766 w 3445299"/>
+                  <a:gd name="connsiteY0" fmla="*/ 1780735 h 3461995"/>
+                  <a:gd name="connsiteX1" fmla="*/ 3222744 w 3445299"/>
+                  <a:gd name="connsiteY1" fmla="*/ 0 h 3461995"/>
+                  <a:gd name="connsiteX2" fmla="*/ 3445299 w 3445299"/>
+                  <a:gd name="connsiteY2" fmla="*/ 594611 h 3461995"/>
+                  <a:gd name="connsiteX3" fmla="*/ 0 w 3445299"/>
+                  <a:gd name="connsiteY3" fmla="*/ 3461995 h 3461995"/>
+                  <a:gd name="connsiteX4" fmla="*/ 266766 w 3445299"/>
+                  <a:gd name="connsiteY4" fmla="*/ 1780735 h 3461995"/>
+                  <a:gd name="connsiteX0" fmla="*/ 345831 w 3445299"/>
+                  <a:gd name="connsiteY0" fmla="*/ 1789770 h 3461995"/>
+                  <a:gd name="connsiteX1" fmla="*/ 3222744 w 3445299"/>
+                  <a:gd name="connsiteY1" fmla="*/ 0 h 3461995"/>
+                  <a:gd name="connsiteX2" fmla="*/ 3445299 w 3445299"/>
+                  <a:gd name="connsiteY2" fmla="*/ 594611 h 3461995"/>
+                  <a:gd name="connsiteX3" fmla="*/ 0 w 3445299"/>
+                  <a:gd name="connsiteY3" fmla="*/ 3461995 h 3461995"/>
+                  <a:gd name="connsiteX4" fmla="*/ 345831 w 3445299"/>
+                  <a:gd name="connsiteY4" fmla="*/ 1789770 h 3461995"/>
+                  <a:gd name="connsiteX0" fmla="*/ 345831 w 3445299"/>
+                  <a:gd name="connsiteY0" fmla="*/ 1760140 h 3432365"/>
+                  <a:gd name="connsiteX1" fmla="*/ 3440804 w 3445299"/>
+                  <a:gd name="connsiteY1" fmla="*/ 0 h 3432365"/>
+                  <a:gd name="connsiteX2" fmla="*/ 3445299 w 3445299"/>
+                  <a:gd name="connsiteY2" fmla="*/ 564981 h 3432365"/>
+                  <a:gd name="connsiteX3" fmla="*/ 0 w 3445299"/>
+                  <a:gd name="connsiteY3" fmla="*/ 3432365 h 3432365"/>
+                  <a:gd name="connsiteX4" fmla="*/ 345831 w 3445299"/>
+                  <a:gd name="connsiteY4" fmla="*/ 1760140 h 3432365"/>
+                  <a:gd name="connsiteX0" fmla="*/ 345831 w 3440824"/>
+                  <a:gd name="connsiteY0" fmla="*/ 1760140 h 3432365"/>
+                  <a:gd name="connsiteX1" fmla="*/ 3440804 w 3440824"/>
+                  <a:gd name="connsiteY1" fmla="*/ 0 h 3432365"/>
+                  <a:gd name="connsiteX2" fmla="*/ 3361914 w 3440824"/>
+                  <a:gd name="connsiteY2" fmla="*/ 449442 h 3432365"/>
+                  <a:gd name="connsiteX3" fmla="*/ 0 w 3440824"/>
+                  <a:gd name="connsiteY3" fmla="*/ 3432365 h 3432365"/>
+                  <a:gd name="connsiteX4" fmla="*/ 345831 w 3440824"/>
+                  <a:gd name="connsiteY4" fmla="*/ 1760140 h 3432365"/>
+                  <a:gd name="connsiteX0" fmla="*/ 345831 w 3361914"/>
+                  <a:gd name="connsiteY0" fmla="*/ 2001319 h 3673544"/>
+                  <a:gd name="connsiteX1" fmla="*/ 3350573 w 3361914"/>
+                  <a:gd name="connsiteY1" fmla="*/ 0 h 3673544"/>
+                  <a:gd name="connsiteX2" fmla="*/ 3361914 w 3361914"/>
+                  <a:gd name="connsiteY2" fmla="*/ 690621 h 3673544"/>
+                  <a:gd name="connsiteX3" fmla="*/ 0 w 3361914"/>
+                  <a:gd name="connsiteY3" fmla="*/ 3673544 h 3673544"/>
+                  <a:gd name="connsiteX4" fmla="*/ 345831 w 3361914"/>
+                  <a:gd name="connsiteY4" fmla="*/ 2001319 h 3673544"/>
+                  <a:gd name="connsiteX0" fmla="*/ 345831 w 3391543"/>
+                  <a:gd name="connsiteY0" fmla="*/ 2001319 h 3673544"/>
+                  <a:gd name="connsiteX1" fmla="*/ 3350573 w 3391543"/>
+                  <a:gd name="connsiteY1" fmla="*/ 0 h 3673544"/>
+                  <a:gd name="connsiteX2" fmla="*/ 3391543 w 3391543"/>
+                  <a:gd name="connsiteY2" fmla="*/ 472562 h 3673544"/>
+                  <a:gd name="connsiteX3" fmla="*/ 0 w 3391543"/>
+                  <a:gd name="connsiteY3" fmla="*/ 3673544 h 3673544"/>
+                  <a:gd name="connsiteX4" fmla="*/ 345831 w 3391543"/>
+                  <a:gd name="connsiteY4" fmla="*/ 2001319 h 3673544"/>
+                  <a:gd name="connsiteX0" fmla="*/ 344180 w 3391543"/>
+                  <a:gd name="connsiteY0" fmla="*/ 1912963 h 3673544"/>
+                  <a:gd name="connsiteX1" fmla="*/ 3350573 w 3391543"/>
+                  <a:gd name="connsiteY1" fmla="*/ 0 h 3673544"/>
+                  <a:gd name="connsiteX2" fmla="*/ 3391543 w 3391543"/>
+                  <a:gd name="connsiteY2" fmla="*/ 472562 h 3673544"/>
+                  <a:gd name="connsiteX3" fmla="*/ 0 w 3391543"/>
+                  <a:gd name="connsiteY3" fmla="*/ 3673544 h 3673544"/>
+                  <a:gd name="connsiteX4" fmla="*/ 344180 w 3391543"/>
+                  <a:gd name="connsiteY4" fmla="*/ 1912963 h 3673544"/>
+                </a:gdLst>
+                <a:ahLst/>
+                <a:cxnLst>
+                  <a:cxn ang="0">
+                    <a:pos x="connsiteX0" y="connsiteY0"/>
+                  </a:cxn>
+                  <a:cxn ang="0">
+                    <a:pos x="connsiteX1" y="connsiteY1"/>
+                  </a:cxn>
+                  <a:cxn ang="0">
+                    <a:pos x="connsiteX2" y="connsiteY2"/>
+                  </a:cxn>
+                  <a:cxn ang="0">
+                    <a:pos x="connsiteX3" y="connsiteY3"/>
+                  </a:cxn>
+                  <a:cxn ang="0">
+                    <a:pos x="connsiteX4" y="connsiteY4"/>
+                  </a:cxn>
+                </a:cxnLst>
+                <a:rect l="l" t="t" r="r" b="b"/>
+                <a:pathLst>
+                  <a:path w="3391543" h="3673544">
+                    <a:moveTo>
+                      <a:pt x="344180" y="1912963"/>
+                    </a:moveTo>
+                    <a:cubicBezTo>
+                      <a:pt x="1345761" y="1245857"/>
+                      <a:pt x="2348992" y="667106"/>
+                      <a:pt x="3350573" y="0"/>
+                    </a:cubicBezTo>
+                    <a:cubicBezTo>
+                      <a:pt x="3352071" y="188327"/>
+                      <a:pt x="3390045" y="284235"/>
+                      <a:pt x="3391543" y="472562"/>
+                    </a:cubicBezTo>
+                    <a:lnTo>
+                      <a:pt x="0" y="3673544"/>
+                    </a:lnTo>
+                    <a:lnTo>
+                      <a:pt x="344180" y="1912963"/>
+                    </a:lnTo>
+                    <a:close/>
+                  </a:path>
+                </a:pathLst>
+              </a:custGeom>
+              <a:solidFill>
+                <a:schemeClr val="accent5">
+                  <a:lumMod val="60000"/>
+                  <a:lumOff val="40000"/>
+                </a:schemeClr>
+              </a:solidFill>
+              <a:ln w="25400" cap="flat" cmpd="sng" algn="ctr">
+                <a:solidFill>
+                  <a:sysClr val="windowText" lastClr="000000"/>
+                </a:solidFill>
+                <a:prstDash val="solid"/>
+              </a:ln>
+              <a:effectLst/>
+            </p:spPr>
+            <p:txBody>
+              <a:bodyPr rtlCol="0" anchor="ctr"/>
+              <a:lstStyle/>
+              <a:p>
+                <a:pPr marL="0" marR="0" lvl="0" indent="0" algn="ctr" defTabSz="914400" eaLnBrk="1" fontAlgn="auto" latinLnBrk="0" hangingPunct="1">
+                  <a:lnSpc>
+                    <a:spcPct val="100000"/>
+                  </a:lnSpc>
+                  <a:spcBef>
+                    <a:spcPts val="0"/>
+                  </a:spcBef>
+                  <a:spcAft>
+                    <a:spcPts val="0"/>
+                  </a:spcAft>
+                  <a:buClrTx/>
+                  <a:buSzTx/>
+                  <a:buFontTx/>
+                  <a:buNone/>
+                  <a:tabLst/>
+                  <a:defRPr/>
+                </a:pPr>
+                <a:endParaRPr kumimoji="0" lang="ja-JP" altLang="en-US" sz="1800" b="0" i="0" u="none" strike="noStrike" kern="0" cap="none" spc="0" normalizeH="0" baseline="0" noProof="0">
+                  <a:ln>
+                    <a:noFill/>
+                  </a:ln>
+                  <a:solidFill>
+                    <a:prstClr val="black"/>
+                  </a:solidFill>
+                  <a:effectLst/>
+                  <a:uLnTx/>
+                  <a:uFillTx/>
+                  <a:latin typeface="Arial"/>
+                  <a:cs typeface="DejaVu Sans"/>
+                </a:endParaRPr>
+              </a:p>
+            </p:txBody>
+          </p:sp>
+          <p:cxnSp>
+            <p:nvCxnSpPr>
+              <p:cNvPr id="6" name="Straight Arrow Connector 20">
+                <a:extLst>
+                  <a:ext uri="{FF2B5EF4-FFF2-40B4-BE49-F238E27FC236}">
+                    <a16:creationId xmlns:a16="http://schemas.microsoft.com/office/drawing/2014/main" id="{0AC69B5E-6931-4D0B-A4B1-3AB9FD9A08F8}"/>
+                  </a:ext>
+                </a:extLst>
+              </p:cNvPr>
+              <p:cNvCxnSpPr>
+                <a:cxnSpLocks/>
+              </p:cNvCxnSpPr>
+              <p:nvPr/>
+            </p:nvCxnSpPr>
+            <p:spPr>
+              <a:xfrm flipV="1">
+                <a:off x="6391814" y="3808337"/>
+                <a:ext cx="682905" cy="631568"/>
+              </a:xfrm>
+              <a:prstGeom prst="straightConnector1">
+                <a:avLst/>
+              </a:prstGeom>
+              <a:noFill/>
+              <a:ln w="25400" cap="flat" cmpd="sng" algn="ctr">
+                <a:solidFill>
+                  <a:sysClr val="windowText" lastClr="000000"/>
+                </a:solidFill>
+                <a:prstDash val="solid"/>
+                <a:headEnd w="med" len="med"/>
+                <a:tailEnd type="triangle" w="lg" len="lg"/>
+              </a:ln>
+              <a:effectLst>
+                <a:outerShdw blurRad="40000" dist="20000" dir="5400000" rotWithShape="0">
+                  <a:srgbClr val="000000">
+                    <a:alpha val="38000"/>
+                  </a:srgbClr>
+                </a:outerShdw>
+              </a:effectLst>
+            </p:spPr>
+          </p:cxnSp>
+          <p:sp>
+            <p:nvSpPr>
+              <p:cNvPr id="7" name="Rectangle 3">
+                <a:extLst>
+                  <a:ext uri="{FF2B5EF4-FFF2-40B4-BE49-F238E27FC236}">
+                    <a16:creationId xmlns:a16="http://schemas.microsoft.com/office/drawing/2014/main" id="{E639B8A6-96C4-4BE4-B17C-549E7D97EFF9}"/>
+                  </a:ext>
+                </a:extLst>
+              </p:cNvPr>
+              <p:cNvSpPr/>
+              <p:nvPr/>
+            </p:nvSpPr>
+            <p:spPr>
+              <a:xfrm>
+                <a:off x="6904843" y="3013271"/>
+                <a:ext cx="1462634" cy="895781"/>
+              </a:xfrm>
+              <a:custGeom>
+                <a:avLst/>
+                <a:gdLst>
+                  <a:gd name="connsiteX0" fmla="*/ 0 w 946298"/>
+                  <a:gd name="connsiteY0" fmla="*/ 0 h 2998381"/>
+                  <a:gd name="connsiteX1" fmla="*/ 946298 w 946298"/>
+                  <a:gd name="connsiteY1" fmla="*/ 0 h 2998381"/>
+                  <a:gd name="connsiteX2" fmla="*/ 946298 w 946298"/>
+                  <a:gd name="connsiteY2" fmla="*/ 2998381 h 2998381"/>
+                  <a:gd name="connsiteX3" fmla="*/ 0 w 946298"/>
+                  <a:gd name="connsiteY3" fmla="*/ 2998381 h 2998381"/>
+                  <a:gd name="connsiteX4" fmla="*/ 0 w 946298"/>
+                  <a:gd name="connsiteY4" fmla="*/ 0 h 2998381"/>
+                  <a:gd name="connsiteX0" fmla="*/ 0 w 1190847"/>
+                  <a:gd name="connsiteY0" fmla="*/ 0 h 2998381"/>
+                  <a:gd name="connsiteX1" fmla="*/ 946298 w 1190847"/>
+                  <a:gd name="connsiteY1" fmla="*/ 0 h 2998381"/>
+                  <a:gd name="connsiteX2" fmla="*/ 1190847 w 1190847"/>
+                  <a:gd name="connsiteY2" fmla="*/ 2604977 h 2998381"/>
+                  <a:gd name="connsiteX3" fmla="*/ 0 w 1190847"/>
+                  <a:gd name="connsiteY3" fmla="*/ 2998381 h 2998381"/>
+                  <a:gd name="connsiteX4" fmla="*/ 0 w 1190847"/>
+                  <a:gd name="connsiteY4" fmla="*/ 0 h 2998381"/>
+                  <a:gd name="connsiteX0" fmla="*/ 191386 w 1382233"/>
+                  <a:gd name="connsiteY0" fmla="*/ 0 h 3125972"/>
+                  <a:gd name="connsiteX1" fmla="*/ 1137684 w 1382233"/>
+                  <a:gd name="connsiteY1" fmla="*/ 0 h 3125972"/>
+                  <a:gd name="connsiteX2" fmla="*/ 1382233 w 1382233"/>
+                  <a:gd name="connsiteY2" fmla="*/ 2604977 h 3125972"/>
+                  <a:gd name="connsiteX3" fmla="*/ 0 w 1382233"/>
+                  <a:gd name="connsiteY3" fmla="*/ 3125972 h 3125972"/>
+                  <a:gd name="connsiteX4" fmla="*/ 191386 w 1382233"/>
+                  <a:gd name="connsiteY4" fmla="*/ 0 h 3125972"/>
+                  <a:gd name="connsiteX0" fmla="*/ 191386 w 1382233"/>
+                  <a:gd name="connsiteY0" fmla="*/ 0 h 3264195"/>
+                  <a:gd name="connsiteX1" fmla="*/ 1137684 w 1382233"/>
+                  <a:gd name="connsiteY1" fmla="*/ 0 h 3264195"/>
+                  <a:gd name="connsiteX2" fmla="*/ 1382233 w 1382233"/>
+                  <a:gd name="connsiteY2" fmla="*/ 2604977 h 3264195"/>
+                  <a:gd name="connsiteX3" fmla="*/ 0 w 1382233"/>
+                  <a:gd name="connsiteY3" fmla="*/ 3264195 h 3264195"/>
+                  <a:gd name="connsiteX4" fmla="*/ 191386 w 1382233"/>
+                  <a:gd name="connsiteY4" fmla="*/ 0 h 3264195"/>
+                  <a:gd name="connsiteX0" fmla="*/ 0 w 1499191"/>
+                  <a:gd name="connsiteY0" fmla="*/ 0 h 3306725"/>
+                  <a:gd name="connsiteX1" fmla="*/ 1254642 w 1499191"/>
+                  <a:gd name="connsiteY1" fmla="*/ 42530 h 3306725"/>
+                  <a:gd name="connsiteX2" fmla="*/ 1499191 w 1499191"/>
+                  <a:gd name="connsiteY2" fmla="*/ 2647507 h 3306725"/>
+                  <a:gd name="connsiteX3" fmla="*/ 116958 w 1499191"/>
+                  <a:gd name="connsiteY3" fmla="*/ 3306725 h 3306725"/>
+                  <a:gd name="connsiteX4" fmla="*/ 0 w 1499191"/>
+                  <a:gd name="connsiteY4" fmla="*/ 0 h 3306725"/>
+                  <a:gd name="connsiteX0" fmla="*/ 0 w 1963215"/>
+                  <a:gd name="connsiteY0" fmla="*/ 0 h 3306725"/>
+                  <a:gd name="connsiteX1" fmla="*/ 1254642 w 1963215"/>
+                  <a:gd name="connsiteY1" fmla="*/ 42530 h 3306725"/>
+                  <a:gd name="connsiteX2" fmla="*/ 1963215 w 1963215"/>
+                  <a:gd name="connsiteY2" fmla="*/ 2442791 h 3306725"/>
+                  <a:gd name="connsiteX3" fmla="*/ 116958 w 1963215"/>
+                  <a:gd name="connsiteY3" fmla="*/ 3306725 h 3306725"/>
+                  <a:gd name="connsiteX4" fmla="*/ 0 w 1963215"/>
+                  <a:gd name="connsiteY4" fmla="*/ 0 h 3306725"/>
+                  <a:gd name="connsiteX0" fmla="*/ 0 w 1963215"/>
+                  <a:gd name="connsiteY0" fmla="*/ 162187 h 3468912"/>
+                  <a:gd name="connsiteX1" fmla="*/ 708731 w 1963215"/>
+                  <a:gd name="connsiteY1" fmla="*/ 0 h 3468912"/>
+                  <a:gd name="connsiteX2" fmla="*/ 1963215 w 1963215"/>
+                  <a:gd name="connsiteY2" fmla="*/ 2604978 h 3468912"/>
+                  <a:gd name="connsiteX3" fmla="*/ 116958 w 1963215"/>
+                  <a:gd name="connsiteY3" fmla="*/ 3468912 h 3468912"/>
+                  <a:gd name="connsiteX4" fmla="*/ 0 w 1963215"/>
+                  <a:gd name="connsiteY4" fmla="*/ 162187 h 3468912"/>
+                  <a:gd name="connsiteX0" fmla="*/ 0 w 1963215"/>
+                  <a:gd name="connsiteY0" fmla="*/ 339607 h 3646332"/>
+                  <a:gd name="connsiteX1" fmla="*/ 531310 w 1963215"/>
+                  <a:gd name="connsiteY1" fmla="*/ 0 h 3646332"/>
+                  <a:gd name="connsiteX2" fmla="*/ 1963215 w 1963215"/>
+                  <a:gd name="connsiteY2" fmla="*/ 2782398 h 3646332"/>
+                  <a:gd name="connsiteX3" fmla="*/ 116958 w 1963215"/>
+                  <a:gd name="connsiteY3" fmla="*/ 3646332 h 3646332"/>
+                  <a:gd name="connsiteX4" fmla="*/ 0 w 1963215"/>
+                  <a:gd name="connsiteY4" fmla="*/ 339607 h 3646332"/>
+                  <a:gd name="connsiteX0" fmla="*/ 0 w 1963215"/>
+                  <a:gd name="connsiteY0" fmla="*/ 244072 h 3646332"/>
+                  <a:gd name="connsiteX1" fmla="*/ 531310 w 1963215"/>
+                  <a:gd name="connsiteY1" fmla="*/ 0 h 3646332"/>
+                  <a:gd name="connsiteX2" fmla="*/ 1963215 w 1963215"/>
+                  <a:gd name="connsiteY2" fmla="*/ 2782398 h 3646332"/>
+                  <a:gd name="connsiteX3" fmla="*/ 116958 w 1963215"/>
+                  <a:gd name="connsiteY3" fmla="*/ 3646332 h 3646332"/>
+                  <a:gd name="connsiteX4" fmla="*/ 0 w 1963215"/>
+                  <a:gd name="connsiteY4" fmla="*/ 244072 h 3646332"/>
+                  <a:gd name="connsiteX0" fmla="*/ 0 w 1758498"/>
+                  <a:gd name="connsiteY0" fmla="*/ 244072 h 3646332"/>
+                  <a:gd name="connsiteX1" fmla="*/ 531310 w 1758498"/>
+                  <a:gd name="connsiteY1" fmla="*/ 0 h 3646332"/>
+                  <a:gd name="connsiteX2" fmla="*/ 1758498 w 1758498"/>
+                  <a:gd name="connsiteY2" fmla="*/ 3014410 h 3646332"/>
+                  <a:gd name="connsiteX3" fmla="*/ 116958 w 1758498"/>
+                  <a:gd name="connsiteY3" fmla="*/ 3646332 h 3646332"/>
+                  <a:gd name="connsiteX4" fmla="*/ 0 w 1758498"/>
+                  <a:gd name="connsiteY4" fmla="*/ 244072 h 3646332"/>
+                  <a:gd name="connsiteX0" fmla="*/ 74111 w 1832609"/>
+                  <a:gd name="connsiteY0" fmla="*/ 244072 h 3769162"/>
+                  <a:gd name="connsiteX1" fmla="*/ 605421 w 1832609"/>
+                  <a:gd name="connsiteY1" fmla="*/ 0 h 3769162"/>
+                  <a:gd name="connsiteX2" fmla="*/ 1832609 w 1832609"/>
+                  <a:gd name="connsiteY2" fmla="*/ 3014410 h 3769162"/>
+                  <a:gd name="connsiteX3" fmla="*/ 0 w 1832609"/>
+                  <a:gd name="connsiteY3" fmla="*/ 3769162 h 3769162"/>
+                  <a:gd name="connsiteX4" fmla="*/ 74111 w 1832609"/>
+                  <a:gd name="connsiteY4" fmla="*/ 244072 h 3769162"/>
+                  <a:gd name="connsiteX0" fmla="*/ 74111 w 1505062"/>
+                  <a:gd name="connsiteY0" fmla="*/ 244072 h 3769162"/>
+                  <a:gd name="connsiteX1" fmla="*/ 605421 w 1505062"/>
+                  <a:gd name="connsiteY1" fmla="*/ 0 h 3769162"/>
+                  <a:gd name="connsiteX2" fmla="*/ 1505062 w 1505062"/>
+                  <a:gd name="connsiteY2" fmla="*/ 2946171 h 3769162"/>
+                  <a:gd name="connsiteX3" fmla="*/ 0 w 1505062"/>
+                  <a:gd name="connsiteY3" fmla="*/ 3769162 h 3769162"/>
+                  <a:gd name="connsiteX4" fmla="*/ 74111 w 1505062"/>
+                  <a:gd name="connsiteY4" fmla="*/ 244072 h 3769162"/>
+                  <a:gd name="connsiteX0" fmla="*/ 74111 w 1505062"/>
+                  <a:gd name="connsiteY0" fmla="*/ 148538 h 3673628"/>
+                  <a:gd name="connsiteX1" fmla="*/ 605421 w 1505062"/>
+                  <a:gd name="connsiteY1" fmla="*/ 0 h 3673628"/>
+                  <a:gd name="connsiteX2" fmla="*/ 1505062 w 1505062"/>
+                  <a:gd name="connsiteY2" fmla="*/ 2850637 h 3673628"/>
+                  <a:gd name="connsiteX3" fmla="*/ 0 w 1505062"/>
+                  <a:gd name="connsiteY3" fmla="*/ 3673628 h 3673628"/>
+                  <a:gd name="connsiteX4" fmla="*/ 74111 w 1505062"/>
+                  <a:gd name="connsiteY4" fmla="*/ 148538 h 3673628"/>
+                  <a:gd name="connsiteX0" fmla="*/ 74111 w 1505062"/>
+                  <a:gd name="connsiteY0" fmla="*/ 107594 h 3632684"/>
+                  <a:gd name="connsiteX1" fmla="*/ 605421 w 1505062"/>
+                  <a:gd name="connsiteY1" fmla="*/ 0 h 3632684"/>
+                  <a:gd name="connsiteX2" fmla="*/ 1505062 w 1505062"/>
+                  <a:gd name="connsiteY2" fmla="*/ 2809693 h 3632684"/>
+                  <a:gd name="connsiteX3" fmla="*/ 0 w 1505062"/>
+                  <a:gd name="connsiteY3" fmla="*/ 3632684 h 3632684"/>
+                  <a:gd name="connsiteX4" fmla="*/ 74111 w 1505062"/>
+                  <a:gd name="connsiteY4" fmla="*/ 107594 h 3632684"/>
+                  <a:gd name="connsiteX0" fmla="*/ 74111 w 1528508"/>
+                  <a:gd name="connsiteY0" fmla="*/ 107594 h 3632684"/>
+                  <a:gd name="connsiteX1" fmla="*/ 605421 w 1528508"/>
+                  <a:gd name="connsiteY1" fmla="*/ 0 h 3632684"/>
+                  <a:gd name="connsiteX2" fmla="*/ 1528508 w 1528508"/>
+                  <a:gd name="connsiteY2" fmla="*/ 2887847 h 3632684"/>
+                  <a:gd name="connsiteX3" fmla="*/ 0 w 1528508"/>
+                  <a:gd name="connsiteY3" fmla="*/ 3632684 h 3632684"/>
+                  <a:gd name="connsiteX4" fmla="*/ 74111 w 1528508"/>
+                  <a:gd name="connsiteY4" fmla="*/ 107594 h 3632684"/>
+                  <a:gd name="connsiteX0" fmla="*/ 74111 w 1528508"/>
+                  <a:gd name="connsiteY0" fmla="*/ 0 h 3525090"/>
+                  <a:gd name="connsiteX1" fmla="*/ 746098 w 1528508"/>
+                  <a:gd name="connsiteY1" fmla="*/ 2119791 h 3525090"/>
+                  <a:gd name="connsiteX2" fmla="*/ 1528508 w 1528508"/>
+                  <a:gd name="connsiteY2" fmla="*/ 2780253 h 3525090"/>
+                  <a:gd name="connsiteX3" fmla="*/ 0 w 1528508"/>
+                  <a:gd name="connsiteY3" fmla="*/ 3525090 h 3525090"/>
+                  <a:gd name="connsiteX4" fmla="*/ 74111 w 1528508"/>
+                  <a:gd name="connsiteY4" fmla="*/ 0 h 3525090"/>
+                  <a:gd name="connsiteX0" fmla="*/ 0 w 1946766"/>
+                  <a:gd name="connsiteY0" fmla="*/ 912578 h 1405299"/>
+                  <a:gd name="connsiteX1" fmla="*/ 1164356 w 1946766"/>
+                  <a:gd name="connsiteY1" fmla="*/ 0 h 1405299"/>
+                  <a:gd name="connsiteX2" fmla="*/ 1946766 w 1946766"/>
+                  <a:gd name="connsiteY2" fmla="*/ 660462 h 1405299"/>
+                  <a:gd name="connsiteX3" fmla="*/ 418258 w 1946766"/>
+                  <a:gd name="connsiteY3" fmla="*/ 1405299 h 1405299"/>
+                  <a:gd name="connsiteX4" fmla="*/ 0 w 1946766"/>
+                  <a:gd name="connsiteY4" fmla="*/ 912578 h 1405299"/>
+                  <a:gd name="connsiteX0" fmla="*/ 0 w 1946766"/>
+                  <a:gd name="connsiteY0" fmla="*/ 818793 h 1311514"/>
+                  <a:gd name="connsiteX1" fmla="*/ 1492602 w 1946766"/>
+                  <a:gd name="connsiteY1" fmla="*/ 0 h 1311514"/>
+                  <a:gd name="connsiteX2" fmla="*/ 1946766 w 1946766"/>
+                  <a:gd name="connsiteY2" fmla="*/ 566677 h 1311514"/>
+                  <a:gd name="connsiteX3" fmla="*/ 418258 w 1946766"/>
+                  <a:gd name="connsiteY3" fmla="*/ 1311514 h 1311514"/>
+                  <a:gd name="connsiteX4" fmla="*/ 0 w 1946766"/>
+                  <a:gd name="connsiteY4" fmla="*/ 818793 h 1311514"/>
+                </a:gdLst>
+                <a:ahLst/>
+                <a:cxnLst>
+                  <a:cxn ang="0">
+                    <a:pos x="connsiteX0" y="connsiteY0"/>
+                  </a:cxn>
+                  <a:cxn ang="0">
+                    <a:pos x="connsiteX1" y="connsiteY1"/>
+                  </a:cxn>
+                  <a:cxn ang="0">
+                    <a:pos x="connsiteX2" y="connsiteY2"/>
+                  </a:cxn>
+                  <a:cxn ang="0">
+                    <a:pos x="connsiteX3" y="connsiteY3"/>
+                  </a:cxn>
+                  <a:cxn ang="0">
+                    <a:pos x="connsiteX4" y="connsiteY4"/>
+                  </a:cxn>
+                </a:cxnLst>
+                <a:rect l="l" t="t" r="r" b="b"/>
+                <a:pathLst>
+                  <a:path w="1946766" h="1311514">
+                    <a:moveTo>
+                      <a:pt x="0" y="818793"/>
+                    </a:moveTo>
+                    <a:lnTo>
+                      <a:pt x="1492602" y="0"/>
+                    </a:lnTo>
+                    <a:lnTo>
+                      <a:pt x="1946766" y="566677"/>
+                    </a:lnTo>
+                    <a:lnTo>
+                      <a:pt x="418258" y="1311514"/>
+                    </a:lnTo>
+                    <a:lnTo>
+                      <a:pt x="0" y="818793"/>
+                    </a:lnTo>
+                    <a:close/>
+                  </a:path>
+                </a:pathLst>
+              </a:custGeom>
+              <a:solidFill>
+                <a:schemeClr val="accent5">
+                  <a:lumMod val="60000"/>
+                  <a:lumOff val="40000"/>
+                </a:schemeClr>
+              </a:solidFill>
+              <a:ln w="25400" cap="flat" cmpd="sng" algn="ctr">
+                <a:solidFill>
+                  <a:sysClr val="windowText" lastClr="000000"/>
+                </a:solidFill>
+                <a:prstDash val="solid"/>
+              </a:ln>
+              <a:effectLst/>
+            </p:spPr>
+            <p:txBody>
+              <a:bodyPr rtlCol="0" anchor="ctr"/>
+              <a:lstStyle/>
+              <a:p>
+                <a:pPr marL="0" marR="0" lvl="0" indent="0" algn="ctr" defTabSz="914400" eaLnBrk="1" fontAlgn="auto" latinLnBrk="0" hangingPunct="1">
+                  <a:lnSpc>
+                    <a:spcPct val="100000"/>
+                  </a:lnSpc>
+                  <a:spcBef>
+                    <a:spcPts val="0"/>
+                  </a:spcBef>
+                  <a:spcAft>
+                    <a:spcPts val="0"/>
+                  </a:spcAft>
+                  <a:buClrTx/>
+                  <a:buSzTx/>
+                  <a:buFontTx/>
+                  <a:buNone/>
+                  <a:tabLst/>
+                  <a:defRPr/>
+                </a:pPr>
+                <a:endParaRPr kumimoji="0" lang="ja-JP" altLang="en-US" sz="1800" b="0" i="0" u="none" strike="noStrike" kern="0" cap="none" spc="0" normalizeH="0" baseline="0" noProof="0">
+                  <a:ln>
+                    <a:noFill/>
+                  </a:ln>
+                  <a:solidFill>
+                    <a:prstClr val="black"/>
+                  </a:solidFill>
+                  <a:effectLst/>
+                  <a:uLnTx/>
+                  <a:uFillTx/>
+                  <a:latin typeface="Arial"/>
+                  <a:cs typeface="DejaVu Sans"/>
+                </a:endParaRPr>
+              </a:p>
+            </p:txBody>
+          </p:sp>
+          <p:cxnSp>
+            <p:nvCxnSpPr>
+              <p:cNvPr id="8" name="Straight Connector 10">
+                <a:extLst>
+                  <a:ext uri="{FF2B5EF4-FFF2-40B4-BE49-F238E27FC236}">
+                    <a16:creationId xmlns:a16="http://schemas.microsoft.com/office/drawing/2014/main" id="{5578CB74-BD9A-44E5-8905-FB6F8B0510BC}"/>
+                  </a:ext>
+                </a:extLst>
+              </p:cNvPr>
+              <p:cNvCxnSpPr>
+                <a:cxnSpLocks/>
+              </p:cNvCxnSpPr>
+              <p:nvPr/>
+            </p:nvCxnSpPr>
+            <p:spPr>
+              <a:xfrm flipV="1">
+                <a:off x="6295440" y="2881423"/>
+                <a:ext cx="2488052" cy="1243022"/>
+              </a:xfrm>
+              <a:prstGeom prst="line">
+                <a:avLst/>
+              </a:prstGeom>
+              <a:noFill/>
+              <a:ln w="25400" cap="flat" cmpd="sng" algn="ctr">
+                <a:solidFill>
+                  <a:sysClr val="windowText" lastClr="000000"/>
+                </a:solidFill>
+                <a:prstDash val="dash"/>
+              </a:ln>
+              <a:effectLst>
+                <a:outerShdw blurRad="40000" dist="20000" dir="5400000" rotWithShape="0">
+                  <a:srgbClr val="000000">
+                    <a:alpha val="38000"/>
+                  </a:srgbClr>
+                </a:outerShdw>
+              </a:effectLst>
+            </p:spPr>
+          </p:cxnSp>
+          <p:sp>
+            <p:nvSpPr>
+              <p:cNvPr id="9" name="テキスト ボックス 8">
+                <a:extLst>
+                  <a:ext uri="{FF2B5EF4-FFF2-40B4-BE49-F238E27FC236}">
+                    <a16:creationId xmlns:a16="http://schemas.microsoft.com/office/drawing/2014/main" id="{1D05DAB7-DCF4-4BE4-AB2B-80F049295176}"/>
+                  </a:ext>
+                </a:extLst>
+              </p:cNvPr>
+              <p:cNvSpPr txBox="1"/>
+              <p:nvPr/>
+            </p:nvSpPr>
+            <p:spPr>
+              <a:xfrm>
+                <a:off x="5795143" y="4124121"/>
+                <a:ext cx="823510" cy="369332"/>
+              </a:xfrm>
+              <a:prstGeom prst="rect">
+                <a:avLst/>
+              </a:prstGeom>
+              <a:noFill/>
+            </p:spPr>
+            <p:txBody>
+              <a:bodyPr wrap="square" rtlCol="0">
+                <a:spAutoFit/>
+              </a:bodyPr>
+              <a:lstStyle/>
+              <a:p>
+                <a:r>
+                  <a:rPr kumimoji="1" lang="en-US" altLang="ja-JP" dirty="0" err="1"/>
+                  <a:t>AoA</a:t>
+                </a:r>
+                <a:endParaRPr kumimoji="1" lang="ja-JP" altLang="en-US" dirty="0"/>
+              </a:p>
+            </p:txBody>
+          </p:sp>
+          <p:sp>
+            <p:nvSpPr>
+              <p:cNvPr id="10" name="フリーフォーム: 図形 9">
+                <a:extLst>
+                  <a:ext uri="{FF2B5EF4-FFF2-40B4-BE49-F238E27FC236}">
+                    <a16:creationId xmlns:a16="http://schemas.microsoft.com/office/drawing/2014/main" id="{1FBE9F6F-D8D1-4D04-96D4-960A98F62DAC}"/>
+                  </a:ext>
+                </a:extLst>
+              </p:cNvPr>
+              <p:cNvSpPr/>
+              <p:nvPr/>
+            </p:nvSpPr>
+            <p:spPr>
+              <a:xfrm rot="19888531">
+                <a:off x="6437951" y="4099446"/>
+                <a:ext cx="51810" cy="185272"/>
+              </a:xfrm>
+              <a:custGeom>
+                <a:avLst/>
+                <a:gdLst>
+                  <a:gd name="connsiteX0" fmla="*/ 59334 w 68959"/>
+                  <a:gd name="connsiteY0" fmla="*/ 0 h 298383"/>
+                  <a:gd name="connsiteX1" fmla="*/ 1582 w 68959"/>
+                  <a:gd name="connsiteY1" fmla="*/ 96252 h 298383"/>
+                  <a:gd name="connsiteX2" fmla="*/ 20833 w 68959"/>
+                  <a:gd name="connsiteY2" fmla="*/ 221381 h 298383"/>
+                  <a:gd name="connsiteX3" fmla="*/ 68959 w 68959"/>
+                  <a:gd name="connsiteY3" fmla="*/ 298383 h 298383"/>
+                </a:gdLst>
+                <a:ahLst/>
+                <a:cxnLst>
+                  <a:cxn ang="0">
+                    <a:pos x="connsiteX0" y="connsiteY0"/>
+                  </a:cxn>
+                  <a:cxn ang="0">
+                    <a:pos x="connsiteX1" y="connsiteY1"/>
+                  </a:cxn>
+                  <a:cxn ang="0">
+                    <a:pos x="connsiteX2" y="connsiteY2"/>
+                  </a:cxn>
+                  <a:cxn ang="0">
+                    <a:pos x="connsiteX3" y="connsiteY3"/>
+                  </a:cxn>
+                </a:cxnLst>
+                <a:rect l="l" t="t" r="r" b="b"/>
+                <a:pathLst>
+                  <a:path w="68959" h="298383">
+                    <a:moveTo>
+                      <a:pt x="59334" y="0"/>
+                    </a:moveTo>
+                    <a:cubicBezTo>
+                      <a:pt x="33666" y="29677"/>
+                      <a:pt x="7999" y="59355"/>
+                      <a:pt x="1582" y="96252"/>
+                    </a:cubicBezTo>
+                    <a:cubicBezTo>
+                      <a:pt x="-4835" y="133149"/>
+                      <a:pt x="9604" y="187693"/>
+                      <a:pt x="20833" y="221381"/>
+                    </a:cubicBezTo>
+                    <a:cubicBezTo>
+                      <a:pt x="32062" y="255069"/>
+                      <a:pt x="50510" y="276726"/>
+                      <a:pt x="68959" y="298383"/>
+                    </a:cubicBezTo>
+                  </a:path>
+                </a:pathLst>
+              </a:custGeom>
+              <a:noFill/>
+              <a:ln w="28575"/>
+            </p:spPr>
+            <p:style>
+              <a:lnRef idx="2">
+                <a:schemeClr val="accent1">
+                  <a:shade val="50000"/>
+                </a:schemeClr>
+              </a:lnRef>
+              <a:fillRef idx="1">
+                <a:schemeClr val="accent1"/>
+              </a:fillRef>
+              <a:effectRef idx="0">
+                <a:schemeClr val="accent1"/>
+              </a:effectRef>
+              <a:fontRef idx="minor">
+                <a:schemeClr val="lt1"/>
+              </a:fontRef>
+            </p:style>
+            <p:txBody>
+              <a:bodyPr rtlCol="0" anchor="ctr"/>
+              <a:lstStyle/>
+              <a:p>
+                <a:pPr algn="ctr"/>
+                <a:endParaRPr kumimoji="1" lang="ja-JP" altLang="en-US"/>
+              </a:p>
+            </p:txBody>
+          </p:sp>
+          <p:cxnSp>
+            <p:nvCxnSpPr>
+              <p:cNvPr id="11" name="直線矢印コネクタ 10">
+                <a:extLst>
+                  <a:ext uri="{FF2B5EF4-FFF2-40B4-BE49-F238E27FC236}">
+                    <a16:creationId xmlns:a16="http://schemas.microsoft.com/office/drawing/2014/main" id="{A848A0C8-1F51-4E21-8FF6-0092A7784662}"/>
+                  </a:ext>
+                </a:extLst>
+              </p:cNvPr>
+              <p:cNvCxnSpPr>
+                <a:cxnSpLocks/>
+              </p:cNvCxnSpPr>
+              <p:nvPr/>
+            </p:nvCxnSpPr>
+            <p:spPr>
+              <a:xfrm flipV="1">
+                <a:off x="7426461" y="1108527"/>
+                <a:ext cx="149263" cy="2427792"/>
+              </a:xfrm>
+              <a:prstGeom prst="straightConnector1">
+                <a:avLst/>
+              </a:prstGeom>
+              <a:ln w="76200">
+                <a:solidFill>
+                  <a:srgbClr val="C00000"/>
+                </a:solidFill>
+                <a:tailEnd type="triangle" w="lg" len="lg"/>
+              </a:ln>
+            </p:spPr>
+            <p:style>
+              <a:lnRef idx="1">
+                <a:schemeClr val="accent1"/>
+              </a:lnRef>
+              <a:fillRef idx="0">
+                <a:schemeClr val="accent1"/>
+              </a:fillRef>
+              <a:effectRef idx="0">
+                <a:schemeClr val="accent1"/>
+              </a:effectRef>
+              <a:fontRef idx="minor">
+                <a:schemeClr val="tx1"/>
+              </a:fontRef>
+            </p:style>
+          </p:cxnSp>
+          <p:cxnSp>
+            <p:nvCxnSpPr>
+              <p:cNvPr id="12" name="直線矢印コネクタ 11">
+                <a:extLst>
+                  <a:ext uri="{FF2B5EF4-FFF2-40B4-BE49-F238E27FC236}">
+                    <a16:creationId xmlns:a16="http://schemas.microsoft.com/office/drawing/2014/main" id="{75AADA2B-4B77-4008-87AF-2C5C39704A76}"/>
+                  </a:ext>
+                </a:extLst>
+              </p:cNvPr>
+              <p:cNvCxnSpPr>
+                <a:cxnSpLocks/>
+              </p:cNvCxnSpPr>
+              <p:nvPr/>
+            </p:nvCxnSpPr>
+            <p:spPr>
+              <a:xfrm flipV="1">
+                <a:off x="7426461" y="3091829"/>
+                <a:ext cx="941016" cy="444489"/>
+              </a:xfrm>
+              <a:prstGeom prst="straightConnector1">
+                <a:avLst/>
+              </a:prstGeom>
+              <a:ln w="76200">
+                <a:solidFill>
+                  <a:srgbClr val="C00000"/>
+                </a:solidFill>
+                <a:tailEnd type="triangle" w="lg" len="lg"/>
+              </a:ln>
+            </p:spPr>
+            <p:style>
+              <a:lnRef idx="1">
+                <a:schemeClr val="accent1"/>
+              </a:lnRef>
+              <a:fillRef idx="0">
+                <a:schemeClr val="accent1"/>
+              </a:fillRef>
+              <a:effectRef idx="0">
+                <a:schemeClr val="accent1"/>
+              </a:effectRef>
+              <a:fontRef idx="minor">
+                <a:schemeClr val="tx1"/>
+              </a:fontRef>
+            </p:style>
+          </p:cxnSp>
+          <p:sp>
+            <p:nvSpPr>
+              <p:cNvPr id="23" name="テキスト ボックス 22">
+                <a:extLst>
+                  <a:ext uri="{FF2B5EF4-FFF2-40B4-BE49-F238E27FC236}">
+                    <a16:creationId xmlns:a16="http://schemas.microsoft.com/office/drawing/2014/main" id="{F8199DF4-6CF7-4042-BF71-79A113B35890}"/>
+                  </a:ext>
+                </a:extLst>
+              </p:cNvPr>
+              <p:cNvSpPr txBox="1"/>
+              <p:nvPr/>
+            </p:nvSpPr>
+            <p:spPr>
+              <a:xfrm>
+                <a:off x="7722252" y="1329826"/>
+                <a:ext cx="561593" cy="369332"/>
+              </a:xfrm>
+              <a:prstGeom prst="rect">
+                <a:avLst/>
+              </a:prstGeom>
+              <a:noFill/>
+            </p:spPr>
+            <p:txBody>
+              <a:bodyPr wrap="square" rtlCol="0">
+                <a:spAutoFit/>
+              </a:bodyPr>
+              <a:lstStyle/>
+              <a:p>
+                <a:r>
+                  <a:rPr lang="en-US" altLang="ja-JP" dirty="0"/>
+                  <a:t>CL</a:t>
+                </a:r>
+                <a:endParaRPr kumimoji="1" lang="ja-JP" altLang="en-US" dirty="0"/>
+              </a:p>
+            </p:txBody>
+          </p:sp>
+          <p:sp>
+            <p:nvSpPr>
+              <p:cNvPr id="24" name="テキスト ボックス 23">
+                <a:extLst>
+                  <a:ext uri="{FF2B5EF4-FFF2-40B4-BE49-F238E27FC236}">
+                    <a16:creationId xmlns:a16="http://schemas.microsoft.com/office/drawing/2014/main" id="{60013195-4EDD-4327-BF28-E3D17D8C8B30}"/>
+                  </a:ext>
+                </a:extLst>
+              </p:cNvPr>
+              <p:cNvSpPr txBox="1"/>
+              <p:nvPr/>
+            </p:nvSpPr>
+            <p:spPr>
+              <a:xfrm>
+                <a:off x="8464882" y="3091829"/>
+                <a:ext cx="601581" cy="369332"/>
+              </a:xfrm>
+              <a:prstGeom prst="rect">
+                <a:avLst/>
+              </a:prstGeom>
+              <a:noFill/>
+            </p:spPr>
+            <p:txBody>
+              <a:bodyPr wrap="square" rtlCol="0">
+                <a:spAutoFit/>
+              </a:bodyPr>
+              <a:lstStyle/>
+              <a:p>
+                <a:r>
+                  <a:rPr lang="en-US" altLang="ja-JP" dirty="0"/>
+                  <a:t>CD</a:t>
+                </a:r>
+                <a:endParaRPr kumimoji="1" lang="ja-JP" altLang="en-US" dirty="0"/>
+              </a:p>
+            </p:txBody>
+          </p:sp>
+        </p:grpSp>
+        <p:sp>
+          <p:nvSpPr>
+            <p:cNvPr id="30" name="フリーフォーム: 図形 29">
+              <a:extLst>
+                <a:ext uri="{FF2B5EF4-FFF2-40B4-BE49-F238E27FC236}">
+                  <a16:creationId xmlns:a16="http://schemas.microsoft.com/office/drawing/2014/main" id="{AAF4C981-24CA-410D-9212-A49BC5538AF7}"/>
+                </a:ext>
+              </a:extLst>
+            </p:cNvPr>
+            <p:cNvSpPr/>
+            <p:nvPr/>
+          </p:nvSpPr>
+          <p:spPr>
+            <a:xfrm>
+              <a:off x="2843627" y="5656613"/>
+              <a:ext cx="3953690" cy="890657"/>
+            </a:xfrm>
+            <a:custGeom>
+              <a:avLst/>
+              <a:gdLst>
+                <a:gd name="connsiteX0" fmla="*/ 166967 w 5940582"/>
+                <a:gd name="connsiteY0" fmla="*/ 891850 h 1312480"/>
+                <a:gd name="connsiteX1" fmla="*/ 3681 w 5940582"/>
+                <a:gd name="connsiteY1" fmla="*/ 524457 h 1312480"/>
+                <a:gd name="connsiteX2" fmla="*/ 330253 w 5940582"/>
+                <a:gd name="connsiteY2" fmla="*/ 99914 h 1312480"/>
+                <a:gd name="connsiteX3" fmla="*/ 1538567 w 5940582"/>
+                <a:gd name="connsiteY3" fmla="*/ 10107 h 1312480"/>
+                <a:gd name="connsiteX4" fmla="*/ 3489831 w 5940582"/>
+                <a:gd name="connsiteY4" fmla="*/ 271364 h 1312480"/>
+                <a:gd name="connsiteX5" fmla="*/ 5065538 w 5940582"/>
+                <a:gd name="connsiteY5" fmla="*/ 744893 h 1312480"/>
+                <a:gd name="connsiteX6" fmla="*/ 5939117 w 5940582"/>
+                <a:gd name="connsiteY6" fmla="*/ 1300064 h 1312480"/>
+                <a:gd name="connsiteX7" fmla="*/ 5245153 w 5940582"/>
+                <a:gd name="connsiteY7" fmla="*/ 1120450 h 1312480"/>
+                <a:gd name="connsiteX8" fmla="*/ 4208288 w 5940582"/>
+                <a:gd name="connsiteY8" fmla="*/ 997986 h 1312480"/>
+                <a:gd name="connsiteX9" fmla="*/ 2950988 w 5940582"/>
+                <a:gd name="connsiteY9" fmla="*/ 859193 h 1312480"/>
+                <a:gd name="connsiteX10" fmla="*/ 1701853 w 5940582"/>
+                <a:gd name="connsiteY10" fmla="*/ 818371 h 1312480"/>
+                <a:gd name="connsiteX11" fmla="*/ 1024217 w 5940582"/>
+                <a:gd name="connsiteY11" fmla="*/ 900014 h 1312480"/>
+                <a:gd name="connsiteX12" fmla="*/ 362910 w 5940582"/>
+                <a:gd name="connsiteY12" fmla="*/ 940836 h 1312480"/>
+                <a:gd name="connsiteX13" fmla="*/ 166967 w 5940582"/>
+                <a:gd name="connsiteY13" fmla="*/ 891850 h 1312480"/>
+                <a:gd name="connsiteX0" fmla="*/ 174951 w 5948566"/>
+                <a:gd name="connsiteY0" fmla="*/ 908093 h 1328723"/>
+                <a:gd name="connsiteX1" fmla="*/ 11665 w 5948566"/>
+                <a:gd name="connsiteY1" fmla="*/ 540700 h 1328723"/>
+                <a:gd name="connsiteX2" fmla="*/ 509687 w 5948566"/>
+                <a:gd name="connsiteY2" fmla="*/ 67171 h 1328723"/>
+                <a:gd name="connsiteX3" fmla="*/ 1546551 w 5948566"/>
+                <a:gd name="connsiteY3" fmla="*/ 26350 h 1328723"/>
+                <a:gd name="connsiteX4" fmla="*/ 3497815 w 5948566"/>
+                <a:gd name="connsiteY4" fmla="*/ 287607 h 1328723"/>
+                <a:gd name="connsiteX5" fmla="*/ 5073522 w 5948566"/>
+                <a:gd name="connsiteY5" fmla="*/ 761136 h 1328723"/>
+                <a:gd name="connsiteX6" fmla="*/ 5947101 w 5948566"/>
+                <a:gd name="connsiteY6" fmla="*/ 1316307 h 1328723"/>
+                <a:gd name="connsiteX7" fmla="*/ 5253137 w 5948566"/>
+                <a:gd name="connsiteY7" fmla="*/ 1136693 h 1328723"/>
+                <a:gd name="connsiteX8" fmla="*/ 4216272 w 5948566"/>
+                <a:gd name="connsiteY8" fmla="*/ 1014229 h 1328723"/>
+                <a:gd name="connsiteX9" fmla="*/ 2958972 w 5948566"/>
+                <a:gd name="connsiteY9" fmla="*/ 875436 h 1328723"/>
+                <a:gd name="connsiteX10" fmla="*/ 1709837 w 5948566"/>
+                <a:gd name="connsiteY10" fmla="*/ 834614 h 1328723"/>
+                <a:gd name="connsiteX11" fmla="*/ 1032201 w 5948566"/>
+                <a:gd name="connsiteY11" fmla="*/ 916257 h 1328723"/>
+                <a:gd name="connsiteX12" fmla="*/ 370894 w 5948566"/>
+                <a:gd name="connsiteY12" fmla="*/ 957079 h 1328723"/>
+                <a:gd name="connsiteX13" fmla="*/ 174951 w 5948566"/>
+                <a:gd name="connsiteY13" fmla="*/ 908093 h 1328723"/>
+                <a:gd name="connsiteX0" fmla="*/ 99171 w 5872786"/>
+                <a:gd name="connsiteY0" fmla="*/ 901173 h 1321803"/>
+                <a:gd name="connsiteX1" fmla="*/ 17527 w 5872786"/>
+                <a:gd name="connsiteY1" fmla="*/ 386823 h 1321803"/>
+                <a:gd name="connsiteX2" fmla="*/ 433907 w 5872786"/>
+                <a:gd name="connsiteY2" fmla="*/ 60251 h 1321803"/>
+                <a:gd name="connsiteX3" fmla="*/ 1470771 w 5872786"/>
+                <a:gd name="connsiteY3" fmla="*/ 19430 h 1321803"/>
+                <a:gd name="connsiteX4" fmla="*/ 3422035 w 5872786"/>
+                <a:gd name="connsiteY4" fmla="*/ 280687 h 1321803"/>
+                <a:gd name="connsiteX5" fmla="*/ 4997742 w 5872786"/>
+                <a:gd name="connsiteY5" fmla="*/ 754216 h 1321803"/>
+                <a:gd name="connsiteX6" fmla="*/ 5871321 w 5872786"/>
+                <a:gd name="connsiteY6" fmla="*/ 1309387 h 1321803"/>
+                <a:gd name="connsiteX7" fmla="*/ 5177357 w 5872786"/>
+                <a:gd name="connsiteY7" fmla="*/ 1129773 h 1321803"/>
+                <a:gd name="connsiteX8" fmla="*/ 4140492 w 5872786"/>
+                <a:gd name="connsiteY8" fmla="*/ 1007309 h 1321803"/>
+                <a:gd name="connsiteX9" fmla="*/ 2883192 w 5872786"/>
+                <a:gd name="connsiteY9" fmla="*/ 868516 h 1321803"/>
+                <a:gd name="connsiteX10" fmla="*/ 1634057 w 5872786"/>
+                <a:gd name="connsiteY10" fmla="*/ 827694 h 1321803"/>
+                <a:gd name="connsiteX11" fmla="*/ 956421 w 5872786"/>
+                <a:gd name="connsiteY11" fmla="*/ 909337 h 1321803"/>
+                <a:gd name="connsiteX12" fmla="*/ 295114 w 5872786"/>
+                <a:gd name="connsiteY12" fmla="*/ 950159 h 1321803"/>
+                <a:gd name="connsiteX13" fmla="*/ 99171 w 5872786"/>
+                <a:gd name="connsiteY13" fmla="*/ 901173 h 1321803"/>
+                <a:gd name="connsiteX0" fmla="*/ 159464 w 5933079"/>
+                <a:gd name="connsiteY0" fmla="*/ 902912 h 1323542"/>
+                <a:gd name="connsiteX1" fmla="*/ 12506 w 5933079"/>
+                <a:gd name="connsiteY1" fmla="*/ 429384 h 1323542"/>
+                <a:gd name="connsiteX2" fmla="*/ 494200 w 5933079"/>
+                <a:gd name="connsiteY2" fmla="*/ 61990 h 1323542"/>
+                <a:gd name="connsiteX3" fmla="*/ 1531064 w 5933079"/>
+                <a:gd name="connsiteY3" fmla="*/ 21169 h 1323542"/>
+                <a:gd name="connsiteX4" fmla="*/ 3482328 w 5933079"/>
+                <a:gd name="connsiteY4" fmla="*/ 282426 h 1323542"/>
+                <a:gd name="connsiteX5" fmla="*/ 5058035 w 5933079"/>
+                <a:gd name="connsiteY5" fmla="*/ 755955 h 1323542"/>
+                <a:gd name="connsiteX6" fmla="*/ 5931614 w 5933079"/>
+                <a:gd name="connsiteY6" fmla="*/ 1311126 h 1323542"/>
+                <a:gd name="connsiteX7" fmla="*/ 5237650 w 5933079"/>
+                <a:gd name="connsiteY7" fmla="*/ 1131512 h 1323542"/>
+                <a:gd name="connsiteX8" fmla="*/ 4200785 w 5933079"/>
+                <a:gd name="connsiteY8" fmla="*/ 1009048 h 1323542"/>
+                <a:gd name="connsiteX9" fmla="*/ 2943485 w 5933079"/>
+                <a:gd name="connsiteY9" fmla="*/ 870255 h 1323542"/>
+                <a:gd name="connsiteX10" fmla="*/ 1694350 w 5933079"/>
+                <a:gd name="connsiteY10" fmla="*/ 829433 h 1323542"/>
+                <a:gd name="connsiteX11" fmla="*/ 1016714 w 5933079"/>
+                <a:gd name="connsiteY11" fmla="*/ 911076 h 1323542"/>
+                <a:gd name="connsiteX12" fmla="*/ 355407 w 5933079"/>
+                <a:gd name="connsiteY12" fmla="*/ 951898 h 1323542"/>
+                <a:gd name="connsiteX13" fmla="*/ 159464 w 5933079"/>
+                <a:gd name="connsiteY13" fmla="*/ 902912 h 1323542"/>
+                <a:gd name="connsiteX0" fmla="*/ 86811 w 5950233"/>
+                <a:gd name="connsiteY0" fmla="*/ 731462 h 1323542"/>
+                <a:gd name="connsiteX1" fmla="*/ 29660 w 5950233"/>
+                <a:gd name="connsiteY1" fmla="*/ 429384 h 1323542"/>
+                <a:gd name="connsiteX2" fmla="*/ 511354 w 5950233"/>
+                <a:gd name="connsiteY2" fmla="*/ 61990 h 1323542"/>
+                <a:gd name="connsiteX3" fmla="*/ 1548218 w 5950233"/>
+                <a:gd name="connsiteY3" fmla="*/ 21169 h 1323542"/>
+                <a:gd name="connsiteX4" fmla="*/ 3499482 w 5950233"/>
+                <a:gd name="connsiteY4" fmla="*/ 282426 h 1323542"/>
+                <a:gd name="connsiteX5" fmla="*/ 5075189 w 5950233"/>
+                <a:gd name="connsiteY5" fmla="*/ 755955 h 1323542"/>
+                <a:gd name="connsiteX6" fmla="*/ 5948768 w 5950233"/>
+                <a:gd name="connsiteY6" fmla="*/ 1311126 h 1323542"/>
+                <a:gd name="connsiteX7" fmla="*/ 5254804 w 5950233"/>
+                <a:gd name="connsiteY7" fmla="*/ 1131512 h 1323542"/>
+                <a:gd name="connsiteX8" fmla="*/ 4217939 w 5950233"/>
+                <a:gd name="connsiteY8" fmla="*/ 1009048 h 1323542"/>
+                <a:gd name="connsiteX9" fmla="*/ 2960639 w 5950233"/>
+                <a:gd name="connsiteY9" fmla="*/ 870255 h 1323542"/>
+                <a:gd name="connsiteX10" fmla="*/ 1711504 w 5950233"/>
+                <a:gd name="connsiteY10" fmla="*/ 829433 h 1323542"/>
+                <a:gd name="connsiteX11" fmla="*/ 1033868 w 5950233"/>
+                <a:gd name="connsiteY11" fmla="*/ 911076 h 1323542"/>
+                <a:gd name="connsiteX12" fmla="*/ 372561 w 5950233"/>
+                <a:gd name="connsiteY12" fmla="*/ 951898 h 1323542"/>
+                <a:gd name="connsiteX13" fmla="*/ 86811 w 5950233"/>
+                <a:gd name="connsiteY13" fmla="*/ 731462 h 1323542"/>
+                <a:gd name="connsiteX0" fmla="*/ 86811 w 5950233"/>
+                <a:gd name="connsiteY0" fmla="*/ 731462 h 1323542"/>
+                <a:gd name="connsiteX1" fmla="*/ 29660 w 5950233"/>
+                <a:gd name="connsiteY1" fmla="*/ 429384 h 1323542"/>
+                <a:gd name="connsiteX2" fmla="*/ 511354 w 5950233"/>
+                <a:gd name="connsiteY2" fmla="*/ 61990 h 1323542"/>
+                <a:gd name="connsiteX3" fmla="*/ 1548218 w 5950233"/>
+                <a:gd name="connsiteY3" fmla="*/ 21169 h 1323542"/>
+                <a:gd name="connsiteX4" fmla="*/ 3499482 w 5950233"/>
+                <a:gd name="connsiteY4" fmla="*/ 282426 h 1323542"/>
+                <a:gd name="connsiteX5" fmla="*/ 5075189 w 5950233"/>
+                <a:gd name="connsiteY5" fmla="*/ 755955 h 1323542"/>
+                <a:gd name="connsiteX6" fmla="*/ 5948768 w 5950233"/>
+                <a:gd name="connsiteY6" fmla="*/ 1311126 h 1323542"/>
+                <a:gd name="connsiteX7" fmla="*/ 5254804 w 5950233"/>
+                <a:gd name="connsiteY7" fmla="*/ 1131512 h 1323542"/>
+                <a:gd name="connsiteX8" fmla="*/ 4217939 w 5950233"/>
+                <a:gd name="connsiteY8" fmla="*/ 1009048 h 1323542"/>
+                <a:gd name="connsiteX9" fmla="*/ 2960639 w 5950233"/>
+                <a:gd name="connsiteY9" fmla="*/ 870255 h 1323542"/>
+                <a:gd name="connsiteX10" fmla="*/ 1711504 w 5950233"/>
+                <a:gd name="connsiteY10" fmla="*/ 829433 h 1323542"/>
+                <a:gd name="connsiteX11" fmla="*/ 1107346 w 5950233"/>
+                <a:gd name="connsiteY11" fmla="*/ 886583 h 1323542"/>
+                <a:gd name="connsiteX12" fmla="*/ 372561 w 5950233"/>
+                <a:gd name="connsiteY12" fmla="*/ 951898 h 1323542"/>
+                <a:gd name="connsiteX13" fmla="*/ 86811 w 5950233"/>
+                <a:gd name="connsiteY13" fmla="*/ 731462 h 1323542"/>
+                <a:gd name="connsiteX0" fmla="*/ 88131 w 5951553"/>
+                <a:gd name="connsiteY0" fmla="*/ 731462 h 1323542"/>
+                <a:gd name="connsiteX1" fmla="*/ 30980 w 5951553"/>
+                <a:gd name="connsiteY1" fmla="*/ 429384 h 1323542"/>
+                <a:gd name="connsiteX2" fmla="*/ 512674 w 5951553"/>
+                <a:gd name="connsiteY2" fmla="*/ 61990 h 1323542"/>
+                <a:gd name="connsiteX3" fmla="*/ 1549538 w 5951553"/>
+                <a:gd name="connsiteY3" fmla="*/ 21169 h 1323542"/>
+                <a:gd name="connsiteX4" fmla="*/ 3500802 w 5951553"/>
+                <a:gd name="connsiteY4" fmla="*/ 282426 h 1323542"/>
+                <a:gd name="connsiteX5" fmla="*/ 5076509 w 5951553"/>
+                <a:gd name="connsiteY5" fmla="*/ 755955 h 1323542"/>
+                <a:gd name="connsiteX6" fmla="*/ 5950088 w 5951553"/>
+                <a:gd name="connsiteY6" fmla="*/ 1311126 h 1323542"/>
+                <a:gd name="connsiteX7" fmla="*/ 5256124 w 5951553"/>
+                <a:gd name="connsiteY7" fmla="*/ 1131512 h 1323542"/>
+                <a:gd name="connsiteX8" fmla="*/ 4219259 w 5951553"/>
+                <a:gd name="connsiteY8" fmla="*/ 1009048 h 1323542"/>
+                <a:gd name="connsiteX9" fmla="*/ 2961959 w 5951553"/>
+                <a:gd name="connsiteY9" fmla="*/ 870255 h 1323542"/>
+                <a:gd name="connsiteX10" fmla="*/ 1712824 w 5951553"/>
+                <a:gd name="connsiteY10" fmla="*/ 829433 h 1323542"/>
+                <a:gd name="connsiteX11" fmla="*/ 1108666 w 5951553"/>
+                <a:gd name="connsiteY11" fmla="*/ 886583 h 1323542"/>
+                <a:gd name="connsiteX12" fmla="*/ 414702 w 5951553"/>
+                <a:gd name="connsiteY12" fmla="*/ 837598 h 1323542"/>
+                <a:gd name="connsiteX13" fmla="*/ 88131 w 5951553"/>
+                <a:gd name="connsiteY13" fmla="*/ 731462 h 1323542"/>
+                <a:gd name="connsiteX0" fmla="*/ 37903 w 5901325"/>
+                <a:gd name="connsiteY0" fmla="*/ 727541 h 1319621"/>
+                <a:gd name="connsiteX1" fmla="*/ 54231 w 5901325"/>
+                <a:gd name="connsiteY1" fmla="*/ 327491 h 1319621"/>
+                <a:gd name="connsiteX2" fmla="*/ 462446 w 5901325"/>
+                <a:gd name="connsiteY2" fmla="*/ 58069 h 1319621"/>
+                <a:gd name="connsiteX3" fmla="*/ 1499310 w 5901325"/>
+                <a:gd name="connsiteY3" fmla="*/ 17248 h 1319621"/>
+                <a:gd name="connsiteX4" fmla="*/ 3450574 w 5901325"/>
+                <a:gd name="connsiteY4" fmla="*/ 278505 h 1319621"/>
+                <a:gd name="connsiteX5" fmla="*/ 5026281 w 5901325"/>
+                <a:gd name="connsiteY5" fmla="*/ 752034 h 1319621"/>
+                <a:gd name="connsiteX6" fmla="*/ 5899860 w 5901325"/>
+                <a:gd name="connsiteY6" fmla="*/ 1307205 h 1319621"/>
+                <a:gd name="connsiteX7" fmla="*/ 5205896 w 5901325"/>
+                <a:gd name="connsiteY7" fmla="*/ 1127591 h 1319621"/>
+                <a:gd name="connsiteX8" fmla="*/ 4169031 w 5901325"/>
+                <a:gd name="connsiteY8" fmla="*/ 1005127 h 1319621"/>
+                <a:gd name="connsiteX9" fmla="*/ 2911731 w 5901325"/>
+                <a:gd name="connsiteY9" fmla="*/ 866334 h 1319621"/>
+                <a:gd name="connsiteX10" fmla="*/ 1662596 w 5901325"/>
+                <a:gd name="connsiteY10" fmla="*/ 825512 h 1319621"/>
+                <a:gd name="connsiteX11" fmla="*/ 1058438 w 5901325"/>
+                <a:gd name="connsiteY11" fmla="*/ 882662 h 1319621"/>
+                <a:gd name="connsiteX12" fmla="*/ 364474 w 5901325"/>
+                <a:gd name="connsiteY12" fmla="*/ 833677 h 1319621"/>
+                <a:gd name="connsiteX13" fmla="*/ 37903 w 5901325"/>
+                <a:gd name="connsiteY13" fmla="*/ 727541 h 1319621"/>
+                <a:gd name="connsiteX0" fmla="*/ 37903 w 5901325"/>
+                <a:gd name="connsiteY0" fmla="*/ 613241 h 1319621"/>
+                <a:gd name="connsiteX1" fmla="*/ 54231 w 5901325"/>
+                <a:gd name="connsiteY1" fmla="*/ 327491 h 1319621"/>
+                <a:gd name="connsiteX2" fmla="*/ 462446 w 5901325"/>
+                <a:gd name="connsiteY2" fmla="*/ 58069 h 1319621"/>
+                <a:gd name="connsiteX3" fmla="*/ 1499310 w 5901325"/>
+                <a:gd name="connsiteY3" fmla="*/ 17248 h 1319621"/>
+                <a:gd name="connsiteX4" fmla="*/ 3450574 w 5901325"/>
+                <a:gd name="connsiteY4" fmla="*/ 278505 h 1319621"/>
+                <a:gd name="connsiteX5" fmla="*/ 5026281 w 5901325"/>
+                <a:gd name="connsiteY5" fmla="*/ 752034 h 1319621"/>
+                <a:gd name="connsiteX6" fmla="*/ 5899860 w 5901325"/>
+                <a:gd name="connsiteY6" fmla="*/ 1307205 h 1319621"/>
+                <a:gd name="connsiteX7" fmla="*/ 5205896 w 5901325"/>
+                <a:gd name="connsiteY7" fmla="*/ 1127591 h 1319621"/>
+                <a:gd name="connsiteX8" fmla="*/ 4169031 w 5901325"/>
+                <a:gd name="connsiteY8" fmla="*/ 1005127 h 1319621"/>
+                <a:gd name="connsiteX9" fmla="*/ 2911731 w 5901325"/>
+                <a:gd name="connsiteY9" fmla="*/ 866334 h 1319621"/>
+                <a:gd name="connsiteX10" fmla="*/ 1662596 w 5901325"/>
+                <a:gd name="connsiteY10" fmla="*/ 825512 h 1319621"/>
+                <a:gd name="connsiteX11" fmla="*/ 1058438 w 5901325"/>
+                <a:gd name="connsiteY11" fmla="*/ 882662 h 1319621"/>
+                <a:gd name="connsiteX12" fmla="*/ 364474 w 5901325"/>
+                <a:gd name="connsiteY12" fmla="*/ 833677 h 1319621"/>
+                <a:gd name="connsiteX13" fmla="*/ 37903 w 5901325"/>
+                <a:gd name="connsiteY13" fmla="*/ 613241 h 1319621"/>
+                <a:gd name="connsiteX0" fmla="*/ 37903 w 5901325"/>
+                <a:gd name="connsiteY0" fmla="*/ 613241 h 1319621"/>
+                <a:gd name="connsiteX1" fmla="*/ 54231 w 5901325"/>
+                <a:gd name="connsiteY1" fmla="*/ 327491 h 1319621"/>
+                <a:gd name="connsiteX2" fmla="*/ 462446 w 5901325"/>
+                <a:gd name="connsiteY2" fmla="*/ 58069 h 1319621"/>
+                <a:gd name="connsiteX3" fmla="*/ 1499310 w 5901325"/>
+                <a:gd name="connsiteY3" fmla="*/ 17248 h 1319621"/>
+                <a:gd name="connsiteX4" fmla="*/ 3450574 w 5901325"/>
+                <a:gd name="connsiteY4" fmla="*/ 278505 h 1319621"/>
+                <a:gd name="connsiteX5" fmla="*/ 5026281 w 5901325"/>
+                <a:gd name="connsiteY5" fmla="*/ 752034 h 1319621"/>
+                <a:gd name="connsiteX6" fmla="*/ 5899860 w 5901325"/>
+                <a:gd name="connsiteY6" fmla="*/ 1307205 h 1319621"/>
+                <a:gd name="connsiteX7" fmla="*/ 5205896 w 5901325"/>
+                <a:gd name="connsiteY7" fmla="*/ 1127591 h 1319621"/>
+                <a:gd name="connsiteX8" fmla="*/ 4169031 w 5901325"/>
+                <a:gd name="connsiteY8" fmla="*/ 1005127 h 1319621"/>
+                <a:gd name="connsiteX9" fmla="*/ 2911731 w 5901325"/>
+                <a:gd name="connsiteY9" fmla="*/ 866334 h 1319621"/>
+                <a:gd name="connsiteX10" fmla="*/ 1760568 w 5901325"/>
+                <a:gd name="connsiteY10" fmla="*/ 890826 h 1319621"/>
+                <a:gd name="connsiteX11" fmla="*/ 1058438 w 5901325"/>
+                <a:gd name="connsiteY11" fmla="*/ 882662 h 1319621"/>
+                <a:gd name="connsiteX12" fmla="*/ 364474 w 5901325"/>
+                <a:gd name="connsiteY12" fmla="*/ 833677 h 1319621"/>
+                <a:gd name="connsiteX13" fmla="*/ 37903 w 5901325"/>
+                <a:gd name="connsiteY13" fmla="*/ 613241 h 1319621"/>
+                <a:gd name="connsiteX0" fmla="*/ 37903 w 5901325"/>
+                <a:gd name="connsiteY0" fmla="*/ 693637 h 1400017"/>
+                <a:gd name="connsiteX1" fmla="*/ 54231 w 5901325"/>
+                <a:gd name="connsiteY1" fmla="*/ 407887 h 1400017"/>
+                <a:gd name="connsiteX2" fmla="*/ 462446 w 5901325"/>
+                <a:gd name="connsiteY2" fmla="*/ 138465 h 1400017"/>
+                <a:gd name="connsiteX3" fmla="*/ 1507474 w 5901325"/>
+                <a:gd name="connsiteY3" fmla="*/ 7837 h 1400017"/>
+                <a:gd name="connsiteX4" fmla="*/ 3450574 w 5901325"/>
+                <a:gd name="connsiteY4" fmla="*/ 358901 h 1400017"/>
+                <a:gd name="connsiteX5" fmla="*/ 5026281 w 5901325"/>
+                <a:gd name="connsiteY5" fmla="*/ 832430 h 1400017"/>
+                <a:gd name="connsiteX6" fmla="*/ 5899860 w 5901325"/>
+                <a:gd name="connsiteY6" fmla="*/ 1387601 h 1400017"/>
+                <a:gd name="connsiteX7" fmla="*/ 5205896 w 5901325"/>
+                <a:gd name="connsiteY7" fmla="*/ 1207987 h 1400017"/>
+                <a:gd name="connsiteX8" fmla="*/ 4169031 w 5901325"/>
+                <a:gd name="connsiteY8" fmla="*/ 1085523 h 1400017"/>
+                <a:gd name="connsiteX9" fmla="*/ 2911731 w 5901325"/>
+                <a:gd name="connsiteY9" fmla="*/ 946730 h 1400017"/>
+                <a:gd name="connsiteX10" fmla="*/ 1760568 w 5901325"/>
+                <a:gd name="connsiteY10" fmla="*/ 971222 h 1400017"/>
+                <a:gd name="connsiteX11" fmla="*/ 1058438 w 5901325"/>
+                <a:gd name="connsiteY11" fmla="*/ 963058 h 1400017"/>
+                <a:gd name="connsiteX12" fmla="*/ 364474 w 5901325"/>
+                <a:gd name="connsiteY12" fmla="*/ 914073 h 1400017"/>
+                <a:gd name="connsiteX13" fmla="*/ 37903 w 5901325"/>
+                <a:gd name="connsiteY13" fmla="*/ 693637 h 1400017"/>
+                <a:gd name="connsiteX0" fmla="*/ 37903 w 5901325"/>
+                <a:gd name="connsiteY0" fmla="*/ 693637 h 1400017"/>
+                <a:gd name="connsiteX1" fmla="*/ 54231 w 5901325"/>
+                <a:gd name="connsiteY1" fmla="*/ 407887 h 1400017"/>
+                <a:gd name="connsiteX2" fmla="*/ 462446 w 5901325"/>
+                <a:gd name="connsiteY2" fmla="*/ 138465 h 1400017"/>
+                <a:gd name="connsiteX3" fmla="*/ 1507474 w 5901325"/>
+                <a:gd name="connsiteY3" fmla="*/ 7837 h 1400017"/>
+                <a:gd name="connsiteX4" fmla="*/ 3450574 w 5901325"/>
+                <a:gd name="connsiteY4" fmla="*/ 358901 h 1400017"/>
+                <a:gd name="connsiteX5" fmla="*/ 5026281 w 5901325"/>
+                <a:gd name="connsiteY5" fmla="*/ 832430 h 1400017"/>
+                <a:gd name="connsiteX6" fmla="*/ 5899860 w 5901325"/>
+                <a:gd name="connsiteY6" fmla="*/ 1387601 h 1400017"/>
+                <a:gd name="connsiteX7" fmla="*/ 5205896 w 5901325"/>
+                <a:gd name="connsiteY7" fmla="*/ 1207987 h 1400017"/>
+                <a:gd name="connsiteX8" fmla="*/ 4169031 w 5901325"/>
+                <a:gd name="connsiteY8" fmla="*/ 1085523 h 1400017"/>
+                <a:gd name="connsiteX9" fmla="*/ 2911731 w 5901325"/>
+                <a:gd name="connsiteY9" fmla="*/ 946730 h 1400017"/>
+                <a:gd name="connsiteX10" fmla="*/ 1760568 w 5901325"/>
+                <a:gd name="connsiteY10" fmla="*/ 971222 h 1400017"/>
+                <a:gd name="connsiteX11" fmla="*/ 1058438 w 5901325"/>
+                <a:gd name="connsiteY11" fmla="*/ 963058 h 1400017"/>
+                <a:gd name="connsiteX12" fmla="*/ 364474 w 5901325"/>
+                <a:gd name="connsiteY12" fmla="*/ 824266 h 1400017"/>
+                <a:gd name="connsiteX13" fmla="*/ 37903 w 5901325"/>
+                <a:gd name="connsiteY13" fmla="*/ 693637 h 1400017"/>
+                <a:gd name="connsiteX0" fmla="*/ 37903 w 5901325"/>
+                <a:gd name="connsiteY0" fmla="*/ 693637 h 1400017"/>
+                <a:gd name="connsiteX1" fmla="*/ 54231 w 5901325"/>
+                <a:gd name="connsiteY1" fmla="*/ 407887 h 1400017"/>
+                <a:gd name="connsiteX2" fmla="*/ 462446 w 5901325"/>
+                <a:gd name="connsiteY2" fmla="*/ 138465 h 1400017"/>
+                <a:gd name="connsiteX3" fmla="*/ 1507474 w 5901325"/>
+                <a:gd name="connsiteY3" fmla="*/ 7837 h 1400017"/>
+                <a:gd name="connsiteX4" fmla="*/ 3450574 w 5901325"/>
+                <a:gd name="connsiteY4" fmla="*/ 358901 h 1400017"/>
+                <a:gd name="connsiteX5" fmla="*/ 5026281 w 5901325"/>
+                <a:gd name="connsiteY5" fmla="*/ 832430 h 1400017"/>
+                <a:gd name="connsiteX6" fmla="*/ 5899860 w 5901325"/>
+                <a:gd name="connsiteY6" fmla="*/ 1387601 h 1400017"/>
+                <a:gd name="connsiteX7" fmla="*/ 5205896 w 5901325"/>
+                <a:gd name="connsiteY7" fmla="*/ 1207987 h 1400017"/>
+                <a:gd name="connsiteX8" fmla="*/ 4169031 w 5901325"/>
+                <a:gd name="connsiteY8" fmla="*/ 1085523 h 1400017"/>
+                <a:gd name="connsiteX9" fmla="*/ 2911731 w 5901325"/>
+                <a:gd name="connsiteY9" fmla="*/ 946730 h 1400017"/>
+                <a:gd name="connsiteX10" fmla="*/ 1760568 w 5901325"/>
+                <a:gd name="connsiteY10" fmla="*/ 971222 h 1400017"/>
+                <a:gd name="connsiteX11" fmla="*/ 1074767 w 5901325"/>
+                <a:gd name="connsiteY11" fmla="*/ 889580 h 1400017"/>
+                <a:gd name="connsiteX12" fmla="*/ 364474 w 5901325"/>
+                <a:gd name="connsiteY12" fmla="*/ 824266 h 1400017"/>
+                <a:gd name="connsiteX13" fmla="*/ 37903 w 5901325"/>
+                <a:gd name="connsiteY13" fmla="*/ 693637 h 1400017"/>
+                <a:gd name="connsiteX0" fmla="*/ 37903 w 5901325"/>
+                <a:gd name="connsiteY0" fmla="*/ 693637 h 1400017"/>
+                <a:gd name="connsiteX1" fmla="*/ 54231 w 5901325"/>
+                <a:gd name="connsiteY1" fmla="*/ 407887 h 1400017"/>
+                <a:gd name="connsiteX2" fmla="*/ 462446 w 5901325"/>
+                <a:gd name="connsiteY2" fmla="*/ 138465 h 1400017"/>
+                <a:gd name="connsiteX3" fmla="*/ 1507474 w 5901325"/>
+                <a:gd name="connsiteY3" fmla="*/ 7837 h 1400017"/>
+                <a:gd name="connsiteX4" fmla="*/ 3450574 w 5901325"/>
+                <a:gd name="connsiteY4" fmla="*/ 358901 h 1400017"/>
+                <a:gd name="connsiteX5" fmla="*/ 5026281 w 5901325"/>
+                <a:gd name="connsiteY5" fmla="*/ 832430 h 1400017"/>
+                <a:gd name="connsiteX6" fmla="*/ 5899860 w 5901325"/>
+                <a:gd name="connsiteY6" fmla="*/ 1387601 h 1400017"/>
+                <a:gd name="connsiteX7" fmla="*/ 5205896 w 5901325"/>
+                <a:gd name="connsiteY7" fmla="*/ 1207987 h 1400017"/>
+                <a:gd name="connsiteX8" fmla="*/ 4169031 w 5901325"/>
+                <a:gd name="connsiteY8" fmla="*/ 1085523 h 1400017"/>
+                <a:gd name="connsiteX9" fmla="*/ 2911731 w 5901325"/>
+                <a:gd name="connsiteY9" fmla="*/ 946730 h 1400017"/>
+                <a:gd name="connsiteX10" fmla="*/ 1858539 w 5901325"/>
+                <a:gd name="connsiteY10" fmla="*/ 914072 h 1400017"/>
+                <a:gd name="connsiteX11" fmla="*/ 1074767 w 5901325"/>
+                <a:gd name="connsiteY11" fmla="*/ 889580 h 1400017"/>
+                <a:gd name="connsiteX12" fmla="*/ 364474 w 5901325"/>
+                <a:gd name="connsiteY12" fmla="*/ 824266 h 1400017"/>
+                <a:gd name="connsiteX13" fmla="*/ 37903 w 5901325"/>
+                <a:gd name="connsiteY13" fmla="*/ 693637 h 1400017"/>
+                <a:gd name="connsiteX0" fmla="*/ 37903 w 5901325"/>
+                <a:gd name="connsiteY0" fmla="*/ 693637 h 1400017"/>
+                <a:gd name="connsiteX1" fmla="*/ 54231 w 5901325"/>
+                <a:gd name="connsiteY1" fmla="*/ 407887 h 1400017"/>
+                <a:gd name="connsiteX2" fmla="*/ 462446 w 5901325"/>
+                <a:gd name="connsiteY2" fmla="*/ 138465 h 1400017"/>
+                <a:gd name="connsiteX3" fmla="*/ 1507474 w 5901325"/>
+                <a:gd name="connsiteY3" fmla="*/ 7837 h 1400017"/>
+                <a:gd name="connsiteX4" fmla="*/ 3450574 w 5901325"/>
+                <a:gd name="connsiteY4" fmla="*/ 358901 h 1400017"/>
+                <a:gd name="connsiteX5" fmla="*/ 5026281 w 5901325"/>
+                <a:gd name="connsiteY5" fmla="*/ 832430 h 1400017"/>
+                <a:gd name="connsiteX6" fmla="*/ 5899860 w 5901325"/>
+                <a:gd name="connsiteY6" fmla="*/ 1387601 h 1400017"/>
+                <a:gd name="connsiteX7" fmla="*/ 5205896 w 5901325"/>
+                <a:gd name="connsiteY7" fmla="*/ 1207987 h 1400017"/>
+                <a:gd name="connsiteX8" fmla="*/ 4169031 w 5901325"/>
+                <a:gd name="connsiteY8" fmla="*/ 1085523 h 1400017"/>
+                <a:gd name="connsiteX9" fmla="*/ 2985210 w 5901325"/>
+                <a:gd name="connsiteY9" fmla="*/ 930402 h 1400017"/>
+                <a:gd name="connsiteX10" fmla="*/ 1858539 w 5901325"/>
+                <a:gd name="connsiteY10" fmla="*/ 914072 h 1400017"/>
+                <a:gd name="connsiteX11" fmla="*/ 1074767 w 5901325"/>
+                <a:gd name="connsiteY11" fmla="*/ 889580 h 1400017"/>
+                <a:gd name="connsiteX12" fmla="*/ 364474 w 5901325"/>
+                <a:gd name="connsiteY12" fmla="*/ 824266 h 1400017"/>
+                <a:gd name="connsiteX13" fmla="*/ 37903 w 5901325"/>
+                <a:gd name="connsiteY13" fmla="*/ 693637 h 1400017"/>
+                <a:gd name="connsiteX0" fmla="*/ 37903 w 5901325"/>
+                <a:gd name="connsiteY0" fmla="*/ 693637 h 1400017"/>
+                <a:gd name="connsiteX1" fmla="*/ 54231 w 5901325"/>
+                <a:gd name="connsiteY1" fmla="*/ 407887 h 1400017"/>
+                <a:gd name="connsiteX2" fmla="*/ 462446 w 5901325"/>
+                <a:gd name="connsiteY2" fmla="*/ 138465 h 1400017"/>
+                <a:gd name="connsiteX3" fmla="*/ 1507474 w 5901325"/>
+                <a:gd name="connsiteY3" fmla="*/ 7837 h 1400017"/>
+                <a:gd name="connsiteX4" fmla="*/ 3450574 w 5901325"/>
+                <a:gd name="connsiteY4" fmla="*/ 358901 h 1400017"/>
+                <a:gd name="connsiteX5" fmla="*/ 5026281 w 5901325"/>
+                <a:gd name="connsiteY5" fmla="*/ 832430 h 1400017"/>
+                <a:gd name="connsiteX6" fmla="*/ 5899860 w 5901325"/>
+                <a:gd name="connsiteY6" fmla="*/ 1387601 h 1400017"/>
+                <a:gd name="connsiteX7" fmla="*/ 5205896 w 5901325"/>
+                <a:gd name="connsiteY7" fmla="*/ 1207987 h 1400017"/>
+                <a:gd name="connsiteX8" fmla="*/ 4169031 w 5901325"/>
+                <a:gd name="connsiteY8" fmla="*/ 1085523 h 1400017"/>
+                <a:gd name="connsiteX9" fmla="*/ 2985210 w 5901325"/>
+                <a:gd name="connsiteY9" fmla="*/ 930402 h 1400017"/>
+                <a:gd name="connsiteX10" fmla="*/ 1981004 w 5901325"/>
+                <a:gd name="connsiteY10" fmla="*/ 881415 h 1400017"/>
+                <a:gd name="connsiteX11" fmla="*/ 1074767 w 5901325"/>
+                <a:gd name="connsiteY11" fmla="*/ 889580 h 1400017"/>
+                <a:gd name="connsiteX12" fmla="*/ 364474 w 5901325"/>
+                <a:gd name="connsiteY12" fmla="*/ 824266 h 1400017"/>
+                <a:gd name="connsiteX13" fmla="*/ 37903 w 5901325"/>
+                <a:gd name="connsiteY13" fmla="*/ 693637 h 1400017"/>
+                <a:gd name="connsiteX0" fmla="*/ 37903 w 5901435"/>
+                <a:gd name="connsiteY0" fmla="*/ 693637 h 1400430"/>
+                <a:gd name="connsiteX1" fmla="*/ 54231 w 5901435"/>
+                <a:gd name="connsiteY1" fmla="*/ 407887 h 1400430"/>
+                <a:gd name="connsiteX2" fmla="*/ 462446 w 5901435"/>
+                <a:gd name="connsiteY2" fmla="*/ 138465 h 1400430"/>
+                <a:gd name="connsiteX3" fmla="*/ 1507474 w 5901435"/>
+                <a:gd name="connsiteY3" fmla="*/ 7837 h 1400430"/>
+                <a:gd name="connsiteX4" fmla="*/ 3450574 w 5901435"/>
+                <a:gd name="connsiteY4" fmla="*/ 358901 h 1400430"/>
+                <a:gd name="connsiteX5" fmla="*/ 5026281 w 5901435"/>
+                <a:gd name="connsiteY5" fmla="*/ 832430 h 1400430"/>
+                <a:gd name="connsiteX6" fmla="*/ 5899860 w 5901435"/>
+                <a:gd name="connsiteY6" fmla="*/ 1387601 h 1400430"/>
+                <a:gd name="connsiteX7" fmla="*/ 5205896 w 5901435"/>
+                <a:gd name="connsiteY7" fmla="*/ 1207987 h 1400430"/>
+                <a:gd name="connsiteX8" fmla="*/ 3973088 w 5901435"/>
+                <a:gd name="connsiteY8" fmla="*/ 1036537 h 1400430"/>
+                <a:gd name="connsiteX9" fmla="*/ 2985210 w 5901435"/>
+                <a:gd name="connsiteY9" fmla="*/ 930402 h 1400430"/>
+                <a:gd name="connsiteX10" fmla="*/ 1981004 w 5901435"/>
+                <a:gd name="connsiteY10" fmla="*/ 881415 h 1400430"/>
+                <a:gd name="connsiteX11" fmla="*/ 1074767 w 5901435"/>
+                <a:gd name="connsiteY11" fmla="*/ 889580 h 1400430"/>
+                <a:gd name="connsiteX12" fmla="*/ 364474 w 5901435"/>
+                <a:gd name="connsiteY12" fmla="*/ 824266 h 1400430"/>
+                <a:gd name="connsiteX13" fmla="*/ 37903 w 5901435"/>
+                <a:gd name="connsiteY13" fmla="*/ 693637 h 1400430"/>
+                <a:gd name="connsiteX0" fmla="*/ 37903 w 5992690"/>
+                <a:gd name="connsiteY0" fmla="*/ 693637 h 1490663"/>
+                <a:gd name="connsiteX1" fmla="*/ 54231 w 5992690"/>
+                <a:gd name="connsiteY1" fmla="*/ 407887 h 1490663"/>
+                <a:gd name="connsiteX2" fmla="*/ 462446 w 5992690"/>
+                <a:gd name="connsiteY2" fmla="*/ 138465 h 1490663"/>
+                <a:gd name="connsiteX3" fmla="*/ 1507474 w 5992690"/>
+                <a:gd name="connsiteY3" fmla="*/ 7837 h 1490663"/>
+                <a:gd name="connsiteX4" fmla="*/ 3450574 w 5992690"/>
+                <a:gd name="connsiteY4" fmla="*/ 358901 h 1490663"/>
+                <a:gd name="connsiteX5" fmla="*/ 5026281 w 5992690"/>
+                <a:gd name="connsiteY5" fmla="*/ 832430 h 1490663"/>
+                <a:gd name="connsiteX6" fmla="*/ 5899860 w 5992690"/>
+                <a:gd name="connsiteY6" fmla="*/ 1387601 h 1490663"/>
+                <a:gd name="connsiteX7" fmla="*/ 5205896 w 5992690"/>
+                <a:gd name="connsiteY7" fmla="*/ 1207987 h 1490663"/>
+                <a:gd name="connsiteX8" fmla="*/ 3973088 w 5992690"/>
+                <a:gd name="connsiteY8" fmla="*/ 1036537 h 1490663"/>
+                <a:gd name="connsiteX9" fmla="*/ 2985210 w 5992690"/>
+                <a:gd name="connsiteY9" fmla="*/ 930402 h 1490663"/>
+                <a:gd name="connsiteX10" fmla="*/ 1981004 w 5992690"/>
+                <a:gd name="connsiteY10" fmla="*/ 881415 h 1490663"/>
+                <a:gd name="connsiteX11" fmla="*/ 1074767 w 5992690"/>
+                <a:gd name="connsiteY11" fmla="*/ 889580 h 1490663"/>
+                <a:gd name="connsiteX12" fmla="*/ 364474 w 5992690"/>
+                <a:gd name="connsiteY12" fmla="*/ 824266 h 1490663"/>
+                <a:gd name="connsiteX13" fmla="*/ 37903 w 5992690"/>
+                <a:gd name="connsiteY13" fmla="*/ 693637 h 1490663"/>
+                <a:gd name="connsiteX0" fmla="*/ 37903 w 5992690"/>
+                <a:gd name="connsiteY0" fmla="*/ 693637 h 1490663"/>
+                <a:gd name="connsiteX1" fmla="*/ 54231 w 5992690"/>
+                <a:gd name="connsiteY1" fmla="*/ 407887 h 1490663"/>
+                <a:gd name="connsiteX2" fmla="*/ 462446 w 5992690"/>
+                <a:gd name="connsiteY2" fmla="*/ 138465 h 1490663"/>
+                <a:gd name="connsiteX3" fmla="*/ 1507474 w 5992690"/>
+                <a:gd name="connsiteY3" fmla="*/ 7837 h 1490663"/>
+                <a:gd name="connsiteX4" fmla="*/ 3450574 w 5992690"/>
+                <a:gd name="connsiteY4" fmla="*/ 358901 h 1490663"/>
+                <a:gd name="connsiteX5" fmla="*/ 5026281 w 5992690"/>
+                <a:gd name="connsiteY5" fmla="*/ 832430 h 1490663"/>
+                <a:gd name="connsiteX6" fmla="*/ 5899860 w 5992690"/>
+                <a:gd name="connsiteY6" fmla="*/ 1387601 h 1490663"/>
+                <a:gd name="connsiteX7" fmla="*/ 5205896 w 5992690"/>
+                <a:gd name="connsiteY7" fmla="*/ 1207987 h 1490663"/>
+                <a:gd name="connsiteX8" fmla="*/ 3973088 w 5992690"/>
+                <a:gd name="connsiteY8" fmla="*/ 1036537 h 1490663"/>
+                <a:gd name="connsiteX9" fmla="*/ 2985210 w 5992690"/>
+                <a:gd name="connsiteY9" fmla="*/ 930402 h 1490663"/>
+                <a:gd name="connsiteX10" fmla="*/ 1981004 w 5992690"/>
+                <a:gd name="connsiteY10" fmla="*/ 881415 h 1490663"/>
+                <a:gd name="connsiteX11" fmla="*/ 1074767 w 5992690"/>
+                <a:gd name="connsiteY11" fmla="*/ 889580 h 1490663"/>
+                <a:gd name="connsiteX12" fmla="*/ 364474 w 5992690"/>
+                <a:gd name="connsiteY12" fmla="*/ 824266 h 1490663"/>
+                <a:gd name="connsiteX13" fmla="*/ 37903 w 5992690"/>
+                <a:gd name="connsiteY13" fmla="*/ 693637 h 1490663"/>
+                <a:gd name="connsiteX0" fmla="*/ 37903 w 5899860"/>
+                <a:gd name="connsiteY0" fmla="*/ 693637 h 1387601"/>
+                <a:gd name="connsiteX1" fmla="*/ 54231 w 5899860"/>
+                <a:gd name="connsiteY1" fmla="*/ 407887 h 1387601"/>
+                <a:gd name="connsiteX2" fmla="*/ 462446 w 5899860"/>
+                <a:gd name="connsiteY2" fmla="*/ 138465 h 1387601"/>
+                <a:gd name="connsiteX3" fmla="*/ 1507474 w 5899860"/>
+                <a:gd name="connsiteY3" fmla="*/ 7837 h 1387601"/>
+                <a:gd name="connsiteX4" fmla="*/ 3450574 w 5899860"/>
+                <a:gd name="connsiteY4" fmla="*/ 358901 h 1387601"/>
+                <a:gd name="connsiteX5" fmla="*/ 5026281 w 5899860"/>
+                <a:gd name="connsiteY5" fmla="*/ 832430 h 1387601"/>
+                <a:gd name="connsiteX6" fmla="*/ 5899860 w 5899860"/>
+                <a:gd name="connsiteY6" fmla="*/ 1387601 h 1387601"/>
+                <a:gd name="connsiteX7" fmla="*/ 5205896 w 5899860"/>
+                <a:gd name="connsiteY7" fmla="*/ 1207987 h 1387601"/>
+                <a:gd name="connsiteX8" fmla="*/ 3973088 w 5899860"/>
+                <a:gd name="connsiteY8" fmla="*/ 1036537 h 1387601"/>
+                <a:gd name="connsiteX9" fmla="*/ 2985210 w 5899860"/>
+                <a:gd name="connsiteY9" fmla="*/ 930402 h 1387601"/>
+                <a:gd name="connsiteX10" fmla="*/ 1981004 w 5899860"/>
+                <a:gd name="connsiteY10" fmla="*/ 881415 h 1387601"/>
+                <a:gd name="connsiteX11" fmla="*/ 1074767 w 5899860"/>
+                <a:gd name="connsiteY11" fmla="*/ 889580 h 1387601"/>
+                <a:gd name="connsiteX12" fmla="*/ 364474 w 5899860"/>
+                <a:gd name="connsiteY12" fmla="*/ 824266 h 1387601"/>
+                <a:gd name="connsiteX13" fmla="*/ 37903 w 5899860"/>
+                <a:gd name="connsiteY13" fmla="*/ 693637 h 1387601"/>
+                <a:gd name="connsiteX0" fmla="*/ 37903 w 6046817"/>
+                <a:gd name="connsiteY0" fmla="*/ 693637 h 1330451"/>
+                <a:gd name="connsiteX1" fmla="*/ 54231 w 6046817"/>
+                <a:gd name="connsiteY1" fmla="*/ 407887 h 1330451"/>
+                <a:gd name="connsiteX2" fmla="*/ 462446 w 6046817"/>
+                <a:gd name="connsiteY2" fmla="*/ 138465 h 1330451"/>
+                <a:gd name="connsiteX3" fmla="*/ 1507474 w 6046817"/>
+                <a:gd name="connsiteY3" fmla="*/ 7837 h 1330451"/>
+                <a:gd name="connsiteX4" fmla="*/ 3450574 w 6046817"/>
+                <a:gd name="connsiteY4" fmla="*/ 358901 h 1330451"/>
+                <a:gd name="connsiteX5" fmla="*/ 5026281 w 6046817"/>
+                <a:gd name="connsiteY5" fmla="*/ 832430 h 1330451"/>
+                <a:gd name="connsiteX6" fmla="*/ 6046817 w 6046817"/>
+                <a:gd name="connsiteY6" fmla="*/ 1330451 h 1330451"/>
+                <a:gd name="connsiteX7" fmla="*/ 5205896 w 6046817"/>
+                <a:gd name="connsiteY7" fmla="*/ 1207987 h 1330451"/>
+                <a:gd name="connsiteX8" fmla="*/ 3973088 w 6046817"/>
+                <a:gd name="connsiteY8" fmla="*/ 1036537 h 1330451"/>
+                <a:gd name="connsiteX9" fmla="*/ 2985210 w 6046817"/>
+                <a:gd name="connsiteY9" fmla="*/ 930402 h 1330451"/>
+                <a:gd name="connsiteX10" fmla="*/ 1981004 w 6046817"/>
+                <a:gd name="connsiteY10" fmla="*/ 881415 h 1330451"/>
+                <a:gd name="connsiteX11" fmla="*/ 1074767 w 6046817"/>
+                <a:gd name="connsiteY11" fmla="*/ 889580 h 1330451"/>
+                <a:gd name="connsiteX12" fmla="*/ 364474 w 6046817"/>
+                <a:gd name="connsiteY12" fmla="*/ 824266 h 1330451"/>
+                <a:gd name="connsiteX13" fmla="*/ 37903 w 6046817"/>
+                <a:gd name="connsiteY13" fmla="*/ 693637 h 1330451"/>
+                <a:gd name="connsiteX0" fmla="*/ 37903 w 6169282"/>
+                <a:gd name="connsiteY0" fmla="*/ 693637 h 1322287"/>
+                <a:gd name="connsiteX1" fmla="*/ 54231 w 6169282"/>
+                <a:gd name="connsiteY1" fmla="*/ 407887 h 1322287"/>
+                <a:gd name="connsiteX2" fmla="*/ 462446 w 6169282"/>
+                <a:gd name="connsiteY2" fmla="*/ 138465 h 1322287"/>
+                <a:gd name="connsiteX3" fmla="*/ 1507474 w 6169282"/>
+                <a:gd name="connsiteY3" fmla="*/ 7837 h 1322287"/>
+                <a:gd name="connsiteX4" fmla="*/ 3450574 w 6169282"/>
+                <a:gd name="connsiteY4" fmla="*/ 358901 h 1322287"/>
+                <a:gd name="connsiteX5" fmla="*/ 5026281 w 6169282"/>
+                <a:gd name="connsiteY5" fmla="*/ 832430 h 1322287"/>
+                <a:gd name="connsiteX6" fmla="*/ 6169282 w 6169282"/>
+                <a:gd name="connsiteY6" fmla="*/ 1322287 h 1322287"/>
+                <a:gd name="connsiteX7" fmla="*/ 5205896 w 6169282"/>
+                <a:gd name="connsiteY7" fmla="*/ 1207987 h 1322287"/>
+                <a:gd name="connsiteX8" fmla="*/ 3973088 w 6169282"/>
+                <a:gd name="connsiteY8" fmla="*/ 1036537 h 1322287"/>
+                <a:gd name="connsiteX9" fmla="*/ 2985210 w 6169282"/>
+                <a:gd name="connsiteY9" fmla="*/ 930402 h 1322287"/>
+                <a:gd name="connsiteX10" fmla="*/ 1981004 w 6169282"/>
+                <a:gd name="connsiteY10" fmla="*/ 881415 h 1322287"/>
+                <a:gd name="connsiteX11" fmla="*/ 1074767 w 6169282"/>
+                <a:gd name="connsiteY11" fmla="*/ 889580 h 1322287"/>
+                <a:gd name="connsiteX12" fmla="*/ 364474 w 6169282"/>
+                <a:gd name="connsiteY12" fmla="*/ 824266 h 1322287"/>
+                <a:gd name="connsiteX13" fmla="*/ 37903 w 6169282"/>
+                <a:gd name="connsiteY13" fmla="*/ 693637 h 1322287"/>
+                <a:gd name="connsiteX0" fmla="*/ 37903 w 6169282"/>
+                <a:gd name="connsiteY0" fmla="*/ 693637 h 1322287"/>
+                <a:gd name="connsiteX1" fmla="*/ 54231 w 6169282"/>
+                <a:gd name="connsiteY1" fmla="*/ 407887 h 1322287"/>
+                <a:gd name="connsiteX2" fmla="*/ 462446 w 6169282"/>
+                <a:gd name="connsiteY2" fmla="*/ 138465 h 1322287"/>
+                <a:gd name="connsiteX3" fmla="*/ 1507474 w 6169282"/>
+                <a:gd name="connsiteY3" fmla="*/ 7837 h 1322287"/>
+                <a:gd name="connsiteX4" fmla="*/ 3450574 w 6169282"/>
+                <a:gd name="connsiteY4" fmla="*/ 358901 h 1322287"/>
+                <a:gd name="connsiteX5" fmla="*/ 5026281 w 6169282"/>
+                <a:gd name="connsiteY5" fmla="*/ 832430 h 1322287"/>
+                <a:gd name="connsiteX6" fmla="*/ 6169282 w 6169282"/>
+                <a:gd name="connsiteY6" fmla="*/ 1322287 h 1322287"/>
+                <a:gd name="connsiteX7" fmla="*/ 5205896 w 6169282"/>
+                <a:gd name="connsiteY7" fmla="*/ 1207987 h 1322287"/>
+                <a:gd name="connsiteX8" fmla="*/ 3973088 w 6169282"/>
+                <a:gd name="connsiteY8" fmla="*/ 1036537 h 1322287"/>
+                <a:gd name="connsiteX9" fmla="*/ 2985210 w 6169282"/>
+                <a:gd name="connsiteY9" fmla="*/ 930402 h 1322287"/>
+                <a:gd name="connsiteX10" fmla="*/ 1981004 w 6169282"/>
+                <a:gd name="connsiteY10" fmla="*/ 881415 h 1322287"/>
+                <a:gd name="connsiteX11" fmla="*/ 1074767 w 6169282"/>
+                <a:gd name="connsiteY11" fmla="*/ 889580 h 1322287"/>
+                <a:gd name="connsiteX12" fmla="*/ 364474 w 6169282"/>
+                <a:gd name="connsiteY12" fmla="*/ 824266 h 1322287"/>
+                <a:gd name="connsiteX13" fmla="*/ 37903 w 6169282"/>
+                <a:gd name="connsiteY13" fmla="*/ 693637 h 1322287"/>
+                <a:gd name="connsiteX0" fmla="*/ 37903 w 6169282"/>
+                <a:gd name="connsiteY0" fmla="*/ 693637 h 1322287"/>
+                <a:gd name="connsiteX1" fmla="*/ 54231 w 6169282"/>
+                <a:gd name="connsiteY1" fmla="*/ 407887 h 1322287"/>
+                <a:gd name="connsiteX2" fmla="*/ 462446 w 6169282"/>
+                <a:gd name="connsiteY2" fmla="*/ 138465 h 1322287"/>
+                <a:gd name="connsiteX3" fmla="*/ 1507474 w 6169282"/>
+                <a:gd name="connsiteY3" fmla="*/ 7837 h 1322287"/>
+                <a:gd name="connsiteX4" fmla="*/ 3450574 w 6169282"/>
+                <a:gd name="connsiteY4" fmla="*/ 358901 h 1322287"/>
+                <a:gd name="connsiteX5" fmla="*/ 4920146 w 6169282"/>
+                <a:gd name="connsiteY5" fmla="*/ 685473 h 1322287"/>
+                <a:gd name="connsiteX6" fmla="*/ 6169282 w 6169282"/>
+                <a:gd name="connsiteY6" fmla="*/ 1322287 h 1322287"/>
+                <a:gd name="connsiteX7" fmla="*/ 5205896 w 6169282"/>
+                <a:gd name="connsiteY7" fmla="*/ 1207987 h 1322287"/>
+                <a:gd name="connsiteX8" fmla="*/ 3973088 w 6169282"/>
+                <a:gd name="connsiteY8" fmla="*/ 1036537 h 1322287"/>
+                <a:gd name="connsiteX9" fmla="*/ 2985210 w 6169282"/>
+                <a:gd name="connsiteY9" fmla="*/ 930402 h 1322287"/>
+                <a:gd name="connsiteX10" fmla="*/ 1981004 w 6169282"/>
+                <a:gd name="connsiteY10" fmla="*/ 881415 h 1322287"/>
+                <a:gd name="connsiteX11" fmla="*/ 1074767 w 6169282"/>
+                <a:gd name="connsiteY11" fmla="*/ 889580 h 1322287"/>
+                <a:gd name="connsiteX12" fmla="*/ 364474 w 6169282"/>
+                <a:gd name="connsiteY12" fmla="*/ 824266 h 1322287"/>
+                <a:gd name="connsiteX13" fmla="*/ 37903 w 6169282"/>
+                <a:gd name="connsiteY13" fmla="*/ 693637 h 1322287"/>
+                <a:gd name="connsiteX0" fmla="*/ 37903 w 6169282"/>
+                <a:gd name="connsiteY0" fmla="*/ 685800 h 1314450"/>
+                <a:gd name="connsiteX1" fmla="*/ 54231 w 6169282"/>
+                <a:gd name="connsiteY1" fmla="*/ 400050 h 1314450"/>
+                <a:gd name="connsiteX2" fmla="*/ 462446 w 6169282"/>
+                <a:gd name="connsiteY2" fmla="*/ 130628 h 1314450"/>
+                <a:gd name="connsiteX3" fmla="*/ 1507474 w 6169282"/>
+                <a:gd name="connsiteY3" fmla="*/ 0 h 1314450"/>
+                <a:gd name="connsiteX4" fmla="*/ 3115839 w 6169282"/>
+                <a:gd name="connsiteY4" fmla="*/ 130628 h 1314450"/>
+                <a:gd name="connsiteX5" fmla="*/ 4920146 w 6169282"/>
+                <a:gd name="connsiteY5" fmla="*/ 677636 h 1314450"/>
+                <a:gd name="connsiteX6" fmla="*/ 6169282 w 6169282"/>
+                <a:gd name="connsiteY6" fmla="*/ 1314450 h 1314450"/>
+                <a:gd name="connsiteX7" fmla="*/ 5205896 w 6169282"/>
+                <a:gd name="connsiteY7" fmla="*/ 1200150 h 1314450"/>
+                <a:gd name="connsiteX8" fmla="*/ 3973088 w 6169282"/>
+                <a:gd name="connsiteY8" fmla="*/ 1028700 h 1314450"/>
+                <a:gd name="connsiteX9" fmla="*/ 2985210 w 6169282"/>
+                <a:gd name="connsiteY9" fmla="*/ 922565 h 1314450"/>
+                <a:gd name="connsiteX10" fmla="*/ 1981004 w 6169282"/>
+                <a:gd name="connsiteY10" fmla="*/ 873578 h 1314450"/>
+                <a:gd name="connsiteX11" fmla="*/ 1074767 w 6169282"/>
+                <a:gd name="connsiteY11" fmla="*/ 881743 h 1314450"/>
+                <a:gd name="connsiteX12" fmla="*/ 364474 w 6169282"/>
+                <a:gd name="connsiteY12" fmla="*/ 816429 h 1314450"/>
+                <a:gd name="connsiteX13" fmla="*/ 37903 w 6169282"/>
+                <a:gd name="connsiteY13" fmla="*/ 685800 h 1314450"/>
+                <a:gd name="connsiteX0" fmla="*/ 37903 w 6169282"/>
+                <a:gd name="connsiteY0" fmla="*/ 685800 h 1314450"/>
+                <a:gd name="connsiteX1" fmla="*/ 54231 w 6169282"/>
+                <a:gd name="connsiteY1" fmla="*/ 400050 h 1314450"/>
+                <a:gd name="connsiteX2" fmla="*/ 462446 w 6169282"/>
+                <a:gd name="connsiteY2" fmla="*/ 130628 h 1314450"/>
+                <a:gd name="connsiteX3" fmla="*/ 1507474 w 6169282"/>
+                <a:gd name="connsiteY3" fmla="*/ 0 h 1314450"/>
+                <a:gd name="connsiteX4" fmla="*/ 3115839 w 6169282"/>
+                <a:gd name="connsiteY4" fmla="*/ 130628 h 1314450"/>
+                <a:gd name="connsiteX5" fmla="*/ 4618067 w 6169282"/>
+                <a:gd name="connsiteY5" fmla="*/ 449036 h 1314450"/>
+                <a:gd name="connsiteX6" fmla="*/ 6169282 w 6169282"/>
+                <a:gd name="connsiteY6" fmla="*/ 1314450 h 1314450"/>
+                <a:gd name="connsiteX7" fmla="*/ 5205896 w 6169282"/>
+                <a:gd name="connsiteY7" fmla="*/ 1200150 h 1314450"/>
+                <a:gd name="connsiteX8" fmla="*/ 3973088 w 6169282"/>
+                <a:gd name="connsiteY8" fmla="*/ 1028700 h 1314450"/>
+                <a:gd name="connsiteX9" fmla="*/ 2985210 w 6169282"/>
+                <a:gd name="connsiteY9" fmla="*/ 922565 h 1314450"/>
+                <a:gd name="connsiteX10" fmla="*/ 1981004 w 6169282"/>
+                <a:gd name="connsiteY10" fmla="*/ 873578 h 1314450"/>
+                <a:gd name="connsiteX11" fmla="*/ 1074767 w 6169282"/>
+                <a:gd name="connsiteY11" fmla="*/ 881743 h 1314450"/>
+                <a:gd name="connsiteX12" fmla="*/ 364474 w 6169282"/>
+                <a:gd name="connsiteY12" fmla="*/ 816429 h 1314450"/>
+                <a:gd name="connsiteX13" fmla="*/ 37903 w 6169282"/>
+                <a:gd name="connsiteY13" fmla="*/ 685800 h 1314450"/>
+                <a:gd name="connsiteX0" fmla="*/ 37903 w 5769232"/>
+                <a:gd name="connsiteY0" fmla="*/ 685800 h 1200445"/>
+                <a:gd name="connsiteX1" fmla="*/ 54231 w 5769232"/>
+                <a:gd name="connsiteY1" fmla="*/ 400050 h 1200445"/>
+                <a:gd name="connsiteX2" fmla="*/ 462446 w 5769232"/>
+                <a:gd name="connsiteY2" fmla="*/ 130628 h 1200445"/>
+                <a:gd name="connsiteX3" fmla="*/ 1507474 w 5769232"/>
+                <a:gd name="connsiteY3" fmla="*/ 0 h 1200445"/>
+                <a:gd name="connsiteX4" fmla="*/ 3115839 w 5769232"/>
+                <a:gd name="connsiteY4" fmla="*/ 130628 h 1200445"/>
+                <a:gd name="connsiteX5" fmla="*/ 4618067 w 5769232"/>
+                <a:gd name="connsiteY5" fmla="*/ 449036 h 1200445"/>
+                <a:gd name="connsiteX6" fmla="*/ 5769232 w 5769232"/>
+                <a:gd name="connsiteY6" fmla="*/ 1085850 h 1200445"/>
+                <a:gd name="connsiteX7" fmla="*/ 5205896 w 5769232"/>
+                <a:gd name="connsiteY7" fmla="*/ 1200150 h 1200445"/>
+                <a:gd name="connsiteX8" fmla="*/ 3973088 w 5769232"/>
+                <a:gd name="connsiteY8" fmla="*/ 1028700 h 1200445"/>
+                <a:gd name="connsiteX9" fmla="*/ 2985210 w 5769232"/>
+                <a:gd name="connsiteY9" fmla="*/ 922565 h 1200445"/>
+                <a:gd name="connsiteX10" fmla="*/ 1981004 w 5769232"/>
+                <a:gd name="connsiteY10" fmla="*/ 873578 h 1200445"/>
+                <a:gd name="connsiteX11" fmla="*/ 1074767 w 5769232"/>
+                <a:gd name="connsiteY11" fmla="*/ 881743 h 1200445"/>
+                <a:gd name="connsiteX12" fmla="*/ 364474 w 5769232"/>
+                <a:gd name="connsiteY12" fmla="*/ 816429 h 1200445"/>
+                <a:gd name="connsiteX13" fmla="*/ 37903 w 5769232"/>
+                <a:gd name="connsiteY13" fmla="*/ 685800 h 1200445"/>
+                <a:gd name="connsiteX0" fmla="*/ 37903 w 5769232"/>
+                <a:gd name="connsiteY0" fmla="*/ 685800 h 1085850"/>
+                <a:gd name="connsiteX1" fmla="*/ 54231 w 5769232"/>
+                <a:gd name="connsiteY1" fmla="*/ 400050 h 1085850"/>
+                <a:gd name="connsiteX2" fmla="*/ 462446 w 5769232"/>
+                <a:gd name="connsiteY2" fmla="*/ 130628 h 1085850"/>
+                <a:gd name="connsiteX3" fmla="*/ 1507474 w 5769232"/>
+                <a:gd name="connsiteY3" fmla="*/ 0 h 1085850"/>
+                <a:gd name="connsiteX4" fmla="*/ 3115839 w 5769232"/>
+                <a:gd name="connsiteY4" fmla="*/ 130628 h 1085850"/>
+                <a:gd name="connsiteX5" fmla="*/ 4618067 w 5769232"/>
+                <a:gd name="connsiteY5" fmla="*/ 449036 h 1085850"/>
+                <a:gd name="connsiteX6" fmla="*/ 5769232 w 5769232"/>
+                <a:gd name="connsiteY6" fmla="*/ 1085850 h 1085850"/>
+                <a:gd name="connsiteX7" fmla="*/ 4797681 w 5769232"/>
+                <a:gd name="connsiteY7" fmla="*/ 996043 h 1085850"/>
+                <a:gd name="connsiteX8" fmla="*/ 3973088 w 5769232"/>
+                <a:gd name="connsiteY8" fmla="*/ 1028700 h 1085850"/>
+                <a:gd name="connsiteX9" fmla="*/ 2985210 w 5769232"/>
+                <a:gd name="connsiteY9" fmla="*/ 922565 h 1085850"/>
+                <a:gd name="connsiteX10" fmla="*/ 1981004 w 5769232"/>
+                <a:gd name="connsiteY10" fmla="*/ 873578 h 1085850"/>
+                <a:gd name="connsiteX11" fmla="*/ 1074767 w 5769232"/>
+                <a:gd name="connsiteY11" fmla="*/ 881743 h 1085850"/>
+                <a:gd name="connsiteX12" fmla="*/ 364474 w 5769232"/>
+                <a:gd name="connsiteY12" fmla="*/ 816429 h 1085850"/>
+                <a:gd name="connsiteX13" fmla="*/ 37903 w 5769232"/>
+                <a:gd name="connsiteY13" fmla="*/ 685800 h 1085850"/>
+                <a:gd name="connsiteX0" fmla="*/ 37903 w 5769232"/>
+                <a:gd name="connsiteY0" fmla="*/ 685800 h 1085850"/>
+                <a:gd name="connsiteX1" fmla="*/ 54231 w 5769232"/>
+                <a:gd name="connsiteY1" fmla="*/ 400050 h 1085850"/>
+                <a:gd name="connsiteX2" fmla="*/ 462446 w 5769232"/>
+                <a:gd name="connsiteY2" fmla="*/ 130628 h 1085850"/>
+                <a:gd name="connsiteX3" fmla="*/ 1507474 w 5769232"/>
+                <a:gd name="connsiteY3" fmla="*/ 0 h 1085850"/>
+                <a:gd name="connsiteX4" fmla="*/ 3115839 w 5769232"/>
+                <a:gd name="connsiteY4" fmla="*/ 130628 h 1085850"/>
+                <a:gd name="connsiteX5" fmla="*/ 4618067 w 5769232"/>
+                <a:gd name="connsiteY5" fmla="*/ 449036 h 1085850"/>
+                <a:gd name="connsiteX6" fmla="*/ 5769232 w 5769232"/>
+                <a:gd name="connsiteY6" fmla="*/ 1085850 h 1085850"/>
+                <a:gd name="connsiteX7" fmla="*/ 4797681 w 5769232"/>
+                <a:gd name="connsiteY7" fmla="*/ 996043 h 1085850"/>
+                <a:gd name="connsiteX8" fmla="*/ 3866952 w 5769232"/>
+                <a:gd name="connsiteY8" fmla="*/ 873578 h 1085850"/>
+                <a:gd name="connsiteX9" fmla="*/ 2985210 w 5769232"/>
+                <a:gd name="connsiteY9" fmla="*/ 922565 h 1085850"/>
+                <a:gd name="connsiteX10" fmla="*/ 1981004 w 5769232"/>
+                <a:gd name="connsiteY10" fmla="*/ 873578 h 1085850"/>
+                <a:gd name="connsiteX11" fmla="*/ 1074767 w 5769232"/>
+                <a:gd name="connsiteY11" fmla="*/ 881743 h 1085850"/>
+                <a:gd name="connsiteX12" fmla="*/ 364474 w 5769232"/>
+                <a:gd name="connsiteY12" fmla="*/ 816429 h 1085850"/>
+                <a:gd name="connsiteX13" fmla="*/ 37903 w 5769232"/>
+                <a:gd name="connsiteY13" fmla="*/ 685800 h 1085850"/>
+                <a:gd name="connsiteX0" fmla="*/ 37903 w 5769232"/>
+                <a:gd name="connsiteY0" fmla="*/ 685800 h 1085850"/>
+                <a:gd name="connsiteX1" fmla="*/ 54231 w 5769232"/>
+                <a:gd name="connsiteY1" fmla="*/ 400050 h 1085850"/>
+                <a:gd name="connsiteX2" fmla="*/ 462446 w 5769232"/>
+                <a:gd name="connsiteY2" fmla="*/ 130628 h 1085850"/>
+                <a:gd name="connsiteX3" fmla="*/ 1507474 w 5769232"/>
+                <a:gd name="connsiteY3" fmla="*/ 0 h 1085850"/>
+                <a:gd name="connsiteX4" fmla="*/ 3115839 w 5769232"/>
+                <a:gd name="connsiteY4" fmla="*/ 130628 h 1085850"/>
+                <a:gd name="connsiteX5" fmla="*/ 4618067 w 5769232"/>
+                <a:gd name="connsiteY5" fmla="*/ 449036 h 1085850"/>
+                <a:gd name="connsiteX6" fmla="*/ 5769232 w 5769232"/>
+                <a:gd name="connsiteY6" fmla="*/ 1085850 h 1085850"/>
+                <a:gd name="connsiteX7" fmla="*/ 4797681 w 5769232"/>
+                <a:gd name="connsiteY7" fmla="*/ 996043 h 1085850"/>
+                <a:gd name="connsiteX8" fmla="*/ 2985210 w 5769232"/>
+                <a:gd name="connsiteY8" fmla="*/ 922565 h 1085850"/>
+                <a:gd name="connsiteX9" fmla="*/ 1981004 w 5769232"/>
+                <a:gd name="connsiteY9" fmla="*/ 873578 h 1085850"/>
+                <a:gd name="connsiteX10" fmla="*/ 1074767 w 5769232"/>
+                <a:gd name="connsiteY10" fmla="*/ 881743 h 1085850"/>
+                <a:gd name="connsiteX11" fmla="*/ 364474 w 5769232"/>
+                <a:gd name="connsiteY11" fmla="*/ 816429 h 1085850"/>
+                <a:gd name="connsiteX12" fmla="*/ 37903 w 5769232"/>
+                <a:gd name="connsiteY12" fmla="*/ 685800 h 1085850"/>
+                <a:gd name="connsiteX0" fmla="*/ 37903 w 5769232"/>
+                <a:gd name="connsiteY0" fmla="*/ 685800 h 1085850"/>
+                <a:gd name="connsiteX1" fmla="*/ 54231 w 5769232"/>
+                <a:gd name="connsiteY1" fmla="*/ 400050 h 1085850"/>
+                <a:gd name="connsiteX2" fmla="*/ 462446 w 5769232"/>
+                <a:gd name="connsiteY2" fmla="*/ 130628 h 1085850"/>
+                <a:gd name="connsiteX3" fmla="*/ 1507474 w 5769232"/>
+                <a:gd name="connsiteY3" fmla="*/ 0 h 1085850"/>
+                <a:gd name="connsiteX4" fmla="*/ 3115839 w 5769232"/>
+                <a:gd name="connsiteY4" fmla="*/ 130628 h 1085850"/>
+                <a:gd name="connsiteX5" fmla="*/ 4618067 w 5769232"/>
+                <a:gd name="connsiteY5" fmla="*/ 449036 h 1085850"/>
+                <a:gd name="connsiteX6" fmla="*/ 5769232 w 5769232"/>
+                <a:gd name="connsiteY6" fmla="*/ 1085850 h 1085850"/>
+                <a:gd name="connsiteX7" fmla="*/ 4079223 w 5769232"/>
+                <a:gd name="connsiteY7" fmla="*/ 889907 h 1085850"/>
+                <a:gd name="connsiteX8" fmla="*/ 2985210 w 5769232"/>
+                <a:gd name="connsiteY8" fmla="*/ 922565 h 1085850"/>
+                <a:gd name="connsiteX9" fmla="*/ 1981004 w 5769232"/>
+                <a:gd name="connsiteY9" fmla="*/ 873578 h 1085850"/>
+                <a:gd name="connsiteX10" fmla="*/ 1074767 w 5769232"/>
+                <a:gd name="connsiteY10" fmla="*/ 881743 h 1085850"/>
+                <a:gd name="connsiteX11" fmla="*/ 364474 w 5769232"/>
+                <a:gd name="connsiteY11" fmla="*/ 816429 h 1085850"/>
+                <a:gd name="connsiteX12" fmla="*/ 37903 w 5769232"/>
+                <a:gd name="connsiteY12" fmla="*/ 685800 h 1085850"/>
+                <a:gd name="connsiteX0" fmla="*/ 37903 w 5769232"/>
+                <a:gd name="connsiteY0" fmla="*/ 685800 h 1085850"/>
+                <a:gd name="connsiteX1" fmla="*/ 54231 w 5769232"/>
+                <a:gd name="connsiteY1" fmla="*/ 400050 h 1085850"/>
+                <a:gd name="connsiteX2" fmla="*/ 462446 w 5769232"/>
+                <a:gd name="connsiteY2" fmla="*/ 130628 h 1085850"/>
+                <a:gd name="connsiteX3" fmla="*/ 1507474 w 5769232"/>
+                <a:gd name="connsiteY3" fmla="*/ 0 h 1085850"/>
+                <a:gd name="connsiteX4" fmla="*/ 3115839 w 5769232"/>
+                <a:gd name="connsiteY4" fmla="*/ 130628 h 1085850"/>
+                <a:gd name="connsiteX5" fmla="*/ 4618067 w 5769232"/>
+                <a:gd name="connsiteY5" fmla="*/ 449036 h 1085850"/>
+                <a:gd name="connsiteX6" fmla="*/ 5769232 w 5769232"/>
+                <a:gd name="connsiteY6" fmla="*/ 1085850 h 1085850"/>
+                <a:gd name="connsiteX7" fmla="*/ 4079223 w 5769232"/>
+                <a:gd name="connsiteY7" fmla="*/ 889907 h 1085850"/>
+                <a:gd name="connsiteX8" fmla="*/ 2960717 w 5769232"/>
+                <a:gd name="connsiteY8" fmla="*/ 873580 h 1085850"/>
+                <a:gd name="connsiteX9" fmla="*/ 1981004 w 5769232"/>
+                <a:gd name="connsiteY9" fmla="*/ 873578 h 1085850"/>
+                <a:gd name="connsiteX10" fmla="*/ 1074767 w 5769232"/>
+                <a:gd name="connsiteY10" fmla="*/ 881743 h 1085850"/>
+                <a:gd name="connsiteX11" fmla="*/ 364474 w 5769232"/>
+                <a:gd name="connsiteY11" fmla="*/ 816429 h 1085850"/>
+                <a:gd name="connsiteX12" fmla="*/ 37903 w 5769232"/>
+                <a:gd name="connsiteY12" fmla="*/ 685800 h 1085850"/>
+                <a:gd name="connsiteX0" fmla="*/ 37903 w 5769232"/>
+                <a:gd name="connsiteY0" fmla="*/ 685800 h 1085850"/>
+                <a:gd name="connsiteX1" fmla="*/ 54231 w 5769232"/>
+                <a:gd name="connsiteY1" fmla="*/ 400050 h 1085850"/>
+                <a:gd name="connsiteX2" fmla="*/ 462446 w 5769232"/>
+                <a:gd name="connsiteY2" fmla="*/ 130628 h 1085850"/>
+                <a:gd name="connsiteX3" fmla="*/ 1507474 w 5769232"/>
+                <a:gd name="connsiteY3" fmla="*/ 0 h 1085850"/>
+                <a:gd name="connsiteX4" fmla="*/ 3115839 w 5769232"/>
+                <a:gd name="connsiteY4" fmla="*/ 130628 h 1085850"/>
+                <a:gd name="connsiteX5" fmla="*/ 4618067 w 5769232"/>
+                <a:gd name="connsiteY5" fmla="*/ 449036 h 1085850"/>
+                <a:gd name="connsiteX6" fmla="*/ 5769232 w 5769232"/>
+                <a:gd name="connsiteY6" fmla="*/ 1085850 h 1085850"/>
+                <a:gd name="connsiteX7" fmla="*/ 4079223 w 5769232"/>
+                <a:gd name="connsiteY7" fmla="*/ 889907 h 1085850"/>
+                <a:gd name="connsiteX8" fmla="*/ 1981004 w 5769232"/>
+                <a:gd name="connsiteY8" fmla="*/ 873578 h 1085850"/>
+                <a:gd name="connsiteX9" fmla="*/ 1074767 w 5769232"/>
+                <a:gd name="connsiteY9" fmla="*/ 881743 h 1085850"/>
+                <a:gd name="connsiteX10" fmla="*/ 364474 w 5769232"/>
+                <a:gd name="connsiteY10" fmla="*/ 816429 h 1085850"/>
+                <a:gd name="connsiteX11" fmla="*/ 37903 w 5769232"/>
+                <a:gd name="connsiteY11" fmla="*/ 685800 h 1085850"/>
+                <a:gd name="connsiteX0" fmla="*/ 37903 w 5769232"/>
+                <a:gd name="connsiteY0" fmla="*/ 685800 h 1085850"/>
+                <a:gd name="connsiteX1" fmla="*/ 54231 w 5769232"/>
+                <a:gd name="connsiteY1" fmla="*/ 400050 h 1085850"/>
+                <a:gd name="connsiteX2" fmla="*/ 462446 w 5769232"/>
+                <a:gd name="connsiteY2" fmla="*/ 130628 h 1085850"/>
+                <a:gd name="connsiteX3" fmla="*/ 1507474 w 5769232"/>
+                <a:gd name="connsiteY3" fmla="*/ 0 h 1085850"/>
+                <a:gd name="connsiteX4" fmla="*/ 3115839 w 5769232"/>
+                <a:gd name="connsiteY4" fmla="*/ 130628 h 1085850"/>
+                <a:gd name="connsiteX5" fmla="*/ 4618067 w 5769232"/>
+                <a:gd name="connsiteY5" fmla="*/ 449036 h 1085850"/>
+                <a:gd name="connsiteX6" fmla="*/ 5769232 w 5769232"/>
+                <a:gd name="connsiteY6" fmla="*/ 1085850 h 1085850"/>
+                <a:gd name="connsiteX7" fmla="*/ 3646516 w 5769232"/>
+                <a:gd name="connsiteY7" fmla="*/ 816428 h 1085850"/>
+                <a:gd name="connsiteX8" fmla="*/ 1981004 w 5769232"/>
+                <a:gd name="connsiteY8" fmla="*/ 873578 h 1085850"/>
+                <a:gd name="connsiteX9" fmla="*/ 1074767 w 5769232"/>
+                <a:gd name="connsiteY9" fmla="*/ 881743 h 1085850"/>
+                <a:gd name="connsiteX10" fmla="*/ 364474 w 5769232"/>
+                <a:gd name="connsiteY10" fmla="*/ 816429 h 1085850"/>
+                <a:gd name="connsiteX11" fmla="*/ 37903 w 5769232"/>
+                <a:gd name="connsiteY11" fmla="*/ 685800 h 1085850"/>
+                <a:gd name="connsiteX0" fmla="*/ 37903 w 5769232"/>
+                <a:gd name="connsiteY0" fmla="*/ 689487 h 1089537"/>
+                <a:gd name="connsiteX1" fmla="*/ 54231 w 5769232"/>
+                <a:gd name="connsiteY1" fmla="*/ 403737 h 1089537"/>
+                <a:gd name="connsiteX2" fmla="*/ 462446 w 5769232"/>
+                <a:gd name="connsiteY2" fmla="*/ 134315 h 1089537"/>
+                <a:gd name="connsiteX3" fmla="*/ 1507474 w 5769232"/>
+                <a:gd name="connsiteY3" fmla="*/ 3687 h 1089537"/>
+                <a:gd name="connsiteX4" fmla="*/ 2413709 w 5769232"/>
+                <a:gd name="connsiteY4" fmla="*/ 44508 h 1089537"/>
+                <a:gd name="connsiteX5" fmla="*/ 3115839 w 5769232"/>
+                <a:gd name="connsiteY5" fmla="*/ 134315 h 1089537"/>
+                <a:gd name="connsiteX6" fmla="*/ 4618067 w 5769232"/>
+                <a:gd name="connsiteY6" fmla="*/ 452723 h 1089537"/>
+                <a:gd name="connsiteX7" fmla="*/ 5769232 w 5769232"/>
+                <a:gd name="connsiteY7" fmla="*/ 1089537 h 1089537"/>
+                <a:gd name="connsiteX8" fmla="*/ 3646516 w 5769232"/>
+                <a:gd name="connsiteY8" fmla="*/ 820115 h 1089537"/>
+                <a:gd name="connsiteX9" fmla="*/ 1981004 w 5769232"/>
+                <a:gd name="connsiteY9" fmla="*/ 877265 h 1089537"/>
+                <a:gd name="connsiteX10" fmla="*/ 1074767 w 5769232"/>
+                <a:gd name="connsiteY10" fmla="*/ 885430 h 1089537"/>
+                <a:gd name="connsiteX11" fmla="*/ 364474 w 5769232"/>
+                <a:gd name="connsiteY11" fmla="*/ 820116 h 1089537"/>
+                <a:gd name="connsiteX12" fmla="*/ 37903 w 5769232"/>
+                <a:gd name="connsiteY12" fmla="*/ 689487 h 1089537"/>
+                <a:gd name="connsiteX0" fmla="*/ 37903 w 5769232"/>
+                <a:gd name="connsiteY0" fmla="*/ 713037 h 1113087"/>
+                <a:gd name="connsiteX1" fmla="*/ 54231 w 5769232"/>
+                <a:gd name="connsiteY1" fmla="*/ 427287 h 1113087"/>
+                <a:gd name="connsiteX2" fmla="*/ 462446 w 5769232"/>
+                <a:gd name="connsiteY2" fmla="*/ 157865 h 1113087"/>
+                <a:gd name="connsiteX3" fmla="*/ 1507474 w 5769232"/>
+                <a:gd name="connsiteY3" fmla="*/ 27237 h 1113087"/>
+                <a:gd name="connsiteX4" fmla="*/ 2413709 w 5769232"/>
+                <a:gd name="connsiteY4" fmla="*/ 10908 h 1113087"/>
+                <a:gd name="connsiteX5" fmla="*/ 3115839 w 5769232"/>
+                <a:gd name="connsiteY5" fmla="*/ 157865 h 1113087"/>
+                <a:gd name="connsiteX6" fmla="*/ 4618067 w 5769232"/>
+                <a:gd name="connsiteY6" fmla="*/ 476273 h 1113087"/>
+                <a:gd name="connsiteX7" fmla="*/ 5769232 w 5769232"/>
+                <a:gd name="connsiteY7" fmla="*/ 1113087 h 1113087"/>
+                <a:gd name="connsiteX8" fmla="*/ 3646516 w 5769232"/>
+                <a:gd name="connsiteY8" fmla="*/ 843665 h 1113087"/>
+                <a:gd name="connsiteX9" fmla="*/ 1981004 w 5769232"/>
+                <a:gd name="connsiteY9" fmla="*/ 900815 h 1113087"/>
+                <a:gd name="connsiteX10" fmla="*/ 1074767 w 5769232"/>
+                <a:gd name="connsiteY10" fmla="*/ 908980 h 1113087"/>
+                <a:gd name="connsiteX11" fmla="*/ 364474 w 5769232"/>
+                <a:gd name="connsiteY11" fmla="*/ 843666 h 1113087"/>
+                <a:gd name="connsiteX12" fmla="*/ 37903 w 5769232"/>
+                <a:gd name="connsiteY12" fmla="*/ 713037 h 1113087"/>
+                <a:gd name="connsiteX0" fmla="*/ 37903 w 5769232"/>
+                <a:gd name="connsiteY0" fmla="*/ 729947 h 1129997"/>
+                <a:gd name="connsiteX1" fmla="*/ 54231 w 5769232"/>
+                <a:gd name="connsiteY1" fmla="*/ 444197 h 1129997"/>
+                <a:gd name="connsiteX2" fmla="*/ 462446 w 5769232"/>
+                <a:gd name="connsiteY2" fmla="*/ 174775 h 1129997"/>
+                <a:gd name="connsiteX3" fmla="*/ 1287038 w 5769232"/>
+                <a:gd name="connsiteY3" fmla="*/ 11490 h 1129997"/>
+                <a:gd name="connsiteX4" fmla="*/ 2413709 w 5769232"/>
+                <a:gd name="connsiteY4" fmla="*/ 27818 h 1129997"/>
+                <a:gd name="connsiteX5" fmla="*/ 3115839 w 5769232"/>
+                <a:gd name="connsiteY5" fmla="*/ 174775 h 1129997"/>
+                <a:gd name="connsiteX6" fmla="*/ 4618067 w 5769232"/>
+                <a:gd name="connsiteY6" fmla="*/ 493183 h 1129997"/>
+                <a:gd name="connsiteX7" fmla="*/ 5769232 w 5769232"/>
+                <a:gd name="connsiteY7" fmla="*/ 1129997 h 1129997"/>
+                <a:gd name="connsiteX8" fmla="*/ 3646516 w 5769232"/>
+                <a:gd name="connsiteY8" fmla="*/ 860575 h 1129997"/>
+                <a:gd name="connsiteX9" fmla="*/ 1981004 w 5769232"/>
+                <a:gd name="connsiteY9" fmla="*/ 917725 h 1129997"/>
+                <a:gd name="connsiteX10" fmla="*/ 1074767 w 5769232"/>
+                <a:gd name="connsiteY10" fmla="*/ 925890 h 1129997"/>
+                <a:gd name="connsiteX11" fmla="*/ 364474 w 5769232"/>
+                <a:gd name="connsiteY11" fmla="*/ 860576 h 1129997"/>
+                <a:gd name="connsiteX12" fmla="*/ 37903 w 5769232"/>
+                <a:gd name="connsiteY12" fmla="*/ 729947 h 1129997"/>
+                <a:gd name="connsiteX0" fmla="*/ 37903 w 5769232"/>
+                <a:gd name="connsiteY0" fmla="*/ 729947 h 1129997"/>
+                <a:gd name="connsiteX1" fmla="*/ 54231 w 5769232"/>
+                <a:gd name="connsiteY1" fmla="*/ 444197 h 1129997"/>
+                <a:gd name="connsiteX2" fmla="*/ 462446 w 5769232"/>
+                <a:gd name="connsiteY2" fmla="*/ 174775 h 1129997"/>
+                <a:gd name="connsiteX3" fmla="*/ 1287038 w 5769232"/>
+                <a:gd name="connsiteY3" fmla="*/ 11490 h 1129997"/>
+                <a:gd name="connsiteX4" fmla="*/ 2250424 w 5769232"/>
+                <a:gd name="connsiteY4" fmla="*/ 27818 h 1129997"/>
+                <a:gd name="connsiteX5" fmla="*/ 3115839 w 5769232"/>
+                <a:gd name="connsiteY5" fmla="*/ 174775 h 1129997"/>
+                <a:gd name="connsiteX6" fmla="*/ 4618067 w 5769232"/>
+                <a:gd name="connsiteY6" fmla="*/ 493183 h 1129997"/>
+                <a:gd name="connsiteX7" fmla="*/ 5769232 w 5769232"/>
+                <a:gd name="connsiteY7" fmla="*/ 1129997 h 1129997"/>
+                <a:gd name="connsiteX8" fmla="*/ 3646516 w 5769232"/>
+                <a:gd name="connsiteY8" fmla="*/ 860575 h 1129997"/>
+                <a:gd name="connsiteX9" fmla="*/ 1981004 w 5769232"/>
+                <a:gd name="connsiteY9" fmla="*/ 917725 h 1129997"/>
+                <a:gd name="connsiteX10" fmla="*/ 1074767 w 5769232"/>
+                <a:gd name="connsiteY10" fmla="*/ 925890 h 1129997"/>
+                <a:gd name="connsiteX11" fmla="*/ 364474 w 5769232"/>
+                <a:gd name="connsiteY11" fmla="*/ 860576 h 1129997"/>
+                <a:gd name="connsiteX12" fmla="*/ 37903 w 5769232"/>
+                <a:gd name="connsiteY12" fmla="*/ 729947 h 1129997"/>
+                <a:gd name="connsiteX0" fmla="*/ 37903 w 5769232"/>
+                <a:gd name="connsiteY0" fmla="*/ 729947 h 1129997"/>
+                <a:gd name="connsiteX1" fmla="*/ 54231 w 5769232"/>
+                <a:gd name="connsiteY1" fmla="*/ 444197 h 1129997"/>
+                <a:gd name="connsiteX2" fmla="*/ 462446 w 5769232"/>
+                <a:gd name="connsiteY2" fmla="*/ 174775 h 1129997"/>
+                <a:gd name="connsiteX3" fmla="*/ 1287038 w 5769232"/>
+                <a:gd name="connsiteY3" fmla="*/ 11490 h 1129997"/>
+                <a:gd name="connsiteX4" fmla="*/ 2250424 w 5769232"/>
+                <a:gd name="connsiteY4" fmla="*/ 27818 h 1129997"/>
+                <a:gd name="connsiteX5" fmla="*/ 3295453 w 5769232"/>
+                <a:gd name="connsiteY5" fmla="*/ 174775 h 1129997"/>
+                <a:gd name="connsiteX6" fmla="*/ 4618067 w 5769232"/>
+                <a:gd name="connsiteY6" fmla="*/ 493183 h 1129997"/>
+                <a:gd name="connsiteX7" fmla="*/ 5769232 w 5769232"/>
+                <a:gd name="connsiteY7" fmla="*/ 1129997 h 1129997"/>
+                <a:gd name="connsiteX8" fmla="*/ 3646516 w 5769232"/>
+                <a:gd name="connsiteY8" fmla="*/ 860575 h 1129997"/>
+                <a:gd name="connsiteX9" fmla="*/ 1981004 w 5769232"/>
+                <a:gd name="connsiteY9" fmla="*/ 917725 h 1129997"/>
+                <a:gd name="connsiteX10" fmla="*/ 1074767 w 5769232"/>
+                <a:gd name="connsiteY10" fmla="*/ 925890 h 1129997"/>
+                <a:gd name="connsiteX11" fmla="*/ 364474 w 5769232"/>
+                <a:gd name="connsiteY11" fmla="*/ 860576 h 1129997"/>
+                <a:gd name="connsiteX12" fmla="*/ 37903 w 5769232"/>
+                <a:gd name="connsiteY12" fmla="*/ 729947 h 1129997"/>
+                <a:gd name="connsiteX0" fmla="*/ 37903 w 5769232"/>
+                <a:gd name="connsiteY0" fmla="*/ 729947 h 1129997"/>
+                <a:gd name="connsiteX1" fmla="*/ 54231 w 5769232"/>
+                <a:gd name="connsiteY1" fmla="*/ 444197 h 1129997"/>
+                <a:gd name="connsiteX2" fmla="*/ 462446 w 5769232"/>
+                <a:gd name="connsiteY2" fmla="*/ 174775 h 1129997"/>
+                <a:gd name="connsiteX3" fmla="*/ 1287038 w 5769232"/>
+                <a:gd name="connsiteY3" fmla="*/ 11490 h 1129997"/>
+                <a:gd name="connsiteX4" fmla="*/ 2250424 w 5769232"/>
+                <a:gd name="connsiteY4" fmla="*/ 27818 h 1129997"/>
+                <a:gd name="connsiteX5" fmla="*/ 3295453 w 5769232"/>
+                <a:gd name="connsiteY5" fmla="*/ 174775 h 1129997"/>
+                <a:gd name="connsiteX6" fmla="*/ 4405796 w 5769232"/>
+                <a:gd name="connsiteY6" fmla="*/ 501348 h 1129997"/>
+                <a:gd name="connsiteX7" fmla="*/ 5769232 w 5769232"/>
+                <a:gd name="connsiteY7" fmla="*/ 1129997 h 1129997"/>
+                <a:gd name="connsiteX8" fmla="*/ 3646516 w 5769232"/>
+                <a:gd name="connsiteY8" fmla="*/ 860575 h 1129997"/>
+                <a:gd name="connsiteX9" fmla="*/ 1981004 w 5769232"/>
+                <a:gd name="connsiteY9" fmla="*/ 917725 h 1129997"/>
+                <a:gd name="connsiteX10" fmla="*/ 1074767 w 5769232"/>
+                <a:gd name="connsiteY10" fmla="*/ 925890 h 1129997"/>
+                <a:gd name="connsiteX11" fmla="*/ 364474 w 5769232"/>
+                <a:gd name="connsiteY11" fmla="*/ 860576 h 1129997"/>
+                <a:gd name="connsiteX12" fmla="*/ 37903 w 5769232"/>
+                <a:gd name="connsiteY12" fmla="*/ 729947 h 1129997"/>
+                <a:gd name="connsiteX0" fmla="*/ 37903 w 5769232"/>
+                <a:gd name="connsiteY0" fmla="*/ 729947 h 1129997"/>
+                <a:gd name="connsiteX1" fmla="*/ 54231 w 5769232"/>
+                <a:gd name="connsiteY1" fmla="*/ 444197 h 1129997"/>
+                <a:gd name="connsiteX2" fmla="*/ 462446 w 5769232"/>
+                <a:gd name="connsiteY2" fmla="*/ 174775 h 1129997"/>
+                <a:gd name="connsiteX3" fmla="*/ 1287038 w 5769232"/>
+                <a:gd name="connsiteY3" fmla="*/ 11490 h 1129997"/>
+                <a:gd name="connsiteX4" fmla="*/ 2250424 w 5769232"/>
+                <a:gd name="connsiteY4" fmla="*/ 27818 h 1129997"/>
+                <a:gd name="connsiteX5" fmla="*/ 3295453 w 5769232"/>
+                <a:gd name="connsiteY5" fmla="*/ 174775 h 1129997"/>
+                <a:gd name="connsiteX6" fmla="*/ 4405796 w 5769232"/>
+                <a:gd name="connsiteY6" fmla="*/ 501348 h 1129997"/>
+                <a:gd name="connsiteX7" fmla="*/ 5769232 w 5769232"/>
+                <a:gd name="connsiteY7" fmla="*/ 1129997 h 1129997"/>
+                <a:gd name="connsiteX8" fmla="*/ 3646516 w 5769232"/>
+                <a:gd name="connsiteY8" fmla="*/ 860575 h 1129997"/>
+                <a:gd name="connsiteX9" fmla="*/ 1981004 w 5769232"/>
+                <a:gd name="connsiteY9" fmla="*/ 917725 h 1129997"/>
+                <a:gd name="connsiteX10" fmla="*/ 1074767 w 5769232"/>
+                <a:gd name="connsiteY10" fmla="*/ 925890 h 1129997"/>
+                <a:gd name="connsiteX11" fmla="*/ 364474 w 5769232"/>
+                <a:gd name="connsiteY11" fmla="*/ 860576 h 1129997"/>
+                <a:gd name="connsiteX12" fmla="*/ 37903 w 5769232"/>
+                <a:gd name="connsiteY12" fmla="*/ 729947 h 1129997"/>
+                <a:gd name="connsiteX0" fmla="*/ 23626 w 5754955"/>
+                <a:gd name="connsiteY0" fmla="*/ 729947 h 1129997"/>
+                <a:gd name="connsiteX1" fmla="*/ 72611 w 5754955"/>
+                <a:gd name="connsiteY1" fmla="*/ 387047 h 1129997"/>
+                <a:gd name="connsiteX2" fmla="*/ 448169 w 5754955"/>
+                <a:gd name="connsiteY2" fmla="*/ 174775 h 1129997"/>
+                <a:gd name="connsiteX3" fmla="*/ 1272761 w 5754955"/>
+                <a:gd name="connsiteY3" fmla="*/ 11490 h 1129997"/>
+                <a:gd name="connsiteX4" fmla="*/ 2236147 w 5754955"/>
+                <a:gd name="connsiteY4" fmla="*/ 27818 h 1129997"/>
+                <a:gd name="connsiteX5" fmla="*/ 3281176 w 5754955"/>
+                <a:gd name="connsiteY5" fmla="*/ 174775 h 1129997"/>
+                <a:gd name="connsiteX6" fmla="*/ 4391519 w 5754955"/>
+                <a:gd name="connsiteY6" fmla="*/ 501348 h 1129997"/>
+                <a:gd name="connsiteX7" fmla="*/ 5754955 w 5754955"/>
+                <a:gd name="connsiteY7" fmla="*/ 1129997 h 1129997"/>
+                <a:gd name="connsiteX8" fmla="*/ 3632239 w 5754955"/>
+                <a:gd name="connsiteY8" fmla="*/ 860575 h 1129997"/>
+                <a:gd name="connsiteX9" fmla="*/ 1966727 w 5754955"/>
+                <a:gd name="connsiteY9" fmla="*/ 917725 h 1129997"/>
+                <a:gd name="connsiteX10" fmla="*/ 1060490 w 5754955"/>
+                <a:gd name="connsiteY10" fmla="*/ 925890 h 1129997"/>
+                <a:gd name="connsiteX11" fmla="*/ 350197 w 5754955"/>
+                <a:gd name="connsiteY11" fmla="*/ 860576 h 1129997"/>
+                <a:gd name="connsiteX12" fmla="*/ 23626 w 5754955"/>
+                <a:gd name="connsiteY12" fmla="*/ 729947 h 1129997"/>
+                <a:gd name="connsiteX0" fmla="*/ 27090 w 5758419"/>
+                <a:gd name="connsiteY0" fmla="*/ 724505 h 1124555"/>
+                <a:gd name="connsiteX1" fmla="*/ 76075 w 5758419"/>
+                <a:gd name="connsiteY1" fmla="*/ 381605 h 1124555"/>
+                <a:gd name="connsiteX2" fmla="*/ 533276 w 5758419"/>
+                <a:gd name="connsiteY2" fmla="*/ 95854 h 1124555"/>
+                <a:gd name="connsiteX3" fmla="*/ 1276225 w 5758419"/>
+                <a:gd name="connsiteY3" fmla="*/ 6048 h 1124555"/>
+                <a:gd name="connsiteX4" fmla="*/ 2239611 w 5758419"/>
+                <a:gd name="connsiteY4" fmla="*/ 22376 h 1124555"/>
+                <a:gd name="connsiteX5" fmla="*/ 3284640 w 5758419"/>
+                <a:gd name="connsiteY5" fmla="*/ 169333 h 1124555"/>
+                <a:gd name="connsiteX6" fmla="*/ 4394983 w 5758419"/>
+                <a:gd name="connsiteY6" fmla="*/ 495906 h 1124555"/>
+                <a:gd name="connsiteX7" fmla="*/ 5758419 w 5758419"/>
+                <a:gd name="connsiteY7" fmla="*/ 1124555 h 1124555"/>
+                <a:gd name="connsiteX8" fmla="*/ 3635703 w 5758419"/>
+                <a:gd name="connsiteY8" fmla="*/ 855133 h 1124555"/>
+                <a:gd name="connsiteX9" fmla="*/ 1970191 w 5758419"/>
+                <a:gd name="connsiteY9" fmla="*/ 912283 h 1124555"/>
+                <a:gd name="connsiteX10" fmla="*/ 1063954 w 5758419"/>
+                <a:gd name="connsiteY10" fmla="*/ 920448 h 1124555"/>
+                <a:gd name="connsiteX11" fmla="*/ 353661 w 5758419"/>
+                <a:gd name="connsiteY11" fmla="*/ 855134 h 1124555"/>
+                <a:gd name="connsiteX12" fmla="*/ 27090 w 5758419"/>
+                <a:gd name="connsiteY12" fmla="*/ 724505 h 1124555"/>
+                <a:gd name="connsiteX0" fmla="*/ 17228 w 5797543"/>
+                <a:gd name="connsiteY0" fmla="*/ 585712 h 1124555"/>
+                <a:gd name="connsiteX1" fmla="*/ 115199 w 5797543"/>
+                <a:gd name="connsiteY1" fmla="*/ 381605 h 1124555"/>
+                <a:gd name="connsiteX2" fmla="*/ 572400 w 5797543"/>
+                <a:gd name="connsiteY2" fmla="*/ 95854 h 1124555"/>
+                <a:gd name="connsiteX3" fmla="*/ 1315349 w 5797543"/>
+                <a:gd name="connsiteY3" fmla="*/ 6048 h 1124555"/>
+                <a:gd name="connsiteX4" fmla="*/ 2278735 w 5797543"/>
+                <a:gd name="connsiteY4" fmla="*/ 22376 h 1124555"/>
+                <a:gd name="connsiteX5" fmla="*/ 3323764 w 5797543"/>
+                <a:gd name="connsiteY5" fmla="*/ 169333 h 1124555"/>
+                <a:gd name="connsiteX6" fmla="*/ 4434107 w 5797543"/>
+                <a:gd name="connsiteY6" fmla="*/ 495906 h 1124555"/>
+                <a:gd name="connsiteX7" fmla="*/ 5797543 w 5797543"/>
+                <a:gd name="connsiteY7" fmla="*/ 1124555 h 1124555"/>
+                <a:gd name="connsiteX8" fmla="*/ 3674827 w 5797543"/>
+                <a:gd name="connsiteY8" fmla="*/ 855133 h 1124555"/>
+                <a:gd name="connsiteX9" fmla="*/ 2009315 w 5797543"/>
+                <a:gd name="connsiteY9" fmla="*/ 912283 h 1124555"/>
+                <a:gd name="connsiteX10" fmla="*/ 1103078 w 5797543"/>
+                <a:gd name="connsiteY10" fmla="*/ 920448 h 1124555"/>
+                <a:gd name="connsiteX11" fmla="*/ 392785 w 5797543"/>
+                <a:gd name="connsiteY11" fmla="*/ 855134 h 1124555"/>
+                <a:gd name="connsiteX12" fmla="*/ 17228 w 5797543"/>
+                <a:gd name="connsiteY12" fmla="*/ 585712 h 1124555"/>
+                <a:gd name="connsiteX0" fmla="*/ 7835 w 5788150"/>
+                <a:gd name="connsiteY0" fmla="*/ 585712 h 1124555"/>
+                <a:gd name="connsiteX1" fmla="*/ 162956 w 5788150"/>
+                <a:gd name="connsiteY1" fmla="*/ 357112 h 1124555"/>
+                <a:gd name="connsiteX2" fmla="*/ 563007 w 5788150"/>
+                <a:gd name="connsiteY2" fmla="*/ 95854 h 1124555"/>
+                <a:gd name="connsiteX3" fmla="*/ 1305956 w 5788150"/>
+                <a:gd name="connsiteY3" fmla="*/ 6048 h 1124555"/>
+                <a:gd name="connsiteX4" fmla="*/ 2269342 w 5788150"/>
+                <a:gd name="connsiteY4" fmla="*/ 22376 h 1124555"/>
+                <a:gd name="connsiteX5" fmla="*/ 3314371 w 5788150"/>
+                <a:gd name="connsiteY5" fmla="*/ 169333 h 1124555"/>
+                <a:gd name="connsiteX6" fmla="*/ 4424714 w 5788150"/>
+                <a:gd name="connsiteY6" fmla="*/ 495906 h 1124555"/>
+                <a:gd name="connsiteX7" fmla="*/ 5788150 w 5788150"/>
+                <a:gd name="connsiteY7" fmla="*/ 1124555 h 1124555"/>
+                <a:gd name="connsiteX8" fmla="*/ 3665434 w 5788150"/>
+                <a:gd name="connsiteY8" fmla="*/ 855133 h 1124555"/>
+                <a:gd name="connsiteX9" fmla="*/ 1999922 w 5788150"/>
+                <a:gd name="connsiteY9" fmla="*/ 912283 h 1124555"/>
+                <a:gd name="connsiteX10" fmla="*/ 1093685 w 5788150"/>
+                <a:gd name="connsiteY10" fmla="*/ 920448 h 1124555"/>
+                <a:gd name="connsiteX11" fmla="*/ 383392 w 5788150"/>
+                <a:gd name="connsiteY11" fmla="*/ 855134 h 1124555"/>
+                <a:gd name="connsiteX12" fmla="*/ 7835 w 5788150"/>
+                <a:gd name="connsiteY12" fmla="*/ 585712 h 1124555"/>
+                <a:gd name="connsiteX0" fmla="*/ 7835 w 5788150"/>
+                <a:gd name="connsiteY0" fmla="*/ 602040 h 1124555"/>
+                <a:gd name="connsiteX1" fmla="*/ 162956 w 5788150"/>
+                <a:gd name="connsiteY1" fmla="*/ 357112 h 1124555"/>
+                <a:gd name="connsiteX2" fmla="*/ 563007 w 5788150"/>
+                <a:gd name="connsiteY2" fmla="*/ 95854 h 1124555"/>
+                <a:gd name="connsiteX3" fmla="*/ 1305956 w 5788150"/>
+                <a:gd name="connsiteY3" fmla="*/ 6048 h 1124555"/>
+                <a:gd name="connsiteX4" fmla="*/ 2269342 w 5788150"/>
+                <a:gd name="connsiteY4" fmla="*/ 22376 h 1124555"/>
+                <a:gd name="connsiteX5" fmla="*/ 3314371 w 5788150"/>
+                <a:gd name="connsiteY5" fmla="*/ 169333 h 1124555"/>
+                <a:gd name="connsiteX6" fmla="*/ 4424714 w 5788150"/>
+                <a:gd name="connsiteY6" fmla="*/ 495906 h 1124555"/>
+                <a:gd name="connsiteX7" fmla="*/ 5788150 w 5788150"/>
+                <a:gd name="connsiteY7" fmla="*/ 1124555 h 1124555"/>
+                <a:gd name="connsiteX8" fmla="*/ 3665434 w 5788150"/>
+                <a:gd name="connsiteY8" fmla="*/ 855133 h 1124555"/>
+                <a:gd name="connsiteX9" fmla="*/ 1999922 w 5788150"/>
+                <a:gd name="connsiteY9" fmla="*/ 912283 h 1124555"/>
+                <a:gd name="connsiteX10" fmla="*/ 1093685 w 5788150"/>
+                <a:gd name="connsiteY10" fmla="*/ 920448 h 1124555"/>
+                <a:gd name="connsiteX11" fmla="*/ 383392 w 5788150"/>
+                <a:gd name="connsiteY11" fmla="*/ 855134 h 1124555"/>
+                <a:gd name="connsiteX12" fmla="*/ 7835 w 5788150"/>
+                <a:gd name="connsiteY12" fmla="*/ 602040 h 1124555"/>
+                <a:gd name="connsiteX0" fmla="*/ 1317 w 5781632"/>
+                <a:gd name="connsiteY0" fmla="*/ 602040 h 1124555"/>
+                <a:gd name="connsiteX1" fmla="*/ 156438 w 5781632"/>
+                <a:gd name="connsiteY1" fmla="*/ 357112 h 1124555"/>
+                <a:gd name="connsiteX2" fmla="*/ 556489 w 5781632"/>
+                <a:gd name="connsiteY2" fmla="*/ 95854 h 1124555"/>
+                <a:gd name="connsiteX3" fmla="*/ 1299438 w 5781632"/>
+                <a:gd name="connsiteY3" fmla="*/ 6048 h 1124555"/>
+                <a:gd name="connsiteX4" fmla="*/ 2262824 w 5781632"/>
+                <a:gd name="connsiteY4" fmla="*/ 22376 h 1124555"/>
+                <a:gd name="connsiteX5" fmla="*/ 3307853 w 5781632"/>
+                <a:gd name="connsiteY5" fmla="*/ 169333 h 1124555"/>
+                <a:gd name="connsiteX6" fmla="*/ 4418196 w 5781632"/>
+                <a:gd name="connsiteY6" fmla="*/ 495906 h 1124555"/>
+                <a:gd name="connsiteX7" fmla="*/ 5781632 w 5781632"/>
+                <a:gd name="connsiteY7" fmla="*/ 1124555 h 1124555"/>
+                <a:gd name="connsiteX8" fmla="*/ 3658916 w 5781632"/>
+                <a:gd name="connsiteY8" fmla="*/ 855133 h 1124555"/>
+                <a:gd name="connsiteX9" fmla="*/ 1993404 w 5781632"/>
+                <a:gd name="connsiteY9" fmla="*/ 912283 h 1124555"/>
+                <a:gd name="connsiteX10" fmla="*/ 1087167 w 5781632"/>
+                <a:gd name="connsiteY10" fmla="*/ 920448 h 1124555"/>
+                <a:gd name="connsiteX11" fmla="*/ 376874 w 5781632"/>
+                <a:gd name="connsiteY11" fmla="*/ 855134 h 1124555"/>
+                <a:gd name="connsiteX12" fmla="*/ 1317 w 5781632"/>
+                <a:gd name="connsiteY12" fmla="*/ 602040 h 1124555"/>
+                <a:gd name="connsiteX0" fmla="*/ 4860 w 5785175"/>
+                <a:gd name="connsiteY0" fmla="*/ 602040 h 1124555"/>
+                <a:gd name="connsiteX1" fmla="*/ 192638 w 5785175"/>
+                <a:gd name="connsiteY1" fmla="*/ 308126 h 1124555"/>
+                <a:gd name="connsiteX2" fmla="*/ 560032 w 5785175"/>
+                <a:gd name="connsiteY2" fmla="*/ 95854 h 1124555"/>
+                <a:gd name="connsiteX3" fmla="*/ 1302981 w 5785175"/>
+                <a:gd name="connsiteY3" fmla="*/ 6048 h 1124555"/>
+                <a:gd name="connsiteX4" fmla="*/ 2266367 w 5785175"/>
+                <a:gd name="connsiteY4" fmla="*/ 22376 h 1124555"/>
+                <a:gd name="connsiteX5" fmla="*/ 3311396 w 5785175"/>
+                <a:gd name="connsiteY5" fmla="*/ 169333 h 1124555"/>
+                <a:gd name="connsiteX6" fmla="*/ 4421739 w 5785175"/>
+                <a:gd name="connsiteY6" fmla="*/ 495906 h 1124555"/>
+                <a:gd name="connsiteX7" fmla="*/ 5785175 w 5785175"/>
+                <a:gd name="connsiteY7" fmla="*/ 1124555 h 1124555"/>
+                <a:gd name="connsiteX8" fmla="*/ 3662459 w 5785175"/>
+                <a:gd name="connsiteY8" fmla="*/ 855133 h 1124555"/>
+                <a:gd name="connsiteX9" fmla="*/ 1996947 w 5785175"/>
+                <a:gd name="connsiteY9" fmla="*/ 912283 h 1124555"/>
+                <a:gd name="connsiteX10" fmla="*/ 1090710 w 5785175"/>
+                <a:gd name="connsiteY10" fmla="*/ 920448 h 1124555"/>
+                <a:gd name="connsiteX11" fmla="*/ 380417 w 5785175"/>
+                <a:gd name="connsiteY11" fmla="*/ 855134 h 1124555"/>
+                <a:gd name="connsiteX12" fmla="*/ 4860 w 5785175"/>
+                <a:gd name="connsiteY12" fmla="*/ 602040 h 1124555"/>
+                <a:gd name="connsiteX0" fmla="*/ 5163 w 5785478"/>
+                <a:gd name="connsiteY0" fmla="*/ 595992 h 1118507"/>
+                <a:gd name="connsiteX1" fmla="*/ 192941 w 5785478"/>
+                <a:gd name="connsiteY1" fmla="*/ 302078 h 1118507"/>
+                <a:gd name="connsiteX2" fmla="*/ 617485 w 5785478"/>
+                <a:gd name="connsiteY2" fmla="*/ 48985 h 1118507"/>
+                <a:gd name="connsiteX3" fmla="*/ 1303284 w 5785478"/>
+                <a:gd name="connsiteY3" fmla="*/ 0 h 1118507"/>
+                <a:gd name="connsiteX4" fmla="*/ 2266670 w 5785478"/>
+                <a:gd name="connsiteY4" fmla="*/ 16328 h 1118507"/>
+                <a:gd name="connsiteX5" fmla="*/ 3311699 w 5785478"/>
+                <a:gd name="connsiteY5" fmla="*/ 163285 h 1118507"/>
+                <a:gd name="connsiteX6" fmla="*/ 4422042 w 5785478"/>
+                <a:gd name="connsiteY6" fmla="*/ 489858 h 1118507"/>
+                <a:gd name="connsiteX7" fmla="*/ 5785478 w 5785478"/>
+                <a:gd name="connsiteY7" fmla="*/ 1118507 h 1118507"/>
+                <a:gd name="connsiteX8" fmla="*/ 3662762 w 5785478"/>
+                <a:gd name="connsiteY8" fmla="*/ 849085 h 1118507"/>
+                <a:gd name="connsiteX9" fmla="*/ 1997250 w 5785478"/>
+                <a:gd name="connsiteY9" fmla="*/ 906235 h 1118507"/>
+                <a:gd name="connsiteX10" fmla="*/ 1091013 w 5785478"/>
+                <a:gd name="connsiteY10" fmla="*/ 914400 h 1118507"/>
+                <a:gd name="connsiteX11" fmla="*/ 380720 w 5785478"/>
+                <a:gd name="connsiteY11" fmla="*/ 849086 h 1118507"/>
+                <a:gd name="connsiteX12" fmla="*/ 5163 w 5785478"/>
+                <a:gd name="connsiteY12" fmla="*/ 595992 h 1118507"/>
+                <a:gd name="connsiteX0" fmla="*/ 5163 w 5785478"/>
+                <a:gd name="connsiteY0" fmla="*/ 644978 h 1167493"/>
+                <a:gd name="connsiteX1" fmla="*/ 192941 w 5785478"/>
+                <a:gd name="connsiteY1" fmla="*/ 351064 h 1167493"/>
+                <a:gd name="connsiteX2" fmla="*/ 617485 w 5785478"/>
+                <a:gd name="connsiteY2" fmla="*/ 97971 h 1167493"/>
+                <a:gd name="connsiteX3" fmla="*/ 1303284 w 5785478"/>
+                <a:gd name="connsiteY3" fmla="*/ 0 h 1167493"/>
+                <a:gd name="connsiteX4" fmla="*/ 2266670 w 5785478"/>
+                <a:gd name="connsiteY4" fmla="*/ 65314 h 1167493"/>
+                <a:gd name="connsiteX5" fmla="*/ 3311699 w 5785478"/>
+                <a:gd name="connsiteY5" fmla="*/ 212271 h 1167493"/>
+                <a:gd name="connsiteX6" fmla="*/ 4422042 w 5785478"/>
+                <a:gd name="connsiteY6" fmla="*/ 538844 h 1167493"/>
+                <a:gd name="connsiteX7" fmla="*/ 5785478 w 5785478"/>
+                <a:gd name="connsiteY7" fmla="*/ 1167493 h 1167493"/>
+                <a:gd name="connsiteX8" fmla="*/ 3662762 w 5785478"/>
+                <a:gd name="connsiteY8" fmla="*/ 898071 h 1167493"/>
+                <a:gd name="connsiteX9" fmla="*/ 1997250 w 5785478"/>
+                <a:gd name="connsiteY9" fmla="*/ 955221 h 1167493"/>
+                <a:gd name="connsiteX10" fmla="*/ 1091013 w 5785478"/>
+                <a:gd name="connsiteY10" fmla="*/ 963386 h 1167493"/>
+                <a:gd name="connsiteX11" fmla="*/ 380720 w 5785478"/>
+                <a:gd name="connsiteY11" fmla="*/ 898072 h 1167493"/>
+                <a:gd name="connsiteX12" fmla="*/ 5163 w 5785478"/>
+                <a:gd name="connsiteY12" fmla="*/ 644978 h 1167493"/>
+                <a:gd name="connsiteX0" fmla="*/ 5163 w 5785478"/>
+                <a:gd name="connsiteY0" fmla="*/ 646534 h 1169049"/>
+                <a:gd name="connsiteX1" fmla="*/ 192941 w 5785478"/>
+                <a:gd name="connsiteY1" fmla="*/ 352620 h 1169049"/>
+                <a:gd name="connsiteX2" fmla="*/ 617485 w 5785478"/>
+                <a:gd name="connsiteY2" fmla="*/ 99527 h 1169049"/>
+                <a:gd name="connsiteX3" fmla="*/ 1303284 w 5785478"/>
+                <a:gd name="connsiteY3" fmla="*/ 1556 h 1169049"/>
+                <a:gd name="connsiteX4" fmla="*/ 2144206 w 5785478"/>
+                <a:gd name="connsiteY4" fmla="*/ 42377 h 1169049"/>
+                <a:gd name="connsiteX5" fmla="*/ 3311699 w 5785478"/>
+                <a:gd name="connsiteY5" fmla="*/ 213827 h 1169049"/>
+                <a:gd name="connsiteX6" fmla="*/ 4422042 w 5785478"/>
+                <a:gd name="connsiteY6" fmla="*/ 540400 h 1169049"/>
+                <a:gd name="connsiteX7" fmla="*/ 5785478 w 5785478"/>
+                <a:gd name="connsiteY7" fmla="*/ 1169049 h 1169049"/>
+                <a:gd name="connsiteX8" fmla="*/ 3662762 w 5785478"/>
+                <a:gd name="connsiteY8" fmla="*/ 899627 h 1169049"/>
+                <a:gd name="connsiteX9" fmla="*/ 1997250 w 5785478"/>
+                <a:gd name="connsiteY9" fmla="*/ 956777 h 1169049"/>
+                <a:gd name="connsiteX10" fmla="*/ 1091013 w 5785478"/>
+                <a:gd name="connsiteY10" fmla="*/ 964942 h 1169049"/>
+                <a:gd name="connsiteX11" fmla="*/ 380720 w 5785478"/>
+                <a:gd name="connsiteY11" fmla="*/ 899628 h 1169049"/>
+                <a:gd name="connsiteX12" fmla="*/ 5163 w 5785478"/>
+                <a:gd name="connsiteY12" fmla="*/ 646534 h 1169049"/>
+                <a:gd name="connsiteX0" fmla="*/ 5163 w 5785478"/>
+                <a:gd name="connsiteY0" fmla="*/ 662442 h 1184957"/>
+                <a:gd name="connsiteX1" fmla="*/ 192941 w 5785478"/>
+                <a:gd name="connsiteY1" fmla="*/ 368528 h 1184957"/>
+                <a:gd name="connsiteX2" fmla="*/ 617485 w 5785478"/>
+                <a:gd name="connsiteY2" fmla="*/ 115435 h 1184957"/>
+                <a:gd name="connsiteX3" fmla="*/ 1401256 w 5785478"/>
+                <a:gd name="connsiteY3" fmla="*/ 1136 h 1184957"/>
+                <a:gd name="connsiteX4" fmla="*/ 2144206 w 5785478"/>
+                <a:gd name="connsiteY4" fmla="*/ 58285 h 1184957"/>
+                <a:gd name="connsiteX5" fmla="*/ 3311699 w 5785478"/>
+                <a:gd name="connsiteY5" fmla="*/ 229735 h 1184957"/>
+                <a:gd name="connsiteX6" fmla="*/ 4422042 w 5785478"/>
+                <a:gd name="connsiteY6" fmla="*/ 556308 h 1184957"/>
+                <a:gd name="connsiteX7" fmla="*/ 5785478 w 5785478"/>
+                <a:gd name="connsiteY7" fmla="*/ 1184957 h 1184957"/>
+                <a:gd name="connsiteX8" fmla="*/ 3662762 w 5785478"/>
+                <a:gd name="connsiteY8" fmla="*/ 915535 h 1184957"/>
+                <a:gd name="connsiteX9" fmla="*/ 1997250 w 5785478"/>
+                <a:gd name="connsiteY9" fmla="*/ 972685 h 1184957"/>
+                <a:gd name="connsiteX10" fmla="*/ 1091013 w 5785478"/>
+                <a:gd name="connsiteY10" fmla="*/ 980850 h 1184957"/>
+                <a:gd name="connsiteX11" fmla="*/ 380720 w 5785478"/>
+                <a:gd name="connsiteY11" fmla="*/ 915536 h 1184957"/>
+                <a:gd name="connsiteX12" fmla="*/ 5163 w 5785478"/>
+                <a:gd name="connsiteY12" fmla="*/ 662442 h 1184957"/>
+                <a:gd name="connsiteX0" fmla="*/ 5163 w 5785478"/>
+                <a:gd name="connsiteY0" fmla="*/ 662949 h 1185464"/>
+                <a:gd name="connsiteX1" fmla="*/ 192941 w 5785478"/>
+                <a:gd name="connsiteY1" fmla="*/ 369035 h 1185464"/>
+                <a:gd name="connsiteX2" fmla="*/ 617485 w 5785478"/>
+                <a:gd name="connsiteY2" fmla="*/ 115942 h 1185464"/>
+                <a:gd name="connsiteX3" fmla="*/ 1401256 w 5785478"/>
+                <a:gd name="connsiteY3" fmla="*/ 1643 h 1185464"/>
+                <a:gd name="connsiteX4" fmla="*/ 2152370 w 5785478"/>
+                <a:gd name="connsiteY4" fmla="*/ 50628 h 1185464"/>
+                <a:gd name="connsiteX5" fmla="*/ 3311699 w 5785478"/>
+                <a:gd name="connsiteY5" fmla="*/ 230242 h 1185464"/>
+                <a:gd name="connsiteX6" fmla="*/ 4422042 w 5785478"/>
+                <a:gd name="connsiteY6" fmla="*/ 556815 h 1185464"/>
+                <a:gd name="connsiteX7" fmla="*/ 5785478 w 5785478"/>
+                <a:gd name="connsiteY7" fmla="*/ 1185464 h 1185464"/>
+                <a:gd name="connsiteX8" fmla="*/ 3662762 w 5785478"/>
+                <a:gd name="connsiteY8" fmla="*/ 916042 h 1185464"/>
+                <a:gd name="connsiteX9" fmla="*/ 1997250 w 5785478"/>
+                <a:gd name="connsiteY9" fmla="*/ 973192 h 1185464"/>
+                <a:gd name="connsiteX10" fmla="*/ 1091013 w 5785478"/>
+                <a:gd name="connsiteY10" fmla="*/ 981357 h 1185464"/>
+                <a:gd name="connsiteX11" fmla="*/ 380720 w 5785478"/>
+                <a:gd name="connsiteY11" fmla="*/ 916043 h 1185464"/>
+                <a:gd name="connsiteX12" fmla="*/ 5163 w 5785478"/>
+                <a:gd name="connsiteY12" fmla="*/ 662949 h 1185464"/>
+                <a:gd name="connsiteX0" fmla="*/ 7857 w 5788172"/>
+                <a:gd name="connsiteY0" fmla="*/ 662949 h 1185464"/>
+                <a:gd name="connsiteX1" fmla="*/ 195635 w 5788172"/>
+                <a:gd name="connsiteY1" fmla="*/ 369035 h 1185464"/>
+                <a:gd name="connsiteX2" fmla="*/ 620179 w 5788172"/>
+                <a:gd name="connsiteY2" fmla="*/ 115942 h 1185464"/>
+                <a:gd name="connsiteX3" fmla="*/ 1403950 w 5788172"/>
+                <a:gd name="connsiteY3" fmla="*/ 1643 h 1185464"/>
+                <a:gd name="connsiteX4" fmla="*/ 2155064 w 5788172"/>
+                <a:gd name="connsiteY4" fmla="*/ 50628 h 1185464"/>
+                <a:gd name="connsiteX5" fmla="*/ 3314393 w 5788172"/>
+                <a:gd name="connsiteY5" fmla="*/ 230242 h 1185464"/>
+                <a:gd name="connsiteX6" fmla="*/ 4424736 w 5788172"/>
+                <a:gd name="connsiteY6" fmla="*/ 556815 h 1185464"/>
+                <a:gd name="connsiteX7" fmla="*/ 5788172 w 5788172"/>
+                <a:gd name="connsiteY7" fmla="*/ 1185464 h 1185464"/>
+                <a:gd name="connsiteX8" fmla="*/ 3665456 w 5788172"/>
+                <a:gd name="connsiteY8" fmla="*/ 916042 h 1185464"/>
+                <a:gd name="connsiteX9" fmla="*/ 1999944 w 5788172"/>
+                <a:gd name="connsiteY9" fmla="*/ 973192 h 1185464"/>
+                <a:gd name="connsiteX10" fmla="*/ 1093707 w 5788172"/>
+                <a:gd name="connsiteY10" fmla="*/ 981357 h 1185464"/>
+                <a:gd name="connsiteX11" fmla="*/ 440564 w 5788172"/>
+                <a:gd name="connsiteY11" fmla="*/ 850729 h 1185464"/>
+                <a:gd name="connsiteX12" fmla="*/ 7857 w 5788172"/>
+                <a:gd name="connsiteY12" fmla="*/ 662949 h 1185464"/>
+                <a:gd name="connsiteX0" fmla="*/ 7857 w 5788172"/>
+                <a:gd name="connsiteY0" fmla="*/ 662949 h 1185464"/>
+                <a:gd name="connsiteX1" fmla="*/ 195635 w 5788172"/>
+                <a:gd name="connsiteY1" fmla="*/ 369035 h 1185464"/>
+                <a:gd name="connsiteX2" fmla="*/ 620179 w 5788172"/>
+                <a:gd name="connsiteY2" fmla="*/ 115942 h 1185464"/>
+                <a:gd name="connsiteX3" fmla="*/ 1403950 w 5788172"/>
+                <a:gd name="connsiteY3" fmla="*/ 1643 h 1185464"/>
+                <a:gd name="connsiteX4" fmla="*/ 2155064 w 5788172"/>
+                <a:gd name="connsiteY4" fmla="*/ 50628 h 1185464"/>
+                <a:gd name="connsiteX5" fmla="*/ 3314393 w 5788172"/>
+                <a:gd name="connsiteY5" fmla="*/ 230242 h 1185464"/>
+                <a:gd name="connsiteX6" fmla="*/ 4424736 w 5788172"/>
+                <a:gd name="connsiteY6" fmla="*/ 556815 h 1185464"/>
+                <a:gd name="connsiteX7" fmla="*/ 5788172 w 5788172"/>
+                <a:gd name="connsiteY7" fmla="*/ 1185464 h 1185464"/>
+                <a:gd name="connsiteX8" fmla="*/ 3665456 w 5788172"/>
+                <a:gd name="connsiteY8" fmla="*/ 916042 h 1185464"/>
+                <a:gd name="connsiteX9" fmla="*/ 1999944 w 5788172"/>
+                <a:gd name="connsiteY9" fmla="*/ 973192 h 1185464"/>
+                <a:gd name="connsiteX10" fmla="*/ 1052886 w 5788172"/>
+                <a:gd name="connsiteY10" fmla="*/ 916043 h 1185464"/>
+                <a:gd name="connsiteX11" fmla="*/ 440564 w 5788172"/>
+                <a:gd name="connsiteY11" fmla="*/ 850729 h 1185464"/>
+                <a:gd name="connsiteX12" fmla="*/ 7857 w 5788172"/>
+                <a:gd name="connsiteY12" fmla="*/ 662949 h 1185464"/>
+                <a:gd name="connsiteX0" fmla="*/ 7857 w 5788172"/>
+                <a:gd name="connsiteY0" fmla="*/ 662949 h 1185464"/>
+                <a:gd name="connsiteX1" fmla="*/ 195635 w 5788172"/>
+                <a:gd name="connsiteY1" fmla="*/ 369035 h 1185464"/>
+                <a:gd name="connsiteX2" fmla="*/ 620179 w 5788172"/>
+                <a:gd name="connsiteY2" fmla="*/ 115942 h 1185464"/>
+                <a:gd name="connsiteX3" fmla="*/ 1403950 w 5788172"/>
+                <a:gd name="connsiteY3" fmla="*/ 1643 h 1185464"/>
+                <a:gd name="connsiteX4" fmla="*/ 2155064 w 5788172"/>
+                <a:gd name="connsiteY4" fmla="*/ 50628 h 1185464"/>
+                <a:gd name="connsiteX5" fmla="*/ 3314393 w 5788172"/>
+                <a:gd name="connsiteY5" fmla="*/ 230242 h 1185464"/>
+                <a:gd name="connsiteX6" fmla="*/ 4424736 w 5788172"/>
+                <a:gd name="connsiteY6" fmla="*/ 556815 h 1185464"/>
+                <a:gd name="connsiteX7" fmla="*/ 5788172 w 5788172"/>
+                <a:gd name="connsiteY7" fmla="*/ 1185464 h 1185464"/>
+                <a:gd name="connsiteX8" fmla="*/ 3665456 w 5788172"/>
+                <a:gd name="connsiteY8" fmla="*/ 916042 h 1185464"/>
+                <a:gd name="connsiteX9" fmla="*/ 1999944 w 5788172"/>
+                <a:gd name="connsiteY9" fmla="*/ 973192 h 1185464"/>
+                <a:gd name="connsiteX10" fmla="*/ 1052886 w 5788172"/>
+                <a:gd name="connsiteY10" fmla="*/ 916043 h 1185464"/>
+                <a:gd name="connsiteX11" fmla="*/ 440564 w 5788172"/>
+                <a:gd name="connsiteY11" fmla="*/ 850729 h 1185464"/>
+                <a:gd name="connsiteX12" fmla="*/ 7857 w 5788172"/>
+                <a:gd name="connsiteY12" fmla="*/ 662949 h 1185464"/>
+                <a:gd name="connsiteX0" fmla="*/ 6666 w 5786981"/>
+                <a:gd name="connsiteY0" fmla="*/ 662949 h 1185464"/>
+                <a:gd name="connsiteX1" fmla="*/ 194444 w 5786981"/>
+                <a:gd name="connsiteY1" fmla="*/ 369035 h 1185464"/>
+                <a:gd name="connsiteX2" fmla="*/ 618988 w 5786981"/>
+                <a:gd name="connsiteY2" fmla="*/ 115942 h 1185464"/>
+                <a:gd name="connsiteX3" fmla="*/ 1402759 w 5786981"/>
+                <a:gd name="connsiteY3" fmla="*/ 1643 h 1185464"/>
+                <a:gd name="connsiteX4" fmla="*/ 2153873 w 5786981"/>
+                <a:gd name="connsiteY4" fmla="*/ 50628 h 1185464"/>
+                <a:gd name="connsiteX5" fmla="*/ 3313202 w 5786981"/>
+                <a:gd name="connsiteY5" fmla="*/ 230242 h 1185464"/>
+                <a:gd name="connsiteX6" fmla="*/ 4423545 w 5786981"/>
+                <a:gd name="connsiteY6" fmla="*/ 556815 h 1185464"/>
+                <a:gd name="connsiteX7" fmla="*/ 5786981 w 5786981"/>
+                <a:gd name="connsiteY7" fmla="*/ 1185464 h 1185464"/>
+                <a:gd name="connsiteX8" fmla="*/ 3664265 w 5786981"/>
+                <a:gd name="connsiteY8" fmla="*/ 916042 h 1185464"/>
+                <a:gd name="connsiteX9" fmla="*/ 1998753 w 5786981"/>
+                <a:gd name="connsiteY9" fmla="*/ 973192 h 1185464"/>
+                <a:gd name="connsiteX10" fmla="*/ 1051695 w 5786981"/>
+                <a:gd name="connsiteY10" fmla="*/ 916043 h 1185464"/>
+                <a:gd name="connsiteX11" fmla="*/ 414881 w 5786981"/>
+                <a:gd name="connsiteY11" fmla="*/ 834400 h 1185464"/>
+                <a:gd name="connsiteX12" fmla="*/ 6666 w 5786981"/>
+                <a:gd name="connsiteY12" fmla="*/ 662949 h 1185464"/>
+                <a:gd name="connsiteX0" fmla="*/ 6666 w 5786981"/>
+                <a:gd name="connsiteY0" fmla="*/ 605799 h 1185464"/>
+                <a:gd name="connsiteX1" fmla="*/ 194444 w 5786981"/>
+                <a:gd name="connsiteY1" fmla="*/ 369035 h 1185464"/>
+                <a:gd name="connsiteX2" fmla="*/ 618988 w 5786981"/>
+                <a:gd name="connsiteY2" fmla="*/ 115942 h 1185464"/>
+                <a:gd name="connsiteX3" fmla="*/ 1402759 w 5786981"/>
+                <a:gd name="connsiteY3" fmla="*/ 1643 h 1185464"/>
+                <a:gd name="connsiteX4" fmla="*/ 2153873 w 5786981"/>
+                <a:gd name="connsiteY4" fmla="*/ 50628 h 1185464"/>
+                <a:gd name="connsiteX5" fmla="*/ 3313202 w 5786981"/>
+                <a:gd name="connsiteY5" fmla="*/ 230242 h 1185464"/>
+                <a:gd name="connsiteX6" fmla="*/ 4423545 w 5786981"/>
+                <a:gd name="connsiteY6" fmla="*/ 556815 h 1185464"/>
+                <a:gd name="connsiteX7" fmla="*/ 5786981 w 5786981"/>
+                <a:gd name="connsiteY7" fmla="*/ 1185464 h 1185464"/>
+                <a:gd name="connsiteX8" fmla="*/ 3664265 w 5786981"/>
+                <a:gd name="connsiteY8" fmla="*/ 916042 h 1185464"/>
+                <a:gd name="connsiteX9" fmla="*/ 1998753 w 5786981"/>
+                <a:gd name="connsiteY9" fmla="*/ 973192 h 1185464"/>
+                <a:gd name="connsiteX10" fmla="*/ 1051695 w 5786981"/>
+                <a:gd name="connsiteY10" fmla="*/ 916043 h 1185464"/>
+                <a:gd name="connsiteX11" fmla="*/ 414881 w 5786981"/>
+                <a:gd name="connsiteY11" fmla="*/ 834400 h 1185464"/>
+                <a:gd name="connsiteX12" fmla="*/ 6666 w 5786981"/>
+                <a:gd name="connsiteY12" fmla="*/ 605799 h 1185464"/>
+                <a:gd name="connsiteX0" fmla="*/ 6666 w 5786981"/>
+                <a:gd name="connsiteY0" fmla="*/ 605799 h 1185464"/>
+                <a:gd name="connsiteX1" fmla="*/ 194444 w 5786981"/>
+                <a:gd name="connsiteY1" fmla="*/ 369035 h 1185464"/>
+                <a:gd name="connsiteX2" fmla="*/ 618988 w 5786981"/>
+                <a:gd name="connsiteY2" fmla="*/ 115942 h 1185464"/>
+                <a:gd name="connsiteX3" fmla="*/ 1402759 w 5786981"/>
+                <a:gd name="connsiteY3" fmla="*/ 1643 h 1185464"/>
+                <a:gd name="connsiteX4" fmla="*/ 2153873 w 5786981"/>
+                <a:gd name="connsiteY4" fmla="*/ 50628 h 1185464"/>
+                <a:gd name="connsiteX5" fmla="*/ 3313202 w 5786981"/>
+                <a:gd name="connsiteY5" fmla="*/ 230242 h 1185464"/>
+                <a:gd name="connsiteX6" fmla="*/ 4423545 w 5786981"/>
+                <a:gd name="connsiteY6" fmla="*/ 556815 h 1185464"/>
+                <a:gd name="connsiteX7" fmla="*/ 5786981 w 5786981"/>
+                <a:gd name="connsiteY7" fmla="*/ 1185464 h 1185464"/>
+                <a:gd name="connsiteX8" fmla="*/ 3664265 w 5786981"/>
+                <a:gd name="connsiteY8" fmla="*/ 916042 h 1185464"/>
+                <a:gd name="connsiteX9" fmla="*/ 1998753 w 5786981"/>
+                <a:gd name="connsiteY9" fmla="*/ 973192 h 1185464"/>
+                <a:gd name="connsiteX10" fmla="*/ 1051695 w 5786981"/>
+                <a:gd name="connsiteY10" fmla="*/ 916043 h 1185464"/>
+                <a:gd name="connsiteX11" fmla="*/ 414881 w 5786981"/>
+                <a:gd name="connsiteY11" fmla="*/ 834400 h 1185464"/>
+                <a:gd name="connsiteX12" fmla="*/ 6666 w 5786981"/>
+                <a:gd name="connsiteY12" fmla="*/ 605799 h 1185464"/>
+                <a:gd name="connsiteX0" fmla="*/ 8283 w 5788598"/>
+                <a:gd name="connsiteY0" fmla="*/ 605799 h 1185464"/>
+                <a:gd name="connsiteX1" fmla="*/ 179732 w 5788598"/>
+                <a:gd name="connsiteY1" fmla="*/ 328214 h 1185464"/>
+                <a:gd name="connsiteX2" fmla="*/ 620605 w 5788598"/>
+                <a:gd name="connsiteY2" fmla="*/ 115942 h 1185464"/>
+                <a:gd name="connsiteX3" fmla="*/ 1404376 w 5788598"/>
+                <a:gd name="connsiteY3" fmla="*/ 1643 h 1185464"/>
+                <a:gd name="connsiteX4" fmla="*/ 2155490 w 5788598"/>
+                <a:gd name="connsiteY4" fmla="*/ 50628 h 1185464"/>
+                <a:gd name="connsiteX5" fmla="*/ 3314819 w 5788598"/>
+                <a:gd name="connsiteY5" fmla="*/ 230242 h 1185464"/>
+                <a:gd name="connsiteX6" fmla="*/ 4425162 w 5788598"/>
+                <a:gd name="connsiteY6" fmla="*/ 556815 h 1185464"/>
+                <a:gd name="connsiteX7" fmla="*/ 5788598 w 5788598"/>
+                <a:gd name="connsiteY7" fmla="*/ 1185464 h 1185464"/>
+                <a:gd name="connsiteX8" fmla="*/ 3665882 w 5788598"/>
+                <a:gd name="connsiteY8" fmla="*/ 916042 h 1185464"/>
+                <a:gd name="connsiteX9" fmla="*/ 2000370 w 5788598"/>
+                <a:gd name="connsiteY9" fmla="*/ 973192 h 1185464"/>
+                <a:gd name="connsiteX10" fmla="*/ 1053312 w 5788598"/>
+                <a:gd name="connsiteY10" fmla="*/ 916043 h 1185464"/>
+                <a:gd name="connsiteX11" fmla="*/ 416498 w 5788598"/>
+                <a:gd name="connsiteY11" fmla="*/ 834400 h 1185464"/>
+                <a:gd name="connsiteX12" fmla="*/ 8283 w 5788598"/>
+                <a:gd name="connsiteY12" fmla="*/ 605799 h 1185464"/>
+                <a:gd name="connsiteX0" fmla="*/ 8283 w 5788598"/>
+                <a:gd name="connsiteY0" fmla="*/ 605799 h 1185464"/>
+                <a:gd name="connsiteX1" fmla="*/ 179732 w 5788598"/>
+                <a:gd name="connsiteY1" fmla="*/ 328214 h 1185464"/>
+                <a:gd name="connsiteX2" fmla="*/ 620605 w 5788598"/>
+                <a:gd name="connsiteY2" fmla="*/ 115942 h 1185464"/>
+                <a:gd name="connsiteX3" fmla="*/ 1404376 w 5788598"/>
+                <a:gd name="connsiteY3" fmla="*/ 1643 h 1185464"/>
+                <a:gd name="connsiteX4" fmla="*/ 2155490 w 5788598"/>
+                <a:gd name="connsiteY4" fmla="*/ 50628 h 1185464"/>
+                <a:gd name="connsiteX5" fmla="*/ 3314819 w 5788598"/>
+                <a:gd name="connsiteY5" fmla="*/ 230242 h 1185464"/>
+                <a:gd name="connsiteX6" fmla="*/ 4425162 w 5788598"/>
+                <a:gd name="connsiteY6" fmla="*/ 556815 h 1185464"/>
+                <a:gd name="connsiteX7" fmla="*/ 5788598 w 5788598"/>
+                <a:gd name="connsiteY7" fmla="*/ 1185464 h 1185464"/>
+                <a:gd name="connsiteX8" fmla="*/ 3665882 w 5788598"/>
+                <a:gd name="connsiteY8" fmla="*/ 916042 h 1185464"/>
+                <a:gd name="connsiteX9" fmla="*/ 2000370 w 5788598"/>
+                <a:gd name="connsiteY9" fmla="*/ 907877 h 1185464"/>
+                <a:gd name="connsiteX10" fmla="*/ 1053312 w 5788598"/>
+                <a:gd name="connsiteY10" fmla="*/ 916043 h 1185464"/>
+                <a:gd name="connsiteX11" fmla="*/ 416498 w 5788598"/>
+                <a:gd name="connsiteY11" fmla="*/ 834400 h 1185464"/>
+                <a:gd name="connsiteX12" fmla="*/ 8283 w 5788598"/>
+                <a:gd name="connsiteY12" fmla="*/ 605799 h 1185464"/>
+              </a:gdLst>
+              <a:ahLst/>
+              <a:cxnLst>
+                <a:cxn ang="0">
+                  <a:pos x="connsiteX0" y="connsiteY0"/>
+                </a:cxn>
+                <a:cxn ang="0">
+                  <a:pos x="connsiteX1" y="connsiteY1"/>
+                </a:cxn>
+                <a:cxn ang="0">
+                  <a:pos x="connsiteX2" y="connsiteY2"/>
+                </a:cxn>
+                <a:cxn ang="0">
+                  <a:pos x="connsiteX3" y="connsiteY3"/>
+                </a:cxn>
+                <a:cxn ang="0">
+                  <a:pos x="connsiteX4" y="connsiteY4"/>
+                </a:cxn>
+                <a:cxn ang="0">
+                  <a:pos x="connsiteX5" y="connsiteY5"/>
+                </a:cxn>
+                <a:cxn ang="0">
+                  <a:pos x="connsiteX6" y="connsiteY6"/>
+                </a:cxn>
+                <a:cxn ang="0">
+                  <a:pos x="connsiteX7" y="connsiteY7"/>
+                </a:cxn>
+                <a:cxn ang="0">
+                  <a:pos x="connsiteX8" y="connsiteY8"/>
+                </a:cxn>
+                <a:cxn ang="0">
+                  <a:pos x="connsiteX9" y="connsiteY9"/>
+                </a:cxn>
+                <a:cxn ang="0">
+                  <a:pos x="connsiteX10" y="connsiteY10"/>
+                </a:cxn>
+                <a:cxn ang="0">
+                  <a:pos x="connsiteX11" y="connsiteY11"/>
+                </a:cxn>
+                <a:cxn ang="0">
+                  <a:pos x="connsiteX12" y="connsiteY12"/>
+                </a:cxn>
+              </a:cxnLst>
+              <a:rect l="l" t="t" r="r" b="b"/>
+              <a:pathLst>
+                <a:path w="5788598" h="1185464">
+                  <a:moveTo>
+                    <a:pt x="8283" y="605799"/>
+                  </a:moveTo>
+                  <a:cubicBezTo>
+                    <a:pt x="-31178" y="521435"/>
+                    <a:pt x="77678" y="409857"/>
+                    <a:pt x="179732" y="328214"/>
+                  </a:cubicBezTo>
+                  <a:cubicBezTo>
+                    <a:pt x="281786" y="246571"/>
+                    <a:pt x="416498" y="170370"/>
+                    <a:pt x="620605" y="115942"/>
+                  </a:cubicBezTo>
+                  <a:cubicBezTo>
+                    <a:pt x="824712" y="61514"/>
+                    <a:pt x="1148562" y="12529"/>
+                    <a:pt x="1404376" y="1643"/>
+                  </a:cubicBezTo>
+                  <a:cubicBezTo>
+                    <a:pt x="1660190" y="-9243"/>
+                    <a:pt x="1875183" y="37021"/>
+                    <a:pt x="2155490" y="50628"/>
+                  </a:cubicBezTo>
+                  <a:cubicBezTo>
+                    <a:pt x="2423551" y="72399"/>
+                    <a:pt x="2936540" y="145878"/>
+                    <a:pt x="3314819" y="230242"/>
+                  </a:cubicBezTo>
+                  <a:cubicBezTo>
+                    <a:pt x="3693098" y="314607"/>
+                    <a:pt x="4012866" y="397611"/>
+                    <a:pt x="4425162" y="556815"/>
+                  </a:cubicBezTo>
+                  <a:cubicBezTo>
+                    <a:pt x="4837458" y="716019"/>
+                    <a:pt x="5130012" y="812628"/>
+                    <a:pt x="5788598" y="1185464"/>
+                  </a:cubicBezTo>
+                  <a:cubicBezTo>
+                    <a:pt x="5271528" y="1084771"/>
+                    <a:pt x="4297253" y="962306"/>
+                    <a:pt x="3665882" y="916042"/>
+                  </a:cubicBezTo>
+                  <a:cubicBezTo>
+                    <a:pt x="3034511" y="869778"/>
+                    <a:pt x="2435798" y="907877"/>
+                    <a:pt x="2000370" y="907877"/>
+                  </a:cubicBezTo>
+                  <a:lnTo>
+                    <a:pt x="1053312" y="916043"/>
+                  </a:lnTo>
+                  <a:cubicBezTo>
+                    <a:pt x="764840" y="871140"/>
+                    <a:pt x="590670" y="886107"/>
+                    <a:pt x="416498" y="834400"/>
+                  </a:cubicBezTo>
+                  <a:cubicBezTo>
+                    <a:pt x="242326" y="782693"/>
+                    <a:pt x="47744" y="690163"/>
+                    <a:pt x="8283" y="605799"/>
+                  </a:cubicBezTo>
+                  <a:close/>
+                </a:path>
+              </a:pathLst>
+            </a:custGeom>
+            <a:solidFill>
+              <a:schemeClr val="accent5">
+                <a:lumMod val="60000"/>
+                <a:lumOff val="40000"/>
+              </a:schemeClr>
+            </a:solidFill>
+            <a:ln w="38100">
+              <a:solidFill>
+                <a:schemeClr val="tx1"/>
+              </a:solidFill>
+            </a:ln>
+          </p:spPr>
+          <p:style>
+            <a:lnRef idx="2">
+              <a:schemeClr val="accent1">
+                <a:shade val="50000"/>
+              </a:schemeClr>
+            </a:lnRef>
+            <a:fillRef idx="1">
+              <a:schemeClr val="accent1"/>
+            </a:fillRef>
+            <a:effectRef idx="0">
+              <a:schemeClr val="accent1"/>
+            </a:effectRef>
+            <a:fontRef idx="minor">
+              <a:schemeClr val="lt1"/>
+            </a:fontRef>
+          </p:style>
+          <p:txBody>
+            <a:bodyPr rtlCol="0" anchor="ctr"/>
+            <a:lstStyle/>
+            <a:p>
+              <a:pPr algn="ctr"/>
+              <a:endParaRPr kumimoji="1" lang="ja-JP" altLang="en-US"/>
+            </a:p>
+          </p:txBody>
+        </p:sp>
+        <p:cxnSp>
+          <p:nvCxnSpPr>
+            <p:cNvPr id="31" name="直線コネクタ 30">
+              <a:extLst>
+                <a:ext uri="{FF2B5EF4-FFF2-40B4-BE49-F238E27FC236}">
+                  <a16:creationId xmlns:a16="http://schemas.microsoft.com/office/drawing/2014/main" id="{7BED5221-480F-4107-9FB5-C0B9F9B56B39}"/>
+                </a:ext>
+              </a:extLst>
+            </p:cNvPr>
+            <p:cNvCxnSpPr>
+              <a:cxnSpLocks/>
+            </p:cNvCxnSpPr>
+            <p:nvPr/>
+          </p:nvCxnSpPr>
+          <p:spPr>
+            <a:xfrm>
+              <a:off x="480766" y="5833349"/>
+              <a:ext cx="7008176" cy="773072"/>
+            </a:xfrm>
+            <a:prstGeom prst="line">
+              <a:avLst/>
+            </a:prstGeom>
+            <a:ln w="38100">
+              <a:solidFill>
+                <a:schemeClr val="tx1"/>
+              </a:solidFill>
+              <a:prstDash val="dash"/>
+            </a:ln>
+          </p:spPr>
+          <p:style>
+            <a:lnRef idx="1">
+              <a:schemeClr val="accent1"/>
+            </a:lnRef>
+            <a:fillRef idx="0">
+              <a:schemeClr val="accent1"/>
+            </a:fillRef>
+            <a:effectRef idx="0">
+              <a:schemeClr val="accent1"/>
+            </a:effectRef>
+            <a:fontRef idx="minor">
+              <a:schemeClr val="tx1"/>
+            </a:fontRef>
+          </p:style>
+        </p:cxnSp>
+        <p:cxnSp>
+          <p:nvCxnSpPr>
+            <p:cNvPr id="32" name="直線矢印コネクタ 31">
+              <a:extLst>
+                <a:ext uri="{FF2B5EF4-FFF2-40B4-BE49-F238E27FC236}">
+                  <a16:creationId xmlns:a16="http://schemas.microsoft.com/office/drawing/2014/main" id="{2E785F33-8ADC-46F2-B441-E5FC16174D8C}"/>
+                </a:ext>
+              </a:extLst>
+            </p:cNvPr>
+            <p:cNvCxnSpPr>
+              <a:cxnSpLocks/>
+              <a:endCxn id="30" idx="0"/>
+            </p:cNvCxnSpPr>
+            <p:nvPr/>
+          </p:nvCxnSpPr>
+          <p:spPr>
+            <a:xfrm flipV="1">
+              <a:off x="622168" y="6111759"/>
+              <a:ext cx="2227116" cy="206817"/>
+            </a:xfrm>
+            <a:prstGeom prst="straightConnector1">
+              <a:avLst/>
+            </a:prstGeom>
+            <a:ln w="28575">
+              <a:solidFill>
+                <a:schemeClr val="accent1"/>
+              </a:solidFill>
+              <a:tailEnd type="triangle" w="lg" len="lg"/>
+            </a:ln>
+          </p:spPr>
+          <p:style>
+            <a:lnRef idx="1">
+              <a:schemeClr val="accent1"/>
+            </a:lnRef>
+            <a:fillRef idx="0">
+              <a:schemeClr val="accent1"/>
+            </a:fillRef>
+            <a:effectRef idx="0">
+              <a:schemeClr val="accent1"/>
+            </a:effectRef>
+            <a:fontRef idx="minor">
+              <a:schemeClr val="tx1"/>
+            </a:fontRef>
+          </p:style>
+        </p:cxnSp>
+        <p:cxnSp>
+          <p:nvCxnSpPr>
+            <p:cNvPr id="33" name="直線矢印コネクタ 32">
+              <a:extLst>
+                <a:ext uri="{FF2B5EF4-FFF2-40B4-BE49-F238E27FC236}">
+                  <a16:creationId xmlns:a16="http://schemas.microsoft.com/office/drawing/2014/main" id="{FC103028-70B4-4803-B6A5-1028779B4993}"/>
+                </a:ext>
+              </a:extLst>
+            </p:cNvPr>
+            <p:cNvCxnSpPr>
+              <a:cxnSpLocks/>
+            </p:cNvCxnSpPr>
+            <p:nvPr/>
+          </p:nvCxnSpPr>
+          <p:spPr>
+            <a:xfrm flipH="1" flipV="1">
+              <a:off x="3459637" y="2994546"/>
+              <a:ext cx="342821" cy="3225244"/>
+            </a:xfrm>
+            <a:prstGeom prst="straightConnector1">
+              <a:avLst/>
+            </a:prstGeom>
+            <a:ln w="76200">
+              <a:solidFill>
+                <a:srgbClr val="C00000"/>
+              </a:solidFill>
+              <a:tailEnd type="triangle" w="lg" len="lg"/>
+            </a:ln>
+          </p:spPr>
+          <p:style>
+            <a:lnRef idx="1">
+              <a:schemeClr val="accent1"/>
+            </a:lnRef>
+            <a:fillRef idx="0">
+              <a:schemeClr val="accent1"/>
+            </a:fillRef>
+            <a:effectRef idx="0">
+              <a:schemeClr val="accent1"/>
+            </a:effectRef>
+            <a:fontRef idx="minor">
+              <a:schemeClr val="tx1"/>
+            </a:fontRef>
+          </p:style>
+        </p:cxnSp>
+        <p:cxnSp>
+          <p:nvCxnSpPr>
+            <p:cNvPr id="34" name="直線矢印コネクタ 33">
+              <a:extLst>
+                <a:ext uri="{FF2B5EF4-FFF2-40B4-BE49-F238E27FC236}">
+                  <a16:creationId xmlns:a16="http://schemas.microsoft.com/office/drawing/2014/main" id="{007853A6-82AA-4D1F-B33A-A5F86E36821D}"/>
+                </a:ext>
+              </a:extLst>
+            </p:cNvPr>
+            <p:cNvCxnSpPr>
+              <a:cxnSpLocks/>
+            </p:cNvCxnSpPr>
+            <p:nvPr/>
+          </p:nvCxnSpPr>
+          <p:spPr>
+            <a:xfrm flipV="1">
+              <a:off x="3809081" y="6111759"/>
+              <a:ext cx="1065331" cy="87317"/>
+            </a:xfrm>
+            <a:prstGeom prst="straightConnector1">
+              <a:avLst/>
+            </a:prstGeom>
+            <a:ln w="76200">
+              <a:solidFill>
+                <a:srgbClr val="C00000"/>
+              </a:solidFill>
+              <a:tailEnd type="triangle" w="lg" len="lg"/>
+            </a:ln>
+          </p:spPr>
+          <p:style>
+            <a:lnRef idx="1">
+              <a:schemeClr val="accent1"/>
+            </a:lnRef>
+            <a:fillRef idx="0">
+              <a:schemeClr val="accent1"/>
+            </a:fillRef>
+            <a:effectRef idx="0">
+              <a:schemeClr val="accent1"/>
+            </a:effectRef>
+            <a:fontRef idx="minor">
+              <a:schemeClr val="tx1"/>
+            </a:fontRef>
+          </p:style>
+        </p:cxnSp>
+        <p:sp>
+          <p:nvSpPr>
+            <p:cNvPr id="35" name="フリーフォーム: 図形 34">
+              <a:extLst>
+                <a:ext uri="{FF2B5EF4-FFF2-40B4-BE49-F238E27FC236}">
+                  <a16:creationId xmlns:a16="http://schemas.microsoft.com/office/drawing/2014/main" id="{50D7247F-40EF-42CB-A132-196399A17C58}"/>
+                </a:ext>
+              </a:extLst>
+            </p:cNvPr>
+            <p:cNvSpPr/>
+            <p:nvPr/>
+          </p:nvSpPr>
+          <p:spPr>
+            <a:xfrm>
+              <a:off x="1144995" y="5971804"/>
+              <a:ext cx="62690" cy="246597"/>
+            </a:xfrm>
+            <a:custGeom>
+              <a:avLst/>
+              <a:gdLst>
+                <a:gd name="connsiteX0" fmla="*/ 59334 w 68959"/>
+                <a:gd name="connsiteY0" fmla="*/ 0 h 298383"/>
+                <a:gd name="connsiteX1" fmla="*/ 1582 w 68959"/>
+                <a:gd name="connsiteY1" fmla="*/ 96252 h 298383"/>
+                <a:gd name="connsiteX2" fmla="*/ 20833 w 68959"/>
+                <a:gd name="connsiteY2" fmla="*/ 221381 h 298383"/>
+                <a:gd name="connsiteX3" fmla="*/ 68959 w 68959"/>
+                <a:gd name="connsiteY3" fmla="*/ 298383 h 298383"/>
+              </a:gdLst>
+              <a:ahLst/>
+              <a:cxnLst>
+                <a:cxn ang="0">
+                  <a:pos x="connsiteX0" y="connsiteY0"/>
+                </a:cxn>
+                <a:cxn ang="0">
+                  <a:pos x="connsiteX1" y="connsiteY1"/>
+                </a:cxn>
+                <a:cxn ang="0">
+                  <a:pos x="connsiteX2" y="connsiteY2"/>
+                </a:cxn>
+                <a:cxn ang="0">
+                  <a:pos x="connsiteX3" y="connsiteY3"/>
+                </a:cxn>
+              </a:cxnLst>
+              <a:rect l="l" t="t" r="r" b="b"/>
+              <a:pathLst>
+                <a:path w="68959" h="298383">
+                  <a:moveTo>
+                    <a:pt x="59334" y="0"/>
+                  </a:moveTo>
+                  <a:cubicBezTo>
+                    <a:pt x="33666" y="29677"/>
+                    <a:pt x="7999" y="59355"/>
+                    <a:pt x="1582" y="96252"/>
+                  </a:cubicBezTo>
+                  <a:cubicBezTo>
+                    <a:pt x="-4835" y="133149"/>
+                    <a:pt x="9604" y="187693"/>
+                    <a:pt x="20833" y="221381"/>
+                  </a:cubicBezTo>
+                  <a:cubicBezTo>
+                    <a:pt x="32062" y="255069"/>
+                    <a:pt x="50510" y="276726"/>
+                    <a:pt x="68959" y="298383"/>
+                  </a:cubicBezTo>
+                </a:path>
+              </a:pathLst>
+            </a:custGeom>
+            <a:noFill/>
+            <a:ln w="28575"/>
+          </p:spPr>
+          <p:style>
+            <a:lnRef idx="2">
+              <a:schemeClr val="accent1">
+                <a:shade val="50000"/>
+              </a:schemeClr>
+            </a:lnRef>
+            <a:fillRef idx="1">
+              <a:schemeClr val="accent1"/>
+            </a:fillRef>
+            <a:effectRef idx="0">
+              <a:schemeClr val="accent1"/>
+            </a:effectRef>
+            <a:fontRef idx="minor">
+              <a:schemeClr val="lt1"/>
+            </a:fontRef>
+          </p:style>
+          <p:txBody>
+            <a:bodyPr rtlCol="0" anchor="ctr"/>
+            <a:lstStyle/>
+            <a:p>
+              <a:pPr algn="ctr"/>
+              <a:endParaRPr kumimoji="1" lang="ja-JP" altLang="en-US"/>
+            </a:p>
+          </p:txBody>
+        </p:sp>
+        <p:sp>
+          <p:nvSpPr>
+            <p:cNvPr id="36" name="テキスト ボックス 35">
+              <a:extLst>
+                <a:ext uri="{FF2B5EF4-FFF2-40B4-BE49-F238E27FC236}">
+                  <a16:creationId xmlns:a16="http://schemas.microsoft.com/office/drawing/2014/main" id="{FD36B999-CB06-4258-B40F-0C169FAB8E1D}"/>
+                </a:ext>
+              </a:extLst>
+            </p:cNvPr>
+            <p:cNvSpPr txBox="1"/>
+            <p:nvPr/>
+          </p:nvSpPr>
+          <p:spPr>
+            <a:xfrm>
+              <a:off x="245395" y="5949324"/>
+              <a:ext cx="642079" cy="305233"/>
+            </a:xfrm>
+            <a:prstGeom prst="rect">
+              <a:avLst/>
+            </a:prstGeom>
+            <a:noFill/>
+          </p:spPr>
+          <p:txBody>
+            <a:bodyPr wrap="square" rtlCol="0">
+              <a:spAutoFit/>
+            </a:bodyPr>
+            <a:lstStyle/>
+            <a:p>
+              <a:r>
+                <a:rPr kumimoji="1" lang="en-US" altLang="ja-JP" dirty="0" err="1"/>
+                <a:t>AoA</a:t>
+              </a:r>
+              <a:endParaRPr kumimoji="1" lang="ja-JP" altLang="en-US" dirty="0"/>
+            </a:p>
+          </p:txBody>
+        </p:sp>
+        <p:sp>
+          <p:nvSpPr>
+            <p:cNvPr id="37" name="テキスト ボックス 36">
+              <a:extLst>
+                <a:ext uri="{FF2B5EF4-FFF2-40B4-BE49-F238E27FC236}">
+                  <a16:creationId xmlns:a16="http://schemas.microsoft.com/office/drawing/2014/main" id="{7C64C3EA-0BF4-45AD-9057-68CD0A26E42D}"/>
+                </a:ext>
+              </a:extLst>
+            </p:cNvPr>
+            <p:cNvSpPr txBox="1"/>
+            <p:nvPr/>
+          </p:nvSpPr>
+          <p:spPr>
+            <a:xfrm>
+              <a:off x="3635841" y="3545993"/>
+              <a:ext cx="438549" cy="369332"/>
+            </a:xfrm>
+            <a:prstGeom prst="rect">
+              <a:avLst/>
+            </a:prstGeom>
+            <a:noFill/>
+          </p:spPr>
+          <p:txBody>
+            <a:bodyPr wrap="square" rtlCol="0">
+              <a:spAutoFit/>
+            </a:bodyPr>
+            <a:lstStyle/>
+            <a:p>
+              <a:r>
+                <a:rPr lang="en-US" altLang="ja-JP" dirty="0"/>
+                <a:t>Cl</a:t>
+              </a:r>
+              <a:endParaRPr kumimoji="1" lang="ja-JP" altLang="en-US" dirty="0"/>
+            </a:p>
+          </p:txBody>
+        </p:sp>
+        <p:sp>
+          <p:nvSpPr>
+            <p:cNvPr id="38" name="テキスト ボックス 37">
+              <a:extLst>
+                <a:ext uri="{FF2B5EF4-FFF2-40B4-BE49-F238E27FC236}">
+                  <a16:creationId xmlns:a16="http://schemas.microsoft.com/office/drawing/2014/main" id="{37466E4F-88DD-400B-84A7-E506D7EE5AB4}"/>
+                </a:ext>
+              </a:extLst>
+            </p:cNvPr>
+            <p:cNvSpPr txBox="1"/>
+            <p:nvPr/>
+          </p:nvSpPr>
+          <p:spPr>
+            <a:xfrm>
+              <a:off x="4272831" y="5216933"/>
+              <a:ext cx="601581" cy="369332"/>
+            </a:xfrm>
+            <a:prstGeom prst="rect">
+              <a:avLst/>
+            </a:prstGeom>
+            <a:noFill/>
+          </p:spPr>
+          <p:txBody>
+            <a:bodyPr wrap="square" rtlCol="0">
+              <a:spAutoFit/>
+            </a:bodyPr>
+            <a:lstStyle/>
+            <a:p>
+              <a:r>
+                <a:rPr lang="en-US" altLang="ja-JP" dirty="0"/>
+                <a:t>Cd</a:t>
+              </a:r>
+              <a:endParaRPr kumimoji="1" lang="ja-JP" altLang="en-US" dirty="0"/>
+            </a:p>
+          </p:txBody>
+        </p:sp>
+        <p:sp>
+          <p:nvSpPr>
+            <p:cNvPr id="46" name="矢印: 右 45">
+              <a:extLst>
+                <a:ext uri="{FF2B5EF4-FFF2-40B4-BE49-F238E27FC236}">
+                  <a16:creationId xmlns:a16="http://schemas.microsoft.com/office/drawing/2014/main" id="{7E0FFE6E-9A9B-48D6-B469-0569CD81A17D}"/>
+                </a:ext>
+              </a:extLst>
+            </p:cNvPr>
+            <p:cNvSpPr/>
+            <p:nvPr/>
+          </p:nvSpPr>
+          <p:spPr>
+            <a:xfrm rot="20553046">
+              <a:off x="5198131" y="4042721"/>
+              <a:ext cx="1648488" cy="1279994"/>
+            </a:xfrm>
+            <a:prstGeom prst="rightArrow">
+              <a:avLst>
+                <a:gd name="adj1" fmla="val 50000"/>
+                <a:gd name="adj2" fmla="val 53612"/>
+              </a:avLst>
+            </a:prstGeom>
+          </p:spPr>
+          <p:style>
+            <a:lnRef idx="2">
+              <a:schemeClr val="accent1">
+                <a:shade val="50000"/>
+              </a:schemeClr>
+            </a:lnRef>
+            <a:fillRef idx="1">
+              <a:schemeClr val="accent1"/>
+            </a:fillRef>
+            <a:effectRef idx="0">
+              <a:schemeClr val="accent1"/>
+            </a:effectRef>
+            <a:fontRef idx="minor">
+              <a:schemeClr val="lt1"/>
+            </a:fontRef>
+          </p:style>
+          <p:txBody>
+            <a:bodyPr rtlCol="0" anchor="ctr"/>
+            <a:lstStyle/>
+            <a:p>
+              <a:pPr algn="ctr"/>
+              <a:endParaRPr kumimoji="1" lang="ja-JP" altLang="en-US"/>
+            </a:p>
+          </p:txBody>
+        </p:sp>
+      </p:grpSp>
+    </p:spTree>
+    <p:extLst>
+      <p:ext uri="{BB962C8B-B14F-4D97-AF65-F5344CB8AC3E}">
+        <p14:creationId xmlns:p14="http://schemas.microsoft.com/office/powerpoint/2010/main" val="1286492934"/>
+      </p:ext>
+    </p:extLst>
+  </p:cSld>
+  <p:clrMapOvr>
+    <a:masterClrMapping/>
+  </p:clrMapOvr>
+</p:sld>
+</file>
+
+<file path=ppt/slides/slide6.xml><?xml version="1.0" encoding="utf-8"?>
+<p:sld xmlns:a="http://schemas.openxmlformats.org/drawingml/2006/main" xmlns:r="http://schemas.openxmlformats.org/officeDocument/2006/relationships" xmlns:p="http://schemas.openxmlformats.org/presentationml/2006/main">
+  <p:cSld>
+    <p:spTree>
+      <p:nvGrpSpPr>
+        <p:cNvPr id="1" name=""/>
+        <p:cNvGrpSpPr/>
+        <p:nvPr/>
+      </p:nvGrpSpPr>
+      <p:grpSpPr>
+        <a:xfrm>
+          <a:off x="0" y="0"/>
+          <a:ext cx="0" cy="0"/>
+          <a:chOff x="0" y="0"/>
+          <a:chExt cx="0" cy="0"/>
+        </a:xfrm>
+      </p:grpSpPr>
+    </p:spTree>
+    <p:extLst>
+      <p:ext uri="{BB962C8B-B14F-4D97-AF65-F5344CB8AC3E}">
+        <p14:creationId xmlns:p14="http://schemas.microsoft.com/office/powerpoint/2010/main" val="803208865"/>
+      </p:ext>
+    </p:extLst>
+  </p:cSld>
+  <p:clrMapOvr>
+    <a:masterClrMapping/>
+  </p:clrMapOvr>
+</p:sld>
+</file>
+
+<file path=ppt/slides/slide7.xml><?xml version="1.0" encoding="utf-8"?>
+<p:sld xmlns:a="http://schemas.openxmlformats.org/drawingml/2006/main" xmlns:r="http://schemas.openxmlformats.org/officeDocument/2006/relationships" xmlns:p="http://schemas.openxmlformats.org/presentationml/2006/main">
+  <p:cSld>
+    <p:spTree>
+      <p:nvGrpSpPr>
+        <p:cNvPr id="1" name=""/>
+        <p:cNvGrpSpPr/>
+        <p:nvPr/>
+      </p:nvGrpSpPr>
+      <p:grpSpPr>
+        <a:xfrm>
+          <a:off x="0" y="0"/>
+          <a:ext cx="0" cy="0"/>
+          <a:chOff x="0" y="0"/>
+          <a:chExt cx="0" cy="0"/>
+        </a:xfrm>
+      </p:grpSpPr>
+    </p:spTree>
+    <p:extLst>
+      <p:ext uri="{BB962C8B-B14F-4D97-AF65-F5344CB8AC3E}">
+        <p14:creationId xmlns:p14="http://schemas.microsoft.com/office/powerpoint/2010/main" val="2045425399"/>
+      </p:ext>
+    </p:extLst>
+  </p:cSld>
+  <p:clrMapOvr>
+    <a:masterClrMapping/>
+  </p:clrMapOvr>
+</p:sld>
+</file>
+
 <file path=ppt/theme/theme1.xml><?xml version="1.0" encoding="utf-8"?>
 <a:theme xmlns:a="http://schemas.openxmlformats.org/drawingml/2006/main" name="Office テーマ">
   <a:themeElements>
